--- a/Microbiome_Analyst.pptx
+++ b/Microbiome_Analyst.pptx
@@ -5,7 +5,7 @@
     <p:sldMasterId id="2147483918" r:id="rId4"/>
   </p:sldMasterIdLst>
   <p:notesMasterIdLst>
-    <p:notesMasterId r:id="rId47"/>
+    <p:notesMasterId r:id="rId39"/>
   </p:notesMasterIdLst>
   <p:sldIdLst>
     <p:sldId id="256" r:id="rId5"/>
@@ -42,14 +42,6 @@
     <p:sldId id="300" r:id="rId36"/>
     <p:sldId id="301" r:id="rId37"/>
     <p:sldId id="287" r:id="rId38"/>
-    <p:sldId id="257" r:id="rId39"/>
-    <p:sldId id="260" r:id="rId40"/>
-    <p:sldId id="259" r:id="rId41"/>
-    <p:sldId id="258" r:id="rId42"/>
-    <p:sldId id="261" r:id="rId43"/>
-    <p:sldId id="264" r:id="rId44"/>
-    <p:sldId id="262" r:id="rId45"/>
-    <p:sldId id="263" r:id="rId46"/>
   </p:sldIdLst>
   <p:sldSz cx="12192000" cy="6858000"/>
   <p:notesSz cx="6858000" cy="9144000"/>
@@ -8700,85 +8692,6 @@
     </pc:docChg>
   </pc:docChgLst>
 </pc:chgInfo>
-</file>
-
-<file path=ppt/comments/modernComment_102_B0FE83B1.xml><?xml version="1.0" encoding="utf-8"?>
-<p188:cmLst xmlns:a="http://schemas.openxmlformats.org/drawingml/2006/main" xmlns:r="http://schemas.openxmlformats.org/officeDocument/2006/relationships" xmlns:p188="http://schemas.microsoft.com/office/powerpoint/2018/8/main">
-  <p188:cm id="{C506F041-B64D-45DF-A0C4-BBB978C8FB05}" authorId="{B06986A9-870D-A5CD-1A34-1141AFB5FA91}" created="2024-01-28T14:00:28.824">
-    <pc:sldMkLst xmlns:pc="http://schemas.microsoft.com/office/powerpoint/2013/main/command">
-      <pc:docMk/>
-      <pc:sldMk cId="2969469873" sldId="258"/>
-    </pc:sldMkLst>
-    <p188:txBody>
-      <a:bodyPr/>
-      <a:lstStyle/>
-      <a:p>
-        <a:r>
-          <a:rPr lang="en-US"/>
-          <a:t>Needs to change the wording; directly copied from the paper</a:t>
-        </a:r>
-      </a:p>
-    </p188:txBody>
-  </p188:cm>
-</p188:cmLst>
-</file>
-
-<file path=ppt/comments/modernComment_103_45D6C1F9.xml><?xml version="1.0" encoding="utf-8"?>
-<p188:cmLst xmlns:a="http://schemas.openxmlformats.org/drawingml/2006/main" xmlns:r="http://schemas.openxmlformats.org/officeDocument/2006/relationships" xmlns:p188="http://schemas.microsoft.com/office/powerpoint/2018/8/main">
-  <p188:cm id="{4259E2C8-758C-475D-B37C-7EBA092AD50B}" authorId="{B06986A9-870D-A5CD-1A34-1141AFB5FA91}" created="2024-01-28T13:59:41.307">
-    <pc:sldMkLst xmlns:pc="http://schemas.microsoft.com/office/powerpoint/2013/main/command">
-      <pc:docMk/>
-      <pc:sldMk cId="1171702265" sldId="259"/>
-    </pc:sldMkLst>
-    <p188:txBody>
-      <a:bodyPr/>
-      <a:lstStyle/>
-      <a:p>
-        <a:r>
-          <a:rPr lang="en-US"/>
-          <a:t>Need edits </a:t>
-        </a:r>
-      </a:p>
-    </p188:txBody>
-  </p188:cm>
-</p188:cmLst>
-</file>
-
-<file path=ppt/comments/modernComment_107_7D5612CE.xml><?xml version="1.0" encoding="utf-8"?>
-<p188:cmLst xmlns:a="http://schemas.openxmlformats.org/drawingml/2006/main" xmlns:r="http://schemas.openxmlformats.org/officeDocument/2006/relationships" xmlns:p188="http://schemas.microsoft.com/office/powerpoint/2018/8/main">
-  <p188:cm id="{D6E8A61D-3916-4FA1-B432-F94DBCEADDB6}" authorId="{B06986A9-870D-A5CD-1A34-1141AFB5FA91}" created="2024-01-28T14:01:14.373">
-    <pc:sldMkLst xmlns:pc="http://schemas.microsoft.com/office/powerpoint/2013/main/command">
-      <pc:docMk/>
-      <pc:sldMk cId="2102792910" sldId="263"/>
-    </pc:sldMkLst>
-    <p188:txBody>
-      <a:bodyPr/>
-      <a:lstStyle/>
-      <a:p>
-        <a:r>
-          <a:rPr lang="en-US"/>
-          <a:t>Need to add more to explaining each, for reference </a:t>
-        </a:r>
-      </a:p>
-    </p188:txBody>
-  </p188:cm>
-  <p188:cm id="{D0C15952-3701-423D-B0C6-ED2441CB9F5B}" authorId="{B06986A9-870D-A5CD-1A34-1141AFB5FA91}" created="2024-01-28T14:01:24.201">
-    <pc:sldMkLst xmlns:pc="http://schemas.microsoft.com/office/powerpoint/2013/main/command">
-      <pc:docMk/>
-      <pc:sldMk cId="2102792910" sldId="263"/>
-    </pc:sldMkLst>
-    <p188:txBody>
-      <a:bodyPr/>
-      <a:lstStyle/>
-      <a:p>
-        <a:r>
-          <a:rPr lang="en-US"/>
-          <a:t>For reference</a:t>
-        </a:r>
-      </a:p>
-    </p188:txBody>
-  </p188:cm>
-</p188:cmLst>
 </file>
 
 <file path=ppt/diagrams/colors1.xml><?xml version="1.0" encoding="utf-8"?>
@@ -31530,804 +31443,6 @@
 </p:sld>
 </file>
 
-<file path=ppt/slides/slide35.xml><?xml version="1.0" encoding="utf-8"?>
-<p:sld xmlns:a="http://schemas.openxmlformats.org/drawingml/2006/main" xmlns:r="http://schemas.openxmlformats.org/officeDocument/2006/relationships" xmlns:p="http://schemas.openxmlformats.org/presentationml/2006/main">
-  <p:cSld>
-    <p:bg>
-      <p:bgPr>
-        <a:solidFill>
-          <a:schemeClr val="bg1"/>
-        </a:solidFill>
-        <a:effectLst/>
-      </p:bgPr>
-    </p:bg>
-    <p:spTree>
-      <p:nvGrpSpPr>
-        <p:cNvPr id="1" name=""/>
-        <p:cNvGrpSpPr/>
-        <p:nvPr/>
-      </p:nvGrpSpPr>
-      <p:grpSpPr>
-        <a:xfrm>
-          <a:off x="0" y="0"/>
-          <a:ext cx="0" cy="0"/>
-          <a:chOff x="0" y="0"/>
-          <a:chExt cx="0" cy="0"/>
-        </a:xfrm>
-      </p:grpSpPr>
-      <p:sp>
-        <p:nvSpPr>
-          <p:cNvPr id="2" name="Title 1">
-            <a:extLst>
-              <a:ext uri="{FF2B5EF4-FFF2-40B4-BE49-F238E27FC236}">
-                <a16:creationId xmlns:a16="http://schemas.microsoft.com/office/drawing/2014/main" id="{4D3FEA41-6E80-6962-37F3-C991673814A0}"/>
-              </a:ext>
-            </a:extLst>
-          </p:cNvPr>
-          <p:cNvSpPr>
-            <a:spLocks noGrp="1"/>
-          </p:cNvSpPr>
-          <p:nvPr>
-            <p:ph type="title"/>
-          </p:nvPr>
-        </p:nvSpPr>
-        <p:spPr>
-          <a:xfrm>
-            <a:off x="640080" y="1243013"/>
-            <a:ext cx="3855720" cy="4371974"/>
-          </a:xfrm>
-        </p:spPr>
-        <p:txBody>
-          <a:bodyPr>
-            <a:normAutofit/>
-          </a:bodyPr>
-          <a:lstStyle/>
-          <a:p>
-            <a:r>
-              <a:rPr lang="en-US" sz="3600">
-                <a:solidFill>
-                  <a:schemeClr val="tx2"/>
-                </a:solidFill>
-                <a:ea typeface="Calibri Light"/>
-                <a:cs typeface="Calibri Light"/>
-              </a:rPr>
-              <a:t>Goal of the Tutorial </a:t>
-            </a:r>
-            <a:endParaRPr lang="en-US" sz="3600">
-              <a:solidFill>
-                <a:schemeClr val="tx2"/>
-              </a:solidFill>
-            </a:endParaRPr>
-          </a:p>
-        </p:txBody>
-      </p:sp>
-      <p:sp>
-        <p:nvSpPr>
-          <p:cNvPr id="3" name="Content Placeholder 2">
-            <a:extLst>
-              <a:ext uri="{FF2B5EF4-FFF2-40B4-BE49-F238E27FC236}">
-                <a16:creationId xmlns:a16="http://schemas.microsoft.com/office/drawing/2014/main" id="{9A34F657-F733-C3CE-4BC7-5AA2E0570E2D}"/>
-              </a:ext>
-            </a:extLst>
-          </p:cNvPr>
-          <p:cNvSpPr>
-            <a:spLocks noGrp="1"/>
-          </p:cNvSpPr>
-          <p:nvPr>
-            <p:ph idx="1"/>
-          </p:nvPr>
-        </p:nvSpPr>
-        <p:spPr>
-          <a:xfrm>
-            <a:off x="6172200" y="804672"/>
-            <a:ext cx="5221224" cy="5230368"/>
-          </a:xfrm>
-        </p:spPr>
-        <p:txBody>
-          <a:bodyPr vert="horz" lIns="91440" tIns="45720" rIns="91440" bIns="45720" rtlCol="0" anchor="ctr">
-            <a:normAutofit/>
-          </a:bodyPr>
-          <a:lstStyle/>
-          <a:p>
-            <a:pPr marL="0" indent="0">
-              <a:buNone/>
-            </a:pPr>
-            <a:r>
-              <a:rPr lang="en-US" sz="1800">
-                <a:solidFill>
-                  <a:schemeClr val="tx2"/>
-                </a:solidFill>
-                <a:ea typeface="Calibri"/>
-                <a:cs typeface="Calibri"/>
-              </a:rPr>
-              <a:t>To perform comprehensive analysis on data from 16S rRNA marker gene data, which includes:</a:t>
-            </a:r>
-          </a:p>
-          <a:p>
-            <a:pPr>
-              <a:buFont typeface="Wingdings" panose="020B0604020202020204" pitchFamily="34" charset="0"/>
-              <a:buChar char="§"/>
-            </a:pPr>
-            <a:r>
-              <a:rPr lang="en-US" sz="1800">
-                <a:solidFill>
-                  <a:schemeClr val="tx2"/>
-                </a:solidFill>
-                <a:ea typeface="Calibri"/>
-                <a:cs typeface="Calibri"/>
-              </a:rPr>
-              <a:t>Compositional and structural analysis</a:t>
-            </a:r>
-          </a:p>
-          <a:p>
-            <a:pPr>
-              <a:buFont typeface="Wingdings" panose="020B0604020202020204" pitchFamily="34" charset="0"/>
-              <a:buChar char="§"/>
-            </a:pPr>
-            <a:r>
-              <a:rPr lang="en-US" sz="1800">
-                <a:solidFill>
-                  <a:schemeClr val="tx2"/>
-                </a:solidFill>
-                <a:ea typeface="Calibri"/>
-                <a:cs typeface="Calibri"/>
-              </a:rPr>
-              <a:t>Biodiversity (Alpha and Beta) Analysis</a:t>
-            </a:r>
-          </a:p>
-          <a:p>
-            <a:pPr>
-              <a:buFont typeface="Wingdings" panose="020B0604020202020204" pitchFamily="34" charset="0"/>
-              <a:buChar char="§"/>
-            </a:pPr>
-            <a:r>
-              <a:rPr lang="en-US" sz="1800">
-                <a:solidFill>
-                  <a:schemeClr val="tx2"/>
-                </a:solidFill>
-                <a:ea typeface="Calibri"/>
-                <a:cs typeface="Calibri"/>
-              </a:rPr>
-              <a:t>Comparative Analysis</a:t>
-            </a:r>
-          </a:p>
-          <a:p>
-            <a:pPr>
-              <a:buFont typeface="Wingdings" panose="020B0604020202020204" pitchFamily="34" charset="0"/>
-              <a:buChar char="§"/>
-            </a:pPr>
-            <a:r>
-              <a:rPr lang="en-US" sz="1800">
-                <a:solidFill>
-                  <a:schemeClr val="tx2"/>
-                </a:solidFill>
-                <a:ea typeface="Calibri"/>
-                <a:cs typeface="Calibri"/>
-              </a:rPr>
-              <a:t>Predictions of Metabolic Potentials</a:t>
-            </a:r>
-          </a:p>
-          <a:p>
-            <a:pPr marL="0" indent="0">
-              <a:buNone/>
-            </a:pPr>
-            <a:endParaRPr lang="en-US" sz="1800">
-              <a:solidFill>
-                <a:schemeClr val="tx2"/>
-              </a:solidFill>
-              <a:ea typeface="Calibri"/>
-              <a:cs typeface="Calibri"/>
-            </a:endParaRPr>
-          </a:p>
-        </p:txBody>
-      </p:sp>
-    </p:spTree>
-    <p:extLst>
-      <p:ext uri="{BB962C8B-B14F-4D97-AF65-F5344CB8AC3E}">
-        <p14:creationId xmlns:p14="http://schemas.microsoft.com/office/powerpoint/2010/main" val="2397075849"/>
-      </p:ext>
-    </p:extLst>
-  </p:cSld>
-  <p:clrMapOvr>
-    <a:masterClrMapping/>
-  </p:clrMapOvr>
-</p:sld>
-</file>
-
-<file path=ppt/slides/slide36.xml><?xml version="1.0" encoding="utf-8"?>
-<p:sld xmlns:a="http://schemas.openxmlformats.org/drawingml/2006/main" xmlns:r="http://schemas.openxmlformats.org/officeDocument/2006/relationships" xmlns:p="http://schemas.openxmlformats.org/presentationml/2006/main">
-  <p:cSld>
-    <p:spTree>
-      <p:nvGrpSpPr>
-        <p:cNvPr id="1" name=""/>
-        <p:cNvGrpSpPr/>
-        <p:nvPr/>
-      </p:nvGrpSpPr>
-      <p:grpSpPr>
-        <a:xfrm>
-          <a:off x="0" y="0"/>
-          <a:ext cx="0" cy="0"/>
-          <a:chOff x="0" y="0"/>
-          <a:chExt cx="0" cy="0"/>
-        </a:xfrm>
-      </p:grpSpPr>
-      <p:sp>
-        <p:nvSpPr>
-          <p:cNvPr id="2" name="Title 1">
-            <a:extLst>
-              <a:ext uri="{FF2B5EF4-FFF2-40B4-BE49-F238E27FC236}">
-                <a16:creationId xmlns:a16="http://schemas.microsoft.com/office/drawing/2014/main" id="{C58538CF-3884-3E08-C5F7-DD3CF76B1029}"/>
-              </a:ext>
-            </a:extLst>
-          </p:cNvPr>
-          <p:cNvSpPr>
-            <a:spLocks noGrp="1"/>
-          </p:cNvSpPr>
-          <p:nvPr>
-            <p:ph type="title"/>
-          </p:nvPr>
-        </p:nvSpPr>
-        <p:spPr/>
-        <p:txBody>
-          <a:bodyPr/>
-          <a:lstStyle/>
-          <a:p>
-            <a:r>
-              <a:rPr lang="en-US">
-                <a:ea typeface="Calibri Light"/>
-                <a:cs typeface="Calibri Light"/>
-              </a:rPr>
-              <a:t>Overview of Microbiome Analyst</a:t>
-            </a:r>
-            <a:endParaRPr lang="en-US"/>
-          </a:p>
-        </p:txBody>
-      </p:sp>
-      <p:sp>
-        <p:nvSpPr>
-          <p:cNvPr id="3" name="Text Placeholder 2">
-            <a:extLst>
-              <a:ext uri="{FF2B5EF4-FFF2-40B4-BE49-F238E27FC236}">
-                <a16:creationId xmlns:a16="http://schemas.microsoft.com/office/drawing/2014/main" id="{B12291E2-4762-B168-72E9-C60152D873A6}"/>
-              </a:ext>
-            </a:extLst>
-          </p:cNvPr>
-          <p:cNvSpPr>
-            <a:spLocks noGrp="1"/>
-          </p:cNvSpPr>
-          <p:nvPr>
-            <p:ph type="body" idx="1"/>
-          </p:nvPr>
-        </p:nvSpPr>
-        <p:spPr/>
-        <p:txBody>
-          <a:bodyPr vert="horz" lIns="91440" tIns="45720" rIns="91440" bIns="45720" rtlCol="0" anchor="t">
-            <a:normAutofit/>
-          </a:bodyPr>
-          <a:lstStyle/>
-          <a:p>
-            <a:r>
-              <a:rPr lang="en-US">
-                <a:ea typeface="Calibri"/>
-                <a:cs typeface="Calibri"/>
-              </a:rPr>
-              <a:t>Version 2.0</a:t>
-            </a:r>
-            <a:endParaRPr lang="en-US"/>
-          </a:p>
-        </p:txBody>
-      </p:sp>
-    </p:spTree>
-    <p:extLst>
-      <p:ext uri="{BB962C8B-B14F-4D97-AF65-F5344CB8AC3E}">
-        <p14:creationId xmlns:p14="http://schemas.microsoft.com/office/powerpoint/2010/main" val="3426227320"/>
-      </p:ext>
-    </p:extLst>
-  </p:cSld>
-  <p:clrMapOvr>
-    <a:masterClrMapping/>
-  </p:clrMapOvr>
-</p:sld>
-</file>
-
-<file path=ppt/slides/slide37.xml><?xml version="1.0" encoding="utf-8"?>
-<p:sld xmlns:a="http://schemas.openxmlformats.org/drawingml/2006/main" xmlns:r="http://schemas.openxmlformats.org/officeDocument/2006/relationships" xmlns:p="http://schemas.openxmlformats.org/presentationml/2006/main">
-  <p:cSld>
-    <p:spTree>
-      <p:nvGrpSpPr>
-        <p:cNvPr id="1" name=""/>
-        <p:cNvGrpSpPr/>
-        <p:nvPr/>
-      </p:nvGrpSpPr>
-      <p:grpSpPr>
-        <a:xfrm>
-          <a:off x="0" y="0"/>
-          <a:ext cx="0" cy="0"/>
-          <a:chOff x="0" y="0"/>
-          <a:chExt cx="0" cy="0"/>
-        </a:xfrm>
-      </p:grpSpPr>
-      <p:sp>
-        <p:nvSpPr>
-          <p:cNvPr id="2" name="Title 1">
-            <a:extLst>
-              <a:ext uri="{FF2B5EF4-FFF2-40B4-BE49-F238E27FC236}">
-                <a16:creationId xmlns:a16="http://schemas.microsoft.com/office/drawing/2014/main" id="{24E0B7EC-A96D-1648-AD18-08880C1902F6}"/>
-              </a:ext>
-            </a:extLst>
-          </p:cNvPr>
-          <p:cNvSpPr>
-            <a:spLocks noGrp="1"/>
-          </p:cNvSpPr>
-          <p:nvPr>
-            <p:ph type="title"/>
-          </p:nvPr>
-        </p:nvSpPr>
-        <p:spPr/>
-        <p:txBody>
-          <a:bodyPr/>
-          <a:lstStyle/>
-          <a:p>
-            <a:r>
-              <a:rPr lang="en-US">
-                <a:ea typeface="Calibri Light"/>
-                <a:cs typeface="Calibri Light"/>
-              </a:rPr>
-              <a:t>Challenges in Microbiota Studies</a:t>
-            </a:r>
-          </a:p>
-        </p:txBody>
-      </p:sp>
-      <p:sp>
-        <p:nvSpPr>
-          <p:cNvPr id="3" name="Content Placeholder 2">
-            <a:extLst>
-              <a:ext uri="{FF2B5EF4-FFF2-40B4-BE49-F238E27FC236}">
-                <a16:creationId xmlns:a16="http://schemas.microsoft.com/office/drawing/2014/main" id="{40301150-85CA-621B-5FE2-93257828B537}"/>
-              </a:ext>
-            </a:extLst>
-          </p:cNvPr>
-          <p:cNvSpPr>
-            <a:spLocks noGrp="1"/>
-          </p:cNvSpPr>
-          <p:nvPr>
-            <p:ph idx="1"/>
-          </p:nvPr>
-        </p:nvSpPr>
-        <p:spPr/>
-        <p:txBody>
-          <a:bodyPr vert="horz" lIns="91440" tIns="45720" rIns="91440" bIns="45720" rtlCol="0" anchor="t">
-            <a:normAutofit/>
-          </a:bodyPr>
-          <a:lstStyle/>
-          <a:p>
-            <a:r>
-              <a:rPr lang="en-US">
-                <a:ea typeface="Calibri"/>
-                <a:cs typeface="Calibri"/>
-              </a:rPr>
-              <a:t>Large </a:t>
-            </a:r>
-            <a:r>
-              <a:rPr lang="en-US" err="1">
-                <a:ea typeface="Calibri"/>
-                <a:cs typeface="Calibri"/>
-              </a:rPr>
-              <a:t>Data,computational</a:t>
-            </a:r>
-            <a:r>
-              <a:rPr lang="en-US">
-                <a:ea typeface="Calibri"/>
-                <a:cs typeface="Calibri"/>
-              </a:rPr>
-              <a:t> </a:t>
-            </a:r>
-          </a:p>
-        </p:txBody>
-      </p:sp>
-    </p:spTree>
-    <p:extLst>
-      <p:ext uri="{BB962C8B-B14F-4D97-AF65-F5344CB8AC3E}">
-        <p14:creationId xmlns:p14="http://schemas.microsoft.com/office/powerpoint/2010/main" val="1171702265"/>
-      </p:ext>
-    </p:extLst>
-  </p:cSld>
-  <p:clrMapOvr>
-    <a:masterClrMapping/>
-  </p:clrMapOvr>
-  <p:extLst>
-    <p:ext uri="{6950BFC3-D8DA-4A85-94F7-54DA5524770B}">
-      <p188:commentRel xmlns:p188="http://schemas.microsoft.com/office/powerpoint/2018/8/main" r:id="rId2"/>
-    </p:ext>
-  </p:extLst>
-</p:sld>
-</file>
-
-<file path=ppt/slides/slide38.xml><?xml version="1.0" encoding="utf-8"?>
-<p:sld xmlns:a="http://schemas.openxmlformats.org/drawingml/2006/main" xmlns:r="http://schemas.openxmlformats.org/officeDocument/2006/relationships" xmlns:p="http://schemas.openxmlformats.org/presentationml/2006/main">
-  <p:cSld>
-    <p:spTree>
-      <p:nvGrpSpPr>
-        <p:cNvPr id="1" name=""/>
-        <p:cNvGrpSpPr/>
-        <p:nvPr/>
-      </p:nvGrpSpPr>
-      <p:grpSpPr>
-        <a:xfrm>
-          <a:off x="0" y="0"/>
-          <a:ext cx="0" cy="0"/>
-          <a:chOff x="0" y="0"/>
-          <a:chExt cx="0" cy="0"/>
-        </a:xfrm>
-      </p:grpSpPr>
-      <p:sp>
-        <p:nvSpPr>
-          <p:cNvPr id="2" name="Title 1">
-            <a:extLst>
-              <a:ext uri="{FF2B5EF4-FFF2-40B4-BE49-F238E27FC236}">
-                <a16:creationId xmlns:a16="http://schemas.microsoft.com/office/drawing/2014/main" id="{D67A2FD2-E53B-E453-B07F-8C0748A0F758}"/>
-              </a:ext>
-            </a:extLst>
-          </p:cNvPr>
-          <p:cNvSpPr>
-            <a:spLocks noGrp="1"/>
-          </p:cNvSpPr>
-          <p:nvPr>
-            <p:ph type="title"/>
-          </p:nvPr>
-        </p:nvSpPr>
-        <p:spPr/>
-        <p:txBody>
-          <a:bodyPr/>
-          <a:lstStyle/>
-          <a:p>
-            <a:r>
-              <a:rPr lang="en-US">
-                <a:ea typeface="Calibri Light"/>
-                <a:cs typeface="Calibri Light"/>
-              </a:rPr>
-              <a:t>Key Features of Microbiome Analyst</a:t>
-            </a:r>
-            <a:endParaRPr lang="en-US"/>
-          </a:p>
-        </p:txBody>
-      </p:sp>
-      <p:sp>
-        <p:nvSpPr>
-          <p:cNvPr id="3" name="Content Placeholder 2">
-            <a:extLst>
-              <a:ext uri="{FF2B5EF4-FFF2-40B4-BE49-F238E27FC236}">
-                <a16:creationId xmlns:a16="http://schemas.microsoft.com/office/drawing/2014/main" id="{2A2D3215-131F-EA37-B4D3-483AC91A7472}"/>
-              </a:ext>
-            </a:extLst>
-          </p:cNvPr>
-          <p:cNvSpPr>
-            <a:spLocks noGrp="1"/>
-          </p:cNvSpPr>
-          <p:nvPr>
-            <p:ph idx="1"/>
-          </p:nvPr>
-        </p:nvSpPr>
-        <p:spPr/>
-        <p:txBody>
-          <a:bodyPr vert="horz" lIns="91440" tIns="45720" rIns="91440" bIns="45720" rtlCol="0" anchor="t">
-            <a:noAutofit/>
-          </a:bodyPr>
-          <a:lstStyle/>
-          <a:p>
-            <a:pPr marL="0" indent="0" algn="just">
-              <a:buNone/>
-            </a:pPr>
-            <a:br>
-              <a:rPr lang="en-US">
-                <a:ea typeface="+mn-lt"/>
-                <a:cs typeface="+mn-lt"/>
-              </a:rPr>
-            </a:br>
-            <a:r>
-              <a:rPr lang="en-US">
-                <a:ea typeface="+mn-lt"/>
-                <a:cs typeface="+mn-lt"/>
-              </a:rPr>
-              <a:t>• Support for a wide array of common as well as advanced</a:t>
-            </a:r>
-            <a:br>
-              <a:rPr lang="en-US">
-                <a:ea typeface="+mn-lt"/>
-                <a:cs typeface="+mn-lt"/>
-              </a:rPr>
-            </a:br>
-            <a:r>
-              <a:rPr lang="en-US">
-                <a:ea typeface="+mn-lt"/>
-                <a:cs typeface="+mn-lt"/>
-              </a:rPr>
-              <a:t>methods for taxonomic diversity analysis, functional pro-</a:t>
-            </a:r>
-            <a:br>
-              <a:rPr lang="en-US">
-                <a:ea typeface="+mn-lt"/>
-                <a:cs typeface="+mn-lt"/>
-              </a:rPr>
-            </a:br>
-            <a:r>
-              <a:rPr lang="en-US">
-                <a:ea typeface="+mn-lt"/>
-                <a:cs typeface="+mn-lt"/>
-              </a:rPr>
-              <a:t>filing, visualization and significance testing</a:t>
-            </a:r>
-            <a:endParaRPr lang="en-US"/>
-          </a:p>
-          <a:p>
-            <a:pPr marL="0" indent="0" algn="just">
-              <a:buNone/>
-            </a:pPr>
-            <a:br>
-              <a:rPr lang="en-US">
-                <a:ea typeface="+mn-lt"/>
-                <a:cs typeface="+mn-lt"/>
-              </a:rPr>
-            </a:br>
-            <a:r>
-              <a:rPr lang="en-US">
-                <a:ea typeface="+mn-lt"/>
-                <a:cs typeface="+mn-lt"/>
-              </a:rPr>
-              <a:t>• Comprehensive support for various data filtering and</a:t>
-            </a:r>
-            <a:br>
-              <a:rPr lang="en-US">
-                <a:ea typeface="+mn-lt"/>
-                <a:cs typeface="+mn-lt"/>
-              </a:rPr>
-            </a:br>
-            <a:r>
-              <a:rPr lang="en-US">
-                <a:ea typeface="+mn-lt"/>
-                <a:cs typeface="+mn-lt"/>
-              </a:rPr>
-              <a:t>transformation methods coupled with well-established as</a:t>
-            </a:r>
-            <a:br>
-              <a:rPr lang="en-US">
-                <a:ea typeface="+mn-lt"/>
-                <a:cs typeface="+mn-lt"/>
-              </a:rPr>
-            </a:br>
-            <a:r>
-              <a:rPr lang="en-US">
-                <a:ea typeface="+mn-lt"/>
-                <a:cs typeface="+mn-lt"/>
-              </a:rPr>
-              <a:t>well as more recent algorithms for differential abundance</a:t>
-            </a:r>
-            <a:br>
-              <a:rPr lang="en-US">
-                <a:ea typeface="+mn-lt"/>
-                <a:cs typeface="+mn-lt"/>
-              </a:rPr>
-            </a:br>
-            <a:r>
-              <a:rPr lang="en-US">
-                <a:ea typeface="+mn-lt"/>
-                <a:cs typeface="+mn-lt"/>
-              </a:rPr>
-              <a:t>analysis</a:t>
-            </a:r>
-            <a:br>
-              <a:rPr lang="en-US">
-                <a:ea typeface="+mn-lt"/>
-                <a:cs typeface="+mn-lt"/>
-              </a:rPr>
-            </a:br>
-            <a:endParaRPr lang="en-US">
-              <a:ea typeface="Calibri"/>
-              <a:cs typeface="Calibri"/>
-            </a:endParaRPr>
-          </a:p>
-        </p:txBody>
-      </p:sp>
-    </p:spTree>
-    <p:extLst>
-      <p:ext uri="{BB962C8B-B14F-4D97-AF65-F5344CB8AC3E}">
-        <p14:creationId xmlns:p14="http://schemas.microsoft.com/office/powerpoint/2010/main" val="2969469873"/>
-      </p:ext>
-    </p:extLst>
-  </p:cSld>
-  <p:clrMapOvr>
-    <a:masterClrMapping/>
-  </p:clrMapOvr>
-  <p:extLst>
-    <p:ext uri="{6950BFC3-D8DA-4A85-94F7-54DA5524770B}">
-      <p188:commentRel xmlns:p188="http://schemas.microsoft.com/office/powerpoint/2018/8/main" r:id="rId2"/>
-    </p:ext>
-  </p:extLst>
-</p:sld>
-</file>
-
-<file path=ppt/slides/slide39.xml><?xml version="1.0" encoding="utf-8"?>
-<p:sld xmlns:a="http://schemas.openxmlformats.org/drawingml/2006/main" xmlns:r="http://schemas.openxmlformats.org/officeDocument/2006/relationships" xmlns:p="http://schemas.openxmlformats.org/presentationml/2006/main">
-  <p:cSld>
-    <p:spTree>
-      <p:nvGrpSpPr>
-        <p:cNvPr id="1" name=""/>
-        <p:cNvGrpSpPr/>
-        <p:nvPr/>
-      </p:nvGrpSpPr>
-      <p:grpSpPr>
-        <a:xfrm>
-          <a:off x="0" y="0"/>
-          <a:ext cx="0" cy="0"/>
-          <a:chOff x="0" y="0"/>
-          <a:chExt cx="0" cy="0"/>
-        </a:xfrm>
-      </p:grpSpPr>
-      <p:sp>
-        <p:nvSpPr>
-          <p:cNvPr id="2" name="Title 1">
-            <a:extLst>
-              <a:ext uri="{FF2B5EF4-FFF2-40B4-BE49-F238E27FC236}">
-                <a16:creationId xmlns:a16="http://schemas.microsoft.com/office/drawing/2014/main" id="{420616CE-D687-73D2-07E7-CE7A09669C52}"/>
-              </a:ext>
-            </a:extLst>
-          </p:cNvPr>
-          <p:cNvSpPr>
-            <a:spLocks noGrp="1"/>
-          </p:cNvSpPr>
-          <p:nvPr>
-            <p:ph type="title"/>
-          </p:nvPr>
-        </p:nvSpPr>
-        <p:spPr/>
-        <p:txBody>
-          <a:bodyPr/>
-          <a:lstStyle/>
-          <a:p>
-            <a:r>
-              <a:rPr lang="en-US">
-                <a:ea typeface="Calibri Light"/>
-                <a:cs typeface="Calibri Light"/>
-              </a:rPr>
-              <a:t>Cont'd..</a:t>
-            </a:r>
-            <a:endParaRPr lang="en-US"/>
-          </a:p>
-        </p:txBody>
-      </p:sp>
-      <p:sp>
-        <p:nvSpPr>
-          <p:cNvPr id="3" name="Content Placeholder 2">
-            <a:extLst>
-              <a:ext uri="{FF2B5EF4-FFF2-40B4-BE49-F238E27FC236}">
-                <a16:creationId xmlns:a16="http://schemas.microsoft.com/office/drawing/2014/main" id="{3884C811-0B61-13DF-1004-ECE182B5770C}"/>
-              </a:ext>
-            </a:extLst>
-          </p:cNvPr>
-          <p:cNvSpPr>
-            <a:spLocks noGrp="1"/>
-          </p:cNvSpPr>
-          <p:nvPr>
-            <p:ph idx="1"/>
-          </p:nvPr>
-        </p:nvSpPr>
-        <p:spPr/>
-        <p:txBody>
-          <a:bodyPr vert="horz" lIns="91440" tIns="45720" rIns="91440" bIns="45720" rtlCol="0" anchor="t">
-            <a:normAutofit/>
-          </a:bodyPr>
-          <a:lstStyle/>
-          <a:p>
-            <a:pPr marL="457200" indent="-457200" algn="just">
-              <a:buFont typeface="Wingdings" panose="020B0604020202020204" pitchFamily="34" charset="0"/>
-              <a:buChar char="§"/>
-            </a:pPr>
-            <a:r>
-              <a:rPr lang="en-US">
-                <a:ea typeface="+mn-lt"/>
-                <a:cs typeface="+mn-lt"/>
-              </a:rPr>
-              <a:t>A powerful, fully-featured metabolic network visualization framework for intuitive exploration of results from</a:t>
-            </a:r>
-            <a:br>
-              <a:rPr lang="en-US">
-                <a:ea typeface="+mn-lt"/>
-                <a:cs typeface="+mn-lt"/>
-              </a:rPr>
-            </a:br>
-            <a:r>
-              <a:rPr lang="en-US">
-                <a:ea typeface="+mn-lt"/>
-                <a:cs typeface="+mn-lt"/>
-              </a:rPr>
-              <a:t>functional profiling</a:t>
-            </a:r>
-            <a:endParaRPr lang="en-US"/>
-          </a:p>
-          <a:p>
-            <a:pPr marL="457200" indent="-457200" algn="just">
-              <a:buFont typeface="Wingdings" panose="020B0604020202020204" pitchFamily="34" charset="0"/>
-              <a:buChar char="§"/>
-            </a:pPr>
-            <a:r>
-              <a:rPr lang="en-US">
-                <a:ea typeface="+mn-lt"/>
-                <a:cs typeface="+mn-lt"/>
-              </a:rPr>
-              <a:t>Support for meta-analysis with compatible public</a:t>
-            </a:r>
-            <a:br>
-              <a:rPr lang="en-US">
-                <a:ea typeface="+mn-lt"/>
-                <a:cs typeface="+mn-lt"/>
-              </a:rPr>
-            </a:br>
-            <a:r>
-              <a:rPr lang="en-US">
-                <a:ea typeface="+mn-lt"/>
-                <a:cs typeface="+mn-lt"/>
-              </a:rPr>
-              <a:t>datasets for context reference and pattern discovery</a:t>
-            </a:r>
-            <a:br>
-              <a:rPr lang="en-US">
-                <a:ea typeface="+mn-lt"/>
-                <a:cs typeface="+mn-lt"/>
-              </a:rPr>
-            </a:br>
-            <a:r>
-              <a:rPr lang="en-US">
-                <a:ea typeface="+mn-lt"/>
-                <a:cs typeface="+mn-lt"/>
-              </a:rPr>
-              <a:t>using 3D visual analytics</a:t>
-            </a:r>
-          </a:p>
-          <a:p>
-            <a:pPr marL="457200" indent="-457200" algn="just">
-              <a:buFont typeface="Wingdings" panose="020B0604020202020204" pitchFamily="34" charset="0"/>
-              <a:buChar char="§"/>
-            </a:pPr>
-            <a:r>
-              <a:rPr lang="en-US">
-                <a:ea typeface="+mn-lt"/>
-                <a:cs typeface="+mn-lt"/>
-              </a:rPr>
-              <a:t>Enrichment analysis based on &gt;300 taxon sets manually</a:t>
-            </a:r>
-            <a:br>
-              <a:rPr lang="en-US">
-                <a:ea typeface="+mn-lt"/>
-                <a:cs typeface="+mn-lt"/>
-              </a:rPr>
-            </a:br>
-            <a:r>
-              <a:rPr lang="en-US">
-                <a:ea typeface="+mn-lt"/>
-                <a:cs typeface="+mn-lt"/>
-              </a:rPr>
-              <a:t>collected from literature and public databases</a:t>
-            </a:r>
-            <a:endParaRPr lang="en-US">
-              <a:ea typeface="Calibri" panose="020F0502020204030204"/>
-              <a:cs typeface="Calibri" panose="020F0502020204030204"/>
-            </a:endParaRPr>
-          </a:p>
-        </p:txBody>
-      </p:sp>
-    </p:spTree>
-    <p:extLst>
-      <p:ext uri="{BB962C8B-B14F-4D97-AF65-F5344CB8AC3E}">
-        <p14:creationId xmlns:p14="http://schemas.microsoft.com/office/powerpoint/2010/main" val="2379871376"/>
-      </p:ext>
-    </p:extLst>
-  </p:cSld>
-  <p:clrMapOvr>
-    <a:masterClrMapping/>
-  </p:clrMapOvr>
-</p:sld>
-</file>
-
 <file path=ppt/slides/slide4.xml><?xml version="1.0" encoding="utf-8"?>
 <p:sld xmlns:a="http://schemas.openxmlformats.org/drawingml/2006/main" xmlns:r="http://schemas.openxmlformats.org/officeDocument/2006/relationships" xmlns:p="http://schemas.openxmlformats.org/presentationml/2006/main">
   <p:cSld>
@@ -32653,968 +31768,6 @@
   <p:clrMapOvr>
     <a:masterClrMapping/>
   </p:clrMapOvr>
-</p:sld>
-</file>
-
-<file path=ppt/slides/slide40.xml><?xml version="1.0" encoding="utf-8"?>
-<p:sld xmlns:a="http://schemas.openxmlformats.org/drawingml/2006/main" xmlns:r="http://schemas.openxmlformats.org/officeDocument/2006/relationships" xmlns:p="http://schemas.openxmlformats.org/presentationml/2006/main">
-  <p:cSld>
-    <p:spTree>
-      <p:nvGrpSpPr>
-        <p:cNvPr id="1" name=""/>
-        <p:cNvGrpSpPr/>
-        <p:nvPr/>
-      </p:nvGrpSpPr>
-      <p:grpSpPr>
-        <a:xfrm>
-          <a:off x="0" y="0"/>
-          <a:ext cx="0" cy="0"/>
-          <a:chOff x="0" y="0"/>
-          <a:chExt cx="0" cy="0"/>
-        </a:xfrm>
-      </p:grpSpPr>
-      <p:sp>
-        <p:nvSpPr>
-          <p:cNvPr id="2" name="Title 1">
-            <a:extLst>
-              <a:ext uri="{FF2B5EF4-FFF2-40B4-BE49-F238E27FC236}">
-                <a16:creationId xmlns:a16="http://schemas.microsoft.com/office/drawing/2014/main" id="{32CC648D-8CE1-33F0-9915-1FEFE77739A6}"/>
-              </a:ext>
-            </a:extLst>
-          </p:cNvPr>
-          <p:cNvSpPr>
-            <a:spLocks noGrp="1"/>
-          </p:cNvSpPr>
-          <p:nvPr>
-            <p:ph type="title"/>
-          </p:nvPr>
-        </p:nvSpPr>
-        <p:spPr/>
-        <p:txBody>
-          <a:bodyPr/>
-          <a:lstStyle/>
-          <a:p>
-            <a:r>
-              <a:rPr lang="en-US">
-                <a:ea typeface="Calibri Light"/>
-                <a:cs typeface="Calibri Light"/>
-              </a:rPr>
-              <a:t>Four Modules of Microbiome Analyst</a:t>
-            </a:r>
-          </a:p>
-        </p:txBody>
-      </p:sp>
-      <p:sp>
-        <p:nvSpPr>
-          <p:cNvPr id="3" name="Content Placeholder 2">
-            <a:extLst>
-              <a:ext uri="{FF2B5EF4-FFF2-40B4-BE49-F238E27FC236}">
-                <a16:creationId xmlns:a16="http://schemas.microsoft.com/office/drawing/2014/main" id="{7247C34B-5880-360D-6F5E-9B43F32C2378}"/>
-              </a:ext>
-            </a:extLst>
-          </p:cNvPr>
-          <p:cNvSpPr>
-            <a:spLocks noGrp="1"/>
-          </p:cNvSpPr>
-          <p:nvPr>
-            <p:ph idx="1"/>
-          </p:nvPr>
-        </p:nvSpPr>
-        <p:spPr/>
-        <p:txBody>
-          <a:bodyPr vert="horz" lIns="91440" tIns="45720" rIns="91440" bIns="45720" rtlCol="0" anchor="t">
-            <a:normAutofit/>
-          </a:bodyPr>
-          <a:lstStyle/>
-          <a:p>
-            <a:pPr marL="0" indent="0">
-              <a:buNone/>
-            </a:pPr>
-            <a:r>
-              <a:rPr lang="en-US">
-                <a:ea typeface="+mn-lt"/>
-                <a:cs typeface="+mn-lt"/>
-              </a:rPr>
-              <a:t>(</a:t>
-            </a:r>
-            <a:r>
-              <a:rPr lang="en-US" err="1">
-                <a:ea typeface="+mn-lt"/>
-                <a:cs typeface="+mn-lt"/>
-              </a:rPr>
-              <a:t>i</a:t>
-            </a:r>
-            <a:r>
-              <a:rPr lang="en-US">
-                <a:ea typeface="+mn-lt"/>
-                <a:cs typeface="+mn-lt"/>
-              </a:rPr>
-              <a:t>) </a:t>
-            </a:r>
-            <a:r>
-              <a:rPr lang="en-US" err="1">
-                <a:ea typeface="+mn-lt"/>
-                <a:cs typeface="+mn-lt"/>
-              </a:rPr>
-              <a:t>Markergene</a:t>
-            </a:r>
-            <a:r>
-              <a:rPr lang="en-US">
-                <a:ea typeface="+mn-lt"/>
-                <a:cs typeface="+mn-lt"/>
-              </a:rPr>
-              <a:t> Data Profiling (MDP) - dedicated to the analysis of marker-gene survey data </a:t>
-            </a:r>
-          </a:p>
-          <a:p>
-            <a:pPr marL="0" indent="0">
-              <a:buNone/>
-            </a:pPr>
-            <a:r>
-              <a:rPr lang="en-US">
-                <a:ea typeface="+mn-lt"/>
-                <a:cs typeface="+mn-lt"/>
-              </a:rPr>
-              <a:t>(ii) Shotgun Data Profiling (SDP) - for the analysis of shotgun metagenomics or </a:t>
-            </a:r>
-            <a:r>
-              <a:rPr lang="en-US" err="1">
-                <a:ea typeface="+mn-lt"/>
-                <a:cs typeface="+mn-lt"/>
-              </a:rPr>
-              <a:t>metatranscriptomics</a:t>
-            </a:r>
-            <a:r>
-              <a:rPr lang="en-US">
-                <a:ea typeface="+mn-lt"/>
-                <a:cs typeface="+mn-lt"/>
-              </a:rPr>
-              <a:t> data</a:t>
-            </a:r>
-          </a:p>
-          <a:p>
-            <a:pPr marL="0" indent="0">
-              <a:buNone/>
-            </a:pPr>
-            <a:r>
-              <a:rPr lang="en-US">
-                <a:ea typeface="+mn-lt"/>
-                <a:cs typeface="+mn-lt"/>
-              </a:rPr>
-              <a:t>(iii) Projection to Public Data (PPD) - for visual comparison of users’ marker-gene data with a compatible public dataset available in Microbiome Analyst</a:t>
-            </a:r>
-          </a:p>
-          <a:p>
-            <a:pPr marL="0" indent="0">
-              <a:buNone/>
-            </a:pPr>
-            <a:r>
-              <a:rPr lang="en-US">
-                <a:ea typeface="+mn-lt"/>
-                <a:cs typeface="+mn-lt"/>
-              </a:rPr>
-              <a:t>(iv) Taxon Set Enrichment Analysis (TSEA) - used to test whether certain predefined groups of taxa (taxon sets) are statistically overrepresented in a list of taxa submitted by users</a:t>
-            </a:r>
-            <a:endParaRPr lang="en-US"/>
-          </a:p>
-        </p:txBody>
-      </p:sp>
-    </p:spTree>
-    <p:extLst>
-      <p:ext uri="{BB962C8B-B14F-4D97-AF65-F5344CB8AC3E}">
-        <p14:creationId xmlns:p14="http://schemas.microsoft.com/office/powerpoint/2010/main" val="679940781"/>
-      </p:ext>
-    </p:extLst>
-  </p:cSld>
-  <p:clrMapOvr>
-    <a:masterClrMapping/>
-  </p:clrMapOvr>
-</p:sld>
-</file>
-
-<file path=ppt/slides/slide41.xml><?xml version="1.0" encoding="utf-8"?>
-<p:sld xmlns:a="http://schemas.openxmlformats.org/drawingml/2006/main" xmlns:r="http://schemas.openxmlformats.org/officeDocument/2006/relationships" xmlns:p="http://schemas.openxmlformats.org/presentationml/2006/main">
-  <p:cSld>
-    <p:spTree>
-      <p:nvGrpSpPr>
-        <p:cNvPr id="1" name=""/>
-        <p:cNvGrpSpPr/>
-        <p:nvPr/>
-      </p:nvGrpSpPr>
-      <p:grpSpPr>
-        <a:xfrm>
-          <a:off x="0" y="0"/>
-          <a:ext cx="0" cy="0"/>
-          <a:chOff x="0" y="0"/>
-          <a:chExt cx="0" cy="0"/>
-        </a:xfrm>
-      </p:grpSpPr>
-      <p:sp>
-        <p:nvSpPr>
-          <p:cNvPr id="2" name="Title 1">
-            <a:extLst>
-              <a:ext uri="{FF2B5EF4-FFF2-40B4-BE49-F238E27FC236}">
-                <a16:creationId xmlns:a16="http://schemas.microsoft.com/office/drawing/2014/main" id="{EA470ECF-BB63-368D-E7A4-E46B90ACD015}"/>
-              </a:ext>
-            </a:extLst>
-          </p:cNvPr>
-          <p:cNvSpPr>
-            <a:spLocks noGrp="1"/>
-          </p:cNvSpPr>
-          <p:nvPr>
-            <p:ph type="title"/>
-          </p:nvPr>
-        </p:nvSpPr>
-        <p:spPr/>
-        <p:txBody>
-          <a:bodyPr/>
-          <a:lstStyle/>
-          <a:p>
-            <a:pPr algn="ctr"/>
-            <a:r>
-              <a:rPr lang="en-US">
-                <a:ea typeface="Calibri Light"/>
-                <a:cs typeface="Calibri Light"/>
-              </a:rPr>
-              <a:t>Microbiome Analyst Workflow </a:t>
-            </a:r>
-          </a:p>
-        </p:txBody>
-      </p:sp>
-      <p:pic>
-        <p:nvPicPr>
-          <p:cNvPr id="4" name="Content Placeholder 3" descr="A diagram of data processing&#10;&#10;Description automatically generated">
-            <a:extLst>
-              <a:ext uri="{FF2B5EF4-FFF2-40B4-BE49-F238E27FC236}">
-                <a16:creationId xmlns:a16="http://schemas.microsoft.com/office/drawing/2014/main" id="{696C6E7C-DD9A-C7B9-A418-61F4C6795BE6}"/>
-              </a:ext>
-            </a:extLst>
-          </p:cNvPr>
-          <p:cNvPicPr>
-            <a:picLocks noGrp="1" noChangeAspect="1"/>
-          </p:cNvPicPr>
-          <p:nvPr>
-            <p:ph idx="1"/>
-          </p:nvPr>
-        </p:nvPicPr>
-        <p:blipFill>
-          <a:blip r:embed="rId2"/>
-          <a:stretch>
-            <a:fillRect/>
-          </a:stretch>
-        </p:blipFill>
-        <p:spPr>
-          <a:xfrm>
-            <a:off x="2243688" y="1828800"/>
-            <a:ext cx="6631475" cy="4351338"/>
-          </a:xfrm>
-        </p:spPr>
-      </p:pic>
-      <p:sp>
-        <p:nvSpPr>
-          <p:cNvPr id="5" name="Right Brace 4">
-            <a:extLst>
-              <a:ext uri="{FF2B5EF4-FFF2-40B4-BE49-F238E27FC236}">
-                <a16:creationId xmlns:a16="http://schemas.microsoft.com/office/drawing/2014/main" id="{1352C726-D7D9-E636-71A8-464AABCD82D8}"/>
-              </a:ext>
-            </a:extLst>
-          </p:cNvPr>
-          <p:cNvSpPr/>
-          <p:nvPr/>
-        </p:nvSpPr>
-        <p:spPr>
-          <a:xfrm>
-            <a:off x="7359805" y="1356731"/>
-            <a:ext cx="517584" cy="1725283"/>
-          </a:xfrm>
-          <a:prstGeom prst="rightBrace">
-            <a:avLst/>
-          </a:prstGeom>
-        </p:spPr>
-        <p:style>
-          <a:lnRef idx="1">
-            <a:schemeClr val="accent1"/>
-          </a:lnRef>
-          <a:fillRef idx="0">
-            <a:schemeClr val="accent1"/>
-          </a:fillRef>
-          <a:effectRef idx="0">
-            <a:schemeClr val="accent1"/>
-          </a:effectRef>
-          <a:fontRef idx="minor">
-            <a:schemeClr val="tx1"/>
-          </a:fontRef>
-        </p:style>
-        <p:txBody>
-          <a:bodyPr rtlCol="0" anchor="ctr"/>
-          <a:lstStyle/>
-          <a:p>
-            <a:pPr algn="ctr"/>
-            <a:endParaRPr lang="en-US"/>
-          </a:p>
-        </p:txBody>
-      </p:sp>
-      <p:sp>
-        <p:nvSpPr>
-          <p:cNvPr id="6" name="TextBox 5">
-            <a:extLst>
-              <a:ext uri="{FF2B5EF4-FFF2-40B4-BE49-F238E27FC236}">
-                <a16:creationId xmlns:a16="http://schemas.microsoft.com/office/drawing/2014/main" id="{3B6080A2-2AD5-7E5C-3107-319A951351DD}"/>
-              </a:ext>
-            </a:extLst>
-          </p:cNvPr>
-          <p:cNvSpPr txBox="1"/>
-          <p:nvPr/>
-        </p:nvSpPr>
-        <p:spPr>
-          <a:xfrm>
-            <a:off x="8126714" y="1351121"/>
-            <a:ext cx="2985581" cy="1477328"/>
-          </a:xfrm>
-          <a:prstGeom prst="rect">
-            <a:avLst/>
-          </a:prstGeom>
-          <a:noFill/>
-        </p:spPr>
-        <p:txBody>
-          <a:bodyPr rot="0" spcFirstLastPara="0" vertOverflow="overflow" horzOverflow="overflow" vert="horz" wrap="square" lIns="91440" tIns="45720" rIns="91440" bIns="45720" numCol="1" spcCol="0" rtlCol="0" fromWordArt="0" anchor="t" anchorCtr="0" forceAA="0" compatLnSpc="1">
-            <a:prstTxWarp prst="textNoShape">
-              <a:avLst/>
-            </a:prstTxWarp>
-            <a:spAutoFit/>
-          </a:bodyPr>
-          <a:lstStyle/>
-          <a:p>
-            <a:r>
-              <a:rPr lang="en-US">
-                <a:ea typeface="+mn-lt"/>
-                <a:cs typeface="+mn-lt"/>
-              </a:rPr>
-              <a:t>The four modules share the same general workflow—data preparation, followed by data analysis and visual exploration.</a:t>
-            </a:r>
-            <a:endParaRPr lang="en-US"/>
-          </a:p>
-        </p:txBody>
-      </p:sp>
-      <p:sp>
-        <p:nvSpPr>
-          <p:cNvPr id="7" name="Rectangle: Rounded Corners 6">
-            <a:extLst>
-              <a:ext uri="{FF2B5EF4-FFF2-40B4-BE49-F238E27FC236}">
-                <a16:creationId xmlns:a16="http://schemas.microsoft.com/office/drawing/2014/main" id="{CBDA02EE-23D1-0EBB-12D5-292DFFA179FD}"/>
-              </a:ext>
-            </a:extLst>
-          </p:cNvPr>
-          <p:cNvSpPr/>
-          <p:nvPr/>
-        </p:nvSpPr>
-        <p:spPr>
-          <a:xfrm>
-            <a:off x="2341756" y="2992244"/>
-            <a:ext cx="2731698" cy="3795622"/>
-          </a:xfrm>
-          <a:prstGeom prst="roundRect">
-            <a:avLst/>
-          </a:prstGeom>
-          <a:noFill/>
-        </p:spPr>
-        <p:style>
-          <a:lnRef idx="2">
-            <a:schemeClr val="accent1">
-              <a:shade val="15000"/>
-            </a:schemeClr>
-          </a:lnRef>
-          <a:fillRef idx="1">
-            <a:schemeClr val="accent1"/>
-          </a:fillRef>
-          <a:effectRef idx="0">
-            <a:schemeClr val="accent1"/>
-          </a:effectRef>
-          <a:fontRef idx="minor">
-            <a:schemeClr val="lt1"/>
-          </a:fontRef>
-        </p:style>
-        <p:txBody>
-          <a:bodyPr rtlCol="0" anchor="ctr"/>
-          <a:lstStyle/>
-          <a:p>
-            <a:pPr algn="ctr"/>
-            <a:endParaRPr lang="en-US"/>
-          </a:p>
-        </p:txBody>
-      </p:sp>
-      <p:cxnSp>
-        <p:nvCxnSpPr>
-          <p:cNvPr id="8" name="Straight Arrow Connector 7">
-            <a:extLst>
-              <a:ext uri="{FF2B5EF4-FFF2-40B4-BE49-F238E27FC236}">
-                <a16:creationId xmlns:a16="http://schemas.microsoft.com/office/drawing/2014/main" id="{7DDB36C4-AF46-37BF-06E1-D7F4FC6F1BA7}"/>
-              </a:ext>
-            </a:extLst>
-          </p:cNvPr>
-          <p:cNvCxnSpPr/>
-          <p:nvPr/>
-        </p:nvCxnSpPr>
-        <p:spPr>
-          <a:xfrm>
-            <a:off x="1856656" y="2913392"/>
-            <a:ext cx="785004" cy="382438"/>
-          </a:xfrm>
-          <a:prstGeom prst="straightConnector1">
-            <a:avLst/>
-          </a:prstGeom>
-          <a:ln>
-            <a:tailEnd type="triangle"/>
-          </a:ln>
-        </p:spPr>
-        <p:style>
-          <a:lnRef idx="1">
-            <a:schemeClr val="accent1"/>
-          </a:lnRef>
-          <a:fillRef idx="0">
-            <a:schemeClr val="accent1"/>
-          </a:fillRef>
-          <a:effectRef idx="0">
-            <a:schemeClr val="accent1"/>
-          </a:effectRef>
-          <a:fontRef idx="minor">
-            <a:schemeClr val="tx1"/>
-          </a:fontRef>
-        </p:style>
-      </p:cxnSp>
-      <p:sp>
-        <p:nvSpPr>
-          <p:cNvPr id="9" name="TextBox 8">
-            <a:extLst>
-              <a:ext uri="{FF2B5EF4-FFF2-40B4-BE49-F238E27FC236}">
-                <a16:creationId xmlns:a16="http://schemas.microsoft.com/office/drawing/2014/main" id="{2A38596F-00DF-3D15-E91C-EEA266B18196}"/>
-              </a:ext>
-            </a:extLst>
-          </p:cNvPr>
-          <p:cNvSpPr txBox="1"/>
-          <p:nvPr/>
-        </p:nvSpPr>
-        <p:spPr>
-          <a:xfrm>
-            <a:off x="365746" y="2362445"/>
-            <a:ext cx="1746673" cy="923330"/>
-          </a:xfrm>
-          <a:prstGeom prst="rect">
-            <a:avLst/>
-          </a:prstGeom>
-          <a:noFill/>
-        </p:spPr>
-        <p:txBody>
-          <a:bodyPr rot="0" spcFirstLastPara="0" vertOverflow="overflow" horzOverflow="overflow" vert="horz" wrap="square" lIns="91440" tIns="45720" rIns="91440" bIns="45720" numCol="1" spcCol="0" rtlCol="0" fromWordArt="0" anchor="t" anchorCtr="0" forceAA="0" compatLnSpc="1">
-            <a:prstTxWarp prst="textNoShape">
-              <a:avLst/>
-            </a:prstTxWarp>
-            <a:spAutoFit/>
-          </a:bodyPr>
-          <a:lstStyle/>
-          <a:p>
-            <a:r>
-              <a:rPr lang="en-US">
-                <a:ea typeface="Calibri"/>
-                <a:cs typeface="Calibri"/>
-              </a:rPr>
-              <a:t>In this tutorial, we are dealing with this part</a:t>
-            </a:r>
-            <a:endParaRPr lang="en-US"/>
-          </a:p>
-        </p:txBody>
-      </p:sp>
-    </p:spTree>
-    <p:extLst>
-      <p:ext uri="{BB962C8B-B14F-4D97-AF65-F5344CB8AC3E}">
-        <p14:creationId xmlns:p14="http://schemas.microsoft.com/office/powerpoint/2010/main" val="2774841454"/>
-      </p:ext>
-    </p:extLst>
-  </p:cSld>
-  <p:clrMapOvr>
-    <a:masterClrMapping/>
-  </p:clrMapOvr>
-</p:sld>
-</file>
-
-<file path=ppt/slides/slide42.xml><?xml version="1.0" encoding="utf-8"?>
-<p:sld xmlns:a="http://schemas.openxmlformats.org/drawingml/2006/main" xmlns:r="http://schemas.openxmlformats.org/officeDocument/2006/relationships" xmlns:p="http://schemas.openxmlformats.org/presentationml/2006/main">
-  <p:cSld>
-    <p:spTree>
-      <p:nvGrpSpPr>
-        <p:cNvPr id="1" name=""/>
-        <p:cNvGrpSpPr/>
-        <p:nvPr/>
-      </p:nvGrpSpPr>
-      <p:grpSpPr>
-        <a:xfrm>
-          <a:off x="0" y="0"/>
-          <a:ext cx="0" cy="0"/>
-          <a:chOff x="0" y="0"/>
-          <a:chExt cx="0" cy="0"/>
-        </a:xfrm>
-      </p:grpSpPr>
-      <p:sp>
-        <p:nvSpPr>
-          <p:cNvPr id="2" name="Title 1">
-            <a:extLst>
-              <a:ext uri="{FF2B5EF4-FFF2-40B4-BE49-F238E27FC236}">
-                <a16:creationId xmlns:a16="http://schemas.microsoft.com/office/drawing/2014/main" id="{4B7F3E33-9263-4A59-15EF-591A3C217035}"/>
-              </a:ext>
-            </a:extLst>
-          </p:cNvPr>
-          <p:cNvSpPr>
-            <a:spLocks noGrp="1"/>
-          </p:cNvSpPr>
-          <p:nvPr>
-            <p:ph type="title"/>
-          </p:nvPr>
-        </p:nvSpPr>
-        <p:spPr/>
-        <p:txBody>
-          <a:bodyPr/>
-          <a:lstStyle/>
-          <a:p>
-            <a:pPr algn="ctr"/>
-            <a:r>
-              <a:rPr lang="en-US">
-                <a:ea typeface="Calibri Light"/>
-                <a:cs typeface="Calibri Light"/>
-              </a:rPr>
-              <a:t>General Workflow</a:t>
-            </a:r>
-          </a:p>
-        </p:txBody>
-      </p:sp>
-      <p:pic>
-        <p:nvPicPr>
-          <p:cNvPr id="4" name="Content Placeholder 3" descr="A diagram of a scientific experiment&#10;&#10;Description automatically generated">
-            <a:extLst>
-              <a:ext uri="{FF2B5EF4-FFF2-40B4-BE49-F238E27FC236}">
-                <a16:creationId xmlns:a16="http://schemas.microsoft.com/office/drawing/2014/main" id="{9F6DF129-D3CB-2659-850A-BE4312D71D56}"/>
-              </a:ext>
-            </a:extLst>
-          </p:cNvPr>
-          <p:cNvPicPr>
-            <a:picLocks noGrp="1" noChangeAspect="1"/>
-          </p:cNvPicPr>
-          <p:nvPr>
-            <p:ph idx="1"/>
-          </p:nvPr>
-        </p:nvPicPr>
-        <p:blipFill>
-          <a:blip r:embed="rId3"/>
-          <a:stretch>
-            <a:fillRect/>
-          </a:stretch>
-        </p:blipFill>
-        <p:spPr>
-          <a:xfrm>
-            <a:off x="3267395" y="1656058"/>
-            <a:ext cx="7806803" cy="4428411"/>
-          </a:xfrm>
-        </p:spPr>
-      </p:pic>
-      <p:grpSp>
-        <p:nvGrpSpPr>
-          <p:cNvPr id="18" name="Group 17">
-            <a:extLst>
-              <a:ext uri="{FF2B5EF4-FFF2-40B4-BE49-F238E27FC236}">
-                <a16:creationId xmlns:a16="http://schemas.microsoft.com/office/drawing/2014/main" id="{D4F2C9D2-854F-F61E-0C81-55E039A66406}"/>
-              </a:ext>
-            </a:extLst>
-          </p:cNvPr>
-          <p:cNvGrpSpPr/>
-          <p:nvPr/>
-        </p:nvGrpSpPr>
-        <p:grpSpPr>
-          <a:xfrm>
-            <a:off x="3366171" y="1765903"/>
-            <a:ext cx="489185" cy="4280371"/>
-            <a:chOff x="4082814" y="1693332"/>
-            <a:chExt cx="489185" cy="4280371"/>
-          </a:xfrm>
-        </p:grpSpPr>
-        <p:sp>
-          <p:nvSpPr>
-            <p:cNvPr id="5" name="Left Brace 4">
-              <a:extLst>
-                <a:ext uri="{FF2B5EF4-FFF2-40B4-BE49-F238E27FC236}">
-                  <a16:creationId xmlns:a16="http://schemas.microsoft.com/office/drawing/2014/main" id="{48ADAE7C-2A0F-1F4C-4884-D24B9562C2BD}"/>
-                </a:ext>
-              </a:extLst>
-            </p:cNvPr>
-            <p:cNvSpPr/>
-            <p:nvPr/>
-          </p:nvSpPr>
-          <p:spPr>
-            <a:xfrm>
-              <a:off x="4082814" y="1693332"/>
-              <a:ext cx="489185" cy="865481"/>
-            </a:xfrm>
-            <a:prstGeom prst="leftBrace">
-              <a:avLst/>
-            </a:prstGeom>
-          </p:spPr>
-          <p:style>
-            <a:lnRef idx="1">
-              <a:schemeClr val="accent1"/>
-            </a:lnRef>
-            <a:fillRef idx="0">
-              <a:schemeClr val="accent1"/>
-            </a:fillRef>
-            <a:effectRef idx="0">
-              <a:schemeClr val="accent1"/>
-            </a:effectRef>
-            <a:fontRef idx="minor">
-              <a:schemeClr val="tx1"/>
-            </a:fontRef>
-          </p:style>
-          <p:txBody>
-            <a:bodyPr rtlCol="0" anchor="ctr"/>
-            <a:lstStyle/>
-            <a:p>
-              <a:pPr algn="ctr"/>
-              <a:endParaRPr lang="en-US"/>
-            </a:p>
-          </p:txBody>
-        </p:sp>
-        <p:sp>
-          <p:nvSpPr>
-            <p:cNvPr id="6" name="Left Brace 5">
-              <a:extLst>
-                <a:ext uri="{FF2B5EF4-FFF2-40B4-BE49-F238E27FC236}">
-                  <a16:creationId xmlns:a16="http://schemas.microsoft.com/office/drawing/2014/main" id="{669C2B56-E323-F76F-DFA3-295FF18BD780}"/>
-                </a:ext>
-              </a:extLst>
-            </p:cNvPr>
-            <p:cNvSpPr/>
-            <p:nvPr/>
-          </p:nvSpPr>
-          <p:spPr>
-            <a:xfrm>
-              <a:off x="4139258" y="2624666"/>
-              <a:ext cx="423333" cy="1025407"/>
-            </a:xfrm>
-            <a:prstGeom prst="leftBrace">
-              <a:avLst/>
-            </a:prstGeom>
-          </p:spPr>
-          <p:style>
-            <a:lnRef idx="1">
-              <a:schemeClr val="accent1"/>
-            </a:lnRef>
-            <a:fillRef idx="0">
-              <a:schemeClr val="accent1"/>
-            </a:fillRef>
-            <a:effectRef idx="0">
-              <a:schemeClr val="accent1"/>
-            </a:effectRef>
-            <a:fontRef idx="minor">
-              <a:schemeClr val="tx1"/>
-            </a:fontRef>
-          </p:style>
-          <p:txBody>
-            <a:bodyPr rtlCol="0" anchor="ctr"/>
-            <a:lstStyle/>
-            <a:p>
-              <a:pPr algn="ctr"/>
-              <a:endParaRPr lang="en-US"/>
-            </a:p>
-          </p:txBody>
-        </p:sp>
-        <p:sp>
-          <p:nvSpPr>
-            <p:cNvPr id="7" name="Left Brace 6">
-              <a:extLst>
-                <a:ext uri="{FF2B5EF4-FFF2-40B4-BE49-F238E27FC236}">
-                  <a16:creationId xmlns:a16="http://schemas.microsoft.com/office/drawing/2014/main" id="{EFC80F85-3F3F-0C45-A56B-2BC57BA16953}"/>
-                </a:ext>
-              </a:extLst>
-            </p:cNvPr>
-            <p:cNvSpPr/>
-            <p:nvPr/>
-          </p:nvSpPr>
-          <p:spPr>
-            <a:xfrm>
-              <a:off x="4111037" y="3734740"/>
-              <a:ext cx="460962" cy="1307629"/>
-            </a:xfrm>
-            <a:prstGeom prst="leftBrace">
-              <a:avLst/>
-            </a:prstGeom>
-          </p:spPr>
-          <p:style>
-            <a:lnRef idx="1">
-              <a:schemeClr val="accent1"/>
-            </a:lnRef>
-            <a:fillRef idx="0">
-              <a:schemeClr val="accent1"/>
-            </a:fillRef>
-            <a:effectRef idx="0">
-              <a:schemeClr val="accent1"/>
-            </a:effectRef>
-            <a:fontRef idx="minor">
-              <a:schemeClr val="tx1"/>
-            </a:fontRef>
-          </p:style>
-          <p:txBody>
-            <a:bodyPr rtlCol="0" anchor="ctr"/>
-            <a:lstStyle/>
-            <a:p>
-              <a:pPr algn="ctr"/>
-              <a:endParaRPr lang="en-US"/>
-            </a:p>
-          </p:txBody>
-        </p:sp>
-        <p:sp>
-          <p:nvSpPr>
-            <p:cNvPr id="9" name="Left Brace 8">
-              <a:extLst>
-                <a:ext uri="{FF2B5EF4-FFF2-40B4-BE49-F238E27FC236}">
-                  <a16:creationId xmlns:a16="http://schemas.microsoft.com/office/drawing/2014/main" id="{B0E84AA8-4A67-A1B8-C6DB-95A7D5781C2D}"/>
-                </a:ext>
-              </a:extLst>
-            </p:cNvPr>
-            <p:cNvSpPr/>
-            <p:nvPr/>
-          </p:nvSpPr>
-          <p:spPr>
-            <a:xfrm>
-              <a:off x="4120444" y="5164666"/>
-              <a:ext cx="442148" cy="809037"/>
-            </a:xfrm>
-            <a:prstGeom prst="leftBrace">
-              <a:avLst/>
-            </a:prstGeom>
-          </p:spPr>
-          <p:style>
-            <a:lnRef idx="1">
-              <a:schemeClr val="accent1"/>
-            </a:lnRef>
-            <a:fillRef idx="0">
-              <a:schemeClr val="accent1"/>
-            </a:fillRef>
-            <a:effectRef idx="0">
-              <a:schemeClr val="accent1"/>
-            </a:effectRef>
-            <a:fontRef idx="minor">
-              <a:schemeClr val="tx1"/>
-            </a:fontRef>
-          </p:style>
-          <p:txBody>
-            <a:bodyPr rtlCol="0" anchor="ctr"/>
-            <a:lstStyle/>
-            <a:p>
-              <a:pPr algn="ctr"/>
-              <a:endParaRPr lang="en-US"/>
-            </a:p>
-          </p:txBody>
-        </p:sp>
-      </p:grpSp>
-      <p:grpSp>
-        <p:nvGrpSpPr>
-          <p:cNvPr id="16" name="Group 15">
-            <a:extLst>
-              <a:ext uri="{FF2B5EF4-FFF2-40B4-BE49-F238E27FC236}">
-                <a16:creationId xmlns:a16="http://schemas.microsoft.com/office/drawing/2014/main" id="{173DAACF-0E40-92EE-80F9-4F14EF8BDBE1}"/>
-              </a:ext>
-            </a:extLst>
-          </p:cNvPr>
-          <p:cNvGrpSpPr/>
-          <p:nvPr/>
-        </p:nvGrpSpPr>
-        <p:grpSpPr>
-          <a:xfrm>
-            <a:off x="1460501" y="2015535"/>
-            <a:ext cx="2077355" cy="3769440"/>
-            <a:chOff x="1950358" y="1988321"/>
-            <a:chExt cx="2077355" cy="3769440"/>
-          </a:xfrm>
-        </p:grpSpPr>
-        <p:sp>
-          <p:nvSpPr>
-            <p:cNvPr id="10" name="TextBox 9">
-              <a:extLst>
-                <a:ext uri="{FF2B5EF4-FFF2-40B4-BE49-F238E27FC236}">
-                  <a16:creationId xmlns:a16="http://schemas.microsoft.com/office/drawing/2014/main" id="{1D3DDF14-877C-CC35-D6F4-6DD714091A27}"/>
-                </a:ext>
-              </a:extLst>
-            </p:cNvPr>
-            <p:cNvSpPr txBox="1"/>
-            <p:nvPr/>
-          </p:nvSpPr>
-          <p:spPr>
-            <a:xfrm>
-              <a:off x="2246353" y="1988321"/>
-              <a:ext cx="1319389" cy="369332"/>
-            </a:xfrm>
-            <a:prstGeom prst="rect">
-              <a:avLst/>
-            </a:prstGeom>
-            <a:noFill/>
-          </p:spPr>
-          <p:txBody>
-            <a:bodyPr rot="0" spcFirstLastPara="0" vertOverflow="overflow" horzOverflow="overflow" vert="horz" wrap="square" lIns="91440" tIns="45720" rIns="91440" bIns="45720" numCol="1" spcCol="0" rtlCol="0" fromWordArt="0" anchor="t" anchorCtr="0" forceAA="0" compatLnSpc="1">
-              <a:prstTxWarp prst="textNoShape">
-                <a:avLst/>
-              </a:prstTxWarp>
-              <a:spAutoFit/>
-            </a:bodyPr>
-            <a:lstStyle/>
-            <a:p>
-              <a:r>
-                <a:rPr lang="en-US">
-                  <a:ea typeface="Calibri"/>
-                  <a:cs typeface="Calibri"/>
-                </a:rPr>
-                <a:t>Data Inputs</a:t>
-              </a:r>
-            </a:p>
-          </p:txBody>
-        </p:sp>
-        <p:sp>
-          <p:nvSpPr>
-            <p:cNvPr id="11" name="TextBox 10">
-              <a:extLst>
-                <a:ext uri="{FF2B5EF4-FFF2-40B4-BE49-F238E27FC236}">
-                  <a16:creationId xmlns:a16="http://schemas.microsoft.com/office/drawing/2014/main" id="{AE7DFEEE-6B0D-3EB4-9ABA-120B3565BC7E}"/>
-                </a:ext>
-              </a:extLst>
-            </p:cNvPr>
-            <p:cNvSpPr txBox="1"/>
-            <p:nvPr/>
-          </p:nvSpPr>
-          <p:spPr>
-            <a:xfrm>
-              <a:off x="1986643" y="2948214"/>
-              <a:ext cx="1832428" cy="369332"/>
-            </a:xfrm>
-            <a:prstGeom prst="rect">
-              <a:avLst/>
-            </a:prstGeom>
-            <a:noFill/>
-          </p:spPr>
-          <p:txBody>
-            <a:bodyPr rot="0" spcFirstLastPara="0" vertOverflow="overflow" horzOverflow="overflow" vert="horz" wrap="square" lIns="91440" tIns="45720" rIns="91440" bIns="45720" numCol="1" spcCol="0" rtlCol="0" fromWordArt="0" anchor="t" anchorCtr="0" forceAA="0" compatLnSpc="1">
-              <a:prstTxWarp prst="textNoShape">
-                <a:avLst/>
-              </a:prstTxWarp>
-              <a:spAutoFit/>
-            </a:bodyPr>
-            <a:lstStyle/>
-            <a:p>
-              <a:r>
-                <a:rPr lang="en-US">
-                  <a:ea typeface="Calibri"/>
-                  <a:cs typeface="Calibri"/>
-                </a:rPr>
-                <a:t>Data Processing</a:t>
-              </a:r>
-              <a:endParaRPr lang="en-US"/>
-            </a:p>
-          </p:txBody>
-        </p:sp>
-        <p:sp>
-          <p:nvSpPr>
-            <p:cNvPr id="12" name="TextBox 11">
-              <a:extLst>
-                <a:ext uri="{FF2B5EF4-FFF2-40B4-BE49-F238E27FC236}">
-                  <a16:creationId xmlns:a16="http://schemas.microsoft.com/office/drawing/2014/main" id="{DF0EB7AC-0C1C-2141-CB32-AB700FA0BFBE}"/>
-                </a:ext>
-              </a:extLst>
-            </p:cNvPr>
-            <p:cNvSpPr txBox="1"/>
-            <p:nvPr/>
-          </p:nvSpPr>
-          <p:spPr>
-            <a:xfrm>
-              <a:off x="2195285" y="4200071"/>
-              <a:ext cx="1623786" cy="369332"/>
-            </a:xfrm>
-            <a:prstGeom prst="rect">
-              <a:avLst/>
-            </a:prstGeom>
-            <a:noFill/>
-          </p:spPr>
-          <p:txBody>
-            <a:bodyPr rot="0" spcFirstLastPara="0" vertOverflow="overflow" horzOverflow="overflow" vert="horz" wrap="square" lIns="91440" tIns="45720" rIns="91440" bIns="45720" numCol="1" spcCol="0" rtlCol="0" fromWordArt="0" anchor="t" anchorCtr="0" forceAA="0" compatLnSpc="1">
-              <a:prstTxWarp prst="textNoShape">
-                <a:avLst/>
-              </a:prstTxWarp>
-              <a:spAutoFit/>
-            </a:bodyPr>
-            <a:lstStyle/>
-            <a:p>
-              <a:r>
-                <a:rPr lang="en-US">
-                  <a:ea typeface="Calibri"/>
-                  <a:cs typeface="Calibri"/>
-                </a:rPr>
-                <a:t>Data Analysis</a:t>
-              </a:r>
-              <a:endParaRPr lang="en-US"/>
-            </a:p>
-          </p:txBody>
-        </p:sp>
-        <p:sp>
-          <p:nvSpPr>
-            <p:cNvPr id="14" name="TextBox 13">
-              <a:extLst>
-                <a:ext uri="{FF2B5EF4-FFF2-40B4-BE49-F238E27FC236}">
-                  <a16:creationId xmlns:a16="http://schemas.microsoft.com/office/drawing/2014/main" id="{BCEDD255-0892-DDC8-028E-2DB8CD929F11}"/>
-                </a:ext>
-              </a:extLst>
-            </p:cNvPr>
-            <p:cNvSpPr txBox="1"/>
-            <p:nvPr/>
-          </p:nvSpPr>
-          <p:spPr>
-            <a:xfrm>
-              <a:off x="1950358" y="5388429"/>
-              <a:ext cx="2077355" cy="369332"/>
-            </a:xfrm>
-            <a:prstGeom prst="rect">
-              <a:avLst/>
-            </a:prstGeom>
-            <a:noFill/>
-          </p:spPr>
-          <p:txBody>
-            <a:bodyPr rot="0" spcFirstLastPara="0" vertOverflow="overflow" horzOverflow="overflow" vert="horz" wrap="square" lIns="91440" tIns="45720" rIns="91440" bIns="45720" numCol="1" spcCol="0" rtlCol="0" fromWordArt="0" anchor="t" anchorCtr="0" forceAA="0" compatLnSpc="1">
-              <a:prstTxWarp prst="textNoShape">
-                <a:avLst/>
-              </a:prstTxWarp>
-              <a:spAutoFit/>
-            </a:bodyPr>
-            <a:lstStyle/>
-            <a:p>
-              <a:r>
-                <a:rPr lang="en-US">
-                  <a:ea typeface="Calibri"/>
-                  <a:cs typeface="Calibri"/>
-                </a:rPr>
-                <a:t>Result Exploration</a:t>
-              </a:r>
-              <a:endParaRPr lang="en-US"/>
-            </a:p>
-          </p:txBody>
-        </p:sp>
-      </p:grpSp>
-    </p:spTree>
-    <p:extLst>
-      <p:ext uri="{BB962C8B-B14F-4D97-AF65-F5344CB8AC3E}">
-        <p14:creationId xmlns:p14="http://schemas.microsoft.com/office/powerpoint/2010/main" val="2102792910"/>
-      </p:ext>
-    </p:extLst>
-  </p:cSld>
-  <p:clrMapOvr>
-    <a:masterClrMapping/>
-  </p:clrMapOvr>
-  <p:extLst>
-    <p:ext uri="{6950BFC3-D8DA-4A85-94F7-54DA5524770B}">
-      <p188:commentRel xmlns:p188="http://schemas.microsoft.com/office/powerpoint/2018/8/main" r:id="rId2"/>
-    </p:ext>
-  </p:extLst>
 </p:sld>
 </file>
 
@@ -36461,6 +34614,21 @@
 </file>
 
 <file path=customXml/item1.xml><?xml version="1.0" encoding="utf-8"?>
+<p:properties xmlns:p="http://schemas.microsoft.com/office/2006/metadata/properties" xmlns:xsi="http://www.w3.org/2001/XMLSchema-instance" xmlns:pc="http://schemas.microsoft.com/office/infopath/2007/PartnerControls">
+  <documentManagement/>
+</p:properties>
+</file>
+
+<file path=customXml/item2.xml><?xml version="1.0" encoding="utf-8"?>
+<?mso-contentType ?>
+<FormTemplates xmlns="http://schemas.microsoft.com/sharepoint/v3/contenttype/forms">
+  <Display>DocumentLibraryForm</Display>
+  <Edit>DocumentLibraryForm</Edit>
+  <New>DocumentLibraryForm</New>
+</FormTemplates>
+</file>
+
+<file path=customXml/item3.xml><?xml version="1.0" encoding="utf-8"?>
 <ct:contentTypeSchema xmlns:ct="http://schemas.microsoft.com/office/2006/metadata/contentType" xmlns:ma="http://schemas.microsoft.com/office/2006/metadata/properties/metaAttributes" ct:_="" ma:_="" ma:contentTypeName="Document" ma:contentTypeID="0x01010029D0541F4CDE7546BA62AF3364622BFC" ma:contentTypeVersion="4" ma:contentTypeDescription="Create a new document." ma:contentTypeScope="" ma:versionID="819f5d464d39bcc8aa18a995a1bfa735">
   <xsd:schema xmlns:xsd="http://www.w3.org/2001/XMLSchema" xmlns:xs="http://www.w3.org/2001/XMLSchema" xmlns:p="http://schemas.microsoft.com/office/2006/metadata/properties" xmlns:ns2="ee5b1a5a-f929-4855-b0fb-f48d78c84d01" targetNamespace="http://schemas.microsoft.com/office/2006/metadata/properties" ma:root="true" ma:fieldsID="87b3fe0f278518d164546a7db98ecad0" ns2:_="">
     <xsd:import namespace="ee5b1a5a-f929-4855-b0fb-f48d78c84d01"/>
@@ -36604,22 +34772,31 @@
 </ct:contentTypeSchema>
 </file>
 
-<file path=customXml/item2.xml><?xml version="1.0" encoding="utf-8"?>
-<p:properties xmlns:p="http://schemas.microsoft.com/office/2006/metadata/properties" xmlns:xsi="http://www.w3.org/2001/XMLSchema-instance" xmlns:pc="http://schemas.microsoft.com/office/infopath/2007/PartnerControls">
-  <documentManagement/>
-</p:properties>
+<file path=customXml/itemProps1.xml><?xml version="1.0" encoding="utf-8"?>
+<ds:datastoreItem xmlns:ds="http://schemas.openxmlformats.org/officeDocument/2006/customXml" ds:itemID="{FD9FABF5-6511-49BB-9308-A0ED0CDD57EB}">
+  <ds:schemaRefs>
+    <ds:schemaRef ds:uri="ee5b1a5a-f929-4855-b0fb-f48d78c84d01"/>
+    <ds:schemaRef ds:uri="http://purl.org/dc/dcmitype/"/>
+    <ds:schemaRef ds:uri="http://purl.org/dc/elements/1.1/"/>
+    <ds:schemaRef ds:uri="http://purl.org/dc/terms/"/>
+    <ds:schemaRef ds:uri="http://schemas.microsoft.com/office/2006/documentManagement/types"/>
+    <ds:schemaRef ds:uri="http://schemas.microsoft.com/office/2006/metadata/properties"/>
+    <ds:schemaRef ds:uri="http://schemas.microsoft.com/office/infopath/2007/PartnerControls"/>
+    <ds:schemaRef ds:uri="http://schemas.openxmlformats.org/package/2006/metadata/core-properties"/>
+    <ds:schemaRef ds:uri="http://www.w3.org/XML/1998/namespace"/>
+  </ds:schemaRefs>
+</ds:datastoreItem>
 </file>
 
-<file path=customXml/item3.xml><?xml version="1.0" encoding="utf-8"?>
-<?mso-contentType ?>
-<FormTemplates xmlns="http://schemas.microsoft.com/sharepoint/v3/contenttype/forms">
-  <Display>DocumentLibraryForm</Display>
-  <Edit>DocumentLibraryForm</Edit>
-  <New>DocumentLibraryForm</New>
-</FormTemplates>
+<file path=customXml/itemProps2.xml><?xml version="1.0" encoding="utf-8"?>
+<ds:datastoreItem xmlns:ds="http://schemas.openxmlformats.org/officeDocument/2006/customXml" ds:itemID="{A39F2FBB-3B13-4D1F-B9F5-CD3593210063}">
+  <ds:schemaRefs>
+    <ds:schemaRef ds:uri="http://schemas.microsoft.com/sharepoint/v3/contenttype/forms"/>
+  </ds:schemaRefs>
+</ds:datastoreItem>
 </file>
 
-<file path=customXml/itemProps1.xml><?xml version="1.0" encoding="utf-8"?>
+<file path=customXml/itemProps3.xml><?xml version="1.0" encoding="utf-8"?>
 <ds:datastoreItem xmlns:ds="http://schemas.openxmlformats.org/officeDocument/2006/customXml" ds:itemID="{E919682F-F86F-431A-ABA1-E1A389D532FE}">
   <ds:schemaRefs>
     <ds:schemaRef ds:uri="ee5b1a5a-f929-4855-b0fb-f48d78c84d01"/>
@@ -36635,28 +34812,4 @@
     <ds:schemaRef ds:uri="http://www.w3.org/2001/XMLSchema"/>
   </ds:schemaRefs>
 </ds:datastoreItem>
-</file>
-
-<file path=customXml/itemProps2.xml><?xml version="1.0" encoding="utf-8"?>
-<ds:datastoreItem xmlns:ds="http://schemas.openxmlformats.org/officeDocument/2006/customXml" ds:itemID="{FD9FABF5-6511-49BB-9308-A0ED0CDD57EB}">
-  <ds:schemaRefs>
-    <ds:schemaRef ds:uri="ee5b1a5a-f929-4855-b0fb-f48d78c84d01"/>
-    <ds:schemaRef ds:uri="http://purl.org/dc/dcmitype/"/>
-    <ds:schemaRef ds:uri="http://purl.org/dc/elements/1.1/"/>
-    <ds:schemaRef ds:uri="http://purl.org/dc/terms/"/>
-    <ds:schemaRef ds:uri="http://schemas.microsoft.com/office/2006/documentManagement/types"/>
-    <ds:schemaRef ds:uri="http://schemas.microsoft.com/office/2006/metadata/properties"/>
-    <ds:schemaRef ds:uri="http://schemas.microsoft.com/office/infopath/2007/PartnerControls"/>
-    <ds:schemaRef ds:uri="http://schemas.openxmlformats.org/package/2006/metadata/core-properties"/>
-    <ds:schemaRef ds:uri="http://www.w3.org/XML/1998/namespace"/>
-  </ds:schemaRefs>
-</ds:datastoreItem>
-</file>
-
-<file path=customXml/itemProps3.xml><?xml version="1.0" encoding="utf-8"?>
-<ds:datastoreItem xmlns:ds="http://schemas.openxmlformats.org/officeDocument/2006/customXml" ds:itemID="{A39F2FBB-3B13-4D1F-B9F5-CD3593210063}">
-  <ds:schemaRefs>
-    <ds:schemaRef ds:uri="http://schemas.microsoft.com/sharepoint/v3/contenttype/forms"/>
-  </ds:schemaRefs>
-</ds:datastoreItem>
 </file>
--- a/Microbiome_Analyst.pptx
+++ b/Microbiome_Analyst.pptx
@@ -177,8521 +177,6 @@
     <p1510:client id="{CD87909F-FD91-449E-8648-F76CDE6EC729}" v="2" dt="2024-01-31T22:30:45.663"/>
   </p1510:revLst>
 </p1510:revInfo>
-</file>
-
-<file path=ppt/changesInfos/changesInfo1.xml><?xml version="1.0" encoding="utf-8"?>
-<pc:chgInfo xmlns:a="http://schemas.openxmlformats.org/drawingml/2006/main" xmlns:r="http://schemas.openxmlformats.org/officeDocument/2006/relationships" xmlns:ac="http://schemas.microsoft.com/office/drawing/2013/main/command" xmlns:pc="http://schemas.microsoft.com/office/powerpoint/2013/main/command">
-  <pc:docChgLst>
-    <pc:chgData name="Man,Hok Yi" userId="S::hm565@drexel.edu::9f585303-93fb-4119-ac7d-19fe102fc7c3" providerId="AD" clId="Web-{54C8C211-4687-493B-A004-513F5E10A981}"/>
-    <pc:docChg chg="modSld addMainMaster delMainMaster">
-      <pc:chgData name="Man,Hok Yi" userId="S::hm565@drexel.edu::9f585303-93fb-4119-ac7d-19fe102fc7c3" providerId="AD" clId="Web-{54C8C211-4687-493B-A004-513F5E10A981}" dt="2024-01-28T20:44:16.662" v="1"/>
-      <pc:docMkLst>
-        <pc:docMk/>
-      </pc:docMkLst>
-      <pc:sldChg chg="modSp mod modClrScheme chgLayout">
-        <pc:chgData name="Man,Hok Yi" userId="S::hm565@drexel.edu::9f585303-93fb-4119-ac7d-19fe102fc7c3" providerId="AD" clId="Web-{54C8C211-4687-493B-A004-513F5E10A981}" dt="2024-01-28T20:44:16.662" v="1"/>
-        <pc:sldMkLst>
-          <pc:docMk/>
-          <pc:sldMk cId="109857222" sldId="256"/>
-        </pc:sldMkLst>
-        <pc:spChg chg="mod ord">
-          <ac:chgData name="Man,Hok Yi" userId="S::hm565@drexel.edu::9f585303-93fb-4119-ac7d-19fe102fc7c3" providerId="AD" clId="Web-{54C8C211-4687-493B-A004-513F5E10A981}" dt="2024-01-28T20:44:16.662" v="1"/>
-          <ac:spMkLst>
-            <pc:docMk/>
-            <pc:sldMk cId="109857222" sldId="256"/>
-            <ac:spMk id="2" creationId="{00000000-0000-0000-0000-000000000000}"/>
-          </ac:spMkLst>
-        </pc:spChg>
-        <pc:spChg chg="mod ord">
-          <ac:chgData name="Man,Hok Yi" userId="S::hm565@drexel.edu::9f585303-93fb-4119-ac7d-19fe102fc7c3" providerId="AD" clId="Web-{54C8C211-4687-493B-A004-513F5E10A981}" dt="2024-01-28T20:44:16.662" v="1"/>
-          <ac:spMkLst>
-            <pc:docMk/>
-            <pc:sldMk cId="109857222" sldId="256"/>
-            <ac:spMk id="3" creationId="{00000000-0000-0000-0000-000000000000}"/>
-          </ac:spMkLst>
-        </pc:spChg>
-      </pc:sldChg>
-      <pc:sldChg chg="modSp mod modClrScheme chgLayout">
-        <pc:chgData name="Man,Hok Yi" userId="S::hm565@drexel.edu::9f585303-93fb-4119-ac7d-19fe102fc7c3" providerId="AD" clId="Web-{54C8C211-4687-493B-A004-513F5E10A981}" dt="2024-01-28T20:44:16.662" v="1"/>
-        <pc:sldMkLst>
-          <pc:docMk/>
-          <pc:sldMk cId="2397075849" sldId="257"/>
-        </pc:sldMkLst>
-        <pc:spChg chg="mod ord">
-          <ac:chgData name="Man,Hok Yi" userId="S::hm565@drexel.edu::9f585303-93fb-4119-ac7d-19fe102fc7c3" providerId="AD" clId="Web-{54C8C211-4687-493B-A004-513F5E10A981}" dt="2024-01-28T20:44:16.662" v="1"/>
-          <ac:spMkLst>
-            <pc:docMk/>
-            <pc:sldMk cId="2397075849" sldId="257"/>
-            <ac:spMk id="2" creationId="{4D3FEA41-6E80-6962-37F3-C991673814A0}"/>
-          </ac:spMkLst>
-        </pc:spChg>
-        <pc:spChg chg="mod ord">
-          <ac:chgData name="Man,Hok Yi" userId="S::hm565@drexel.edu::9f585303-93fb-4119-ac7d-19fe102fc7c3" providerId="AD" clId="Web-{54C8C211-4687-493B-A004-513F5E10A981}" dt="2024-01-28T20:44:16.662" v="1"/>
-          <ac:spMkLst>
-            <pc:docMk/>
-            <pc:sldMk cId="2397075849" sldId="257"/>
-            <ac:spMk id="3" creationId="{9A34F657-F733-C3CE-4BC7-5AA2E0570E2D}"/>
-          </ac:spMkLst>
-        </pc:spChg>
-      </pc:sldChg>
-      <pc:sldChg chg="modSp mod modClrScheme chgLayout">
-        <pc:chgData name="Man,Hok Yi" userId="S::hm565@drexel.edu::9f585303-93fb-4119-ac7d-19fe102fc7c3" providerId="AD" clId="Web-{54C8C211-4687-493B-A004-513F5E10A981}" dt="2024-01-28T20:44:16.662" v="1"/>
-        <pc:sldMkLst>
-          <pc:docMk/>
-          <pc:sldMk cId="2969469873" sldId="258"/>
-        </pc:sldMkLst>
-        <pc:spChg chg="mod ord">
-          <ac:chgData name="Man,Hok Yi" userId="S::hm565@drexel.edu::9f585303-93fb-4119-ac7d-19fe102fc7c3" providerId="AD" clId="Web-{54C8C211-4687-493B-A004-513F5E10A981}" dt="2024-01-28T20:44:16.662" v="1"/>
-          <ac:spMkLst>
-            <pc:docMk/>
-            <pc:sldMk cId="2969469873" sldId="258"/>
-            <ac:spMk id="2" creationId="{D67A2FD2-E53B-E453-B07F-8C0748A0F758}"/>
-          </ac:spMkLst>
-        </pc:spChg>
-        <pc:spChg chg="mod ord">
-          <ac:chgData name="Man,Hok Yi" userId="S::hm565@drexel.edu::9f585303-93fb-4119-ac7d-19fe102fc7c3" providerId="AD" clId="Web-{54C8C211-4687-493B-A004-513F5E10A981}" dt="2024-01-28T20:44:16.662" v="1"/>
-          <ac:spMkLst>
-            <pc:docMk/>
-            <pc:sldMk cId="2969469873" sldId="258"/>
-            <ac:spMk id="3" creationId="{2A2D3215-131F-EA37-B4D3-483AC91A7472}"/>
-          </ac:spMkLst>
-        </pc:spChg>
-      </pc:sldChg>
-      <pc:sldChg chg="modSp mod modClrScheme chgLayout">
-        <pc:chgData name="Man,Hok Yi" userId="S::hm565@drexel.edu::9f585303-93fb-4119-ac7d-19fe102fc7c3" providerId="AD" clId="Web-{54C8C211-4687-493B-A004-513F5E10A981}" dt="2024-01-28T20:44:16.662" v="1"/>
-        <pc:sldMkLst>
-          <pc:docMk/>
-          <pc:sldMk cId="1171702265" sldId="259"/>
-        </pc:sldMkLst>
-        <pc:spChg chg="mod ord">
-          <ac:chgData name="Man,Hok Yi" userId="S::hm565@drexel.edu::9f585303-93fb-4119-ac7d-19fe102fc7c3" providerId="AD" clId="Web-{54C8C211-4687-493B-A004-513F5E10A981}" dt="2024-01-28T20:44:16.662" v="1"/>
-          <ac:spMkLst>
-            <pc:docMk/>
-            <pc:sldMk cId="1171702265" sldId="259"/>
-            <ac:spMk id="2" creationId="{24E0B7EC-A96D-1648-AD18-08880C1902F6}"/>
-          </ac:spMkLst>
-        </pc:spChg>
-        <pc:spChg chg="mod ord">
-          <ac:chgData name="Man,Hok Yi" userId="S::hm565@drexel.edu::9f585303-93fb-4119-ac7d-19fe102fc7c3" providerId="AD" clId="Web-{54C8C211-4687-493B-A004-513F5E10A981}" dt="2024-01-28T20:44:16.662" v="1"/>
-          <ac:spMkLst>
-            <pc:docMk/>
-            <pc:sldMk cId="1171702265" sldId="259"/>
-            <ac:spMk id="3" creationId="{40301150-85CA-621B-5FE2-93257828B537}"/>
-          </ac:spMkLst>
-        </pc:spChg>
-      </pc:sldChg>
-      <pc:sldChg chg="modSp mod modClrScheme chgLayout">
-        <pc:chgData name="Man,Hok Yi" userId="S::hm565@drexel.edu::9f585303-93fb-4119-ac7d-19fe102fc7c3" providerId="AD" clId="Web-{54C8C211-4687-493B-A004-513F5E10A981}" dt="2024-01-28T20:44:16.662" v="1"/>
-        <pc:sldMkLst>
-          <pc:docMk/>
-          <pc:sldMk cId="3426227320" sldId="260"/>
-        </pc:sldMkLst>
-        <pc:spChg chg="mod ord">
-          <ac:chgData name="Man,Hok Yi" userId="S::hm565@drexel.edu::9f585303-93fb-4119-ac7d-19fe102fc7c3" providerId="AD" clId="Web-{54C8C211-4687-493B-A004-513F5E10A981}" dt="2024-01-28T20:44:16.662" v="1"/>
-          <ac:spMkLst>
-            <pc:docMk/>
-            <pc:sldMk cId="3426227320" sldId="260"/>
-            <ac:spMk id="2" creationId="{C58538CF-3884-3E08-C5F7-DD3CF76B1029}"/>
-          </ac:spMkLst>
-        </pc:spChg>
-        <pc:spChg chg="mod ord">
-          <ac:chgData name="Man,Hok Yi" userId="S::hm565@drexel.edu::9f585303-93fb-4119-ac7d-19fe102fc7c3" providerId="AD" clId="Web-{54C8C211-4687-493B-A004-513F5E10A981}" dt="2024-01-28T20:44:16.662" v="1"/>
-          <ac:spMkLst>
-            <pc:docMk/>
-            <pc:sldMk cId="3426227320" sldId="260"/>
-            <ac:spMk id="3" creationId="{B12291E2-4762-B168-72E9-C60152D873A6}"/>
-          </ac:spMkLst>
-        </pc:spChg>
-      </pc:sldChg>
-      <pc:sldChg chg="modSp mod modClrScheme chgLayout">
-        <pc:chgData name="Man,Hok Yi" userId="S::hm565@drexel.edu::9f585303-93fb-4119-ac7d-19fe102fc7c3" providerId="AD" clId="Web-{54C8C211-4687-493B-A004-513F5E10A981}" dt="2024-01-28T20:44:16.662" v="1"/>
-        <pc:sldMkLst>
-          <pc:docMk/>
-          <pc:sldMk cId="2379871376" sldId="261"/>
-        </pc:sldMkLst>
-        <pc:spChg chg="mod ord">
-          <ac:chgData name="Man,Hok Yi" userId="S::hm565@drexel.edu::9f585303-93fb-4119-ac7d-19fe102fc7c3" providerId="AD" clId="Web-{54C8C211-4687-493B-A004-513F5E10A981}" dt="2024-01-28T20:44:16.662" v="1"/>
-          <ac:spMkLst>
-            <pc:docMk/>
-            <pc:sldMk cId="2379871376" sldId="261"/>
-            <ac:spMk id="2" creationId="{420616CE-D687-73D2-07E7-CE7A09669C52}"/>
-          </ac:spMkLst>
-        </pc:spChg>
-        <pc:spChg chg="mod ord">
-          <ac:chgData name="Man,Hok Yi" userId="S::hm565@drexel.edu::9f585303-93fb-4119-ac7d-19fe102fc7c3" providerId="AD" clId="Web-{54C8C211-4687-493B-A004-513F5E10A981}" dt="2024-01-28T20:44:16.662" v="1"/>
-          <ac:spMkLst>
-            <pc:docMk/>
-            <pc:sldMk cId="2379871376" sldId="261"/>
-            <ac:spMk id="3" creationId="{3884C811-0B61-13DF-1004-ECE182B5770C}"/>
-          </ac:spMkLst>
-        </pc:spChg>
-      </pc:sldChg>
-      <pc:sldChg chg="modSp mod modClrScheme chgLayout">
-        <pc:chgData name="Man,Hok Yi" userId="S::hm565@drexel.edu::9f585303-93fb-4119-ac7d-19fe102fc7c3" providerId="AD" clId="Web-{54C8C211-4687-493B-A004-513F5E10A981}" dt="2024-01-28T20:44:16.662" v="1"/>
-        <pc:sldMkLst>
-          <pc:docMk/>
-          <pc:sldMk cId="2774841454" sldId="262"/>
-        </pc:sldMkLst>
-        <pc:spChg chg="mod ord">
-          <ac:chgData name="Man,Hok Yi" userId="S::hm565@drexel.edu::9f585303-93fb-4119-ac7d-19fe102fc7c3" providerId="AD" clId="Web-{54C8C211-4687-493B-A004-513F5E10A981}" dt="2024-01-28T20:44:16.662" v="1"/>
-          <ac:spMkLst>
-            <pc:docMk/>
-            <pc:sldMk cId="2774841454" sldId="262"/>
-            <ac:spMk id="2" creationId="{EA470ECF-BB63-368D-E7A4-E46B90ACD015}"/>
-          </ac:spMkLst>
-        </pc:spChg>
-        <pc:picChg chg="mod ord">
-          <ac:chgData name="Man,Hok Yi" userId="S::hm565@drexel.edu::9f585303-93fb-4119-ac7d-19fe102fc7c3" providerId="AD" clId="Web-{54C8C211-4687-493B-A004-513F5E10A981}" dt="2024-01-28T20:44:16.662" v="1"/>
-          <ac:picMkLst>
-            <pc:docMk/>
-            <pc:sldMk cId="2774841454" sldId="262"/>
-            <ac:picMk id="4" creationId="{696C6E7C-DD9A-C7B9-A418-61F4C6795BE6}"/>
-          </ac:picMkLst>
-        </pc:picChg>
-      </pc:sldChg>
-      <pc:sldChg chg="modSp mod modClrScheme chgLayout">
-        <pc:chgData name="Man,Hok Yi" userId="S::hm565@drexel.edu::9f585303-93fb-4119-ac7d-19fe102fc7c3" providerId="AD" clId="Web-{54C8C211-4687-493B-A004-513F5E10A981}" dt="2024-01-28T20:44:16.662" v="1"/>
-        <pc:sldMkLst>
-          <pc:docMk/>
-          <pc:sldMk cId="2102792910" sldId="263"/>
-        </pc:sldMkLst>
-        <pc:spChg chg="mod ord">
-          <ac:chgData name="Man,Hok Yi" userId="S::hm565@drexel.edu::9f585303-93fb-4119-ac7d-19fe102fc7c3" providerId="AD" clId="Web-{54C8C211-4687-493B-A004-513F5E10A981}" dt="2024-01-28T20:44:16.662" v="1"/>
-          <ac:spMkLst>
-            <pc:docMk/>
-            <pc:sldMk cId="2102792910" sldId="263"/>
-            <ac:spMk id="2" creationId="{4B7F3E33-9263-4A59-15EF-591A3C217035}"/>
-          </ac:spMkLst>
-        </pc:spChg>
-        <pc:picChg chg="mod ord">
-          <ac:chgData name="Man,Hok Yi" userId="S::hm565@drexel.edu::9f585303-93fb-4119-ac7d-19fe102fc7c3" providerId="AD" clId="Web-{54C8C211-4687-493B-A004-513F5E10A981}" dt="2024-01-28T20:44:16.662" v="1"/>
-          <ac:picMkLst>
-            <pc:docMk/>
-            <pc:sldMk cId="2102792910" sldId="263"/>
-            <ac:picMk id="4" creationId="{9F6DF129-D3CB-2659-850A-BE4312D71D56}"/>
-          </ac:picMkLst>
-        </pc:picChg>
-      </pc:sldChg>
-      <pc:sldChg chg="modSp mod modClrScheme chgLayout">
-        <pc:chgData name="Man,Hok Yi" userId="S::hm565@drexel.edu::9f585303-93fb-4119-ac7d-19fe102fc7c3" providerId="AD" clId="Web-{54C8C211-4687-493B-A004-513F5E10A981}" dt="2024-01-28T20:44:16.662" v="1"/>
-        <pc:sldMkLst>
-          <pc:docMk/>
-          <pc:sldMk cId="679940781" sldId="264"/>
-        </pc:sldMkLst>
-        <pc:spChg chg="mod ord">
-          <ac:chgData name="Man,Hok Yi" userId="S::hm565@drexel.edu::9f585303-93fb-4119-ac7d-19fe102fc7c3" providerId="AD" clId="Web-{54C8C211-4687-493B-A004-513F5E10A981}" dt="2024-01-28T20:44:16.662" v="1"/>
-          <ac:spMkLst>
-            <pc:docMk/>
-            <pc:sldMk cId="679940781" sldId="264"/>
-            <ac:spMk id="2" creationId="{32CC648D-8CE1-33F0-9915-1FEFE77739A6}"/>
-          </ac:spMkLst>
-        </pc:spChg>
-        <pc:spChg chg="mod ord">
-          <ac:chgData name="Man,Hok Yi" userId="S::hm565@drexel.edu::9f585303-93fb-4119-ac7d-19fe102fc7c3" providerId="AD" clId="Web-{54C8C211-4687-493B-A004-513F5E10A981}" dt="2024-01-28T20:44:16.662" v="1"/>
-          <ac:spMkLst>
-            <pc:docMk/>
-            <pc:sldMk cId="679940781" sldId="264"/>
-            <ac:spMk id="3" creationId="{7247C34B-5880-360D-6F5E-9B43F32C2378}"/>
-          </ac:spMkLst>
-        </pc:spChg>
-      </pc:sldChg>
-      <pc:sldChg chg="modSp mod modClrScheme chgLayout">
-        <pc:chgData name="Man,Hok Yi" userId="S::hm565@drexel.edu::9f585303-93fb-4119-ac7d-19fe102fc7c3" providerId="AD" clId="Web-{54C8C211-4687-493B-A004-513F5E10A981}" dt="2024-01-28T20:44:16.662" v="1"/>
-        <pc:sldMkLst>
-          <pc:docMk/>
-          <pc:sldMk cId="1953189439" sldId="265"/>
-        </pc:sldMkLst>
-        <pc:spChg chg="mod ord">
-          <ac:chgData name="Man,Hok Yi" userId="S::hm565@drexel.edu::9f585303-93fb-4119-ac7d-19fe102fc7c3" providerId="AD" clId="Web-{54C8C211-4687-493B-A004-513F5E10A981}" dt="2024-01-28T20:44:16.662" v="1"/>
-          <ac:spMkLst>
-            <pc:docMk/>
-            <pc:sldMk cId="1953189439" sldId="265"/>
-            <ac:spMk id="2" creationId="{F41C99BC-53DF-79F8-8DA4-C118312F7CAE}"/>
-          </ac:spMkLst>
-        </pc:spChg>
-        <pc:picChg chg="mod ord">
-          <ac:chgData name="Man,Hok Yi" userId="S::hm565@drexel.edu::9f585303-93fb-4119-ac7d-19fe102fc7c3" providerId="AD" clId="Web-{54C8C211-4687-493B-A004-513F5E10A981}" dt="2024-01-28T20:44:16.662" v="1"/>
-          <ac:picMkLst>
-            <pc:docMk/>
-            <pc:sldMk cId="1953189439" sldId="265"/>
-            <ac:picMk id="4" creationId="{F5808768-6806-E29E-7DB6-FBB434142EED}"/>
-          </ac:picMkLst>
-        </pc:picChg>
-      </pc:sldChg>
-      <pc:sldChg chg="modSp mod modClrScheme chgLayout">
-        <pc:chgData name="Man,Hok Yi" userId="S::hm565@drexel.edu::9f585303-93fb-4119-ac7d-19fe102fc7c3" providerId="AD" clId="Web-{54C8C211-4687-493B-A004-513F5E10A981}" dt="2024-01-28T20:44:16.662" v="1"/>
-        <pc:sldMkLst>
-          <pc:docMk/>
-          <pc:sldMk cId="282660687" sldId="266"/>
-        </pc:sldMkLst>
-        <pc:spChg chg="mod ord">
-          <ac:chgData name="Man,Hok Yi" userId="S::hm565@drexel.edu::9f585303-93fb-4119-ac7d-19fe102fc7c3" providerId="AD" clId="Web-{54C8C211-4687-493B-A004-513F5E10A981}" dt="2024-01-28T20:44:16.662" v="1"/>
-          <ac:spMkLst>
-            <pc:docMk/>
-            <pc:sldMk cId="282660687" sldId="266"/>
-            <ac:spMk id="2" creationId="{5D32178E-8CD1-7286-0D95-C95889D2391E}"/>
-          </ac:spMkLst>
-        </pc:spChg>
-        <pc:picChg chg="mod ord">
-          <ac:chgData name="Man,Hok Yi" userId="S::hm565@drexel.edu::9f585303-93fb-4119-ac7d-19fe102fc7c3" providerId="AD" clId="Web-{54C8C211-4687-493B-A004-513F5E10A981}" dt="2024-01-28T20:44:16.662" v="1"/>
-          <ac:picMkLst>
-            <pc:docMk/>
-            <pc:sldMk cId="282660687" sldId="266"/>
-            <ac:picMk id="4" creationId="{AED8E824-C826-AB4D-768C-433E46F7FB2C}"/>
-          </ac:picMkLst>
-        </pc:picChg>
-      </pc:sldChg>
-      <pc:sldChg chg="modSp mod modClrScheme chgLayout">
-        <pc:chgData name="Man,Hok Yi" userId="S::hm565@drexel.edu::9f585303-93fb-4119-ac7d-19fe102fc7c3" providerId="AD" clId="Web-{54C8C211-4687-493B-A004-513F5E10A981}" dt="2024-01-28T20:44:16.662" v="1"/>
-        <pc:sldMkLst>
-          <pc:docMk/>
-          <pc:sldMk cId="1205040247" sldId="268"/>
-        </pc:sldMkLst>
-        <pc:spChg chg="mod ord">
-          <ac:chgData name="Man,Hok Yi" userId="S::hm565@drexel.edu::9f585303-93fb-4119-ac7d-19fe102fc7c3" providerId="AD" clId="Web-{54C8C211-4687-493B-A004-513F5E10A981}" dt="2024-01-28T20:44:16.662" v="1"/>
-          <ac:spMkLst>
-            <pc:docMk/>
-            <pc:sldMk cId="1205040247" sldId="268"/>
-            <ac:spMk id="2" creationId="{D42D4A20-2DB6-A074-D52B-1896ECE57D75}"/>
-          </ac:spMkLst>
-        </pc:spChg>
-        <pc:spChg chg="mod ord">
-          <ac:chgData name="Man,Hok Yi" userId="S::hm565@drexel.edu::9f585303-93fb-4119-ac7d-19fe102fc7c3" providerId="AD" clId="Web-{54C8C211-4687-493B-A004-513F5E10A981}" dt="2024-01-28T20:44:16.662" v="1"/>
-          <ac:spMkLst>
-            <pc:docMk/>
-            <pc:sldMk cId="1205040247" sldId="268"/>
-            <ac:spMk id="3" creationId="{CF778286-4931-29E4-A881-A317B011766A}"/>
-          </ac:spMkLst>
-        </pc:spChg>
-      </pc:sldChg>
-      <pc:sldChg chg="modSp mod modClrScheme chgLayout">
-        <pc:chgData name="Man,Hok Yi" userId="S::hm565@drexel.edu::9f585303-93fb-4119-ac7d-19fe102fc7c3" providerId="AD" clId="Web-{54C8C211-4687-493B-A004-513F5E10A981}" dt="2024-01-28T20:44:16.662" v="1"/>
-        <pc:sldMkLst>
-          <pc:docMk/>
-          <pc:sldMk cId="3527209141" sldId="269"/>
-        </pc:sldMkLst>
-        <pc:spChg chg="mod ord">
-          <ac:chgData name="Man,Hok Yi" userId="S::hm565@drexel.edu::9f585303-93fb-4119-ac7d-19fe102fc7c3" providerId="AD" clId="Web-{54C8C211-4687-493B-A004-513F5E10A981}" dt="2024-01-28T20:44:16.662" v="1"/>
-          <ac:spMkLst>
-            <pc:docMk/>
-            <pc:sldMk cId="3527209141" sldId="269"/>
-            <ac:spMk id="2" creationId="{E05B7881-7048-EF3F-56E8-79060CC82F76}"/>
-          </ac:spMkLst>
-        </pc:spChg>
-        <pc:spChg chg="mod ord">
-          <ac:chgData name="Man,Hok Yi" userId="S::hm565@drexel.edu::9f585303-93fb-4119-ac7d-19fe102fc7c3" providerId="AD" clId="Web-{54C8C211-4687-493B-A004-513F5E10A981}" dt="2024-01-28T20:44:16.662" v="1"/>
-          <ac:spMkLst>
-            <pc:docMk/>
-            <pc:sldMk cId="3527209141" sldId="269"/>
-            <ac:spMk id="3" creationId="{84A25EC2-BEB7-14EA-5338-402E931B25BA}"/>
-          </ac:spMkLst>
-        </pc:spChg>
-      </pc:sldChg>
-      <pc:sldChg chg="modSp mod modClrScheme chgLayout">
-        <pc:chgData name="Man,Hok Yi" userId="S::hm565@drexel.edu::9f585303-93fb-4119-ac7d-19fe102fc7c3" providerId="AD" clId="Web-{54C8C211-4687-493B-A004-513F5E10A981}" dt="2024-01-28T20:44:16.662" v="1"/>
-        <pc:sldMkLst>
-          <pc:docMk/>
-          <pc:sldMk cId="4029506607" sldId="270"/>
-        </pc:sldMkLst>
-        <pc:spChg chg="mod ord">
-          <ac:chgData name="Man,Hok Yi" userId="S::hm565@drexel.edu::9f585303-93fb-4119-ac7d-19fe102fc7c3" providerId="AD" clId="Web-{54C8C211-4687-493B-A004-513F5E10A981}" dt="2024-01-28T20:44:16.662" v="1"/>
-          <ac:spMkLst>
-            <pc:docMk/>
-            <pc:sldMk cId="4029506607" sldId="270"/>
-            <ac:spMk id="2" creationId="{3A2D4E83-89AA-0819-A48A-716B0B26C049}"/>
-          </ac:spMkLst>
-        </pc:spChg>
-        <pc:spChg chg="mod ord">
-          <ac:chgData name="Man,Hok Yi" userId="S::hm565@drexel.edu::9f585303-93fb-4119-ac7d-19fe102fc7c3" providerId="AD" clId="Web-{54C8C211-4687-493B-A004-513F5E10A981}" dt="2024-01-28T20:44:16.662" v="1"/>
-          <ac:spMkLst>
-            <pc:docMk/>
-            <pc:sldMk cId="4029506607" sldId="270"/>
-            <ac:spMk id="3" creationId="{4BEEFDC0-22D8-0C0D-88B5-4C0CD4992D76}"/>
-          </ac:spMkLst>
-        </pc:spChg>
-      </pc:sldChg>
-      <pc:sldMasterChg chg="del delSldLayout">
-        <pc:chgData name="Man,Hok Yi" userId="S::hm565@drexel.edu::9f585303-93fb-4119-ac7d-19fe102fc7c3" providerId="AD" clId="Web-{54C8C211-4687-493B-A004-513F5E10A981}" dt="2024-01-28T20:44:08.209" v="0"/>
-        <pc:sldMasterMkLst>
-          <pc:docMk/>
-          <pc:sldMasterMk cId="1998886237" sldId="2147483864"/>
-        </pc:sldMasterMkLst>
-        <pc:sldLayoutChg chg="del">
-          <pc:chgData name="Man,Hok Yi" userId="S::hm565@drexel.edu::9f585303-93fb-4119-ac7d-19fe102fc7c3" providerId="AD" clId="Web-{54C8C211-4687-493B-A004-513F5E10A981}" dt="2024-01-28T20:44:08.209" v="0"/>
-          <pc:sldLayoutMkLst>
-            <pc:docMk/>
-            <pc:sldMasterMk cId="1998886237" sldId="2147483864"/>
-            <pc:sldLayoutMk cId="3325765472" sldId="2147483865"/>
-          </pc:sldLayoutMkLst>
-        </pc:sldLayoutChg>
-        <pc:sldLayoutChg chg="del">
-          <pc:chgData name="Man,Hok Yi" userId="S::hm565@drexel.edu::9f585303-93fb-4119-ac7d-19fe102fc7c3" providerId="AD" clId="Web-{54C8C211-4687-493B-A004-513F5E10A981}" dt="2024-01-28T20:44:08.209" v="0"/>
-          <pc:sldLayoutMkLst>
-            <pc:docMk/>
-            <pc:sldMasterMk cId="1998886237" sldId="2147483864"/>
-            <pc:sldLayoutMk cId="2811514625" sldId="2147483866"/>
-          </pc:sldLayoutMkLst>
-        </pc:sldLayoutChg>
-        <pc:sldLayoutChg chg="del">
-          <pc:chgData name="Man,Hok Yi" userId="S::hm565@drexel.edu::9f585303-93fb-4119-ac7d-19fe102fc7c3" providerId="AD" clId="Web-{54C8C211-4687-493B-A004-513F5E10A981}" dt="2024-01-28T20:44:08.209" v="0"/>
-          <pc:sldLayoutMkLst>
-            <pc:docMk/>
-            <pc:sldMasterMk cId="1998886237" sldId="2147483864"/>
-            <pc:sldLayoutMk cId="1322204658" sldId="2147483867"/>
-          </pc:sldLayoutMkLst>
-        </pc:sldLayoutChg>
-        <pc:sldLayoutChg chg="del">
-          <pc:chgData name="Man,Hok Yi" userId="S::hm565@drexel.edu::9f585303-93fb-4119-ac7d-19fe102fc7c3" providerId="AD" clId="Web-{54C8C211-4687-493B-A004-513F5E10A981}" dt="2024-01-28T20:44:08.209" v="0"/>
-          <pc:sldLayoutMkLst>
-            <pc:docMk/>
-            <pc:sldMasterMk cId="1998886237" sldId="2147483864"/>
-            <pc:sldLayoutMk cId="796667386" sldId="2147483868"/>
-          </pc:sldLayoutMkLst>
-        </pc:sldLayoutChg>
-        <pc:sldLayoutChg chg="del">
-          <pc:chgData name="Man,Hok Yi" userId="S::hm565@drexel.edu::9f585303-93fb-4119-ac7d-19fe102fc7c3" providerId="AD" clId="Web-{54C8C211-4687-493B-A004-513F5E10A981}" dt="2024-01-28T20:44:08.209" v="0"/>
-          <pc:sldLayoutMkLst>
-            <pc:docMk/>
-            <pc:sldMasterMk cId="1998886237" sldId="2147483864"/>
-            <pc:sldLayoutMk cId="2145259772" sldId="2147483869"/>
-          </pc:sldLayoutMkLst>
-        </pc:sldLayoutChg>
-        <pc:sldLayoutChg chg="del">
-          <pc:chgData name="Man,Hok Yi" userId="S::hm565@drexel.edu::9f585303-93fb-4119-ac7d-19fe102fc7c3" providerId="AD" clId="Web-{54C8C211-4687-493B-A004-513F5E10A981}" dt="2024-01-28T20:44:08.209" v="0"/>
-          <pc:sldLayoutMkLst>
-            <pc:docMk/>
-            <pc:sldMasterMk cId="1998886237" sldId="2147483864"/>
-            <pc:sldLayoutMk cId="1301326654" sldId="2147483870"/>
-          </pc:sldLayoutMkLst>
-        </pc:sldLayoutChg>
-        <pc:sldLayoutChg chg="del">
-          <pc:chgData name="Man,Hok Yi" userId="S::hm565@drexel.edu::9f585303-93fb-4119-ac7d-19fe102fc7c3" providerId="AD" clId="Web-{54C8C211-4687-493B-A004-513F5E10A981}" dt="2024-01-28T20:44:08.209" v="0"/>
-          <pc:sldLayoutMkLst>
-            <pc:docMk/>
-            <pc:sldMasterMk cId="1998886237" sldId="2147483864"/>
-            <pc:sldLayoutMk cId="874670734" sldId="2147483871"/>
-          </pc:sldLayoutMkLst>
-        </pc:sldLayoutChg>
-        <pc:sldLayoutChg chg="del">
-          <pc:chgData name="Man,Hok Yi" userId="S::hm565@drexel.edu::9f585303-93fb-4119-ac7d-19fe102fc7c3" providerId="AD" clId="Web-{54C8C211-4687-493B-A004-513F5E10A981}" dt="2024-01-28T20:44:08.209" v="0"/>
-          <pc:sldLayoutMkLst>
-            <pc:docMk/>
-            <pc:sldMasterMk cId="1998886237" sldId="2147483864"/>
-            <pc:sldLayoutMk cId="3323268577" sldId="2147483872"/>
-          </pc:sldLayoutMkLst>
-        </pc:sldLayoutChg>
-        <pc:sldLayoutChg chg="del">
-          <pc:chgData name="Man,Hok Yi" userId="S::hm565@drexel.edu::9f585303-93fb-4119-ac7d-19fe102fc7c3" providerId="AD" clId="Web-{54C8C211-4687-493B-A004-513F5E10A981}" dt="2024-01-28T20:44:08.209" v="0"/>
-          <pc:sldLayoutMkLst>
-            <pc:docMk/>
-            <pc:sldMasterMk cId="1998886237" sldId="2147483864"/>
-            <pc:sldLayoutMk cId="802379115" sldId="2147483873"/>
-          </pc:sldLayoutMkLst>
-        </pc:sldLayoutChg>
-        <pc:sldLayoutChg chg="del">
-          <pc:chgData name="Man,Hok Yi" userId="S::hm565@drexel.edu::9f585303-93fb-4119-ac7d-19fe102fc7c3" providerId="AD" clId="Web-{54C8C211-4687-493B-A004-513F5E10A981}" dt="2024-01-28T20:44:08.209" v="0"/>
-          <pc:sldLayoutMkLst>
-            <pc:docMk/>
-            <pc:sldMasterMk cId="1998886237" sldId="2147483864"/>
-            <pc:sldLayoutMk cId="2880369399" sldId="2147483874"/>
-          </pc:sldLayoutMkLst>
-        </pc:sldLayoutChg>
-        <pc:sldLayoutChg chg="del">
-          <pc:chgData name="Man,Hok Yi" userId="S::hm565@drexel.edu::9f585303-93fb-4119-ac7d-19fe102fc7c3" providerId="AD" clId="Web-{54C8C211-4687-493B-A004-513F5E10A981}" dt="2024-01-28T20:44:08.209" v="0"/>
-          <pc:sldLayoutMkLst>
-            <pc:docMk/>
-            <pc:sldMasterMk cId="1998886237" sldId="2147483864"/>
-            <pc:sldLayoutMk cId="3537551270" sldId="2147483875"/>
-          </pc:sldLayoutMkLst>
-        </pc:sldLayoutChg>
-      </pc:sldMasterChg>
-      <pc:sldMasterChg chg="add del addSldLayout delSldLayout modSldLayout">
-        <pc:chgData name="Man,Hok Yi" userId="S::hm565@drexel.edu::9f585303-93fb-4119-ac7d-19fe102fc7c3" providerId="AD" clId="Web-{54C8C211-4687-493B-A004-513F5E10A981}" dt="2024-01-28T20:44:16.662" v="1"/>
-        <pc:sldMasterMkLst>
-          <pc:docMk/>
-          <pc:sldMasterMk cId="1302756923" sldId="2147483876"/>
-        </pc:sldMasterMkLst>
-        <pc:sldLayoutChg chg="add del mod replId">
-          <pc:chgData name="Man,Hok Yi" userId="S::hm565@drexel.edu::9f585303-93fb-4119-ac7d-19fe102fc7c3" providerId="AD" clId="Web-{54C8C211-4687-493B-A004-513F5E10A981}" dt="2024-01-28T20:44:16.662" v="1"/>
-          <pc:sldLayoutMkLst>
-            <pc:docMk/>
-            <pc:sldMasterMk cId="1302756923" sldId="2147483876"/>
-            <pc:sldLayoutMk cId="928309325" sldId="2147483877"/>
-          </pc:sldLayoutMkLst>
-        </pc:sldLayoutChg>
-        <pc:sldLayoutChg chg="add del mod replId">
-          <pc:chgData name="Man,Hok Yi" userId="S::hm565@drexel.edu::9f585303-93fb-4119-ac7d-19fe102fc7c3" providerId="AD" clId="Web-{54C8C211-4687-493B-A004-513F5E10A981}" dt="2024-01-28T20:44:16.662" v="1"/>
-          <pc:sldLayoutMkLst>
-            <pc:docMk/>
-            <pc:sldMasterMk cId="1302756923" sldId="2147483876"/>
-            <pc:sldLayoutMk cId="3985499063" sldId="2147483878"/>
-          </pc:sldLayoutMkLst>
-        </pc:sldLayoutChg>
-        <pc:sldLayoutChg chg="add del mod replId">
-          <pc:chgData name="Man,Hok Yi" userId="S::hm565@drexel.edu::9f585303-93fb-4119-ac7d-19fe102fc7c3" providerId="AD" clId="Web-{54C8C211-4687-493B-A004-513F5E10A981}" dt="2024-01-28T20:44:16.662" v="1"/>
-          <pc:sldLayoutMkLst>
-            <pc:docMk/>
-            <pc:sldMasterMk cId="1302756923" sldId="2147483876"/>
-            <pc:sldLayoutMk cId="275814673" sldId="2147483879"/>
-          </pc:sldLayoutMkLst>
-        </pc:sldLayoutChg>
-        <pc:sldLayoutChg chg="add del mod replId">
-          <pc:chgData name="Man,Hok Yi" userId="S::hm565@drexel.edu::9f585303-93fb-4119-ac7d-19fe102fc7c3" providerId="AD" clId="Web-{54C8C211-4687-493B-A004-513F5E10A981}" dt="2024-01-28T20:44:16.662" v="1"/>
-          <pc:sldLayoutMkLst>
-            <pc:docMk/>
-            <pc:sldMasterMk cId="1302756923" sldId="2147483876"/>
-            <pc:sldLayoutMk cId="1294927628" sldId="2147483880"/>
-          </pc:sldLayoutMkLst>
-        </pc:sldLayoutChg>
-        <pc:sldLayoutChg chg="add del mod replId">
-          <pc:chgData name="Man,Hok Yi" userId="S::hm565@drexel.edu::9f585303-93fb-4119-ac7d-19fe102fc7c3" providerId="AD" clId="Web-{54C8C211-4687-493B-A004-513F5E10A981}" dt="2024-01-28T20:44:16.662" v="1"/>
-          <pc:sldLayoutMkLst>
-            <pc:docMk/>
-            <pc:sldMasterMk cId="1302756923" sldId="2147483876"/>
-            <pc:sldLayoutMk cId="541867655" sldId="2147483881"/>
-          </pc:sldLayoutMkLst>
-        </pc:sldLayoutChg>
-        <pc:sldLayoutChg chg="add del mod replId">
-          <pc:chgData name="Man,Hok Yi" userId="S::hm565@drexel.edu::9f585303-93fb-4119-ac7d-19fe102fc7c3" providerId="AD" clId="Web-{54C8C211-4687-493B-A004-513F5E10A981}" dt="2024-01-28T20:44:16.662" v="1"/>
-          <pc:sldLayoutMkLst>
-            <pc:docMk/>
-            <pc:sldMasterMk cId="1302756923" sldId="2147483876"/>
-            <pc:sldLayoutMk cId="3515145724" sldId="2147483882"/>
-          </pc:sldLayoutMkLst>
-        </pc:sldLayoutChg>
-        <pc:sldLayoutChg chg="add del mod replId">
-          <pc:chgData name="Man,Hok Yi" userId="S::hm565@drexel.edu::9f585303-93fb-4119-ac7d-19fe102fc7c3" providerId="AD" clId="Web-{54C8C211-4687-493B-A004-513F5E10A981}" dt="2024-01-28T20:44:16.662" v="1"/>
-          <pc:sldLayoutMkLst>
-            <pc:docMk/>
-            <pc:sldMasterMk cId="1302756923" sldId="2147483876"/>
-            <pc:sldLayoutMk cId="1596245597" sldId="2147483883"/>
-          </pc:sldLayoutMkLst>
-        </pc:sldLayoutChg>
-        <pc:sldLayoutChg chg="add del mod replId">
-          <pc:chgData name="Man,Hok Yi" userId="S::hm565@drexel.edu::9f585303-93fb-4119-ac7d-19fe102fc7c3" providerId="AD" clId="Web-{54C8C211-4687-493B-A004-513F5E10A981}" dt="2024-01-28T20:44:16.662" v="1"/>
-          <pc:sldLayoutMkLst>
-            <pc:docMk/>
-            <pc:sldMasterMk cId="1302756923" sldId="2147483876"/>
-            <pc:sldLayoutMk cId="1289812762" sldId="2147483884"/>
-          </pc:sldLayoutMkLst>
-        </pc:sldLayoutChg>
-        <pc:sldLayoutChg chg="add del mod replId">
-          <pc:chgData name="Man,Hok Yi" userId="S::hm565@drexel.edu::9f585303-93fb-4119-ac7d-19fe102fc7c3" providerId="AD" clId="Web-{54C8C211-4687-493B-A004-513F5E10A981}" dt="2024-01-28T20:44:16.662" v="1"/>
-          <pc:sldLayoutMkLst>
-            <pc:docMk/>
-            <pc:sldMasterMk cId="1302756923" sldId="2147483876"/>
-            <pc:sldLayoutMk cId="3327099060" sldId="2147483885"/>
-          </pc:sldLayoutMkLst>
-        </pc:sldLayoutChg>
-        <pc:sldLayoutChg chg="add del mod replId">
-          <pc:chgData name="Man,Hok Yi" userId="S::hm565@drexel.edu::9f585303-93fb-4119-ac7d-19fe102fc7c3" providerId="AD" clId="Web-{54C8C211-4687-493B-A004-513F5E10A981}" dt="2024-01-28T20:44:16.662" v="1"/>
-          <pc:sldLayoutMkLst>
-            <pc:docMk/>
-            <pc:sldMasterMk cId="1302756923" sldId="2147483876"/>
-            <pc:sldLayoutMk cId="2958901505" sldId="2147483886"/>
-          </pc:sldLayoutMkLst>
-        </pc:sldLayoutChg>
-        <pc:sldLayoutChg chg="add del mod replId">
-          <pc:chgData name="Man,Hok Yi" userId="S::hm565@drexel.edu::9f585303-93fb-4119-ac7d-19fe102fc7c3" providerId="AD" clId="Web-{54C8C211-4687-493B-A004-513F5E10A981}" dt="2024-01-28T20:44:16.662" v="1"/>
-          <pc:sldLayoutMkLst>
-            <pc:docMk/>
-            <pc:sldMasterMk cId="1302756923" sldId="2147483876"/>
-            <pc:sldLayoutMk cId="1634021737" sldId="2147483887"/>
-          </pc:sldLayoutMkLst>
-        </pc:sldLayoutChg>
-      </pc:sldMasterChg>
-      <pc:sldMasterChg chg="add addSldLayout modSldLayout">
-        <pc:chgData name="Man,Hok Yi" userId="S::hm565@drexel.edu::9f585303-93fb-4119-ac7d-19fe102fc7c3" providerId="AD" clId="Web-{54C8C211-4687-493B-A004-513F5E10A981}" dt="2024-01-28T20:44:16.662" v="1"/>
-        <pc:sldMasterMkLst>
-          <pc:docMk/>
-          <pc:sldMasterMk cId="871645479" sldId="2147483888"/>
-        </pc:sldMasterMkLst>
-        <pc:sldLayoutChg chg="add mod replId">
-          <pc:chgData name="Man,Hok Yi" userId="S::hm565@drexel.edu::9f585303-93fb-4119-ac7d-19fe102fc7c3" providerId="AD" clId="Web-{54C8C211-4687-493B-A004-513F5E10A981}" dt="2024-01-28T20:44:16.662" v="1"/>
-          <pc:sldLayoutMkLst>
-            <pc:docMk/>
-            <pc:sldMasterMk cId="871645479" sldId="2147483888"/>
-            <pc:sldLayoutMk cId="3346848029" sldId="2147483889"/>
-          </pc:sldLayoutMkLst>
-        </pc:sldLayoutChg>
-        <pc:sldLayoutChg chg="add mod replId">
-          <pc:chgData name="Man,Hok Yi" userId="S::hm565@drexel.edu::9f585303-93fb-4119-ac7d-19fe102fc7c3" providerId="AD" clId="Web-{54C8C211-4687-493B-A004-513F5E10A981}" dt="2024-01-28T20:44:16.662" v="1"/>
-          <pc:sldLayoutMkLst>
-            <pc:docMk/>
-            <pc:sldMasterMk cId="871645479" sldId="2147483888"/>
-            <pc:sldLayoutMk cId="3342512921" sldId="2147483890"/>
-          </pc:sldLayoutMkLst>
-        </pc:sldLayoutChg>
-        <pc:sldLayoutChg chg="add mod replId">
-          <pc:chgData name="Man,Hok Yi" userId="S::hm565@drexel.edu::9f585303-93fb-4119-ac7d-19fe102fc7c3" providerId="AD" clId="Web-{54C8C211-4687-493B-A004-513F5E10A981}" dt="2024-01-28T20:44:16.662" v="1"/>
-          <pc:sldLayoutMkLst>
-            <pc:docMk/>
-            <pc:sldMasterMk cId="871645479" sldId="2147483888"/>
-            <pc:sldLayoutMk cId="3415033112" sldId="2147483891"/>
-          </pc:sldLayoutMkLst>
-        </pc:sldLayoutChg>
-        <pc:sldLayoutChg chg="add mod replId">
-          <pc:chgData name="Man,Hok Yi" userId="S::hm565@drexel.edu::9f585303-93fb-4119-ac7d-19fe102fc7c3" providerId="AD" clId="Web-{54C8C211-4687-493B-A004-513F5E10A981}" dt="2024-01-28T20:44:16.662" v="1"/>
-          <pc:sldLayoutMkLst>
-            <pc:docMk/>
-            <pc:sldMasterMk cId="871645479" sldId="2147483888"/>
-            <pc:sldLayoutMk cId="3567474036" sldId="2147483892"/>
-          </pc:sldLayoutMkLst>
-        </pc:sldLayoutChg>
-        <pc:sldLayoutChg chg="add mod replId">
-          <pc:chgData name="Man,Hok Yi" userId="S::hm565@drexel.edu::9f585303-93fb-4119-ac7d-19fe102fc7c3" providerId="AD" clId="Web-{54C8C211-4687-493B-A004-513F5E10A981}" dt="2024-01-28T20:44:16.662" v="1"/>
-          <pc:sldLayoutMkLst>
-            <pc:docMk/>
-            <pc:sldMasterMk cId="871645479" sldId="2147483888"/>
-            <pc:sldLayoutMk cId="1214982854" sldId="2147483893"/>
-          </pc:sldLayoutMkLst>
-        </pc:sldLayoutChg>
-        <pc:sldLayoutChg chg="add mod replId">
-          <pc:chgData name="Man,Hok Yi" userId="S::hm565@drexel.edu::9f585303-93fb-4119-ac7d-19fe102fc7c3" providerId="AD" clId="Web-{54C8C211-4687-493B-A004-513F5E10A981}" dt="2024-01-28T20:44:16.662" v="1"/>
-          <pc:sldLayoutMkLst>
-            <pc:docMk/>
-            <pc:sldMasterMk cId="871645479" sldId="2147483888"/>
-            <pc:sldLayoutMk cId="2423565513" sldId="2147483894"/>
-          </pc:sldLayoutMkLst>
-        </pc:sldLayoutChg>
-        <pc:sldLayoutChg chg="add mod replId">
-          <pc:chgData name="Man,Hok Yi" userId="S::hm565@drexel.edu::9f585303-93fb-4119-ac7d-19fe102fc7c3" providerId="AD" clId="Web-{54C8C211-4687-493B-A004-513F5E10A981}" dt="2024-01-28T20:44:16.662" v="1"/>
-          <pc:sldLayoutMkLst>
-            <pc:docMk/>
-            <pc:sldMasterMk cId="871645479" sldId="2147483888"/>
-            <pc:sldLayoutMk cId="1363485307" sldId="2147483895"/>
-          </pc:sldLayoutMkLst>
-        </pc:sldLayoutChg>
-        <pc:sldLayoutChg chg="add mod replId">
-          <pc:chgData name="Man,Hok Yi" userId="S::hm565@drexel.edu::9f585303-93fb-4119-ac7d-19fe102fc7c3" providerId="AD" clId="Web-{54C8C211-4687-493B-A004-513F5E10A981}" dt="2024-01-28T20:44:16.662" v="1"/>
-          <pc:sldLayoutMkLst>
-            <pc:docMk/>
-            <pc:sldMasterMk cId="871645479" sldId="2147483888"/>
-            <pc:sldLayoutMk cId="330201989" sldId="2147483896"/>
-          </pc:sldLayoutMkLst>
-        </pc:sldLayoutChg>
-        <pc:sldLayoutChg chg="add mod replId">
-          <pc:chgData name="Man,Hok Yi" userId="S::hm565@drexel.edu::9f585303-93fb-4119-ac7d-19fe102fc7c3" providerId="AD" clId="Web-{54C8C211-4687-493B-A004-513F5E10A981}" dt="2024-01-28T20:44:16.662" v="1"/>
-          <pc:sldLayoutMkLst>
-            <pc:docMk/>
-            <pc:sldMasterMk cId="871645479" sldId="2147483888"/>
-            <pc:sldLayoutMk cId="3193702050" sldId="2147483897"/>
-          </pc:sldLayoutMkLst>
-        </pc:sldLayoutChg>
-        <pc:sldLayoutChg chg="add mod replId">
-          <pc:chgData name="Man,Hok Yi" userId="S::hm565@drexel.edu::9f585303-93fb-4119-ac7d-19fe102fc7c3" providerId="AD" clId="Web-{54C8C211-4687-493B-A004-513F5E10A981}" dt="2024-01-28T20:44:16.662" v="1"/>
-          <pc:sldLayoutMkLst>
-            <pc:docMk/>
-            <pc:sldMasterMk cId="871645479" sldId="2147483888"/>
-            <pc:sldLayoutMk cId="3841882407" sldId="2147483898"/>
-          </pc:sldLayoutMkLst>
-        </pc:sldLayoutChg>
-        <pc:sldLayoutChg chg="add mod replId">
-          <pc:chgData name="Man,Hok Yi" userId="S::hm565@drexel.edu::9f585303-93fb-4119-ac7d-19fe102fc7c3" providerId="AD" clId="Web-{54C8C211-4687-493B-A004-513F5E10A981}" dt="2024-01-28T20:44:16.662" v="1"/>
-          <pc:sldLayoutMkLst>
-            <pc:docMk/>
-            <pc:sldMasterMk cId="871645479" sldId="2147483888"/>
-            <pc:sldLayoutMk cId="795793219" sldId="2147483899"/>
-          </pc:sldLayoutMkLst>
-        </pc:sldLayoutChg>
-        <pc:sldLayoutChg chg="add mod replId">
-          <pc:chgData name="Man,Hok Yi" userId="S::hm565@drexel.edu::9f585303-93fb-4119-ac7d-19fe102fc7c3" providerId="AD" clId="Web-{54C8C211-4687-493B-A004-513F5E10A981}" dt="2024-01-28T20:44:16.662" v="1"/>
-          <pc:sldLayoutMkLst>
-            <pc:docMk/>
-            <pc:sldMasterMk cId="871645479" sldId="2147483888"/>
-            <pc:sldLayoutMk cId="741418909" sldId="2147483900"/>
-          </pc:sldLayoutMkLst>
-        </pc:sldLayoutChg>
-        <pc:sldLayoutChg chg="add mod replId">
-          <pc:chgData name="Man,Hok Yi" userId="S::hm565@drexel.edu::9f585303-93fb-4119-ac7d-19fe102fc7c3" providerId="AD" clId="Web-{54C8C211-4687-493B-A004-513F5E10A981}" dt="2024-01-28T20:44:16.662" v="1"/>
-          <pc:sldLayoutMkLst>
-            <pc:docMk/>
-            <pc:sldMasterMk cId="871645479" sldId="2147483888"/>
-            <pc:sldLayoutMk cId="161343278" sldId="2147483901"/>
-          </pc:sldLayoutMkLst>
-        </pc:sldLayoutChg>
-        <pc:sldLayoutChg chg="add mod replId">
-          <pc:chgData name="Man,Hok Yi" userId="S::hm565@drexel.edu::9f585303-93fb-4119-ac7d-19fe102fc7c3" providerId="AD" clId="Web-{54C8C211-4687-493B-A004-513F5E10A981}" dt="2024-01-28T20:44:16.662" v="1"/>
-          <pc:sldLayoutMkLst>
-            <pc:docMk/>
-            <pc:sldMasterMk cId="871645479" sldId="2147483888"/>
-            <pc:sldLayoutMk cId="2708278121" sldId="2147483902"/>
-          </pc:sldLayoutMkLst>
-        </pc:sldLayoutChg>
-        <pc:sldLayoutChg chg="add mod replId">
-          <pc:chgData name="Man,Hok Yi" userId="S::hm565@drexel.edu::9f585303-93fb-4119-ac7d-19fe102fc7c3" providerId="AD" clId="Web-{54C8C211-4687-493B-A004-513F5E10A981}" dt="2024-01-28T20:44:16.662" v="1"/>
-          <pc:sldLayoutMkLst>
-            <pc:docMk/>
-            <pc:sldMasterMk cId="871645479" sldId="2147483888"/>
-            <pc:sldLayoutMk cId="1425792129" sldId="2147483903"/>
-          </pc:sldLayoutMkLst>
-        </pc:sldLayoutChg>
-        <pc:sldLayoutChg chg="add mod replId">
-          <pc:chgData name="Man,Hok Yi" userId="S::hm565@drexel.edu::9f585303-93fb-4119-ac7d-19fe102fc7c3" providerId="AD" clId="Web-{54C8C211-4687-493B-A004-513F5E10A981}" dt="2024-01-28T20:44:16.662" v="1"/>
-          <pc:sldLayoutMkLst>
-            <pc:docMk/>
-            <pc:sldMasterMk cId="871645479" sldId="2147483888"/>
-            <pc:sldLayoutMk cId="138387575" sldId="2147483904"/>
-          </pc:sldLayoutMkLst>
-        </pc:sldLayoutChg>
-        <pc:sldLayoutChg chg="add mod replId">
-          <pc:chgData name="Man,Hok Yi" userId="S::hm565@drexel.edu::9f585303-93fb-4119-ac7d-19fe102fc7c3" providerId="AD" clId="Web-{54C8C211-4687-493B-A004-513F5E10A981}" dt="2024-01-28T20:44:16.662" v="1"/>
-          <pc:sldLayoutMkLst>
-            <pc:docMk/>
-            <pc:sldMasterMk cId="871645479" sldId="2147483888"/>
-            <pc:sldLayoutMk cId="4147529618" sldId="2147483905"/>
-          </pc:sldLayoutMkLst>
-        </pc:sldLayoutChg>
-      </pc:sldMasterChg>
-    </pc:docChg>
-  </pc:docChgLst>
-  <pc:docChgLst>
-    <pc:chgData name="Patani,Cimi" userId="S::ccp63@drexel.edu::72ab453c-a6a7-41f9-8e1f-ad511f61c8ba" providerId="AD" clId="Web-{C51108F1-A415-46B5-AA5F-2DD57A225C9B}"/>
-    <pc:docChg chg="addSld delSld sldOrd">
-      <pc:chgData name="Patani,Cimi" userId="S::ccp63@drexel.edu::72ab453c-a6a7-41f9-8e1f-ad511f61c8ba" providerId="AD" clId="Web-{C51108F1-A415-46B5-AA5F-2DD57A225C9B}" dt="2024-02-01T17:52:03.204" v="2"/>
-      <pc:docMkLst>
-        <pc:docMk/>
-      </pc:docMkLst>
-      <pc:sldChg chg="ord">
-        <pc:chgData name="Patani,Cimi" userId="S::ccp63@drexel.edu::72ab453c-a6a7-41f9-8e1f-ad511f61c8ba" providerId="AD" clId="Web-{C51108F1-A415-46B5-AA5F-2DD57A225C9B}" dt="2024-02-01T17:32:50.636" v="0"/>
-        <pc:sldMkLst>
-          <pc:docMk/>
-          <pc:sldMk cId="4024183217" sldId="307"/>
-        </pc:sldMkLst>
-      </pc:sldChg>
-      <pc:sldChg chg="new del">
-        <pc:chgData name="Patani,Cimi" userId="S::ccp63@drexel.edu::72ab453c-a6a7-41f9-8e1f-ad511f61c8ba" providerId="AD" clId="Web-{C51108F1-A415-46B5-AA5F-2DD57A225C9B}" dt="2024-02-01T17:52:03.204" v="2"/>
-        <pc:sldMkLst>
-          <pc:docMk/>
-          <pc:sldMk cId="2141770942" sldId="314"/>
-        </pc:sldMkLst>
-      </pc:sldChg>
-    </pc:docChg>
-  </pc:docChgLst>
-  <pc:docChgLst>
-    <pc:chgData name="Patani,Cimi" userId="S::ccp63@drexel.edu::72ab453c-a6a7-41f9-8e1f-ad511f61c8ba" providerId="AD" clId="Web-{C63BEBAC-7D5A-4F7D-BA40-A5764EA5184E}"/>
-    <pc:docChg chg="addSld modSld">
-      <pc:chgData name="Patani,Cimi" userId="S::ccp63@drexel.edu::72ab453c-a6a7-41f9-8e1f-ad511f61c8ba" providerId="AD" clId="Web-{C63BEBAC-7D5A-4F7D-BA40-A5764EA5184E}" dt="2024-01-30T02:47:43.018" v="204" actId="1076"/>
-      <pc:docMkLst>
-        <pc:docMk/>
-      </pc:docMkLst>
-      <pc:sldChg chg="modSp">
-        <pc:chgData name="Patani,Cimi" userId="S::ccp63@drexel.edu::72ab453c-a6a7-41f9-8e1f-ad511f61c8ba" providerId="AD" clId="Web-{C63BEBAC-7D5A-4F7D-BA40-A5764EA5184E}" dt="2024-01-30T02:43:52.377" v="114" actId="14100"/>
-        <pc:sldMkLst>
-          <pc:docMk/>
-          <pc:sldMk cId="3290096582" sldId="274"/>
-        </pc:sldMkLst>
-        <pc:spChg chg="mod">
-          <ac:chgData name="Patani,Cimi" userId="S::ccp63@drexel.edu::72ab453c-a6a7-41f9-8e1f-ad511f61c8ba" providerId="AD" clId="Web-{C63BEBAC-7D5A-4F7D-BA40-A5764EA5184E}" dt="2024-01-30T02:43:43.487" v="112" actId="20577"/>
-          <ac:spMkLst>
-            <pc:docMk/>
-            <pc:sldMk cId="3290096582" sldId="274"/>
-            <ac:spMk id="2" creationId="{4E770634-BBF3-0FCD-D0F5-15386B50F2E8}"/>
-          </ac:spMkLst>
-        </pc:spChg>
-        <pc:spChg chg="mod">
-          <ac:chgData name="Patani,Cimi" userId="S::ccp63@drexel.edu::72ab453c-a6a7-41f9-8e1f-ad511f61c8ba" providerId="AD" clId="Web-{C63BEBAC-7D5A-4F7D-BA40-A5764EA5184E}" dt="2024-01-30T02:43:52.377" v="114" actId="14100"/>
-          <ac:spMkLst>
-            <pc:docMk/>
-            <pc:sldMk cId="3290096582" sldId="274"/>
-            <ac:spMk id="4" creationId="{3E8EA5F1-AE97-00F7-DC9C-B5CA6BBDDE47}"/>
-          </ac:spMkLst>
-        </pc:spChg>
-        <pc:spChg chg="mod">
-          <ac:chgData name="Patani,Cimi" userId="S::ccp63@drexel.edu::72ab453c-a6a7-41f9-8e1f-ad511f61c8ba" providerId="AD" clId="Web-{C63BEBAC-7D5A-4F7D-BA40-A5764EA5184E}" dt="2024-01-30T02:39:18.268" v="61" actId="1076"/>
-          <ac:spMkLst>
-            <pc:docMk/>
-            <pc:sldMk cId="3290096582" sldId="274"/>
-            <ac:spMk id="6" creationId="{10C083B5-FF66-866D-6A2B-98FF638B5703}"/>
-          </ac:spMkLst>
-        </pc:spChg>
-      </pc:sldChg>
-      <pc:sldChg chg="addSp modSp">
-        <pc:chgData name="Patani,Cimi" userId="S::ccp63@drexel.edu::72ab453c-a6a7-41f9-8e1f-ad511f61c8ba" providerId="AD" clId="Web-{C63BEBAC-7D5A-4F7D-BA40-A5764EA5184E}" dt="2024-01-30T02:47:43.018" v="204" actId="1076"/>
-        <pc:sldMkLst>
-          <pc:docMk/>
-          <pc:sldMk cId="1681687425" sldId="278"/>
-        </pc:sldMkLst>
-        <pc:spChg chg="mod">
-          <ac:chgData name="Patani,Cimi" userId="S::ccp63@drexel.edu::72ab453c-a6a7-41f9-8e1f-ad511f61c8ba" providerId="AD" clId="Web-{C63BEBAC-7D5A-4F7D-BA40-A5764EA5184E}" dt="2024-01-30T02:45:14.034" v="145" actId="1076"/>
-          <ac:spMkLst>
-            <pc:docMk/>
-            <pc:sldMk cId="1681687425" sldId="278"/>
-            <ac:spMk id="3" creationId="{28FB20A6-FD5C-77F7-D018-CA35CE017F04}"/>
-          </ac:spMkLst>
-        </pc:spChg>
-        <pc:spChg chg="add mod">
-          <ac:chgData name="Patani,Cimi" userId="S::ccp63@drexel.edu::72ab453c-a6a7-41f9-8e1f-ad511f61c8ba" providerId="AD" clId="Web-{C63BEBAC-7D5A-4F7D-BA40-A5764EA5184E}" dt="2024-01-30T02:45:42.127" v="148" actId="1076"/>
-          <ac:spMkLst>
-            <pc:docMk/>
-            <pc:sldMk cId="1681687425" sldId="278"/>
-            <ac:spMk id="4" creationId="{8A1F2938-9972-F564-A46E-8BB8F2397CCF}"/>
-          </ac:spMkLst>
-        </pc:spChg>
-        <pc:spChg chg="add mod">
-          <ac:chgData name="Patani,Cimi" userId="S::ccp63@drexel.edu::72ab453c-a6a7-41f9-8e1f-ad511f61c8ba" providerId="AD" clId="Web-{C63BEBAC-7D5A-4F7D-BA40-A5764EA5184E}" dt="2024-01-30T02:47:43.018" v="204" actId="1076"/>
-          <ac:spMkLst>
-            <pc:docMk/>
-            <pc:sldMk cId="1681687425" sldId="278"/>
-            <ac:spMk id="6" creationId="{675A4157-4071-FC5F-CDAA-9DF7C8C280BF}"/>
-          </ac:spMkLst>
-        </pc:spChg>
-        <pc:picChg chg="mod">
-          <ac:chgData name="Patani,Cimi" userId="S::ccp63@drexel.edu::72ab453c-a6a7-41f9-8e1f-ad511f61c8ba" providerId="AD" clId="Web-{C63BEBAC-7D5A-4F7D-BA40-A5764EA5184E}" dt="2024-01-30T02:45:19.877" v="146" actId="1076"/>
-          <ac:picMkLst>
-            <pc:docMk/>
-            <pc:sldMk cId="1681687425" sldId="278"/>
-            <ac:picMk id="5" creationId="{49C14A2A-BE76-D67B-A289-985E34A10D46}"/>
-          </ac:picMkLst>
-        </pc:picChg>
-      </pc:sldChg>
-      <pc:sldChg chg="addSp modSp">
-        <pc:chgData name="Patani,Cimi" userId="S::ccp63@drexel.edu::72ab453c-a6a7-41f9-8e1f-ad511f61c8ba" providerId="AD" clId="Web-{C63BEBAC-7D5A-4F7D-BA40-A5764EA5184E}" dt="2024-01-30T02:43:31.862" v="111" actId="20577"/>
-        <pc:sldMkLst>
-          <pc:docMk/>
-          <pc:sldMk cId="4157545518" sldId="302"/>
-        </pc:sldMkLst>
-        <pc:spChg chg="add mod">
-          <ac:chgData name="Patani,Cimi" userId="S::ccp63@drexel.edu::72ab453c-a6a7-41f9-8e1f-ad511f61c8ba" providerId="AD" clId="Web-{C63BEBAC-7D5A-4F7D-BA40-A5764EA5184E}" dt="2024-01-30T02:43:31.862" v="111" actId="20577"/>
-          <ac:spMkLst>
-            <pc:docMk/>
-            <pc:sldMk cId="4157545518" sldId="302"/>
-            <ac:spMk id="2" creationId="{B5C3BE0F-1487-E75D-0EFE-338A1941E03C}"/>
-          </ac:spMkLst>
-        </pc:spChg>
-        <pc:spChg chg="mod">
-          <ac:chgData name="Patani,Cimi" userId="S::ccp63@drexel.edu::72ab453c-a6a7-41f9-8e1f-ad511f61c8ba" providerId="AD" clId="Web-{C63BEBAC-7D5A-4F7D-BA40-A5764EA5184E}" dt="2024-01-30T02:38:23.408" v="21" actId="20577"/>
-          <ac:spMkLst>
-            <pc:docMk/>
-            <pc:sldMk cId="4157545518" sldId="302"/>
-            <ac:spMk id="4" creationId="{BEC49B2F-1232-8103-5650-BB938A28CA09}"/>
-          </ac:spMkLst>
-        </pc:spChg>
-        <pc:spChg chg="mod">
-          <ac:chgData name="Patani,Cimi" userId="S::ccp63@drexel.edu::72ab453c-a6a7-41f9-8e1f-ad511f61c8ba" providerId="AD" clId="Web-{C63BEBAC-7D5A-4F7D-BA40-A5764EA5184E}" dt="2024-01-30T02:37:59.346" v="13" actId="1076"/>
-          <ac:spMkLst>
-            <pc:docMk/>
-            <pc:sldMk cId="4157545518" sldId="302"/>
-            <ac:spMk id="5" creationId="{367D6A4B-F293-FEBB-2A1F-00A0EF9FFC50}"/>
-          </ac:spMkLst>
-        </pc:spChg>
-      </pc:sldChg>
-      <pc:sldChg chg="addSp delSp modSp new">
-        <pc:chgData name="Patani,Cimi" userId="S::ccp63@drexel.edu::72ab453c-a6a7-41f9-8e1f-ad511f61c8ba" providerId="AD" clId="Web-{C63BEBAC-7D5A-4F7D-BA40-A5764EA5184E}" dt="2024-01-30T02:44:57.768" v="143" actId="1076"/>
-        <pc:sldMkLst>
-          <pc:docMk/>
-          <pc:sldMk cId="967817937" sldId="303"/>
-        </pc:sldMkLst>
-        <pc:spChg chg="del">
-          <ac:chgData name="Patani,Cimi" userId="S::ccp63@drexel.edu::72ab453c-a6a7-41f9-8e1f-ad511f61c8ba" providerId="AD" clId="Web-{C63BEBAC-7D5A-4F7D-BA40-A5764EA5184E}" dt="2024-01-30T02:41:17.049" v="66"/>
-          <ac:spMkLst>
-            <pc:docMk/>
-            <pc:sldMk cId="967817937" sldId="303"/>
-            <ac:spMk id="2" creationId="{4AE79DA9-FA16-D521-569E-D545D819E479}"/>
-          </ac:spMkLst>
-        </pc:spChg>
-        <pc:spChg chg="mod">
-          <ac:chgData name="Patani,Cimi" userId="S::ccp63@drexel.edu::72ab453c-a6a7-41f9-8e1f-ad511f61c8ba" providerId="AD" clId="Web-{C63BEBAC-7D5A-4F7D-BA40-A5764EA5184E}" dt="2024-01-30T02:44:57.768" v="143" actId="1076"/>
-          <ac:spMkLst>
-            <pc:docMk/>
-            <pc:sldMk cId="967817937" sldId="303"/>
-            <ac:spMk id="3" creationId="{09F8BDBA-11C4-1CC1-455F-C47F8E650E9D}"/>
-          </ac:spMkLst>
-        </pc:spChg>
-        <pc:spChg chg="add mod">
-          <ac:chgData name="Patani,Cimi" userId="S::ccp63@drexel.edu::72ab453c-a6a7-41f9-8e1f-ad511f61c8ba" providerId="AD" clId="Web-{C63BEBAC-7D5A-4F7D-BA40-A5764EA5184E}" dt="2024-01-30T02:44:47.643" v="141" actId="14100"/>
-          <ac:spMkLst>
-            <pc:docMk/>
-            <pc:sldMk cId="967817937" sldId="303"/>
-            <ac:spMk id="4" creationId="{4513323E-8C40-3B0D-8DC7-FA29A4237FF7}"/>
-          </ac:spMkLst>
-        </pc:spChg>
-      </pc:sldChg>
-    </pc:docChg>
-  </pc:docChgLst>
-  <pc:docChgLst>
-    <pc:chgData name="Patani,Cimi" userId="S::ccp63@drexel.edu::72ab453c-a6a7-41f9-8e1f-ad511f61c8ba" providerId="AD" clId="Web-{B039202E-04EF-4E23-B7C1-082C8CC109C7}"/>
-    <pc:docChg chg="modSld">
-      <pc:chgData name="Patani,Cimi" userId="S::ccp63@drexel.edu::72ab453c-a6a7-41f9-8e1f-ad511f61c8ba" providerId="AD" clId="Web-{B039202E-04EF-4E23-B7C1-082C8CC109C7}" dt="2024-01-30T22:46:07.216" v="0" actId="20577"/>
-      <pc:docMkLst>
-        <pc:docMk/>
-      </pc:docMkLst>
-      <pc:sldChg chg="modSp">
-        <pc:chgData name="Patani,Cimi" userId="S::ccp63@drexel.edu::72ab453c-a6a7-41f9-8e1f-ad511f61c8ba" providerId="AD" clId="Web-{B039202E-04EF-4E23-B7C1-082C8CC109C7}" dt="2024-01-30T22:46:07.216" v="0" actId="20577"/>
-        <pc:sldMkLst>
-          <pc:docMk/>
-          <pc:sldMk cId="1681687425" sldId="278"/>
-        </pc:sldMkLst>
-        <pc:spChg chg="mod">
-          <ac:chgData name="Patani,Cimi" userId="S::ccp63@drexel.edu::72ab453c-a6a7-41f9-8e1f-ad511f61c8ba" providerId="AD" clId="Web-{B039202E-04EF-4E23-B7C1-082C8CC109C7}" dt="2024-01-30T22:46:07.216" v="0" actId="20577"/>
-          <ac:spMkLst>
-            <pc:docMk/>
-            <pc:sldMk cId="1681687425" sldId="278"/>
-            <ac:spMk id="2" creationId="{0C7BC5D8-728C-CD70-0C6E-21E353B51B1E}"/>
-          </ac:spMkLst>
-        </pc:spChg>
-      </pc:sldChg>
-    </pc:docChg>
-  </pc:docChgLst>
-  <pc:docChgLst>
-    <pc:chgData name="Man,Hok Yi" userId="S::hm565@drexel.edu::9f585303-93fb-4119-ac7d-19fe102fc7c3" providerId="AD" clId="Web-{CD87909F-FD91-449E-8648-F76CDE6EC729}"/>
-    <pc:docChg chg="modSld">
-      <pc:chgData name="Man,Hok Yi" userId="S::hm565@drexel.edu::9f585303-93fb-4119-ac7d-19fe102fc7c3" providerId="AD" clId="Web-{CD87909F-FD91-449E-8648-F76CDE6EC729}" dt="2024-01-31T22:30:45.663" v="1" actId="20577"/>
-      <pc:docMkLst>
-        <pc:docMk/>
-      </pc:docMkLst>
-      <pc:sldChg chg="modSp">
-        <pc:chgData name="Man,Hok Yi" userId="S::hm565@drexel.edu::9f585303-93fb-4119-ac7d-19fe102fc7c3" providerId="AD" clId="Web-{CD87909F-FD91-449E-8648-F76CDE6EC729}" dt="2024-01-31T22:30:45.663" v="1" actId="20577"/>
-        <pc:sldMkLst>
-          <pc:docMk/>
-          <pc:sldMk cId="1618508130" sldId="271"/>
-        </pc:sldMkLst>
-        <pc:spChg chg="mod">
-          <ac:chgData name="Man,Hok Yi" userId="S::hm565@drexel.edu::9f585303-93fb-4119-ac7d-19fe102fc7c3" providerId="AD" clId="Web-{CD87909F-FD91-449E-8648-F76CDE6EC729}" dt="2024-01-31T22:30:45.663" v="1" actId="20577"/>
-          <ac:spMkLst>
-            <pc:docMk/>
-            <pc:sldMk cId="1618508130" sldId="271"/>
-            <ac:spMk id="3" creationId="{FA848C48-4BAD-F6C8-C061-4A535CAB7C0E}"/>
-          </ac:spMkLst>
-        </pc:spChg>
-      </pc:sldChg>
-    </pc:docChg>
-  </pc:docChgLst>
-  <pc:docChgLst>
-    <pc:chgData name="Man,Hok Yi" userId="S::hm565@drexel.edu::9f585303-93fb-4119-ac7d-19fe102fc7c3" providerId="AD" clId="Web-{DC58B7D9-7417-4E92-B82D-01072DD6B9D3}"/>
-    <pc:docChg chg="modSld">
-      <pc:chgData name="Man,Hok Yi" userId="S::hm565@drexel.edu::9f585303-93fb-4119-ac7d-19fe102fc7c3" providerId="AD" clId="Web-{DC58B7D9-7417-4E92-B82D-01072DD6B9D3}" dt="2024-01-29T01:16:19.891" v="3" actId="20577"/>
-      <pc:docMkLst>
-        <pc:docMk/>
-      </pc:docMkLst>
-      <pc:sldChg chg="modSp">
-        <pc:chgData name="Man,Hok Yi" userId="S::hm565@drexel.edu::9f585303-93fb-4119-ac7d-19fe102fc7c3" providerId="AD" clId="Web-{DC58B7D9-7417-4E92-B82D-01072DD6B9D3}" dt="2024-01-29T01:16:19.891" v="3" actId="20577"/>
-        <pc:sldMkLst>
-          <pc:docMk/>
-          <pc:sldMk cId="109857222" sldId="256"/>
-        </pc:sldMkLst>
-        <pc:spChg chg="mod">
-          <ac:chgData name="Man,Hok Yi" userId="S::hm565@drexel.edu::9f585303-93fb-4119-ac7d-19fe102fc7c3" providerId="AD" clId="Web-{DC58B7D9-7417-4E92-B82D-01072DD6B9D3}" dt="2024-01-29T01:16:14.469" v="2" actId="20577"/>
-          <ac:spMkLst>
-            <pc:docMk/>
-            <pc:sldMk cId="109857222" sldId="256"/>
-            <ac:spMk id="2" creationId="{00000000-0000-0000-0000-000000000000}"/>
-          </ac:spMkLst>
-        </pc:spChg>
-        <pc:spChg chg="mod">
-          <ac:chgData name="Man,Hok Yi" userId="S::hm565@drexel.edu::9f585303-93fb-4119-ac7d-19fe102fc7c3" providerId="AD" clId="Web-{DC58B7D9-7417-4E92-B82D-01072DD6B9D3}" dt="2024-01-29T01:16:19.891" v="3" actId="20577"/>
-          <ac:spMkLst>
-            <pc:docMk/>
-            <pc:sldMk cId="109857222" sldId="256"/>
-            <ac:spMk id="3" creationId="{00000000-0000-0000-0000-000000000000}"/>
-          </ac:spMkLst>
-        </pc:spChg>
-      </pc:sldChg>
-      <pc:sldChg chg="modSp">
-        <pc:chgData name="Man,Hok Yi" userId="S::hm565@drexel.edu::9f585303-93fb-4119-ac7d-19fe102fc7c3" providerId="AD" clId="Web-{DC58B7D9-7417-4E92-B82D-01072DD6B9D3}" dt="2024-01-29T01:15:49.593" v="1" actId="1076"/>
-        <pc:sldMkLst>
-          <pc:docMk/>
-          <pc:sldMk cId="862902737" sldId="286"/>
-        </pc:sldMkLst>
-        <pc:picChg chg="mod">
-          <ac:chgData name="Man,Hok Yi" userId="S::hm565@drexel.edu::9f585303-93fb-4119-ac7d-19fe102fc7c3" providerId="AD" clId="Web-{DC58B7D9-7417-4E92-B82D-01072DD6B9D3}" dt="2024-01-29T01:15:49.593" v="1" actId="1076"/>
-          <ac:picMkLst>
-            <pc:docMk/>
-            <pc:sldMk cId="862902737" sldId="286"/>
-            <ac:picMk id="4" creationId="{3C4306C1-2F32-B0B5-4FB6-8D705B268B4B}"/>
-          </ac:picMkLst>
-        </pc:picChg>
-      </pc:sldChg>
-    </pc:docChg>
-  </pc:docChgLst>
-  <pc:docChgLst>
-    <pc:chgData name="Patani,Cimi" userId="S::ccp63@drexel.edu::72ab453c-a6a7-41f9-8e1f-ad511f61c8ba" providerId="AD" clId="Web-{9C4FAE58-32A4-4EDE-8030-699A342D0651}"/>
-    <pc:docChg chg="addSld delSld modSld">
-      <pc:chgData name="Patani,Cimi" userId="S::ccp63@drexel.edu::72ab453c-a6a7-41f9-8e1f-ad511f61c8ba" providerId="AD" clId="Web-{9C4FAE58-32A4-4EDE-8030-699A342D0651}" dt="2024-01-31T02:01:23.514" v="2363" actId="1076"/>
-      <pc:docMkLst>
-        <pc:docMk/>
-      </pc:docMkLst>
-      <pc:sldChg chg="del">
-        <pc:chgData name="Patani,Cimi" userId="S::ccp63@drexel.edu::72ab453c-a6a7-41f9-8e1f-ad511f61c8ba" providerId="AD" clId="Web-{9C4FAE58-32A4-4EDE-8030-699A342D0651}" dt="2024-01-31T01:04:52.869" v="2059"/>
-        <pc:sldMkLst>
-          <pc:docMk/>
-          <pc:sldMk cId="1953189439" sldId="265"/>
-        </pc:sldMkLst>
-      </pc:sldChg>
-      <pc:sldChg chg="del">
-        <pc:chgData name="Patani,Cimi" userId="S::ccp63@drexel.edu::72ab453c-a6a7-41f9-8e1f-ad511f61c8ba" providerId="AD" clId="Web-{9C4FAE58-32A4-4EDE-8030-699A342D0651}" dt="2024-01-31T01:04:52.088" v="2058"/>
-        <pc:sldMkLst>
-          <pc:docMk/>
-          <pc:sldMk cId="282660687" sldId="266"/>
-        </pc:sldMkLst>
-      </pc:sldChg>
-      <pc:sldChg chg="del">
-        <pc:chgData name="Patani,Cimi" userId="S::ccp63@drexel.edu::72ab453c-a6a7-41f9-8e1f-ad511f61c8ba" providerId="AD" clId="Web-{9C4FAE58-32A4-4EDE-8030-699A342D0651}" dt="2024-01-31T01:04:53.885" v="2060"/>
-        <pc:sldMkLst>
-          <pc:docMk/>
-          <pc:sldMk cId="1205040247" sldId="268"/>
-        </pc:sldMkLst>
-      </pc:sldChg>
-      <pc:sldChg chg="del">
-        <pc:chgData name="Patani,Cimi" userId="S::ccp63@drexel.edu::72ab453c-a6a7-41f9-8e1f-ad511f61c8ba" providerId="AD" clId="Web-{9C4FAE58-32A4-4EDE-8030-699A342D0651}" dt="2024-01-31T01:04:50.260" v="2056"/>
-        <pc:sldMkLst>
-          <pc:docMk/>
-          <pc:sldMk cId="3527209141" sldId="269"/>
-        </pc:sldMkLst>
-      </pc:sldChg>
-      <pc:sldChg chg="del">
-        <pc:chgData name="Patani,Cimi" userId="S::ccp63@drexel.edu::72ab453c-a6a7-41f9-8e1f-ad511f61c8ba" providerId="AD" clId="Web-{9C4FAE58-32A4-4EDE-8030-699A342D0651}" dt="2024-01-31T01:04:51.119" v="2057"/>
-        <pc:sldMkLst>
-          <pc:docMk/>
-          <pc:sldMk cId="4029506607" sldId="270"/>
-        </pc:sldMkLst>
-      </pc:sldChg>
-      <pc:sldChg chg="addSp delSp modSp">
-        <pc:chgData name="Patani,Cimi" userId="S::ccp63@drexel.edu::72ab453c-a6a7-41f9-8e1f-ad511f61c8ba" providerId="AD" clId="Web-{9C4FAE58-32A4-4EDE-8030-699A342D0651}" dt="2024-01-30T23:52:42.662" v="1001" actId="20577"/>
-        <pc:sldMkLst>
-          <pc:docMk/>
-          <pc:sldMk cId="1681687425" sldId="278"/>
-        </pc:sldMkLst>
-        <pc:spChg chg="mod">
-          <ac:chgData name="Patani,Cimi" userId="S::ccp63@drexel.edu::72ab453c-a6a7-41f9-8e1f-ad511f61c8ba" providerId="AD" clId="Web-{9C4FAE58-32A4-4EDE-8030-699A342D0651}" dt="2024-01-30T23:27:07.446" v="799" actId="1076"/>
-          <ac:spMkLst>
-            <pc:docMk/>
-            <pc:sldMk cId="1681687425" sldId="278"/>
-            <ac:spMk id="2" creationId="{0C7BC5D8-728C-CD70-0C6E-21E353B51B1E}"/>
-          </ac:spMkLst>
-        </pc:spChg>
-        <pc:spChg chg="del mod">
-          <ac:chgData name="Patani,Cimi" userId="S::ccp63@drexel.edu::72ab453c-a6a7-41f9-8e1f-ad511f61c8ba" providerId="AD" clId="Web-{9C4FAE58-32A4-4EDE-8030-699A342D0651}" dt="2024-01-30T23:07:35.927" v="195"/>
-          <ac:spMkLst>
-            <pc:docMk/>
-            <pc:sldMk cId="1681687425" sldId="278"/>
-            <ac:spMk id="3" creationId="{28FB20A6-FD5C-77F7-D018-CA35CE017F04}"/>
-          </ac:spMkLst>
-        </pc:spChg>
-        <pc:spChg chg="add del mod">
-          <ac:chgData name="Patani,Cimi" userId="S::ccp63@drexel.edu::72ab453c-a6a7-41f9-8e1f-ad511f61c8ba" providerId="AD" clId="Web-{9C4FAE58-32A4-4EDE-8030-699A342D0651}" dt="2024-01-30T23:20:53.670" v="719"/>
-          <ac:spMkLst>
-            <pc:docMk/>
-            <pc:sldMk cId="1681687425" sldId="278"/>
-            <ac:spMk id="5" creationId="{2EBC3A6A-90F0-2AF6-6B05-BC7390B3D8DB}"/>
-          </ac:spMkLst>
-        </pc:spChg>
-        <pc:spChg chg="add mod">
-          <ac:chgData name="Patani,Cimi" userId="S::ccp63@drexel.edu::72ab453c-a6a7-41f9-8e1f-ad511f61c8ba" providerId="AD" clId="Web-{9C4FAE58-32A4-4EDE-8030-699A342D0651}" dt="2024-01-30T23:26:56.305" v="798" actId="1076"/>
-          <ac:spMkLst>
-            <pc:docMk/>
-            <pc:sldMk cId="1681687425" sldId="278"/>
-            <ac:spMk id="6" creationId="{7EF6E2A4-975F-5B00-FE4D-7481380CB31B}"/>
-          </ac:spMkLst>
-        </pc:spChg>
-        <pc:spChg chg="mod">
-          <ac:chgData name="Patani,Cimi" userId="S::ccp63@drexel.edu::72ab453c-a6a7-41f9-8e1f-ad511f61c8ba" providerId="AD" clId="Web-{9C4FAE58-32A4-4EDE-8030-699A342D0651}" dt="2024-01-30T23:26:07.458" v="792" actId="1076"/>
-          <ac:spMkLst>
-            <pc:docMk/>
-            <pc:sldMk cId="1681687425" sldId="278"/>
-            <ac:spMk id="8" creationId="{41FDF385-1525-6141-5817-AED9E3CCFE66}"/>
-          </ac:spMkLst>
-        </pc:spChg>
-        <pc:spChg chg="mod">
-          <ac:chgData name="Patani,Cimi" userId="S::ccp63@drexel.edu::72ab453c-a6a7-41f9-8e1f-ad511f61c8ba" providerId="AD" clId="Web-{9C4FAE58-32A4-4EDE-8030-699A342D0651}" dt="2024-01-30T23:28:25.248" v="824" actId="20577"/>
-          <ac:spMkLst>
-            <pc:docMk/>
-            <pc:sldMk cId="1681687425" sldId="278"/>
-            <ac:spMk id="9" creationId="{BDB22771-609D-F1D0-09D1-66693E6A5CFE}"/>
-          </ac:spMkLst>
-        </pc:spChg>
-        <pc:spChg chg="mod">
-          <ac:chgData name="Patani,Cimi" userId="S::ccp63@drexel.edu::72ab453c-a6a7-41f9-8e1f-ad511f61c8ba" providerId="AD" clId="Web-{9C4FAE58-32A4-4EDE-8030-699A342D0651}" dt="2024-01-30T23:26:27.412" v="795" actId="14100"/>
-          <ac:spMkLst>
-            <pc:docMk/>
-            <pc:sldMk cId="1681687425" sldId="278"/>
-            <ac:spMk id="10" creationId="{78A2B98C-9F95-D4EF-EB97-17E38E992C7F}"/>
-          </ac:spMkLst>
-        </pc:spChg>
-        <pc:spChg chg="add mod">
-          <ac:chgData name="Patani,Cimi" userId="S::ccp63@drexel.edu::72ab453c-a6a7-41f9-8e1f-ad511f61c8ba" providerId="AD" clId="Web-{9C4FAE58-32A4-4EDE-8030-699A342D0651}" dt="2024-01-30T23:27:23.822" v="801" actId="20577"/>
-          <ac:spMkLst>
-            <pc:docMk/>
-            <pc:sldMk cId="1681687425" sldId="278"/>
-            <ac:spMk id="12" creationId="{3103F3B8-3633-CF9E-D171-2186826CA177}"/>
-          </ac:spMkLst>
-        </pc:spChg>
-        <pc:spChg chg="add mod">
-          <ac:chgData name="Patani,Cimi" userId="S::ccp63@drexel.edu::72ab453c-a6a7-41f9-8e1f-ad511f61c8ba" providerId="AD" clId="Web-{9C4FAE58-32A4-4EDE-8030-699A342D0651}" dt="2024-01-30T23:44:49.223" v="970" actId="14100"/>
-          <ac:spMkLst>
-            <pc:docMk/>
-            <pc:sldMk cId="1681687425" sldId="278"/>
-            <ac:spMk id="14" creationId="{86B87D54-FB7D-E86C-14F5-018772E2A80A}"/>
-          </ac:spMkLst>
-        </pc:spChg>
-        <pc:spChg chg="add mod">
-          <ac:chgData name="Patani,Cimi" userId="S::ccp63@drexel.edu::72ab453c-a6a7-41f9-8e1f-ad511f61c8ba" providerId="AD" clId="Web-{9C4FAE58-32A4-4EDE-8030-699A342D0651}" dt="2024-01-30T23:52:42.662" v="1001" actId="20577"/>
-          <ac:spMkLst>
-            <pc:docMk/>
-            <pc:sldMk cId="1681687425" sldId="278"/>
-            <ac:spMk id="16" creationId="{D13D7993-8D38-66DC-C2CD-F563F8B4164B}"/>
-          </ac:spMkLst>
-        </pc:spChg>
-        <pc:grpChg chg="add">
-          <ac:chgData name="Patani,Cimi" userId="S::ccp63@drexel.edu::72ab453c-a6a7-41f9-8e1f-ad511f61c8ba" providerId="AD" clId="Web-{9C4FAE58-32A4-4EDE-8030-699A342D0651}" dt="2024-01-30T23:29:10.861" v="825"/>
-          <ac:grpSpMkLst>
-            <pc:docMk/>
-            <pc:sldMk cId="1681687425" sldId="278"/>
-            <ac:grpSpMk id="13" creationId="{0369C9AF-FB01-5439-80EF-6AE617F25E31}"/>
-          </ac:grpSpMkLst>
-        </pc:grpChg>
-        <pc:picChg chg="mod">
-          <ac:chgData name="Patani,Cimi" userId="S::ccp63@drexel.edu::72ab453c-a6a7-41f9-8e1f-ad511f61c8ba" providerId="AD" clId="Web-{9C4FAE58-32A4-4EDE-8030-699A342D0651}" dt="2024-01-30T23:25:30.940" v="785" actId="14100"/>
-          <ac:picMkLst>
-            <pc:docMk/>
-            <pc:sldMk cId="1681687425" sldId="278"/>
-            <ac:picMk id="7" creationId="{17B743A2-1C29-7E66-1EF8-DB69DEFE8BDF}"/>
-          </ac:picMkLst>
-        </pc:picChg>
-        <pc:cxnChg chg="del mod">
-          <ac:chgData name="Patani,Cimi" userId="S::ccp63@drexel.edu::72ab453c-a6a7-41f9-8e1f-ad511f61c8ba" providerId="AD" clId="Web-{9C4FAE58-32A4-4EDE-8030-699A342D0651}" dt="2024-01-30T23:19:59.760" v="671"/>
-          <ac:cxnSpMkLst>
-            <pc:docMk/>
-            <pc:sldMk cId="1681687425" sldId="278"/>
-            <ac:cxnSpMk id="11" creationId="{90452A40-3AF4-F62C-DBE7-5CA7F7B07E3A}"/>
-          </ac:cxnSpMkLst>
-        </pc:cxnChg>
-        <pc:cxnChg chg="add mod">
-          <ac:chgData name="Patani,Cimi" userId="S::ccp63@drexel.edu::72ab453c-a6a7-41f9-8e1f-ad511f61c8ba" providerId="AD" clId="Web-{9C4FAE58-32A4-4EDE-8030-699A342D0651}" dt="2024-01-30T23:42:54.371" v="938" actId="14100"/>
-          <ac:cxnSpMkLst>
-            <pc:docMk/>
-            <pc:sldMk cId="1681687425" sldId="278"/>
-            <ac:cxnSpMk id="15" creationId="{F3D29AA0-5C93-CF86-C008-748CBE40C84F}"/>
-          </ac:cxnSpMkLst>
-        </pc:cxnChg>
-      </pc:sldChg>
-      <pc:sldChg chg="addSp delSp modSp">
-        <pc:chgData name="Patani,Cimi" userId="S::ccp63@drexel.edu::72ab453c-a6a7-41f9-8e1f-ad511f61c8ba" providerId="AD" clId="Web-{9C4FAE58-32A4-4EDE-8030-699A342D0651}" dt="2024-01-31T00:37:22.473" v="1391" actId="20577"/>
-        <pc:sldMkLst>
-          <pc:docMk/>
-          <pc:sldMk cId="2653895963" sldId="279"/>
-        </pc:sldMkLst>
-        <pc:spChg chg="mod">
-          <ac:chgData name="Patani,Cimi" userId="S::ccp63@drexel.edu::72ab453c-a6a7-41f9-8e1f-ad511f61c8ba" providerId="AD" clId="Web-{9C4FAE58-32A4-4EDE-8030-699A342D0651}" dt="2024-01-31T00:32:56.267" v="1307" actId="1076"/>
-          <ac:spMkLst>
-            <pc:docMk/>
-            <pc:sldMk cId="2653895963" sldId="279"/>
-            <ac:spMk id="2" creationId="{4E82BF57-CDCF-2D52-1F34-53E3E4E9ABE6}"/>
-          </ac:spMkLst>
-        </pc:spChg>
-        <pc:spChg chg="del mod">
-          <ac:chgData name="Patani,Cimi" userId="S::ccp63@drexel.edu::72ab453c-a6a7-41f9-8e1f-ad511f61c8ba" providerId="AD" clId="Web-{9C4FAE58-32A4-4EDE-8030-699A342D0651}" dt="2024-01-31T00:31:21.104" v="1303"/>
-          <ac:spMkLst>
-            <pc:docMk/>
-            <pc:sldMk cId="2653895963" sldId="279"/>
-            <ac:spMk id="3" creationId="{A0AEF439-6940-BE19-B375-F6A59AAAA2B2}"/>
-          </ac:spMkLst>
-        </pc:spChg>
-        <pc:spChg chg="add mod">
-          <ac:chgData name="Patani,Cimi" userId="S::ccp63@drexel.edu::72ab453c-a6a7-41f9-8e1f-ad511f61c8ba" providerId="AD" clId="Web-{9C4FAE58-32A4-4EDE-8030-699A342D0651}" dt="2024-01-31T00:34:59.713" v="1344" actId="1076"/>
-          <ac:spMkLst>
-            <pc:docMk/>
-            <pc:sldMk cId="2653895963" sldId="279"/>
-            <ac:spMk id="8" creationId="{31D40635-0787-C475-17CB-AA2AD8F8AB22}"/>
-          </ac:spMkLst>
-        </pc:spChg>
-        <pc:spChg chg="add del">
-          <ac:chgData name="Patani,Cimi" userId="S::ccp63@drexel.edu::72ab453c-a6a7-41f9-8e1f-ad511f61c8ba" providerId="AD" clId="Web-{9C4FAE58-32A4-4EDE-8030-699A342D0651}" dt="2024-01-31T00:35:37.997" v="1348"/>
-          <ac:spMkLst>
-            <pc:docMk/>
-            <pc:sldMk cId="2653895963" sldId="279"/>
-            <ac:spMk id="9" creationId="{1967CF7B-596E-BFCB-B7F9-592876DBF65D}"/>
-          </ac:spMkLst>
-        </pc:spChg>
-        <pc:spChg chg="add mod">
-          <ac:chgData name="Patani,Cimi" userId="S::ccp63@drexel.edu::72ab453c-a6a7-41f9-8e1f-ad511f61c8ba" providerId="AD" clId="Web-{9C4FAE58-32A4-4EDE-8030-699A342D0651}" dt="2024-01-31T00:35:57.061" v="1358" actId="14100"/>
-          <ac:spMkLst>
-            <pc:docMk/>
-            <pc:sldMk cId="2653895963" sldId="279"/>
-            <ac:spMk id="10" creationId="{15AA7C58-C72D-4AD8-CD06-721587F51542}"/>
-          </ac:spMkLst>
-        </pc:spChg>
-        <pc:spChg chg="add mod">
-          <ac:chgData name="Patani,Cimi" userId="S::ccp63@drexel.edu::72ab453c-a6a7-41f9-8e1f-ad511f61c8ba" providerId="AD" clId="Web-{9C4FAE58-32A4-4EDE-8030-699A342D0651}" dt="2024-01-31T00:37:22.473" v="1391" actId="20577"/>
-          <ac:spMkLst>
-            <pc:docMk/>
-            <pc:sldMk cId="2653895963" sldId="279"/>
-            <ac:spMk id="13" creationId="{CC16A6A3-4663-7428-402B-49140C8CE028}"/>
-          </ac:spMkLst>
-        </pc:spChg>
-        <pc:picChg chg="add mod ord">
-          <ac:chgData name="Patani,Cimi" userId="S::ccp63@drexel.edu::72ab453c-a6a7-41f9-8e1f-ad511f61c8ba" providerId="AD" clId="Web-{9C4FAE58-32A4-4EDE-8030-699A342D0651}" dt="2024-01-31T00:35:18.058" v="1346" actId="1076"/>
-          <ac:picMkLst>
-            <pc:docMk/>
-            <pc:sldMk cId="2653895963" sldId="279"/>
-            <ac:picMk id="4" creationId="{2BEDBFBD-B72A-AAEC-EFDB-05CD5B2A07A4}"/>
-          </ac:picMkLst>
-        </pc:picChg>
-        <pc:picChg chg="del">
-          <ac:chgData name="Patani,Cimi" userId="S::ccp63@drexel.edu::72ab453c-a6a7-41f9-8e1f-ad511f61c8ba" providerId="AD" clId="Web-{9C4FAE58-32A4-4EDE-8030-699A342D0651}" dt="2024-01-31T00:30:56.822" v="1299"/>
-          <ac:picMkLst>
-            <pc:docMk/>
-            <pc:sldMk cId="2653895963" sldId="279"/>
-            <ac:picMk id="5" creationId="{9C25355C-E0DF-3078-FDFF-DE252F6139EE}"/>
-          </ac:picMkLst>
-        </pc:picChg>
-        <pc:picChg chg="add mod">
-          <ac:chgData name="Patani,Cimi" userId="S::ccp63@drexel.edu::72ab453c-a6a7-41f9-8e1f-ad511f61c8ba" providerId="AD" clId="Web-{9C4FAE58-32A4-4EDE-8030-699A342D0651}" dt="2024-01-31T00:33:04.799" v="1309" actId="1076"/>
-          <ac:picMkLst>
-            <pc:docMk/>
-            <pc:sldMk cId="2653895963" sldId="279"/>
-            <ac:picMk id="6" creationId="{6A0F3293-36CE-F566-FCCA-C57E479CABC0}"/>
-          </ac:picMkLst>
-        </pc:picChg>
-        <pc:picChg chg="del">
-          <ac:chgData name="Patani,Cimi" userId="S::ccp63@drexel.edu::72ab453c-a6a7-41f9-8e1f-ad511f61c8ba" providerId="AD" clId="Web-{9C4FAE58-32A4-4EDE-8030-699A342D0651}" dt="2024-01-31T00:30:54.056" v="1298"/>
-          <ac:picMkLst>
-            <pc:docMk/>
-            <pc:sldMk cId="2653895963" sldId="279"/>
-            <ac:picMk id="7" creationId="{ACC442D1-EE4E-4820-9777-748CB20F2DDD}"/>
-          </ac:picMkLst>
-        </pc:picChg>
-        <pc:cxnChg chg="add mod">
-          <ac:chgData name="Patani,Cimi" userId="S::ccp63@drexel.edu::72ab453c-a6a7-41f9-8e1f-ad511f61c8ba" providerId="AD" clId="Web-{9C4FAE58-32A4-4EDE-8030-699A342D0651}" dt="2024-01-31T00:36:13.797" v="1361" actId="14100"/>
-          <ac:cxnSpMkLst>
-            <pc:docMk/>
-            <pc:sldMk cId="2653895963" sldId="279"/>
-            <ac:cxnSpMk id="11" creationId="{03E9F0CD-9033-F4BC-3DD0-8E8300CA178E}"/>
-          </ac:cxnSpMkLst>
-        </pc:cxnChg>
-        <pc:cxnChg chg="add mod">
-          <ac:chgData name="Patani,Cimi" userId="S::ccp63@drexel.edu::72ab453c-a6a7-41f9-8e1f-ad511f61c8ba" providerId="AD" clId="Web-{9C4FAE58-32A4-4EDE-8030-699A342D0651}" dt="2024-01-31T00:36:35.439" v="1364" actId="14100"/>
-          <ac:cxnSpMkLst>
-            <pc:docMk/>
-            <pc:sldMk cId="2653895963" sldId="279"/>
-            <ac:cxnSpMk id="12" creationId="{A6873065-3D07-524B-8966-230F885965AD}"/>
-          </ac:cxnSpMkLst>
-        </pc:cxnChg>
-      </pc:sldChg>
-      <pc:sldChg chg="addSp delSp modSp">
-        <pc:chgData name="Patani,Cimi" userId="S::ccp63@drexel.edu::72ab453c-a6a7-41f9-8e1f-ad511f61c8ba" providerId="AD" clId="Web-{9C4FAE58-32A4-4EDE-8030-699A342D0651}" dt="2024-01-31T02:01:23.514" v="2363" actId="1076"/>
-        <pc:sldMkLst>
-          <pc:docMk/>
-          <pc:sldMk cId="1401473754" sldId="280"/>
-        </pc:sldMkLst>
-        <pc:spChg chg="mod">
-          <ac:chgData name="Patani,Cimi" userId="S::ccp63@drexel.edu::72ab453c-a6a7-41f9-8e1f-ad511f61c8ba" providerId="AD" clId="Web-{9C4FAE58-32A4-4EDE-8030-699A342D0651}" dt="2024-01-31T01:35:04.636" v="2106" actId="1076"/>
-          <ac:spMkLst>
-            <pc:docMk/>
-            <pc:sldMk cId="1401473754" sldId="280"/>
-            <ac:spMk id="2" creationId="{B21FA721-CF3C-CD70-0B32-F6A6FCD94346}"/>
-          </ac:spMkLst>
-        </pc:spChg>
-        <pc:spChg chg="del mod">
-          <ac:chgData name="Patani,Cimi" userId="S::ccp63@drexel.edu::72ab453c-a6a7-41f9-8e1f-ad511f61c8ba" providerId="AD" clId="Web-{9C4FAE58-32A4-4EDE-8030-699A342D0651}" dt="2024-01-31T01:33:50.587" v="2103"/>
-          <ac:spMkLst>
-            <pc:docMk/>
-            <pc:sldMk cId="1401473754" sldId="280"/>
-            <ac:spMk id="3" creationId="{6A8E3416-FE51-1A6B-296C-E9E5FE8645B8}"/>
-          </ac:spMkLst>
-        </pc:spChg>
-        <pc:spChg chg="add del mod">
-          <ac:chgData name="Patani,Cimi" userId="S::ccp63@drexel.edu::72ab453c-a6a7-41f9-8e1f-ad511f61c8ba" providerId="AD" clId="Web-{9C4FAE58-32A4-4EDE-8030-699A342D0651}" dt="2024-01-31T01:47:17.394" v="2194"/>
-          <ac:spMkLst>
-            <pc:docMk/>
-            <pc:sldMk cId="1401473754" sldId="280"/>
-            <ac:spMk id="6" creationId="{B25AA947-00DB-AB1C-162D-02F59CD54EAE}"/>
-          </ac:spMkLst>
-        </pc:spChg>
-        <pc:spChg chg="add">
-          <ac:chgData name="Patani,Cimi" userId="S::ccp63@drexel.edu::72ab453c-a6a7-41f9-8e1f-ad511f61c8ba" providerId="AD" clId="Web-{9C4FAE58-32A4-4EDE-8030-699A342D0651}" dt="2024-01-31T01:51:07.338" v="2242"/>
-          <ac:spMkLst>
-            <pc:docMk/>
-            <pc:sldMk cId="1401473754" sldId="280"/>
-            <ac:spMk id="7" creationId="{02E63233-3E6D-DCC3-8E4E-43A0823B2388}"/>
-          </ac:spMkLst>
-        </pc:spChg>
-        <pc:spChg chg="add mod">
-          <ac:chgData name="Patani,Cimi" userId="S::ccp63@drexel.edu::72ab453c-a6a7-41f9-8e1f-ad511f61c8ba" providerId="AD" clId="Web-{9C4FAE58-32A4-4EDE-8030-699A342D0651}" dt="2024-01-31T02:01:23.514" v="2363" actId="1076"/>
-          <ac:spMkLst>
-            <pc:docMk/>
-            <pc:sldMk cId="1401473754" sldId="280"/>
-            <ac:spMk id="8" creationId="{60834945-DB4D-D26E-3C19-F0ED144FA5D3}"/>
-          </ac:spMkLst>
-        </pc:spChg>
-        <pc:spChg chg="add">
-          <ac:chgData name="Patani,Cimi" userId="S::ccp63@drexel.edu::72ab453c-a6a7-41f9-8e1f-ad511f61c8ba" providerId="AD" clId="Web-{9C4FAE58-32A4-4EDE-8030-699A342D0651}" dt="2024-01-31T01:53:14.420" v="2255"/>
-          <ac:spMkLst>
-            <pc:docMk/>
-            <pc:sldMk cId="1401473754" sldId="280"/>
-            <ac:spMk id="9" creationId="{F72BB1C3-FA20-0263-E5CE-6F0E1517A395}"/>
-          </ac:spMkLst>
-        </pc:spChg>
-        <pc:spChg chg="add mod">
-          <ac:chgData name="Patani,Cimi" userId="S::ccp63@drexel.edu::72ab453c-a6a7-41f9-8e1f-ad511f61c8ba" providerId="AD" clId="Web-{9C4FAE58-32A4-4EDE-8030-699A342D0651}" dt="2024-01-31T01:56:12.004" v="2315" actId="20577"/>
-          <ac:spMkLst>
-            <pc:docMk/>
-            <pc:sldMk cId="1401473754" sldId="280"/>
-            <ac:spMk id="10" creationId="{8281818A-0D23-2C33-818B-0A6E2C95EBBD}"/>
-          </ac:spMkLst>
-        </pc:spChg>
-        <pc:spChg chg="add mod">
-          <ac:chgData name="Patani,Cimi" userId="S::ccp63@drexel.edu::72ab453c-a6a7-41f9-8e1f-ad511f61c8ba" providerId="AD" clId="Web-{9C4FAE58-32A4-4EDE-8030-699A342D0651}" dt="2024-01-31T01:58:23.039" v="2324" actId="14100"/>
-          <ac:spMkLst>
-            <pc:docMk/>
-            <pc:sldMk cId="1401473754" sldId="280"/>
-            <ac:spMk id="11" creationId="{1BA93F0E-57CC-CD14-32C8-40314F25C536}"/>
-          </ac:spMkLst>
-        </pc:spChg>
-        <pc:spChg chg="add">
-          <ac:chgData name="Patani,Cimi" userId="S::ccp63@drexel.edu::72ab453c-a6a7-41f9-8e1f-ad511f61c8ba" providerId="AD" clId="Web-{9C4FAE58-32A4-4EDE-8030-699A342D0651}" dt="2024-01-31T01:58:32.790" v="2325"/>
-          <ac:spMkLst>
-            <pc:docMk/>
-            <pc:sldMk cId="1401473754" sldId="280"/>
-            <ac:spMk id="12" creationId="{20C64ABA-C0D6-7AC2-361C-BF68BACB6ECE}"/>
-          </ac:spMkLst>
-        </pc:spChg>
-        <pc:spChg chg="add mod">
-          <ac:chgData name="Patani,Cimi" userId="S::ccp63@drexel.edu::72ab453c-a6a7-41f9-8e1f-ad511f61c8ba" providerId="AD" clId="Web-{9C4FAE58-32A4-4EDE-8030-699A342D0651}" dt="2024-01-31T02:01:14.764" v="2362" actId="1076"/>
-          <ac:spMkLst>
-            <pc:docMk/>
-            <pc:sldMk cId="1401473754" sldId="280"/>
-            <ac:spMk id="13" creationId="{5C223A1D-2070-DD15-B95A-417CC0FC4A7C}"/>
-          </ac:spMkLst>
-        </pc:spChg>
-        <pc:picChg chg="add mod modCrop">
-          <ac:chgData name="Patani,Cimi" userId="S::ccp63@drexel.edu::72ab453c-a6a7-41f9-8e1f-ad511f61c8ba" providerId="AD" clId="Web-{9C4FAE58-32A4-4EDE-8030-699A342D0651}" dt="2024-01-31T01:58:05.867" v="2322" actId="1076"/>
-          <ac:picMkLst>
-            <pc:docMk/>
-            <pc:sldMk cId="1401473754" sldId="280"/>
-            <ac:picMk id="4" creationId="{64B7F5CD-8970-596B-EE4B-7225AC48E966}"/>
-          </ac:picMkLst>
-        </pc:picChg>
-        <pc:picChg chg="del mod">
-          <ac:chgData name="Patani,Cimi" userId="S::ccp63@drexel.edu::72ab453c-a6a7-41f9-8e1f-ad511f61c8ba" providerId="AD" clId="Web-{9C4FAE58-32A4-4EDE-8030-699A342D0651}" dt="2024-01-31T01:36:54.999" v="2107"/>
-          <ac:picMkLst>
-            <pc:docMk/>
-            <pc:sldMk cId="1401473754" sldId="280"/>
-            <ac:picMk id="5" creationId="{81383EC0-ED60-7BB4-3F41-38E29D2C1213}"/>
-          </ac:picMkLst>
-        </pc:picChg>
-      </pc:sldChg>
-      <pc:sldChg chg="delSp modSp new">
-        <pc:chgData name="Patani,Cimi" userId="S::ccp63@drexel.edu::72ab453c-a6a7-41f9-8e1f-ad511f61c8ba" providerId="AD" clId="Web-{9C4FAE58-32A4-4EDE-8030-699A342D0651}" dt="2024-01-30T23:19:30.180" v="670" actId="1076"/>
-        <pc:sldMkLst>
-          <pc:docMk/>
-          <pc:sldMk cId="3045242537" sldId="304"/>
-        </pc:sldMkLst>
-        <pc:spChg chg="del">
-          <ac:chgData name="Patani,Cimi" userId="S::ccp63@drexel.edu::72ab453c-a6a7-41f9-8e1f-ad511f61c8ba" providerId="AD" clId="Web-{9C4FAE58-32A4-4EDE-8030-699A342D0651}" dt="2024-01-30T23:08:04.273" v="199"/>
-          <ac:spMkLst>
-            <pc:docMk/>
-            <pc:sldMk cId="3045242537" sldId="304"/>
-            <ac:spMk id="2" creationId="{F8065C0D-E0BC-70EC-E4FA-B5D35ADD5100}"/>
-          </ac:spMkLst>
-        </pc:spChg>
-        <pc:spChg chg="mod">
-          <ac:chgData name="Patani,Cimi" userId="S::ccp63@drexel.edu::72ab453c-a6a7-41f9-8e1f-ad511f61c8ba" providerId="AD" clId="Web-{9C4FAE58-32A4-4EDE-8030-699A342D0651}" dt="2024-01-30T23:19:30.180" v="670" actId="1076"/>
-          <ac:spMkLst>
-            <pc:docMk/>
-            <pc:sldMk cId="3045242537" sldId="304"/>
-            <ac:spMk id="3" creationId="{A6280655-EA29-90C0-FBD0-AB34F4E7CFB6}"/>
-          </ac:spMkLst>
-        </pc:spChg>
-      </pc:sldChg>
-      <pc:sldChg chg="addSp delSp modSp new">
-        <pc:chgData name="Patani,Cimi" userId="S::ccp63@drexel.edu::72ab453c-a6a7-41f9-8e1f-ad511f61c8ba" providerId="AD" clId="Web-{9C4FAE58-32A4-4EDE-8030-699A342D0651}" dt="2024-01-30T23:41:53.695" v="932" actId="20577"/>
-        <pc:sldMkLst>
-          <pc:docMk/>
-          <pc:sldMk cId="2568676513" sldId="305"/>
-        </pc:sldMkLst>
-        <pc:spChg chg="del">
-          <ac:chgData name="Patani,Cimi" userId="S::ccp63@drexel.edu::72ab453c-a6a7-41f9-8e1f-ad511f61c8ba" providerId="AD" clId="Web-{9C4FAE58-32A4-4EDE-8030-699A342D0651}" dt="2024-01-30T23:35:48.436" v="829"/>
-          <ac:spMkLst>
-            <pc:docMk/>
-            <pc:sldMk cId="2568676513" sldId="305"/>
-            <ac:spMk id="2" creationId="{D3465BE7-4D1B-788C-9589-A442377AE2D4}"/>
-          </ac:spMkLst>
-        </pc:spChg>
-        <pc:spChg chg="del">
-          <ac:chgData name="Patani,Cimi" userId="S::ccp63@drexel.edu::72ab453c-a6a7-41f9-8e1f-ad511f61c8ba" providerId="AD" clId="Web-{9C4FAE58-32A4-4EDE-8030-699A342D0651}" dt="2024-01-30T23:35:19.168" v="827"/>
-          <ac:spMkLst>
-            <pc:docMk/>
-            <pc:sldMk cId="2568676513" sldId="305"/>
-            <ac:spMk id="3" creationId="{8CEB3EBF-2B0F-7270-D192-582EEBD210FD}"/>
-          </ac:spMkLst>
-        </pc:spChg>
-        <pc:spChg chg="add del mod">
-          <ac:chgData name="Patani,Cimi" userId="S::ccp63@drexel.edu::72ab453c-a6a7-41f9-8e1f-ad511f61c8ba" providerId="AD" clId="Web-{9C4FAE58-32A4-4EDE-8030-699A342D0651}" dt="2024-01-30T23:36:25.985" v="833"/>
-          <ac:spMkLst>
-            <pc:docMk/>
-            <pc:sldMk cId="2568676513" sldId="305"/>
-            <ac:spMk id="6" creationId="{45859935-5485-ABF2-7713-4592C74E5D09}"/>
-          </ac:spMkLst>
-        </pc:spChg>
-        <pc:spChg chg="add mod">
-          <ac:chgData name="Patani,Cimi" userId="S::ccp63@drexel.edu::72ab453c-a6a7-41f9-8e1f-ad511f61c8ba" providerId="AD" clId="Web-{9C4FAE58-32A4-4EDE-8030-699A342D0651}" dt="2024-01-30T23:41:53.695" v="932" actId="20577"/>
-          <ac:spMkLst>
-            <pc:docMk/>
-            <pc:sldMk cId="2568676513" sldId="305"/>
-            <ac:spMk id="8" creationId="{28672B5D-129F-4968-92CF-D0B3D7A78A36}"/>
-          </ac:spMkLst>
-        </pc:spChg>
-        <pc:spChg chg="add mod">
-          <ac:chgData name="Patani,Cimi" userId="S::ccp63@drexel.edu::72ab453c-a6a7-41f9-8e1f-ad511f61c8ba" providerId="AD" clId="Web-{9C4FAE58-32A4-4EDE-8030-699A342D0651}" dt="2024-01-30T23:38:29.353" v="896" actId="14100"/>
-          <ac:spMkLst>
-            <pc:docMk/>
-            <pc:sldMk cId="2568676513" sldId="305"/>
-            <ac:spMk id="9" creationId="{7F81E6F1-8A73-A26D-F350-D53B0753D15F}"/>
-          </ac:spMkLst>
-        </pc:spChg>
-        <pc:spChg chg="add mod">
-          <ac:chgData name="Patani,Cimi" userId="S::ccp63@drexel.edu::72ab453c-a6a7-41f9-8e1f-ad511f61c8ba" providerId="AD" clId="Web-{9C4FAE58-32A4-4EDE-8030-699A342D0651}" dt="2024-01-30T23:39:09.543" v="899"/>
-          <ac:spMkLst>
-            <pc:docMk/>
-            <pc:sldMk cId="2568676513" sldId="305"/>
-            <ac:spMk id="10" creationId="{5A63998A-7000-B896-9648-E0A99D106AA5}"/>
-          </ac:spMkLst>
-        </pc:spChg>
-        <pc:spChg chg="add mod">
-          <ac:chgData name="Patani,Cimi" userId="S::ccp63@drexel.edu::72ab453c-a6a7-41f9-8e1f-ad511f61c8ba" providerId="AD" clId="Web-{9C4FAE58-32A4-4EDE-8030-699A342D0651}" dt="2024-01-30T23:41:29.350" v="921" actId="20577"/>
-          <ac:spMkLst>
-            <pc:docMk/>
-            <pc:sldMk cId="2568676513" sldId="305"/>
-            <ac:spMk id="12" creationId="{E829C1FB-AC5F-77DB-3707-AD82288882D4}"/>
-          </ac:spMkLst>
-        </pc:spChg>
-        <pc:picChg chg="add del mod ord">
-          <ac:chgData name="Patani,Cimi" userId="S::ccp63@drexel.edu::72ab453c-a6a7-41f9-8e1f-ad511f61c8ba" providerId="AD" clId="Web-{9C4FAE58-32A4-4EDE-8030-699A342D0651}" dt="2024-01-30T23:35:59.593" v="832"/>
-          <ac:picMkLst>
-            <pc:docMk/>
-            <pc:sldMk cId="2568676513" sldId="305"/>
-            <ac:picMk id="4" creationId="{540B614A-F3B1-A87F-CBAD-58B08202D2CF}"/>
-          </ac:picMkLst>
-        </pc:picChg>
-        <pc:picChg chg="add mod ord">
-          <ac:chgData name="Patani,Cimi" userId="S::ccp63@drexel.edu::72ab453c-a6a7-41f9-8e1f-ad511f61c8ba" providerId="AD" clId="Web-{9C4FAE58-32A4-4EDE-8030-699A342D0651}" dt="2024-01-30T23:40:48.503" v="906" actId="1076"/>
-          <ac:picMkLst>
-            <pc:docMk/>
-            <pc:sldMk cId="2568676513" sldId="305"/>
-            <ac:picMk id="7" creationId="{93AE318E-9A47-A28C-FA65-46232A28CF23}"/>
-          </ac:picMkLst>
-        </pc:picChg>
-        <pc:cxnChg chg="add mod">
-          <ac:chgData name="Patani,Cimi" userId="S::ccp63@drexel.edu::72ab453c-a6a7-41f9-8e1f-ad511f61c8ba" providerId="AD" clId="Web-{9C4FAE58-32A4-4EDE-8030-699A342D0651}" dt="2024-01-30T23:40:54.097" v="907" actId="14100"/>
-          <ac:cxnSpMkLst>
-            <pc:docMk/>
-            <pc:sldMk cId="2568676513" sldId="305"/>
-            <ac:cxnSpMk id="11" creationId="{2EB878D2-F318-7BD1-4ABB-9125049B84FB}"/>
-          </ac:cxnSpMkLst>
-        </pc:cxnChg>
-      </pc:sldChg>
-      <pc:sldChg chg="addSp delSp modSp new mod setBg modNotes">
-        <pc:chgData name="Patani,Cimi" userId="S::ccp63@drexel.edu::72ab453c-a6a7-41f9-8e1f-ad511f61c8ba" providerId="AD" clId="Web-{9C4FAE58-32A4-4EDE-8030-699A342D0651}" dt="2024-01-31T00:20:07.417" v="1295"/>
-        <pc:sldMkLst>
-          <pc:docMk/>
-          <pc:sldMk cId="3270430488" sldId="306"/>
-        </pc:sldMkLst>
-        <pc:spChg chg="del">
-          <ac:chgData name="Patani,Cimi" userId="S::ccp63@drexel.edu::72ab453c-a6a7-41f9-8e1f-ad511f61c8ba" providerId="AD" clId="Web-{9C4FAE58-32A4-4EDE-8030-699A342D0651}" dt="2024-01-31T00:00:59.103" v="1004"/>
-          <ac:spMkLst>
-            <pc:docMk/>
-            <pc:sldMk cId="3270430488" sldId="306"/>
-            <ac:spMk id="2" creationId="{298A81B2-277C-7BA7-4BE5-B88DCE0C21A9}"/>
-          </ac:spMkLst>
-        </pc:spChg>
-        <pc:spChg chg="del">
-          <ac:chgData name="Patani,Cimi" userId="S::ccp63@drexel.edu::72ab453c-a6a7-41f9-8e1f-ad511f61c8ba" providerId="AD" clId="Web-{9C4FAE58-32A4-4EDE-8030-699A342D0651}" dt="2024-01-31T00:00:52.696" v="1003"/>
-          <ac:spMkLst>
-            <pc:docMk/>
-            <pc:sldMk cId="3270430488" sldId="306"/>
-            <ac:spMk id="3" creationId="{468BE231-5865-5284-B6F5-BA9BBF1DD1EA}"/>
-          </ac:spMkLst>
-        </pc:spChg>
-        <pc:spChg chg="add del">
-          <ac:chgData name="Patani,Cimi" userId="S::ccp63@drexel.edu::72ab453c-a6a7-41f9-8e1f-ad511f61c8ba" providerId="AD" clId="Web-{9C4FAE58-32A4-4EDE-8030-699A342D0651}" dt="2024-01-31T00:01:45.794" v="1013"/>
-          <ac:spMkLst>
-            <pc:docMk/>
-            <pc:sldMk cId="3270430488" sldId="306"/>
-            <ac:spMk id="5" creationId="{148861FC-BEC3-ED33-7FA3-CA1CF8BD6882}"/>
-          </ac:spMkLst>
-        </pc:spChg>
-        <pc:spChg chg="add mod">
-          <ac:chgData name="Patani,Cimi" userId="S::ccp63@drexel.edu::72ab453c-a6a7-41f9-8e1f-ad511f61c8ba" providerId="AD" clId="Web-{9C4FAE58-32A4-4EDE-8030-699A342D0651}" dt="2024-01-31T00:12:37.339" v="1192" actId="20577"/>
-          <ac:spMkLst>
-            <pc:docMk/>
-            <pc:sldMk cId="3270430488" sldId="306"/>
-            <ac:spMk id="6" creationId="{B3D8BE3A-F0CB-5A97-2BA2-8750B531603E}"/>
-          </ac:spMkLst>
-        </pc:spChg>
-        <pc:spChg chg="add mod">
-          <ac:chgData name="Patani,Cimi" userId="S::ccp63@drexel.edu::72ab453c-a6a7-41f9-8e1f-ad511f61c8ba" providerId="AD" clId="Web-{9C4FAE58-32A4-4EDE-8030-699A342D0651}" dt="2024-01-31T00:11:43.148" v="1186" actId="14100"/>
-          <ac:spMkLst>
-            <pc:docMk/>
-            <pc:sldMk cId="3270430488" sldId="306"/>
-            <ac:spMk id="7" creationId="{5698DA0D-926B-26AC-CEF1-FD16CD797EE9}"/>
-          </ac:spMkLst>
-        </pc:spChg>
-        <pc:spChg chg="add del">
-          <ac:chgData name="Patani,Cimi" userId="S::ccp63@drexel.edu::72ab453c-a6a7-41f9-8e1f-ad511f61c8ba" providerId="AD" clId="Web-{9C4FAE58-32A4-4EDE-8030-699A342D0651}" dt="2024-01-31T00:01:45.497" v="1012"/>
-          <ac:spMkLst>
-            <pc:docMk/>
-            <pc:sldMk cId="3270430488" sldId="306"/>
-            <ac:spMk id="10" creationId="{0E99ED6D-365F-4CAE-942F-ECA78F74BD7F}"/>
-          </ac:spMkLst>
-        </pc:spChg>
-        <pc:spChg chg="add mod">
-          <ac:chgData name="Patani,Cimi" userId="S::ccp63@drexel.edu::72ab453c-a6a7-41f9-8e1f-ad511f61c8ba" providerId="AD" clId="Web-{9C4FAE58-32A4-4EDE-8030-699A342D0651}" dt="2024-01-31T00:19:20.633" v="1279" actId="1076"/>
-          <ac:spMkLst>
-            <pc:docMk/>
-            <pc:sldMk cId="3270430488" sldId="306"/>
-            <ac:spMk id="11" creationId="{3B1DCC65-3959-AA8E-CF55-7FC3CFD88772}"/>
-          </ac:spMkLst>
-        </pc:spChg>
-        <pc:spChg chg="add del">
-          <ac:chgData name="Patani,Cimi" userId="S::ccp63@drexel.edu::72ab453c-a6a7-41f9-8e1f-ad511f61c8ba" providerId="AD" clId="Web-{9C4FAE58-32A4-4EDE-8030-699A342D0651}" dt="2024-01-31T00:01:45.497" v="1012"/>
-          <ac:spMkLst>
-            <pc:docMk/>
-            <pc:sldMk cId="3270430488" sldId="306"/>
-            <ac:spMk id="12" creationId="{CD0FF873-0D97-4AE7-A97E-539910376DCF}"/>
-          </ac:spMkLst>
-        </pc:spChg>
-        <pc:picChg chg="add mod ord">
-          <ac:chgData name="Patani,Cimi" userId="S::ccp63@drexel.edu::72ab453c-a6a7-41f9-8e1f-ad511f61c8ba" providerId="AD" clId="Web-{9C4FAE58-32A4-4EDE-8030-699A342D0651}" dt="2024-01-31T00:16:10.666" v="1258" actId="1076"/>
-          <ac:picMkLst>
-            <pc:docMk/>
-            <pc:sldMk cId="3270430488" sldId="306"/>
-            <ac:picMk id="4" creationId="{7AD4A333-8503-57F7-74A4-537EEC06E9D3}"/>
-          </ac:picMkLst>
-        </pc:picChg>
-        <pc:cxnChg chg="add mod">
-          <ac:chgData name="Patani,Cimi" userId="S::ccp63@drexel.edu::72ab453c-a6a7-41f9-8e1f-ad511f61c8ba" providerId="AD" clId="Web-{9C4FAE58-32A4-4EDE-8030-699A342D0651}" dt="2024-01-31T00:15:52.165" v="1256" actId="14100"/>
-          <ac:cxnSpMkLst>
-            <pc:docMk/>
-            <pc:sldMk cId="3270430488" sldId="306"/>
-            <ac:cxnSpMk id="8" creationId="{F4A776B3-F44D-2414-FB74-D1E5BCACC75B}"/>
-          </ac:cxnSpMkLst>
-        </pc:cxnChg>
-        <pc:cxnChg chg="add mod">
-          <ac:chgData name="Patani,Cimi" userId="S::ccp63@drexel.edu::72ab453c-a6a7-41f9-8e1f-ad511f61c8ba" providerId="AD" clId="Web-{9C4FAE58-32A4-4EDE-8030-699A342D0651}" dt="2024-01-31T00:15:59.853" v="1257" actId="1076"/>
-          <ac:cxnSpMkLst>
-            <pc:docMk/>
-            <pc:sldMk cId="3270430488" sldId="306"/>
-            <ac:cxnSpMk id="9" creationId="{D0CB09BC-B561-9EB1-D40E-A2E23824D458}"/>
-          </ac:cxnSpMkLst>
-        </pc:cxnChg>
-      </pc:sldChg>
-      <pc:sldChg chg="new del">
-        <pc:chgData name="Patani,Cimi" userId="S::ccp63@drexel.edu::72ab453c-a6a7-41f9-8e1f-ad511f61c8ba" providerId="AD" clId="Web-{9C4FAE58-32A4-4EDE-8030-699A342D0651}" dt="2024-01-31T00:30:33.414" v="1297"/>
-        <pc:sldMkLst>
-          <pc:docMk/>
-          <pc:sldMk cId="2869473683" sldId="307"/>
-        </pc:sldMkLst>
-      </pc:sldChg>
-      <pc:sldChg chg="modSp new modNotes">
-        <pc:chgData name="Patani,Cimi" userId="S::ccp63@drexel.edu::72ab453c-a6a7-41f9-8e1f-ad511f61c8ba" providerId="AD" clId="Web-{9C4FAE58-32A4-4EDE-8030-699A342D0651}" dt="2024-01-31T00:59:20.893" v="2055"/>
-        <pc:sldMkLst>
-          <pc:docMk/>
-          <pc:sldMk cId="4024183217" sldId="307"/>
-        </pc:sldMkLst>
-        <pc:spChg chg="mod">
-          <ac:chgData name="Patani,Cimi" userId="S::ccp63@drexel.edu::72ab453c-a6a7-41f9-8e1f-ad511f61c8ba" providerId="AD" clId="Web-{9C4FAE58-32A4-4EDE-8030-699A342D0651}" dt="2024-01-31T00:37:57.585" v="1403" actId="1076"/>
-          <ac:spMkLst>
-            <pc:docMk/>
-            <pc:sldMk cId="4024183217" sldId="307"/>
-            <ac:spMk id="2" creationId="{B7478D54-6F1C-6120-FBC8-A5BC1AF3E9FB}"/>
-          </ac:spMkLst>
-        </pc:spChg>
-        <pc:spChg chg="mod">
-          <ac:chgData name="Patani,Cimi" userId="S::ccp63@drexel.edu::72ab453c-a6a7-41f9-8e1f-ad511f61c8ba" providerId="AD" clId="Web-{9C4FAE58-32A4-4EDE-8030-699A342D0651}" dt="2024-01-31T00:54:52.687" v="2044" actId="20577"/>
-          <ac:spMkLst>
-            <pc:docMk/>
-            <pc:sldMk cId="4024183217" sldId="307"/>
-            <ac:spMk id="3" creationId="{C93717A4-45B3-FE22-690B-7E73B3FA7531}"/>
-          </ac:spMkLst>
-        </pc:spChg>
-      </pc:sldChg>
-      <pc:sldChg chg="addSp delSp modSp new">
-        <pc:chgData name="Patani,Cimi" userId="S::ccp63@drexel.edu::72ab453c-a6a7-41f9-8e1f-ad511f61c8ba" providerId="AD" clId="Web-{9C4FAE58-32A4-4EDE-8030-699A342D0651}" dt="2024-01-31T01:34:22.885" v="2105"/>
-        <pc:sldMkLst>
-          <pc:docMk/>
-          <pc:sldMk cId="4048747946" sldId="308"/>
-        </pc:sldMkLst>
-        <pc:spChg chg="del">
-          <ac:chgData name="Patani,Cimi" userId="S::ccp63@drexel.edu::72ab453c-a6a7-41f9-8e1f-ad511f61c8ba" providerId="AD" clId="Web-{9C4FAE58-32A4-4EDE-8030-699A342D0651}" dt="2024-01-31T01:31:21.379" v="2070"/>
-          <ac:spMkLst>
-            <pc:docMk/>
-            <pc:sldMk cId="4048747946" sldId="308"/>
-            <ac:spMk id="2" creationId="{7A71824F-E199-11AB-BFE1-F9C53C3E6497}"/>
-          </ac:spMkLst>
-        </pc:spChg>
-        <pc:spChg chg="del">
-          <ac:chgData name="Patani,Cimi" userId="S::ccp63@drexel.edu::72ab453c-a6a7-41f9-8e1f-ad511f61c8ba" providerId="AD" clId="Web-{9C4FAE58-32A4-4EDE-8030-699A342D0651}" dt="2024-01-31T01:30:41.612" v="2062"/>
-          <ac:spMkLst>
-            <pc:docMk/>
-            <pc:sldMk cId="4048747946" sldId="308"/>
-            <ac:spMk id="3" creationId="{355BC27D-3C8A-879B-8C22-2BB69E6D5520}"/>
-          </ac:spMkLst>
-        </pc:spChg>
-        <pc:spChg chg="add mod">
-          <ac:chgData name="Patani,Cimi" userId="S::ccp63@drexel.edu::72ab453c-a6a7-41f9-8e1f-ad511f61c8ba" providerId="AD" clId="Web-{9C4FAE58-32A4-4EDE-8030-699A342D0651}" dt="2024-01-31T01:33:23.852" v="2098" actId="20577"/>
-          <ac:spMkLst>
-            <pc:docMk/>
-            <pc:sldMk cId="4048747946" sldId="308"/>
-            <ac:spMk id="5" creationId="{CAADF89A-24DA-EB8D-1791-D94B698130CB}"/>
-          </ac:spMkLst>
-        </pc:spChg>
-        <pc:spChg chg="add del">
-          <ac:chgData name="Patani,Cimi" userId="S::ccp63@drexel.edu::72ab453c-a6a7-41f9-8e1f-ad511f61c8ba" providerId="AD" clId="Web-{9C4FAE58-32A4-4EDE-8030-699A342D0651}" dt="2024-01-31T01:34:22.885" v="2105"/>
-          <ac:spMkLst>
-            <pc:docMk/>
-            <pc:sldMk cId="4048747946" sldId="308"/>
-            <ac:spMk id="6" creationId="{F9D41C1E-DBB5-02ED-D8F6-44514C60401A}"/>
-          </ac:spMkLst>
-        </pc:spChg>
-        <pc:picChg chg="add mod ord modCrop">
-          <ac:chgData name="Patani,Cimi" userId="S::ccp63@drexel.edu::72ab453c-a6a7-41f9-8e1f-ad511f61c8ba" providerId="AD" clId="Web-{9C4FAE58-32A4-4EDE-8030-699A342D0651}" dt="2024-01-31T01:32:29.162" v="2071" actId="1076"/>
-          <ac:picMkLst>
-            <pc:docMk/>
-            <pc:sldMk cId="4048747946" sldId="308"/>
-            <ac:picMk id="4" creationId="{FF1D0721-F37C-9B45-3A07-F15EE179C5CB}"/>
-          </ac:picMkLst>
-        </pc:picChg>
-      </pc:sldChg>
-      <pc:sldChg chg="modSp new modNotes">
-        <pc:chgData name="Patani,Cimi" userId="S::ccp63@drexel.edu::72ab453c-a6a7-41f9-8e1f-ad511f61c8ba" providerId="AD" clId="Web-{9C4FAE58-32A4-4EDE-8030-699A342D0651}" dt="2024-01-31T01:48:22.067" v="2232" actId="20577"/>
-        <pc:sldMkLst>
-          <pc:docMk/>
-          <pc:sldMk cId="292115982" sldId="309"/>
-        </pc:sldMkLst>
-        <pc:spChg chg="mod">
-          <ac:chgData name="Patani,Cimi" userId="S::ccp63@drexel.edu::72ab453c-a6a7-41f9-8e1f-ad511f61c8ba" providerId="AD" clId="Web-{9C4FAE58-32A4-4EDE-8030-699A342D0651}" dt="2024-01-31T01:42:17.243" v="2163" actId="1076"/>
-          <ac:spMkLst>
-            <pc:docMk/>
-            <pc:sldMk cId="292115982" sldId="309"/>
-            <ac:spMk id="2" creationId="{85AEB7A7-B63D-C66D-D4BD-517DB4BCF52E}"/>
-          </ac:spMkLst>
-        </pc:spChg>
-        <pc:spChg chg="mod">
-          <ac:chgData name="Patani,Cimi" userId="S::ccp63@drexel.edu::72ab453c-a6a7-41f9-8e1f-ad511f61c8ba" providerId="AD" clId="Web-{9C4FAE58-32A4-4EDE-8030-699A342D0651}" dt="2024-01-31T01:48:22.067" v="2232" actId="20577"/>
-          <ac:spMkLst>
-            <pc:docMk/>
-            <pc:sldMk cId="292115982" sldId="309"/>
-            <ac:spMk id="3" creationId="{E1938552-5668-E376-0195-3D889D9F2FD3}"/>
-          </ac:spMkLst>
-        </pc:spChg>
-      </pc:sldChg>
-    </pc:docChg>
-  </pc:docChgLst>
-  <pc:docChgLst>
-    <pc:chgData name="Man,Hok Yi" userId="S::hm565@drexel.edu::9f585303-93fb-4119-ac7d-19fe102fc7c3" providerId="AD" clId="Web-{13600590-E93B-411F-AD40-A57B803D00B2}"/>
-    <pc:docChg chg="modSld">
-      <pc:chgData name="Man,Hok Yi" userId="S::hm565@drexel.edu::9f585303-93fb-4119-ac7d-19fe102fc7c3" providerId="AD" clId="Web-{13600590-E93B-411F-AD40-A57B803D00B2}" dt="2024-01-31T23:57:55.539" v="5" actId="1076"/>
-      <pc:docMkLst>
-        <pc:docMk/>
-      </pc:docMkLst>
-      <pc:sldChg chg="modSp">
-        <pc:chgData name="Man,Hok Yi" userId="S::hm565@drexel.edu::9f585303-93fb-4119-ac7d-19fe102fc7c3" providerId="AD" clId="Web-{13600590-E93B-411F-AD40-A57B803D00B2}" dt="2024-01-31T23:57:55.539" v="5" actId="1076"/>
-        <pc:sldMkLst>
-          <pc:docMk/>
-          <pc:sldMk cId="1618508130" sldId="271"/>
-        </pc:sldMkLst>
-        <pc:picChg chg="mod">
-          <ac:chgData name="Man,Hok Yi" userId="S::hm565@drexel.edu::9f585303-93fb-4119-ac7d-19fe102fc7c3" providerId="AD" clId="Web-{13600590-E93B-411F-AD40-A57B803D00B2}" dt="2024-01-31T23:57:55.539" v="5" actId="1076"/>
-          <ac:picMkLst>
-            <pc:docMk/>
-            <pc:sldMk cId="1618508130" sldId="271"/>
-            <ac:picMk id="5" creationId="{B63C36E3-BC94-EA82-9082-C31294F2F7AA}"/>
-          </ac:picMkLst>
-        </pc:picChg>
-      </pc:sldChg>
-    </pc:docChg>
-  </pc:docChgLst>
-  <pc:docChgLst>
-    <pc:chgData name="Patani,Cimi" userId="S::ccp63@drexel.edu::72ab453c-a6a7-41f9-8e1f-ad511f61c8ba" providerId="AD" clId="Web-{C096A7AE-14E1-421B-A128-DF5F11780B52}"/>
-    <pc:docChg chg="modSld">
-      <pc:chgData name="Patani,Cimi" userId="S::ccp63@drexel.edu::72ab453c-a6a7-41f9-8e1f-ad511f61c8ba" providerId="AD" clId="Web-{C096A7AE-14E1-421B-A128-DF5F11780B52}" dt="2024-01-30T00:19:21.122" v="10" actId="14100"/>
-      <pc:docMkLst>
-        <pc:docMk/>
-      </pc:docMkLst>
-      <pc:sldChg chg="modSp">
-        <pc:chgData name="Patani,Cimi" userId="S::ccp63@drexel.edu::72ab453c-a6a7-41f9-8e1f-ad511f61c8ba" providerId="AD" clId="Web-{C096A7AE-14E1-421B-A128-DF5F11780B52}" dt="2024-01-30T00:13:39.425" v="9" actId="14100"/>
-        <pc:sldMkLst>
-          <pc:docMk/>
-          <pc:sldMk cId="4026688930" sldId="273"/>
-        </pc:sldMkLst>
-        <pc:spChg chg="mod">
-          <ac:chgData name="Patani,Cimi" userId="S::ccp63@drexel.edu::72ab453c-a6a7-41f9-8e1f-ad511f61c8ba" providerId="AD" clId="Web-{C096A7AE-14E1-421B-A128-DF5F11780B52}" dt="2024-01-30T00:12:32.564" v="1" actId="1076"/>
-          <ac:spMkLst>
-            <pc:docMk/>
-            <pc:sldMk cId="4026688930" sldId="273"/>
-            <ac:spMk id="2" creationId="{F41C99BC-53DF-79F8-8DA4-C118312F7CAE}"/>
-          </ac:spMkLst>
-        </pc:spChg>
-        <pc:spChg chg="mod">
-          <ac:chgData name="Patani,Cimi" userId="S::ccp63@drexel.edu::72ab453c-a6a7-41f9-8e1f-ad511f61c8ba" providerId="AD" clId="Web-{C096A7AE-14E1-421B-A128-DF5F11780B52}" dt="2024-01-30T00:12:45.330" v="3" actId="14100"/>
-          <ac:spMkLst>
-            <pc:docMk/>
-            <pc:sldMk cId="4026688930" sldId="273"/>
-            <ac:spMk id="5" creationId="{F5AD02F6-2CB2-4627-BA70-7334420ECBD0}"/>
-          </ac:spMkLst>
-        </pc:spChg>
-        <pc:spChg chg="mod">
-          <ac:chgData name="Patani,Cimi" userId="S::ccp63@drexel.edu::72ab453c-a6a7-41f9-8e1f-ad511f61c8ba" providerId="AD" clId="Web-{C096A7AE-14E1-421B-A128-DF5F11780B52}" dt="2024-01-30T00:12:58.018" v="5" actId="14100"/>
-          <ac:spMkLst>
-            <pc:docMk/>
-            <pc:sldMk cId="4026688930" sldId="273"/>
-            <ac:spMk id="11" creationId="{95EBCF41-38EB-A653-7DD4-C6E62D389F58}"/>
-          </ac:spMkLst>
-        </pc:spChg>
-        <pc:spChg chg="mod">
-          <ac:chgData name="Patani,Cimi" userId="S::ccp63@drexel.edu::72ab453c-a6a7-41f9-8e1f-ad511f61c8ba" providerId="AD" clId="Web-{C096A7AE-14E1-421B-A128-DF5F11780B52}" dt="2024-01-30T00:13:31.784" v="8" actId="1076"/>
-          <ac:spMkLst>
-            <pc:docMk/>
-            <pc:sldMk cId="4026688930" sldId="273"/>
-            <ac:spMk id="27" creationId="{707E9257-7A45-C9DA-683E-B00942B397D7}"/>
-          </ac:spMkLst>
-        </pc:spChg>
-        <pc:picChg chg="mod">
-          <ac:chgData name="Patani,Cimi" userId="S::ccp63@drexel.edu::72ab453c-a6a7-41f9-8e1f-ad511f61c8ba" providerId="AD" clId="Web-{C096A7AE-14E1-421B-A128-DF5F11780B52}" dt="2024-01-30T00:12:24.876" v="0" actId="1076"/>
-          <ac:picMkLst>
-            <pc:docMk/>
-            <pc:sldMk cId="4026688930" sldId="273"/>
-            <ac:picMk id="4" creationId="{F5808768-6806-E29E-7DB6-FBB434142EED}"/>
-          </ac:picMkLst>
-        </pc:picChg>
-        <pc:cxnChg chg="mod">
-          <ac:chgData name="Patani,Cimi" userId="S::ccp63@drexel.edu::72ab453c-a6a7-41f9-8e1f-ad511f61c8ba" providerId="AD" clId="Web-{C096A7AE-14E1-421B-A128-DF5F11780B52}" dt="2024-01-30T00:13:39.425" v="9" actId="14100"/>
-          <ac:cxnSpMkLst>
-            <pc:docMk/>
-            <pc:sldMk cId="4026688930" sldId="273"/>
-            <ac:cxnSpMk id="26" creationId="{E5FA33F8-AABB-879B-051F-894C3F9FD917}"/>
-          </ac:cxnSpMkLst>
-        </pc:cxnChg>
-      </pc:sldChg>
-      <pc:sldChg chg="modSp">
-        <pc:chgData name="Patani,Cimi" userId="S::ccp63@drexel.edu::72ab453c-a6a7-41f9-8e1f-ad511f61c8ba" providerId="AD" clId="Web-{C096A7AE-14E1-421B-A128-DF5F11780B52}" dt="2024-01-30T00:19:21.122" v="10" actId="14100"/>
-        <pc:sldMkLst>
-          <pc:docMk/>
-          <pc:sldMk cId="1681687425" sldId="278"/>
-        </pc:sldMkLst>
-        <pc:picChg chg="mod">
-          <ac:chgData name="Patani,Cimi" userId="S::ccp63@drexel.edu::72ab453c-a6a7-41f9-8e1f-ad511f61c8ba" providerId="AD" clId="Web-{C096A7AE-14E1-421B-A128-DF5F11780B52}" dt="2024-01-30T00:19:21.122" v="10" actId="14100"/>
-          <ac:picMkLst>
-            <pc:docMk/>
-            <pc:sldMk cId="1681687425" sldId="278"/>
-            <ac:picMk id="5" creationId="{49C14A2A-BE76-D67B-A289-985E34A10D46}"/>
-          </ac:picMkLst>
-        </pc:picChg>
-      </pc:sldChg>
-    </pc:docChg>
-  </pc:docChgLst>
-  <pc:docChgLst>
-    <pc:chgData name="Patani,Cimi" userId="S::ccp63@drexel.edu::72ab453c-a6a7-41f9-8e1f-ad511f61c8ba" providerId="AD" clId="Web-{3B25C120-A59B-4C7A-B9EF-547CBE3932CF}"/>
-    <pc:docChg chg="modSld">
-      <pc:chgData name="Patani,Cimi" userId="S::ccp63@drexel.edu::72ab453c-a6a7-41f9-8e1f-ad511f61c8ba" providerId="AD" clId="Web-{3B25C120-A59B-4C7A-B9EF-547CBE3932CF}" dt="2024-01-30T23:01:37.122" v="43" actId="20577"/>
-      <pc:docMkLst>
-        <pc:docMk/>
-      </pc:docMkLst>
-      <pc:sldChg chg="addSp delSp modSp">
-        <pc:chgData name="Patani,Cimi" userId="S::ccp63@drexel.edu::72ab453c-a6a7-41f9-8e1f-ad511f61c8ba" providerId="AD" clId="Web-{3B25C120-A59B-4C7A-B9EF-547CBE3932CF}" dt="2024-01-30T23:01:37.122" v="43" actId="20577"/>
-        <pc:sldMkLst>
-          <pc:docMk/>
-          <pc:sldMk cId="1681687425" sldId="278"/>
-        </pc:sldMkLst>
-        <pc:spChg chg="mod">
-          <ac:chgData name="Patani,Cimi" userId="S::ccp63@drexel.edu::72ab453c-a6a7-41f9-8e1f-ad511f61c8ba" providerId="AD" clId="Web-{3B25C120-A59B-4C7A-B9EF-547CBE3932CF}" dt="2024-01-30T23:01:37.122" v="43" actId="20577"/>
-          <ac:spMkLst>
-            <pc:docMk/>
-            <pc:sldMk cId="1681687425" sldId="278"/>
-            <ac:spMk id="3" creationId="{28FB20A6-FD5C-77F7-D018-CA35CE017F04}"/>
-          </ac:spMkLst>
-        </pc:spChg>
-        <pc:spChg chg="del mod">
-          <ac:chgData name="Patani,Cimi" userId="S::ccp63@drexel.edu::72ab453c-a6a7-41f9-8e1f-ad511f61c8ba" providerId="AD" clId="Web-{3B25C120-A59B-4C7A-B9EF-547CBE3932CF}" dt="2024-01-30T22:54:59.356" v="7"/>
-          <ac:spMkLst>
-            <pc:docMk/>
-            <pc:sldMk cId="1681687425" sldId="278"/>
-            <ac:spMk id="4" creationId="{8A1F2938-9972-F564-A46E-8BB8F2397CCF}"/>
-          </ac:spMkLst>
-        </pc:spChg>
-        <pc:spChg chg="del mod">
-          <ac:chgData name="Patani,Cimi" userId="S::ccp63@drexel.edu::72ab453c-a6a7-41f9-8e1f-ad511f61c8ba" providerId="AD" clId="Web-{3B25C120-A59B-4C7A-B9EF-547CBE3932CF}" dt="2024-01-30T22:55:32.717" v="12"/>
-          <ac:spMkLst>
-            <pc:docMk/>
-            <pc:sldMk cId="1681687425" sldId="278"/>
-            <ac:spMk id="6" creationId="{675A4157-4071-FC5F-CDAA-9DF7C8C280BF}"/>
-          </ac:spMkLst>
-        </pc:spChg>
-        <pc:spChg chg="add">
-          <ac:chgData name="Patani,Cimi" userId="S::ccp63@drexel.edu::72ab453c-a6a7-41f9-8e1f-ad511f61c8ba" providerId="AD" clId="Web-{3B25C120-A59B-4C7A-B9EF-547CBE3932CF}" dt="2024-01-30T22:55:15.356" v="8"/>
-          <ac:spMkLst>
-            <pc:docMk/>
-            <pc:sldMk cId="1681687425" sldId="278"/>
-            <ac:spMk id="8" creationId="{41FDF385-1525-6141-5817-AED9E3CCFE66}"/>
-          </ac:spMkLst>
-        </pc:spChg>
-        <pc:spChg chg="add mod">
-          <ac:chgData name="Patani,Cimi" userId="S::ccp63@drexel.edu::72ab453c-a6a7-41f9-8e1f-ad511f61c8ba" providerId="AD" clId="Web-{3B25C120-A59B-4C7A-B9EF-547CBE3932CF}" dt="2024-01-30T22:55:43.154" v="15"/>
-          <ac:spMkLst>
-            <pc:docMk/>
-            <pc:sldMk cId="1681687425" sldId="278"/>
-            <ac:spMk id="9" creationId="{BDB22771-609D-F1D0-09D1-66693E6A5CFE}"/>
-          </ac:spMkLst>
-        </pc:spChg>
-        <pc:spChg chg="add mod">
-          <ac:chgData name="Patani,Cimi" userId="S::ccp63@drexel.edu::72ab453c-a6a7-41f9-8e1f-ad511f61c8ba" providerId="AD" clId="Web-{3B25C120-A59B-4C7A-B9EF-547CBE3932CF}" dt="2024-01-30T22:56:08.765" v="17"/>
-          <ac:spMkLst>
-            <pc:docMk/>
-            <pc:sldMk cId="1681687425" sldId="278"/>
-            <ac:spMk id="10" creationId="{78A2B98C-9F95-D4EF-EB97-17E38E992C7F}"/>
-          </ac:spMkLst>
-        </pc:spChg>
-        <pc:picChg chg="del">
-          <ac:chgData name="Patani,Cimi" userId="S::ccp63@drexel.edu::72ab453c-a6a7-41f9-8e1f-ad511f61c8ba" providerId="AD" clId="Web-{3B25C120-A59B-4C7A-B9EF-547CBE3932CF}" dt="2024-01-30T22:54:27.917" v="2"/>
-          <ac:picMkLst>
-            <pc:docMk/>
-            <pc:sldMk cId="1681687425" sldId="278"/>
-            <ac:picMk id="5" creationId="{49C14A2A-BE76-D67B-A289-985E34A10D46}"/>
-          </ac:picMkLst>
-        </pc:picChg>
-        <pc:picChg chg="add mod">
-          <ac:chgData name="Patani,Cimi" userId="S::ccp63@drexel.edu::72ab453c-a6a7-41f9-8e1f-ad511f61c8ba" providerId="AD" clId="Web-{3B25C120-A59B-4C7A-B9EF-547CBE3932CF}" dt="2024-01-30T22:54:51.371" v="6" actId="1076"/>
-          <ac:picMkLst>
-            <pc:docMk/>
-            <pc:sldMk cId="1681687425" sldId="278"/>
-            <ac:picMk id="7" creationId="{17B743A2-1C29-7E66-1EF8-DB69DEFE8BDF}"/>
-          </ac:picMkLst>
-        </pc:picChg>
-        <pc:cxnChg chg="add mod">
-          <ac:chgData name="Patani,Cimi" userId="S::ccp63@drexel.edu::72ab453c-a6a7-41f9-8e1f-ad511f61c8ba" providerId="AD" clId="Web-{3B25C120-A59B-4C7A-B9EF-547CBE3932CF}" dt="2024-01-30T23:01:15.339" v="34" actId="14100"/>
-          <ac:cxnSpMkLst>
-            <pc:docMk/>
-            <pc:sldMk cId="1681687425" sldId="278"/>
-            <ac:cxnSpMk id="11" creationId="{90452A40-3AF4-F62C-DBE7-5CA7F7B07E3A}"/>
-          </ac:cxnSpMkLst>
-        </pc:cxnChg>
-      </pc:sldChg>
-    </pc:docChg>
-  </pc:docChgLst>
-  <pc:docChgLst>
-    <pc:chgData name="Patani,Cimi" userId="S::ccp63@drexel.edu::72ab453c-a6a7-41f9-8e1f-ad511f61c8ba" providerId="AD" clId="Web-{AA84AB5F-D422-46DB-BE1F-B2297130D121}"/>
-    <pc:docChg chg="addSld modSld">
-      <pc:chgData name="Patani,Cimi" userId="S::ccp63@drexel.edu::72ab453c-a6a7-41f9-8e1f-ad511f61c8ba" providerId="AD" clId="Web-{AA84AB5F-D422-46DB-BE1F-B2297130D121}" dt="2024-02-01T02:40:58.263" v="32" actId="20577"/>
-      <pc:docMkLst>
-        <pc:docMk/>
-      </pc:docMkLst>
-      <pc:sldChg chg="modSp">
-        <pc:chgData name="Patani,Cimi" userId="S::ccp63@drexel.edu::72ab453c-a6a7-41f9-8e1f-ad511f61c8ba" providerId="AD" clId="Web-{AA84AB5F-D422-46DB-BE1F-B2297130D121}" dt="2024-02-01T02:38:52.573" v="26" actId="20577"/>
-        <pc:sldMkLst>
-          <pc:docMk/>
-          <pc:sldMk cId="4024183217" sldId="307"/>
-        </pc:sldMkLst>
-        <pc:spChg chg="mod">
-          <ac:chgData name="Patani,Cimi" userId="S::ccp63@drexel.edu::72ab453c-a6a7-41f9-8e1f-ad511f61c8ba" providerId="AD" clId="Web-{AA84AB5F-D422-46DB-BE1F-B2297130D121}" dt="2024-02-01T02:38:52.573" v="26" actId="20577"/>
-          <ac:spMkLst>
-            <pc:docMk/>
-            <pc:sldMk cId="4024183217" sldId="307"/>
-            <ac:spMk id="3" creationId="{C93717A4-45B3-FE22-690B-7E73B3FA7531}"/>
-          </ac:spMkLst>
-        </pc:spChg>
-      </pc:sldChg>
-      <pc:sldChg chg="modSp">
-        <pc:chgData name="Patani,Cimi" userId="S::ccp63@drexel.edu::72ab453c-a6a7-41f9-8e1f-ad511f61c8ba" providerId="AD" clId="Web-{AA84AB5F-D422-46DB-BE1F-B2297130D121}" dt="2024-02-01T02:40:58.263" v="32" actId="20577"/>
-        <pc:sldMkLst>
-          <pc:docMk/>
-          <pc:sldMk cId="4048747946" sldId="308"/>
-        </pc:sldMkLst>
-        <pc:spChg chg="mod">
-          <ac:chgData name="Patani,Cimi" userId="S::ccp63@drexel.edu::72ab453c-a6a7-41f9-8e1f-ad511f61c8ba" providerId="AD" clId="Web-{AA84AB5F-D422-46DB-BE1F-B2297130D121}" dt="2024-02-01T02:40:58.263" v="32" actId="20577"/>
-          <ac:spMkLst>
-            <pc:docMk/>
-            <pc:sldMk cId="4048747946" sldId="308"/>
-            <ac:spMk id="5" creationId="{CAADF89A-24DA-EB8D-1791-D94B698130CB}"/>
-          </ac:spMkLst>
-        </pc:spChg>
-      </pc:sldChg>
-      <pc:sldChg chg="modSp">
-        <pc:chgData name="Patani,Cimi" userId="S::ccp63@drexel.edu::72ab453c-a6a7-41f9-8e1f-ad511f61c8ba" providerId="AD" clId="Web-{AA84AB5F-D422-46DB-BE1F-B2297130D121}" dt="2024-02-01T02:16:37.042" v="11"/>
-        <pc:sldMkLst>
-          <pc:docMk/>
-          <pc:sldMk cId="3529123526" sldId="312"/>
-        </pc:sldMkLst>
-        <pc:picChg chg="mod">
-          <ac:chgData name="Patani,Cimi" userId="S::ccp63@drexel.edu::72ab453c-a6a7-41f9-8e1f-ad511f61c8ba" providerId="AD" clId="Web-{AA84AB5F-D422-46DB-BE1F-B2297130D121}" dt="2024-02-01T02:16:08.245" v="8"/>
-          <ac:picMkLst>
-            <pc:docMk/>
-            <pc:sldMk cId="3529123526" sldId="312"/>
-            <ac:picMk id="5" creationId="{C93775E0-F8DC-A5B9-C658-FEE39FF7D60C}"/>
-          </ac:picMkLst>
-        </pc:picChg>
-        <pc:picChg chg="mod">
-          <ac:chgData name="Patani,Cimi" userId="S::ccp63@drexel.edu::72ab453c-a6a7-41f9-8e1f-ad511f61c8ba" providerId="AD" clId="Web-{AA84AB5F-D422-46DB-BE1F-B2297130D121}" dt="2024-02-01T02:16:37.042" v="11"/>
-          <ac:picMkLst>
-            <pc:docMk/>
-            <pc:sldMk cId="3529123526" sldId="312"/>
-            <ac:picMk id="8" creationId="{556E2BF4-5286-D9E7-B819-4912F36D53FC}"/>
-          </ac:picMkLst>
-        </pc:picChg>
-        <pc:picChg chg="mod">
-          <ac:chgData name="Patani,Cimi" userId="S::ccp63@drexel.edu::72ab453c-a6a7-41f9-8e1f-ad511f61c8ba" providerId="AD" clId="Web-{AA84AB5F-D422-46DB-BE1F-B2297130D121}" dt="2024-02-01T02:16:26.370" v="10"/>
-          <ac:picMkLst>
-            <pc:docMk/>
-            <pc:sldMk cId="3529123526" sldId="312"/>
-            <ac:picMk id="12" creationId="{D31ADC69-F6BF-9A25-D4FE-4D367A8291F5}"/>
-          </ac:picMkLst>
-        </pc:picChg>
-      </pc:sldChg>
-      <pc:sldChg chg="addSp delSp modSp new">
-        <pc:chgData name="Patani,Cimi" userId="S::ccp63@drexel.edu::72ab453c-a6a7-41f9-8e1f-ad511f61c8ba" providerId="AD" clId="Web-{AA84AB5F-D422-46DB-BE1F-B2297130D121}" dt="2024-02-01T02:20:38.735" v="22" actId="1076"/>
-        <pc:sldMkLst>
-          <pc:docMk/>
-          <pc:sldMk cId="2305462630" sldId="313"/>
-        </pc:sldMkLst>
-        <pc:spChg chg="mod">
-          <ac:chgData name="Patani,Cimi" userId="S::ccp63@drexel.edu::72ab453c-a6a7-41f9-8e1f-ad511f61c8ba" providerId="AD" clId="Web-{AA84AB5F-D422-46DB-BE1F-B2297130D121}" dt="2024-02-01T02:20:35.298" v="21" actId="1076"/>
-          <ac:spMkLst>
-            <pc:docMk/>
-            <pc:sldMk cId="2305462630" sldId="313"/>
-            <ac:spMk id="2" creationId="{1AB559FE-2A78-B4CF-DA2D-F5F86FC3EF4B}"/>
-          </ac:spMkLst>
-        </pc:spChg>
-        <pc:spChg chg="del">
-          <ac:chgData name="Patani,Cimi" userId="S::ccp63@drexel.edu::72ab453c-a6a7-41f9-8e1f-ad511f61c8ba" providerId="AD" clId="Web-{AA84AB5F-D422-46DB-BE1F-B2297130D121}" dt="2024-02-01T02:15:01.024" v="1"/>
-          <ac:spMkLst>
-            <pc:docMk/>
-            <pc:sldMk cId="2305462630" sldId="313"/>
-            <ac:spMk id="3" creationId="{A72C9DD1-D9E3-8C5C-0F46-401C1C95651D}"/>
-          </ac:spMkLst>
-        </pc:spChg>
-        <pc:picChg chg="add mod ord modCrop">
-          <ac:chgData name="Patani,Cimi" userId="S::ccp63@drexel.edu::72ab453c-a6a7-41f9-8e1f-ad511f61c8ba" providerId="AD" clId="Web-{AA84AB5F-D422-46DB-BE1F-B2297130D121}" dt="2024-02-01T02:20:38.735" v="22" actId="1076"/>
-          <ac:picMkLst>
-            <pc:docMk/>
-            <pc:sldMk cId="2305462630" sldId="313"/>
-            <ac:picMk id="4" creationId="{E4F2876B-EB53-3EFB-BE1E-7B329EDD69E3}"/>
-          </ac:picMkLst>
-        </pc:picChg>
-      </pc:sldChg>
-    </pc:docChg>
-  </pc:docChgLst>
-  <pc:docChgLst>
-    <pc:chgData name="Noor,Ayaz" userId="7cf625e6-36b6-4e30-acf8-1c16eb40c4b2" providerId="ADAL" clId="{8D8C9B35-49B4-403E-80C1-E6F032E27505}"/>
-    <pc:docChg chg="undo custSel addSld delSld modSld sldOrd addMainMaster delMainMaster modMainMaster">
-      <pc:chgData name="Noor,Ayaz" userId="7cf625e6-36b6-4e30-acf8-1c16eb40c4b2" providerId="ADAL" clId="{8D8C9B35-49B4-403E-80C1-E6F032E27505}" dt="2024-02-01T17:55:55.054" v="11007" actId="313"/>
-      <pc:docMkLst>
-        <pc:docMk/>
-      </pc:docMkLst>
-      <pc:sldChg chg="addSp delSp modSp mod setBg addAnim setClrOvrMap delDesignElem">
-        <pc:chgData name="Noor,Ayaz" userId="7cf625e6-36b6-4e30-acf8-1c16eb40c4b2" providerId="ADAL" clId="{8D8C9B35-49B4-403E-80C1-E6F032E27505}" dt="2024-01-29T15:07:44.470" v="3362"/>
-        <pc:sldMkLst>
-          <pc:docMk/>
-          <pc:sldMk cId="109857222" sldId="256"/>
-        </pc:sldMkLst>
-        <pc:spChg chg="mod">
-          <ac:chgData name="Noor,Ayaz" userId="7cf625e6-36b6-4e30-acf8-1c16eb40c4b2" providerId="ADAL" clId="{8D8C9B35-49B4-403E-80C1-E6F032E27505}" dt="2024-01-29T15:07:42.445" v="3359" actId="26606"/>
-          <ac:spMkLst>
-            <pc:docMk/>
-            <pc:sldMk cId="109857222" sldId="256"/>
-            <ac:spMk id="2" creationId="{00000000-0000-0000-0000-000000000000}"/>
-          </ac:spMkLst>
-        </pc:spChg>
-        <pc:spChg chg="mod">
-          <ac:chgData name="Noor,Ayaz" userId="7cf625e6-36b6-4e30-acf8-1c16eb40c4b2" providerId="ADAL" clId="{8D8C9B35-49B4-403E-80C1-E6F032E27505}" dt="2024-01-29T15:07:42.445" v="3359" actId="26606"/>
-          <ac:spMkLst>
-            <pc:docMk/>
-            <pc:sldMk cId="109857222" sldId="256"/>
-            <ac:spMk id="3" creationId="{00000000-0000-0000-0000-000000000000}"/>
-          </ac:spMkLst>
-        </pc:spChg>
-        <pc:spChg chg="add del">
-          <ac:chgData name="Noor,Ayaz" userId="7cf625e6-36b6-4e30-acf8-1c16eb40c4b2" providerId="ADAL" clId="{8D8C9B35-49B4-403E-80C1-E6F032E27505}" dt="2024-01-29T15:07:44.470" v="3362"/>
-          <ac:spMkLst>
-            <pc:docMk/>
-            <pc:sldMk cId="109857222" sldId="256"/>
-            <ac:spMk id="24" creationId="{64F97EC1-3569-4A79-9DB8-CC79407DFFE2}"/>
-          </ac:spMkLst>
-        </pc:spChg>
-        <pc:spChg chg="add del">
-          <ac:chgData name="Noor,Ayaz" userId="7cf625e6-36b6-4e30-acf8-1c16eb40c4b2" providerId="ADAL" clId="{8D8C9B35-49B4-403E-80C1-E6F032E27505}" dt="2024-01-29T15:04:31.008" v="3344"/>
-          <ac:spMkLst>
-            <pc:docMk/>
-            <pc:sldMk cId="109857222" sldId="256"/>
-            <ac:spMk id="25" creationId="{C1FA8F66-3B85-411D-A2A6-A50DF3026D9A}"/>
-          </ac:spMkLst>
-        </pc:spChg>
-        <pc:spChg chg="add del">
-          <ac:chgData name="Noor,Ayaz" userId="7cf625e6-36b6-4e30-acf8-1c16eb40c4b2" providerId="ADAL" clId="{8D8C9B35-49B4-403E-80C1-E6F032E27505}" dt="2024-01-29T15:07:44.470" v="3362"/>
-          <ac:spMkLst>
-            <pc:docMk/>
-            <pc:sldMk cId="109857222" sldId="256"/>
-            <ac:spMk id="26" creationId="{13E08444-43C3-4332-B02D-F2DBC8C1DBD5}"/>
-          </ac:spMkLst>
-        </pc:spChg>
-        <pc:spChg chg="add del">
-          <ac:chgData name="Noor,Ayaz" userId="7cf625e6-36b6-4e30-acf8-1c16eb40c4b2" providerId="ADAL" clId="{8D8C9B35-49B4-403E-80C1-E6F032E27505}" dt="2024-01-29T15:04:31.008" v="3344"/>
-          <ac:spMkLst>
-            <pc:docMk/>
-            <pc:sldMk cId="109857222" sldId="256"/>
-            <ac:spMk id="27" creationId="{D695E25C-06E7-4082-BE92-B571B616BC5A}"/>
-          </ac:spMkLst>
-        </pc:spChg>
-        <pc:spChg chg="add del">
-          <ac:chgData name="Noor,Ayaz" userId="7cf625e6-36b6-4e30-acf8-1c16eb40c4b2" providerId="ADAL" clId="{8D8C9B35-49B4-403E-80C1-E6F032E27505}" dt="2024-01-29T15:04:31.008" v="3344"/>
-          <ac:spMkLst>
-            <pc:docMk/>
-            <pc:sldMk cId="109857222" sldId="256"/>
-            <ac:spMk id="29" creationId="{9257916F-271C-4D56-AEDE-0309D1746F14}"/>
-          </ac:spMkLst>
-        </pc:spChg>
-        <pc:spChg chg="add del">
-          <ac:chgData name="Noor,Ayaz" userId="7cf625e6-36b6-4e30-acf8-1c16eb40c4b2" providerId="ADAL" clId="{8D8C9B35-49B4-403E-80C1-E6F032E27505}" dt="2024-01-29T15:07:22.186" v="3355" actId="26606"/>
-          <ac:spMkLst>
-            <pc:docMk/>
-            <pc:sldMk cId="109857222" sldId="256"/>
-            <ac:spMk id="30" creationId="{3F47E20B-1205-4238-A82B-90EF577F32D8}"/>
-          </ac:spMkLst>
-        </pc:spChg>
-        <pc:spChg chg="add del">
-          <ac:chgData name="Noor,Ayaz" userId="7cf625e6-36b6-4e30-acf8-1c16eb40c4b2" providerId="ADAL" clId="{8D8C9B35-49B4-403E-80C1-E6F032E27505}" dt="2024-01-29T15:04:31.008" v="3344"/>
-          <ac:spMkLst>
-            <pc:docMk/>
-            <pc:sldMk cId="109857222" sldId="256"/>
-            <ac:spMk id="31" creationId="{EC75C176-BB0F-4087-B339-FC37356C0B34}"/>
-          </ac:spMkLst>
-        </pc:spChg>
-        <pc:spChg chg="add del">
-          <ac:chgData name="Noor,Ayaz" userId="7cf625e6-36b6-4e30-acf8-1c16eb40c4b2" providerId="ADAL" clId="{8D8C9B35-49B4-403E-80C1-E6F032E27505}" dt="2024-01-29T15:07:22.186" v="3355" actId="26606"/>
-          <ac:spMkLst>
-            <pc:docMk/>
-            <pc:sldMk cId="109857222" sldId="256"/>
-            <ac:spMk id="32" creationId="{D13567AC-EB9A-47A9-B6EC-B5BDB73B113C}"/>
-          </ac:spMkLst>
-        </pc:spChg>
-        <pc:spChg chg="add del">
-          <ac:chgData name="Noor,Ayaz" userId="7cf625e6-36b6-4e30-acf8-1c16eb40c4b2" providerId="ADAL" clId="{8D8C9B35-49B4-403E-80C1-E6F032E27505}" dt="2024-01-29T15:04:31.008" v="3344"/>
-          <ac:spMkLst>
-            <pc:docMk/>
-            <pc:sldMk cId="109857222" sldId="256"/>
-            <ac:spMk id="33" creationId="{E64BD7DF-F4BB-427F-B4F6-6DC83A59AA0F}"/>
-          </ac:spMkLst>
-        </pc:spChg>
-        <pc:spChg chg="add del">
-          <ac:chgData name="Noor,Ayaz" userId="7cf625e6-36b6-4e30-acf8-1c16eb40c4b2" providerId="ADAL" clId="{8D8C9B35-49B4-403E-80C1-E6F032E27505}" dt="2024-01-29T15:07:42.445" v="3359" actId="26606"/>
-          <ac:spMkLst>
-            <pc:docMk/>
-            <pc:sldMk cId="109857222" sldId="256"/>
-            <ac:spMk id="34" creationId="{3F47E20B-1205-4238-A82B-90EF577F32D8}"/>
-          </ac:spMkLst>
-        </pc:spChg>
-        <pc:spChg chg="add del">
-          <ac:chgData name="Noor,Ayaz" userId="7cf625e6-36b6-4e30-acf8-1c16eb40c4b2" providerId="ADAL" clId="{8D8C9B35-49B4-403E-80C1-E6F032E27505}" dt="2024-01-29T15:07:42.445" v="3359" actId="26606"/>
-          <ac:spMkLst>
-            <pc:docMk/>
-            <pc:sldMk cId="109857222" sldId="256"/>
-            <ac:spMk id="35" creationId="{D13567AC-EB9A-47A9-B6EC-B5BDB73B113C}"/>
-          </ac:spMkLst>
-        </pc:spChg>
-        <pc:picChg chg="mod ord">
-          <ac:chgData name="Noor,Ayaz" userId="7cf625e6-36b6-4e30-acf8-1c16eb40c4b2" providerId="ADAL" clId="{8D8C9B35-49B4-403E-80C1-E6F032E27505}" dt="2024-01-29T15:07:42.445" v="3359" actId="26606"/>
-          <ac:picMkLst>
-            <pc:docMk/>
-            <pc:sldMk cId="109857222" sldId="256"/>
-            <ac:picMk id="20" creationId="{F276CB4B-7BED-E1E7-38ED-2606DDC94362}"/>
-          </ac:picMkLst>
-        </pc:picChg>
-        <pc:cxnChg chg="add del">
-          <ac:chgData name="Noor,Ayaz" userId="7cf625e6-36b6-4e30-acf8-1c16eb40c4b2" providerId="ADAL" clId="{8D8C9B35-49B4-403E-80C1-E6F032E27505}" dt="2024-01-29T15:07:44.470" v="3362"/>
-          <ac:cxnSpMkLst>
-            <pc:docMk/>
-            <pc:sldMk cId="109857222" sldId="256"/>
-            <ac:cxnSpMk id="28" creationId="{4D848F31-B9E9-4B45-86EB-66A7D70D487A}"/>
-          </ac:cxnSpMkLst>
-        </pc:cxnChg>
-      </pc:sldChg>
-      <pc:sldChg chg="modSp">
-        <pc:chgData name="Noor,Ayaz" userId="7cf625e6-36b6-4e30-acf8-1c16eb40c4b2" providerId="ADAL" clId="{8D8C9B35-49B4-403E-80C1-E6F032E27505}" dt="2024-01-29T15:07:44.470" v="3362"/>
-        <pc:sldMkLst>
-          <pc:docMk/>
-          <pc:sldMk cId="2969469873" sldId="258"/>
-        </pc:sldMkLst>
-        <pc:spChg chg="mod">
-          <ac:chgData name="Noor,Ayaz" userId="7cf625e6-36b6-4e30-acf8-1c16eb40c4b2" providerId="ADAL" clId="{8D8C9B35-49B4-403E-80C1-E6F032E27505}" dt="2024-01-29T15:07:44.470" v="3362"/>
-          <ac:spMkLst>
-            <pc:docMk/>
-            <pc:sldMk cId="2969469873" sldId="258"/>
-            <ac:spMk id="2" creationId="{D67A2FD2-E53B-E453-B07F-8C0748A0F758}"/>
-          </ac:spMkLst>
-        </pc:spChg>
-        <pc:spChg chg="mod">
-          <ac:chgData name="Noor,Ayaz" userId="7cf625e6-36b6-4e30-acf8-1c16eb40c4b2" providerId="ADAL" clId="{8D8C9B35-49B4-403E-80C1-E6F032E27505}" dt="2024-01-29T15:07:44.470" v="3362"/>
-          <ac:spMkLst>
-            <pc:docMk/>
-            <pc:sldMk cId="2969469873" sldId="258"/>
-            <ac:spMk id="3" creationId="{2A2D3215-131F-EA37-B4D3-483AC91A7472}"/>
-          </ac:spMkLst>
-        </pc:spChg>
-      </pc:sldChg>
-      <pc:sldChg chg="modSp">
-        <pc:chgData name="Noor,Ayaz" userId="7cf625e6-36b6-4e30-acf8-1c16eb40c4b2" providerId="ADAL" clId="{8D8C9B35-49B4-403E-80C1-E6F032E27505}" dt="2024-01-29T15:07:44.470" v="3362"/>
-        <pc:sldMkLst>
-          <pc:docMk/>
-          <pc:sldMk cId="1171702265" sldId="259"/>
-        </pc:sldMkLst>
-        <pc:spChg chg="mod">
-          <ac:chgData name="Noor,Ayaz" userId="7cf625e6-36b6-4e30-acf8-1c16eb40c4b2" providerId="ADAL" clId="{8D8C9B35-49B4-403E-80C1-E6F032E27505}" dt="2024-01-29T15:07:44.470" v="3362"/>
-          <ac:spMkLst>
-            <pc:docMk/>
-            <pc:sldMk cId="1171702265" sldId="259"/>
-            <ac:spMk id="2" creationId="{24E0B7EC-A96D-1648-AD18-08880C1902F6}"/>
-          </ac:spMkLst>
-        </pc:spChg>
-        <pc:spChg chg="mod">
-          <ac:chgData name="Noor,Ayaz" userId="7cf625e6-36b6-4e30-acf8-1c16eb40c4b2" providerId="ADAL" clId="{8D8C9B35-49B4-403E-80C1-E6F032E27505}" dt="2024-01-29T15:07:44.470" v="3362"/>
-          <ac:spMkLst>
-            <pc:docMk/>
-            <pc:sldMk cId="1171702265" sldId="259"/>
-            <ac:spMk id="3" creationId="{40301150-85CA-621B-5FE2-93257828B537}"/>
-          </ac:spMkLst>
-        </pc:spChg>
-      </pc:sldChg>
-      <pc:sldChg chg="modSp">
-        <pc:chgData name="Noor,Ayaz" userId="7cf625e6-36b6-4e30-acf8-1c16eb40c4b2" providerId="ADAL" clId="{8D8C9B35-49B4-403E-80C1-E6F032E27505}" dt="2024-01-29T15:07:44.470" v="3362"/>
-        <pc:sldMkLst>
-          <pc:docMk/>
-          <pc:sldMk cId="3426227320" sldId="260"/>
-        </pc:sldMkLst>
-        <pc:spChg chg="mod">
-          <ac:chgData name="Noor,Ayaz" userId="7cf625e6-36b6-4e30-acf8-1c16eb40c4b2" providerId="ADAL" clId="{8D8C9B35-49B4-403E-80C1-E6F032E27505}" dt="2024-01-29T15:07:44.470" v="3362"/>
-          <ac:spMkLst>
-            <pc:docMk/>
-            <pc:sldMk cId="3426227320" sldId="260"/>
-            <ac:spMk id="2" creationId="{C58538CF-3884-3E08-C5F7-DD3CF76B1029}"/>
-          </ac:spMkLst>
-        </pc:spChg>
-        <pc:spChg chg="mod">
-          <ac:chgData name="Noor,Ayaz" userId="7cf625e6-36b6-4e30-acf8-1c16eb40c4b2" providerId="ADAL" clId="{8D8C9B35-49B4-403E-80C1-E6F032E27505}" dt="2024-01-29T15:07:44.470" v="3362"/>
-          <ac:spMkLst>
-            <pc:docMk/>
-            <pc:sldMk cId="3426227320" sldId="260"/>
-            <ac:spMk id="3" creationId="{B12291E2-4762-B168-72E9-C60152D873A6}"/>
-          </ac:spMkLst>
-        </pc:spChg>
-      </pc:sldChg>
-      <pc:sldChg chg="modSp mod">
-        <pc:chgData name="Noor,Ayaz" userId="7cf625e6-36b6-4e30-acf8-1c16eb40c4b2" providerId="ADAL" clId="{8D8C9B35-49B4-403E-80C1-E6F032E27505}" dt="2024-01-29T15:07:44.470" v="3362"/>
-        <pc:sldMkLst>
-          <pc:docMk/>
-          <pc:sldMk cId="2379871376" sldId="261"/>
-        </pc:sldMkLst>
-        <pc:spChg chg="mod">
-          <ac:chgData name="Noor,Ayaz" userId="7cf625e6-36b6-4e30-acf8-1c16eb40c4b2" providerId="ADAL" clId="{8D8C9B35-49B4-403E-80C1-E6F032E27505}" dt="2024-01-29T15:07:44.470" v="3362"/>
-          <ac:spMkLst>
-            <pc:docMk/>
-            <pc:sldMk cId="2379871376" sldId="261"/>
-            <ac:spMk id="2" creationId="{420616CE-D687-73D2-07E7-CE7A09669C52}"/>
-          </ac:spMkLst>
-        </pc:spChg>
-        <pc:spChg chg="mod">
-          <ac:chgData name="Noor,Ayaz" userId="7cf625e6-36b6-4e30-acf8-1c16eb40c4b2" providerId="ADAL" clId="{8D8C9B35-49B4-403E-80C1-E6F032E27505}" dt="2024-01-29T15:07:44.470" v="3362"/>
-          <ac:spMkLst>
-            <pc:docMk/>
-            <pc:sldMk cId="2379871376" sldId="261"/>
-            <ac:spMk id="3" creationId="{3884C811-0B61-13DF-1004-ECE182B5770C}"/>
-          </ac:spMkLst>
-        </pc:spChg>
-      </pc:sldChg>
-      <pc:sldChg chg="modSp">
-        <pc:chgData name="Noor,Ayaz" userId="7cf625e6-36b6-4e30-acf8-1c16eb40c4b2" providerId="ADAL" clId="{8D8C9B35-49B4-403E-80C1-E6F032E27505}" dt="2024-01-29T15:07:44.470" v="3362"/>
-        <pc:sldMkLst>
-          <pc:docMk/>
-          <pc:sldMk cId="2774841454" sldId="262"/>
-        </pc:sldMkLst>
-        <pc:spChg chg="mod">
-          <ac:chgData name="Noor,Ayaz" userId="7cf625e6-36b6-4e30-acf8-1c16eb40c4b2" providerId="ADAL" clId="{8D8C9B35-49B4-403E-80C1-E6F032E27505}" dt="2024-01-29T15:07:44.470" v="3362"/>
-          <ac:spMkLst>
-            <pc:docMk/>
-            <pc:sldMk cId="2774841454" sldId="262"/>
-            <ac:spMk id="2" creationId="{EA470ECF-BB63-368D-E7A4-E46B90ACD015}"/>
-          </ac:spMkLst>
-        </pc:spChg>
-        <pc:picChg chg="mod">
-          <ac:chgData name="Noor,Ayaz" userId="7cf625e6-36b6-4e30-acf8-1c16eb40c4b2" providerId="ADAL" clId="{8D8C9B35-49B4-403E-80C1-E6F032E27505}" dt="2024-01-29T15:07:44.470" v="3362"/>
-          <ac:picMkLst>
-            <pc:docMk/>
-            <pc:sldMk cId="2774841454" sldId="262"/>
-            <ac:picMk id="4" creationId="{696C6E7C-DD9A-C7B9-A418-61F4C6795BE6}"/>
-          </ac:picMkLst>
-        </pc:picChg>
-      </pc:sldChg>
-      <pc:sldChg chg="modSp">
-        <pc:chgData name="Noor,Ayaz" userId="7cf625e6-36b6-4e30-acf8-1c16eb40c4b2" providerId="ADAL" clId="{8D8C9B35-49B4-403E-80C1-E6F032E27505}" dt="2024-01-29T15:07:44.470" v="3362"/>
-        <pc:sldMkLst>
-          <pc:docMk/>
-          <pc:sldMk cId="2102792910" sldId="263"/>
-        </pc:sldMkLst>
-        <pc:spChg chg="mod">
-          <ac:chgData name="Noor,Ayaz" userId="7cf625e6-36b6-4e30-acf8-1c16eb40c4b2" providerId="ADAL" clId="{8D8C9B35-49B4-403E-80C1-E6F032E27505}" dt="2024-01-29T15:07:44.470" v="3362"/>
-          <ac:spMkLst>
-            <pc:docMk/>
-            <pc:sldMk cId="2102792910" sldId="263"/>
-            <ac:spMk id="2" creationId="{4B7F3E33-9263-4A59-15EF-591A3C217035}"/>
-          </ac:spMkLst>
-        </pc:spChg>
-      </pc:sldChg>
-      <pc:sldChg chg="modSp mod">
-        <pc:chgData name="Noor,Ayaz" userId="7cf625e6-36b6-4e30-acf8-1c16eb40c4b2" providerId="ADAL" clId="{8D8C9B35-49B4-403E-80C1-E6F032E27505}" dt="2024-01-29T15:07:44.470" v="3362"/>
-        <pc:sldMkLst>
-          <pc:docMk/>
-          <pc:sldMk cId="679940781" sldId="264"/>
-        </pc:sldMkLst>
-        <pc:spChg chg="mod">
-          <ac:chgData name="Noor,Ayaz" userId="7cf625e6-36b6-4e30-acf8-1c16eb40c4b2" providerId="ADAL" clId="{8D8C9B35-49B4-403E-80C1-E6F032E27505}" dt="2024-01-29T15:07:44.470" v="3362"/>
-          <ac:spMkLst>
-            <pc:docMk/>
-            <pc:sldMk cId="679940781" sldId="264"/>
-            <ac:spMk id="2" creationId="{32CC648D-8CE1-33F0-9915-1FEFE77739A6}"/>
-          </ac:spMkLst>
-        </pc:spChg>
-        <pc:spChg chg="mod">
-          <ac:chgData name="Noor,Ayaz" userId="7cf625e6-36b6-4e30-acf8-1c16eb40c4b2" providerId="ADAL" clId="{8D8C9B35-49B4-403E-80C1-E6F032E27505}" dt="2024-01-29T15:07:44.470" v="3362"/>
-          <ac:spMkLst>
-            <pc:docMk/>
-            <pc:sldMk cId="679940781" sldId="264"/>
-            <ac:spMk id="3" creationId="{7247C34B-5880-360D-6F5E-9B43F32C2378}"/>
-          </ac:spMkLst>
-        </pc:spChg>
-      </pc:sldChg>
-      <pc:sldChg chg="modSp mod">
-        <pc:chgData name="Noor,Ayaz" userId="7cf625e6-36b6-4e30-acf8-1c16eb40c4b2" providerId="ADAL" clId="{8D8C9B35-49B4-403E-80C1-E6F032E27505}" dt="2024-01-29T15:07:44.470" v="3362"/>
-        <pc:sldMkLst>
-          <pc:docMk/>
-          <pc:sldMk cId="1953189439" sldId="265"/>
-        </pc:sldMkLst>
-        <pc:spChg chg="mod">
-          <ac:chgData name="Noor,Ayaz" userId="7cf625e6-36b6-4e30-acf8-1c16eb40c4b2" providerId="ADAL" clId="{8D8C9B35-49B4-403E-80C1-E6F032E27505}" dt="2024-01-29T15:07:44.470" v="3362"/>
-          <ac:spMkLst>
-            <pc:docMk/>
-            <pc:sldMk cId="1953189439" sldId="265"/>
-            <ac:spMk id="2" creationId="{F41C99BC-53DF-79F8-8DA4-C118312F7CAE}"/>
-          </ac:spMkLst>
-        </pc:spChg>
-        <pc:spChg chg="mod">
-          <ac:chgData name="Noor,Ayaz" userId="7cf625e6-36b6-4e30-acf8-1c16eb40c4b2" providerId="ADAL" clId="{8D8C9B35-49B4-403E-80C1-E6F032E27505}" dt="2024-01-28T21:31:21.521" v="2572" actId="1076"/>
-          <ac:spMkLst>
-            <pc:docMk/>
-            <pc:sldMk cId="1953189439" sldId="265"/>
-            <ac:spMk id="5" creationId="{F5AD02F6-2CB2-4627-BA70-7334420ECBD0}"/>
-          </ac:spMkLst>
-        </pc:spChg>
-      </pc:sldChg>
-      <pc:sldChg chg="modSp">
-        <pc:chgData name="Noor,Ayaz" userId="7cf625e6-36b6-4e30-acf8-1c16eb40c4b2" providerId="ADAL" clId="{8D8C9B35-49B4-403E-80C1-E6F032E27505}" dt="2024-01-29T15:07:44.470" v="3362"/>
-        <pc:sldMkLst>
-          <pc:docMk/>
-          <pc:sldMk cId="282660687" sldId="266"/>
-        </pc:sldMkLst>
-        <pc:spChg chg="mod">
-          <ac:chgData name="Noor,Ayaz" userId="7cf625e6-36b6-4e30-acf8-1c16eb40c4b2" providerId="ADAL" clId="{8D8C9B35-49B4-403E-80C1-E6F032E27505}" dt="2024-01-29T15:07:44.470" v="3362"/>
-          <ac:spMkLst>
-            <pc:docMk/>
-            <pc:sldMk cId="282660687" sldId="266"/>
-            <ac:spMk id="2" creationId="{5D32178E-8CD1-7286-0D95-C95889D2391E}"/>
-          </ac:spMkLst>
-        </pc:spChg>
-      </pc:sldChg>
-      <pc:sldChg chg="modSp">
-        <pc:chgData name="Noor,Ayaz" userId="7cf625e6-36b6-4e30-acf8-1c16eb40c4b2" providerId="ADAL" clId="{8D8C9B35-49B4-403E-80C1-E6F032E27505}" dt="2024-01-29T15:07:44.470" v="3362"/>
-        <pc:sldMkLst>
-          <pc:docMk/>
-          <pc:sldMk cId="1205040247" sldId="268"/>
-        </pc:sldMkLst>
-        <pc:spChg chg="mod">
-          <ac:chgData name="Noor,Ayaz" userId="7cf625e6-36b6-4e30-acf8-1c16eb40c4b2" providerId="ADAL" clId="{8D8C9B35-49B4-403E-80C1-E6F032E27505}" dt="2024-01-29T15:07:44.470" v="3362"/>
-          <ac:spMkLst>
-            <pc:docMk/>
-            <pc:sldMk cId="1205040247" sldId="268"/>
-            <ac:spMk id="2" creationId="{D42D4A20-2DB6-A074-D52B-1896ECE57D75}"/>
-          </ac:spMkLst>
-        </pc:spChg>
-        <pc:spChg chg="mod">
-          <ac:chgData name="Noor,Ayaz" userId="7cf625e6-36b6-4e30-acf8-1c16eb40c4b2" providerId="ADAL" clId="{8D8C9B35-49B4-403E-80C1-E6F032E27505}" dt="2024-01-29T15:07:44.470" v="3362"/>
-          <ac:spMkLst>
-            <pc:docMk/>
-            <pc:sldMk cId="1205040247" sldId="268"/>
-            <ac:spMk id="3" creationId="{CF778286-4931-29E4-A881-A317B011766A}"/>
-          </ac:spMkLst>
-        </pc:spChg>
-      </pc:sldChg>
-      <pc:sldChg chg="modSp">
-        <pc:chgData name="Noor,Ayaz" userId="7cf625e6-36b6-4e30-acf8-1c16eb40c4b2" providerId="ADAL" clId="{8D8C9B35-49B4-403E-80C1-E6F032E27505}" dt="2024-01-29T15:07:44.470" v="3362"/>
-        <pc:sldMkLst>
-          <pc:docMk/>
-          <pc:sldMk cId="3527209141" sldId="269"/>
-        </pc:sldMkLst>
-        <pc:spChg chg="mod">
-          <ac:chgData name="Noor,Ayaz" userId="7cf625e6-36b6-4e30-acf8-1c16eb40c4b2" providerId="ADAL" clId="{8D8C9B35-49B4-403E-80C1-E6F032E27505}" dt="2024-01-29T15:07:44.470" v="3362"/>
-          <ac:spMkLst>
-            <pc:docMk/>
-            <pc:sldMk cId="3527209141" sldId="269"/>
-            <ac:spMk id="2" creationId="{E05B7881-7048-EF3F-56E8-79060CC82F76}"/>
-          </ac:spMkLst>
-        </pc:spChg>
-        <pc:spChg chg="mod">
-          <ac:chgData name="Noor,Ayaz" userId="7cf625e6-36b6-4e30-acf8-1c16eb40c4b2" providerId="ADAL" clId="{8D8C9B35-49B4-403E-80C1-E6F032E27505}" dt="2024-01-29T15:07:44.470" v="3362"/>
-          <ac:spMkLst>
-            <pc:docMk/>
-            <pc:sldMk cId="3527209141" sldId="269"/>
-            <ac:spMk id="3" creationId="{84A25EC2-BEB7-14EA-5338-402E931B25BA}"/>
-          </ac:spMkLst>
-        </pc:spChg>
-      </pc:sldChg>
-      <pc:sldChg chg="modSp mod">
-        <pc:chgData name="Noor,Ayaz" userId="7cf625e6-36b6-4e30-acf8-1c16eb40c4b2" providerId="ADAL" clId="{8D8C9B35-49B4-403E-80C1-E6F032E27505}" dt="2024-01-29T15:07:44.470" v="3362"/>
-        <pc:sldMkLst>
-          <pc:docMk/>
-          <pc:sldMk cId="4029506607" sldId="270"/>
-        </pc:sldMkLst>
-        <pc:spChg chg="mod">
-          <ac:chgData name="Noor,Ayaz" userId="7cf625e6-36b6-4e30-acf8-1c16eb40c4b2" providerId="ADAL" clId="{8D8C9B35-49B4-403E-80C1-E6F032E27505}" dt="2024-01-29T15:07:44.470" v="3362"/>
-          <ac:spMkLst>
-            <pc:docMk/>
-            <pc:sldMk cId="4029506607" sldId="270"/>
-            <ac:spMk id="2" creationId="{3A2D4E83-89AA-0819-A48A-716B0B26C049}"/>
-          </ac:spMkLst>
-        </pc:spChg>
-        <pc:spChg chg="mod">
-          <ac:chgData name="Noor,Ayaz" userId="7cf625e6-36b6-4e30-acf8-1c16eb40c4b2" providerId="ADAL" clId="{8D8C9B35-49B4-403E-80C1-E6F032E27505}" dt="2024-01-29T15:07:44.470" v="3362"/>
-          <ac:spMkLst>
-            <pc:docMk/>
-            <pc:sldMk cId="4029506607" sldId="270"/>
-            <ac:spMk id="3" creationId="{4BEEFDC0-22D8-0C0D-88B5-4C0CD4992D76}"/>
-          </ac:spMkLst>
-        </pc:spChg>
-      </pc:sldChg>
-      <pc:sldChg chg="new">
-        <pc:chgData name="Noor,Ayaz" userId="7cf625e6-36b6-4e30-acf8-1c16eb40c4b2" providerId="ADAL" clId="{8D8C9B35-49B4-403E-80C1-E6F032E27505}" dt="2024-01-28T20:22:40.941" v="0" actId="680"/>
-        <pc:sldMkLst>
-          <pc:docMk/>
-          <pc:sldMk cId="603246243" sldId="271"/>
-        </pc:sldMkLst>
-      </pc:sldChg>
-      <pc:sldChg chg="addSp delSp modSp new mod">
-        <pc:chgData name="Noor,Ayaz" userId="7cf625e6-36b6-4e30-acf8-1c16eb40c4b2" providerId="ADAL" clId="{8D8C9B35-49B4-403E-80C1-E6F032E27505}" dt="2024-01-29T15:07:44.470" v="3362"/>
-        <pc:sldMkLst>
-          <pc:docMk/>
-          <pc:sldMk cId="1618508130" sldId="271"/>
-        </pc:sldMkLst>
-        <pc:spChg chg="mod">
-          <ac:chgData name="Noor,Ayaz" userId="7cf625e6-36b6-4e30-acf8-1c16eb40c4b2" providerId="ADAL" clId="{8D8C9B35-49B4-403E-80C1-E6F032E27505}" dt="2024-01-29T15:07:44.470" v="3362"/>
-          <ac:spMkLst>
-            <pc:docMk/>
-            <pc:sldMk cId="1618508130" sldId="271"/>
-            <ac:spMk id="2" creationId="{87C5216F-85A8-A1FC-2B4A-703F53186D47}"/>
-          </ac:spMkLst>
-        </pc:spChg>
-        <pc:spChg chg="add del mod">
-          <ac:chgData name="Noor,Ayaz" userId="7cf625e6-36b6-4e30-acf8-1c16eb40c4b2" providerId="ADAL" clId="{8D8C9B35-49B4-403E-80C1-E6F032E27505}" dt="2024-01-29T15:07:44.470" v="3362"/>
-          <ac:spMkLst>
-            <pc:docMk/>
-            <pc:sldMk cId="1618508130" sldId="271"/>
-            <ac:spMk id="3" creationId="{FA848C48-4BAD-F6C8-C061-4A535CAB7C0E}"/>
-          </ac:spMkLst>
-        </pc:spChg>
-        <pc:picChg chg="add del mod">
-          <ac:chgData name="Noor,Ayaz" userId="7cf625e6-36b6-4e30-acf8-1c16eb40c4b2" providerId="ADAL" clId="{8D8C9B35-49B4-403E-80C1-E6F032E27505}" dt="2024-01-28T20:49:56.279" v="30" actId="931"/>
-          <ac:picMkLst>
-            <pc:docMk/>
-            <pc:sldMk cId="1618508130" sldId="271"/>
-            <ac:picMk id="5" creationId="{5C6380BB-2A01-F021-266E-23BEEF02EB97}"/>
-          </ac:picMkLst>
-        </pc:picChg>
-      </pc:sldChg>
-      <pc:sldChg chg="addSp delSp modSp new mod setBg delDesignElem">
-        <pc:chgData name="Noor,Ayaz" userId="7cf625e6-36b6-4e30-acf8-1c16eb40c4b2" providerId="ADAL" clId="{8D8C9B35-49B4-403E-80C1-E6F032E27505}" dt="2024-01-29T15:02:42.218" v="3333"/>
-        <pc:sldMkLst>
-          <pc:docMk/>
-          <pc:sldMk cId="183389205" sldId="272"/>
-        </pc:sldMkLst>
-        <pc:spChg chg="del mod">
-          <ac:chgData name="Noor,Ayaz" userId="7cf625e6-36b6-4e30-acf8-1c16eb40c4b2" providerId="ADAL" clId="{8D8C9B35-49B4-403E-80C1-E6F032E27505}" dt="2024-01-28T20:51:58.524" v="239" actId="478"/>
-          <ac:spMkLst>
-            <pc:docMk/>
-            <pc:sldMk cId="183389205" sldId="272"/>
-            <ac:spMk id="2" creationId="{1D128FF6-D8F8-9C9D-DA1D-E1F637F49149}"/>
-          </ac:spMkLst>
-        </pc:spChg>
-        <pc:spChg chg="del">
-          <ac:chgData name="Noor,Ayaz" userId="7cf625e6-36b6-4e30-acf8-1c16eb40c4b2" providerId="ADAL" clId="{8D8C9B35-49B4-403E-80C1-E6F032E27505}" dt="2024-01-28T20:51:11.069" v="96" actId="26606"/>
-          <ac:spMkLst>
-            <pc:docMk/>
-            <pc:sldMk cId="183389205" sldId="272"/>
-            <ac:spMk id="3" creationId="{E9F82FA2-06E6-C1B8-9DE2-B4EDE7AEE7EF}"/>
-          </ac:spMkLst>
-        </pc:spChg>
-        <pc:spChg chg="add mod">
-          <ac:chgData name="Noor,Ayaz" userId="7cf625e6-36b6-4e30-acf8-1c16eb40c4b2" providerId="ADAL" clId="{8D8C9B35-49B4-403E-80C1-E6F032E27505}" dt="2024-01-28T20:53:08.119" v="276" actId="113"/>
-          <ac:spMkLst>
-            <pc:docMk/>
-            <pc:sldMk cId="183389205" sldId="272"/>
-            <ac:spMk id="4" creationId="{F55FD18A-FB46-EB16-D711-251052E7D0DC}"/>
-          </ac:spMkLst>
-        </pc:spChg>
-        <pc:spChg chg="add mod">
-          <ac:chgData name="Noor,Ayaz" userId="7cf625e6-36b6-4e30-acf8-1c16eb40c4b2" providerId="ADAL" clId="{8D8C9B35-49B4-403E-80C1-E6F032E27505}" dt="2024-01-28T20:53:28.710" v="314" actId="20577"/>
-          <ac:spMkLst>
-            <pc:docMk/>
-            <pc:sldMk cId="183389205" sldId="272"/>
-            <ac:spMk id="5" creationId="{C2E266E3-2DE8-4FBA-6CF3-9DD90267DA14}"/>
-          </ac:spMkLst>
-        </pc:spChg>
-        <pc:spChg chg="add del">
-          <ac:chgData name="Noor,Ayaz" userId="7cf625e6-36b6-4e30-acf8-1c16eb40c4b2" providerId="ADAL" clId="{8D8C9B35-49B4-403E-80C1-E6F032E27505}" dt="2024-01-29T15:02:42.218" v="3333"/>
-          <ac:spMkLst>
-            <pc:docMk/>
-            <pc:sldMk cId="183389205" sldId="272"/>
-            <ac:spMk id="16" creationId="{15655827-B42D-4180-88D3-D83F25E4BD1C}"/>
-          </ac:spMkLst>
-        </pc:spChg>
-        <pc:spChg chg="add del">
-          <ac:chgData name="Noor,Ayaz" userId="7cf625e6-36b6-4e30-acf8-1c16eb40c4b2" providerId="ADAL" clId="{8D8C9B35-49B4-403E-80C1-E6F032E27505}" dt="2024-01-29T15:02:42.218" v="3333"/>
-          <ac:spMkLst>
-            <pc:docMk/>
-            <pc:sldMk cId="183389205" sldId="272"/>
-            <ac:spMk id="18" creationId="{24ACCB06-563C-4ADE-B4D6-1FE9F723C7D9}"/>
-          </ac:spMkLst>
-        </pc:spChg>
-        <pc:spChg chg="add del">
-          <ac:chgData name="Noor,Ayaz" userId="7cf625e6-36b6-4e30-acf8-1c16eb40c4b2" providerId="ADAL" clId="{8D8C9B35-49B4-403E-80C1-E6F032E27505}" dt="2024-01-29T15:02:42.218" v="3333"/>
-          <ac:spMkLst>
-            <pc:docMk/>
-            <pc:sldMk cId="183389205" sldId="272"/>
-            <ac:spMk id="20" creationId="{40761ECD-D92B-46AE-82CA-640023D282F9}"/>
-          </ac:spMkLst>
-        </pc:spChg>
-        <pc:spChg chg="add del">
-          <ac:chgData name="Noor,Ayaz" userId="7cf625e6-36b6-4e30-acf8-1c16eb40c4b2" providerId="ADAL" clId="{8D8C9B35-49B4-403E-80C1-E6F032E27505}" dt="2024-01-29T15:02:42.218" v="3333"/>
-          <ac:spMkLst>
-            <pc:docMk/>
-            <pc:sldMk cId="183389205" sldId="272"/>
-            <ac:spMk id="22" creationId="{9A928607-C55C-40FD-B2DF-6CD6A7226A71}"/>
-          </ac:spMkLst>
-        </pc:spChg>
-        <pc:spChg chg="add del">
-          <ac:chgData name="Noor,Ayaz" userId="7cf625e6-36b6-4e30-acf8-1c16eb40c4b2" providerId="ADAL" clId="{8D8C9B35-49B4-403E-80C1-E6F032E27505}" dt="2024-01-29T15:02:42.218" v="3333"/>
-          <ac:spMkLst>
-            <pc:docMk/>
-            <pc:sldMk cId="183389205" sldId="272"/>
-            <ac:spMk id="24" creationId="{400A20C1-29A4-43E0-AB15-7931F76F8C2D}"/>
-          </ac:spMkLst>
-        </pc:spChg>
-        <pc:grpChg chg="add del">
-          <ac:chgData name="Noor,Ayaz" userId="7cf625e6-36b6-4e30-acf8-1c16eb40c4b2" providerId="ADAL" clId="{8D8C9B35-49B4-403E-80C1-E6F032E27505}" dt="2024-01-29T15:02:42.218" v="3333"/>
-          <ac:grpSpMkLst>
-            <pc:docMk/>
-            <pc:sldMk cId="183389205" sldId="272"/>
-            <ac:grpSpMk id="8" creationId="{E9D059B6-ADD8-488A-B346-63289E90D13F}"/>
-          </ac:grpSpMkLst>
-        </pc:grpChg>
-        <pc:picChg chg="add mod">
-          <ac:chgData name="Noor,Ayaz" userId="7cf625e6-36b6-4e30-acf8-1c16eb40c4b2" providerId="ADAL" clId="{8D8C9B35-49B4-403E-80C1-E6F032E27505}" dt="2024-01-28T20:53:45.697" v="321" actId="14100"/>
-          <ac:picMkLst>
-            <pc:docMk/>
-            <pc:sldMk cId="183389205" sldId="272"/>
-            <ac:picMk id="7" creationId="{3218B59C-B44D-4ADB-958C-4452A49FCE20}"/>
-          </ac:picMkLst>
-        </pc:picChg>
-      </pc:sldChg>
-      <pc:sldChg chg="modSp add mod ord">
-        <pc:chgData name="Noor,Ayaz" userId="7cf625e6-36b6-4e30-acf8-1c16eb40c4b2" providerId="ADAL" clId="{8D8C9B35-49B4-403E-80C1-E6F032E27505}" dt="2024-01-28T21:07:00.484" v="983" actId="20577"/>
-        <pc:sldMkLst>
-          <pc:docMk/>
-          <pc:sldMk cId="4026688930" sldId="273"/>
-        </pc:sldMkLst>
-        <pc:spChg chg="mod">
-          <ac:chgData name="Noor,Ayaz" userId="7cf625e6-36b6-4e30-acf8-1c16eb40c4b2" providerId="ADAL" clId="{8D8C9B35-49B4-403E-80C1-E6F032E27505}" dt="2024-01-28T21:07:00.484" v="983" actId="20577"/>
-          <ac:spMkLst>
-            <pc:docMk/>
-            <pc:sldMk cId="4026688930" sldId="273"/>
-            <ac:spMk id="2" creationId="{F41C99BC-53DF-79F8-8DA4-C118312F7CAE}"/>
-          </ac:spMkLst>
-        </pc:spChg>
-      </pc:sldChg>
-      <pc:sldChg chg="addSp delSp modSp new mod">
-        <pc:chgData name="Noor,Ayaz" userId="7cf625e6-36b6-4e30-acf8-1c16eb40c4b2" providerId="ADAL" clId="{8D8C9B35-49B4-403E-80C1-E6F032E27505}" dt="2024-01-28T21:12:13.314" v="1269" actId="20577"/>
-        <pc:sldMkLst>
-          <pc:docMk/>
-          <pc:sldMk cId="3290096582" sldId="274"/>
-        </pc:sldMkLst>
-        <pc:spChg chg="del">
-          <ac:chgData name="Noor,Ayaz" userId="7cf625e6-36b6-4e30-acf8-1c16eb40c4b2" providerId="ADAL" clId="{8D8C9B35-49B4-403E-80C1-E6F032E27505}" dt="2024-01-28T21:07:22.159" v="985" actId="478"/>
-          <ac:spMkLst>
-            <pc:docMk/>
-            <pc:sldMk cId="3290096582" sldId="274"/>
-            <ac:spMk id="2" creationId="{E3EBD8BC-F8AB-8681-56D5-DBD1F8D5CFDD}"/>
-          </ac:spMkLst>
-        </pc:spChg>
-        <pc:spChg chg="del">
-          <ac:chgData name="Noor,Ayaz" userId="7cf625e6-36b6-4e30-acf8-1c16eb40c4b2" providerId="ADAL" clId="{8D8C9B35-49B4-403E-80C1-E6F032E27505}" dt="2024-01-28T21:07:23.835" v="986" actId="478"/>
-          <ac:spMkLst>
-            <pc:docMk/>
-            <pc:sldMk cId="3290096582" sldId="274"/>
-            <ac:spMk id="3" creationId="{8BF6132D-196D-D803-067D-4749B81EE271}"/>
-          </ac:spMkLst>
-        </pc:spChg>
-        <pc:spChg chg="add mod">
-          <ac:chgData name="Noor,Ayaz" userId="7cf625e6-36b6-4e30-acf8-1c16eb40c4b2" providerId="ADAL" clId="{8D8C9B35-49B4-403E-80C1-E6F032E27505}" dt="2024-01-28T21:08:02.158" v="1006" actId="20577"/>
-          <ac:spMkLst>
-            <pc:docMk/>
-            <pc:sldMk cId="3290096582" sldId="274"/>
-            <ac:spMk id="4" creationId="{3E8EA5F1-AE97-00F7-DC9C-B5CA6BBDDE47}"/>
-          </ac:spMkLst>
-        </pc:spChg>
-        <pc:spChg chg="add mod">
-          <ac:chgData name="Noor,Ayaz" userId="7cf625e6-36b6-4e30-acf8-1c16eb40c4b2" providerId="ADAL" clId="{8D8C9B35-49B4-403E-80C1-E6F032E27505}" dt="2024-01-28T21:12:13.314" v="1269" actId="20577"/>
-          <ac:spMkLst>
-            <pc:docMk/>
-            <pc:sldMk cId="3290096582" sldId="274"/>
-            <ac:spMk id="5" creationId="{E2C9ED44-5896-60A4-7360-210A35F2CEA7}"/>
-          </ac:spMkLst>
-        </pc:spChg>
-      </pc:sldChg>
-      <pc:sldChg chg="modSp new mod">
-        <pc:chgData name="Noor,Ayaz" userId="7cf625e6-36b6-4e30-acf8-1c16eb40c4b2" providerId="ADAL" clId="{8D8C9B35-49B4-403E-80C1-E6F032E27505}" dt="2024-01-29T15:07:44.470" v="3362"/>
-        <pc:sldMkLst>
-          <pc:docMk/>
-          <pc:sldMk cId="843631567" sldId="275"/>
-        </pc:sldMkLst>
-        <pc:spChg chg="mod">
-          <ac:chgData name="Noor,Ayaz" userId="7cf625e6-36b6-4e30-acf8-1c16eb40c4b2" providerId="ADAL" clId="{8D8C9B35-49B4-403E-80C1-E6F032E27505}" dt="2024-01-29T15:07:44.470" v="3362"/>
-          <ac:spMkLst>
-            <pc:docMk/>
-            <pc:sldMk cId="843631567" sldId="275"/>
-            <ac:spMk id="2" creationId="{62AFF05C-D619-7B68-7D08-F6AEF9B7DBF6}"/>
-          </ac:spMkLst>
-        </pc:spChg>
-        <pc:spChg chg="mod">
-          <ac:chgData name="Noor,Ayaz" userId="7cf625e6-36b6-4e30-acf8-1c16eb40c4b2" providerId="ADAL" clId="{8D8C9B35-49B4-403E-80C1-E6F032E27505}" dt="2024-01-29T15:07:44.470" v="3362"/>
-          <ac:spMkLst>
-            <pc:docMk/>
-            <pc:sldMk cId="843631567" sldId="275"/>
-            <ac:spMk id="3" creationId="{DE50A7E3-244A-A3A4-80EB-91035C84B2C4}"/>
-          </ac:spMkLst>
-        </pc:spChg>
-      </pc:sldChg>
-      <pc:sldChg chg="new del">
-        <pc:chgData name="Noor,Ayaz" userId="7cf625e6-36b6-4e30-acf8-1c16eb40c4b2" providerId="ADAL" clId="{8D8C9B35-49B4-403E-80C1-E6F032E27505}" dt="2024-01-28T21:07:11.439" v="984" actId="2696"/>
-        <pc:sldMkLst>
-          <pc:docMk/>
-          <pc:sldMk cId="365610639" sldId="276"/>
-        </pc:sldMkLst>
-      </pc:sldChg>
-      <pc:sldChg chg="modSp new mod">
-        <pc:chgData name="Noor,Ayaz" userId="7cf625e6-36b6-4e30-acf8-1c16eb40c4b2" providerId="ADAL" clId="{8D8C9B35-49B4-403E-80C1-E6F032E27505}" dt="2024-01-29T15:07:44.470" v="3362"/>
-        <pc:sldMkLst>
-          <pc:docMk/>
-          <pc:sldMk cId="693720159" sldId="277"/>
-        </pc:sldMkLst>
-        <pc:spChg chg="mod">
-          <ac:chgData name="Noor,Ayaz" userId="7cf625e6-36b6-4e30-acf8-1c16eb40c4b2" providerId="ADAL" clId="{8D8C9B35-49B4-403E-80C1-E6F032E27505}" dt="2024-01-29T15:07:44.470" v="3362"/>
-          <ac:spMkLst>
-            <pc:docMk/>
-            <pc:sldMk cId="693720159" sldId="277"/>
-            <ac:spMk id="2" creationId="{DB1E7A5D-1A12-E998-99E3-5E0EC4672822}"/>
-          </ac:spMkLst>
-        </pc:spChg>
-        <pc:spChg chg="mod">
-          <ac:chgData name="Noor,Ayaz" userId="7cf625e6-36b6-4e30-acf8-1c16eb40c4b2" providerId="ADAL" clId="{8D8C9B35-49B4-403E-80C1-E6F032E27505}" dt="2024-01-29T15:07:44.470" v="3362"/>
-          <ac:spMkLst>
-            <pc:docMk/>
-            <pc:sldMk cId="693720159" sldId="277"/>
-            <ac:spMk id="3" creationId="{B0692677-2097-0EE9-B9CD-DC8F05F26CBF}"/>
-          </ac:spMkLst>
-        </pc:spChg>
-      </pc:sldChg>
-      <pc:sldChg chg="addSp modSp new mod">
-        <pc:chgData name="Noor,Ayaz" userId="7cf625e6-36b6-4e30-acf8-1c16eb40c4b2" providerId="ADAL" clId="{8D8C9B35-49B4-403E-80C1-E6F032E27505}" dt="2024-01-29T15:07:44.470" v="3362"/>
-        <pc:sldMkLst>
-          <pc:docMk/>
-          <pc:sldMk cId="1681687425" sldId="278"/>
-        </pc:sldMkLst>
-        <pc:spChg chg="mod">
-          <ac:chgData name="Noor,Ayaz" userId="7cf625e6-36b6-4e30-acf8-1c16eb40c4b2" providerId="ADAL" clId="{8D8C9B35-49B4-403E-80C1-E6F032E27505}" dt="2024-01-29T15:07:44.470" v="3362"/>
-          <ac:spMkLst>
-            <pc:docMk/>
-            <pc:sldMk cId="1681687425" sldId="278"/>
-            <ac:spMk id="2" creationId="{0C7BC5D8-728C-CD70-0C6E-21E353B51B1E}"/>
-          </ac:spMkLst>
-        </pc:spChg>
-        <pc:spChg chg="mod">
-          <ac:chgData name="Noor,Ayaz" userId="7cf625e6-36b6-4e30-acf8-1c16eb40c4b2" providerId="ADAL" clId="{8D8C9B35-49B4-403E-80C1-E6F032E27505}" dt="2024-01-28T21:15:12.349" v="1543" actId="20577"/>
-          <ac:spMkLst>
-            <pc:docMk/>
-            <pc:sldMk cId="1681687425" sldId="278"/>
-            <ac:spMk id="3" creationId="{28FB20A6-FD5C-77F7-D018-CA35CE017F04}"/>
-          </ac:spMkLst>
-        </pc:spChg>
-        <pc:picChg chg="add mod">
-          <ac:chgData name="Noor,Ayaz" userId="7cf625e6-36b6-4e30-acf8-1c16eb40c4b2" providerId="ADAL" clId="{8D8C9B35-49B4-403E-80C1-E6F032E27505}" dt="2024-01-28T21:14:42.110" v="1489" actId="1076"/>
-          <ac:picMkLst>
-            <pc:docMk/>
-            <pc:sldMk cId="1681687425" sldId="278"/>
-            <ac:picMk id="5" creationId="{49C14A2A-BE76-D67B-A289-985E34A10D46}"/>
-          </ac:picMkLst>
-        </pc:picChg>
-      </pc:sldChg>
-      <pc:sldChg chg="addSp modSp new mod">
-        <pc:chgData name="Noor,Ayaz" userId="7cf625e6-36b6-4e30-acf8-1c16eb40c4b2" providerId="ADAL" clId="{8D8C9B35-49B4-403E-80C1-E6F032E27505}" dt="2024-01-29T15:07:44.470" v="3362"/>
-        <pc:sldMkLst>
-          <pc:docMk/>
-          <pc:sldMk cId="2653895963" sldId="279"/>
-        </pc:sldMkLst>
-        <pc:spChg chg="mod">
-          <ac:chgData name="Noor,Ayaz" userId="7cf625e6-36b6-4e30-acf8-1c16eb40c4b2" providerId="ADAL" clId="{8D8C9B35-49B4-403E-80C1-E6F032E27505}" dt="2024-01-29T15:07:44.470" v="3362"/>
-          <ac:spMkLst>
-            <pc:docMk/>
-            <pc:sldMk cId="2653895963" sldId="279"/>
-            <ac:spMk id="2" creationId="{4E82BF57-CDCF-2D52-1F34-53E3E4E9ABE6}"/>
-          </ac:spMkLst>
-        </pc:spChg>
-        <pc:spChg chg="mod">
-          <ac:chgData name="Noor,Ayaz" userId="7cf625e6-36b6-4e30-acf8-1c16eb40c4b2" providerId="ADAL" clId="{8D8C9B35-49B4-403E-80C1-E6F032E27505}" dt="2024-01-29T15:02:42.354" v="3334" actId="27636"/>
-          <ac:spMkLst>
-            <pc:docMk/>
-            <pc:sldMk cId="2653895963" sldId="279"/>
-            <ac:spMk id="3" creationId="{A0AEF439-6940-BE19-B375-F6A59AAAA2B2}"/>
-          </ac:spMkLst>
-        </pc:spChg>
-        <pc:picChg chg="add mod">
-          <ac:chgData name="Noor,Ayaz" userId="7cf625e6-36b6-4e30-acf8-1c16eb40c4b2" providerId="ADAL" clId="{8D8C9B35-49B4-403E-80C1-E6F032E27505}" dt="2024-01-28T21:17:28.552" v="1744" actId="14100"/>
-          <ac:picMkLst>
-            <pc:docMk/>
-            <pc:sldMk cId="2653895963" sldId="279"/>
-            <ac:picMk id="5" creationId="{9C25355C-E0DF-3078-FDFF-DE252F6139EE}"/>
-          </ac:picMkLst>
-        </pc:picChg>
-        <pc:picChg chg="add mod">
-          <ac:chgData name="Noor,Ayaz" userId="7cf625e6-36b6-4e30-acf8-1c16eb40c4b2" providerId="ADAL" clId="{8D8C9B35-49B4-403E-80C1-E6F032E27505}" dt="2024-01-28T21:17:23.543" v="1743" actId="1076"/>
-          <ac:picMkLst>
-            <pc:docMk/>
-            <pc:sldMk cId="2653895963" sldId="279"/>
-            <ac:picMk id="7" creationId="{ACC442D1-EE4E-4820-9777-748CB20F2DDD}"/>
-          </ac:picMkLst>
-        </pc:picChg>
-      </pc:sldChg>
-      <pc:sldChg chg="addSp modSp new mod">
-        <pc:chgData name="Noor,Ayaz" userId="7cf625e6-36b6-4e30-acf8-1c16eb40c4b2" providerId="ADAL" clId="{8D8C9B35-49B4-403E-80C1-E6F032E27505}" dt="2024-01-29T15:07:44.470" v="3362"/>
-        <pc:sldMkLst>
-          <pc:docMk/>
-          <pc:sldMk cId="1401473754" sldId="280"/>
-        </pc:sldMkLst>
-        <pc:spChg chg="mod">
-          <ac:chgData name="Noor,Ayaz" userId="7cf625e6-36b6-4e30-acf8-1c16eb40c4b2" providerId="ADAL" clId="{8D8C9B35-49B4-403E-80C1-E6F032E27505}" dt="2024-01-29T15:07:44.470" v="3362"/>
-          <ac:spMkLst>
-            <pc:docMk/>
-            <pc:sldMk cId="1401473754" sldId="280"/>
-            <ac:spMk id="2" creationId="{B21FA721-CF3C-CD70-0B32-F6A6FCD94346}"/>
-          </ac:spMkLst>
-        </pc:spChg>
-        <pc:spChg chg="mod">
-          <ac:chgData name="Noor,Ayaz" userId="7cf625e6-36b6-4e30-acf8-1c16eb40c4b2" providerId="ADAL" clId="{8D8C9B35-49B4-403E-80C1-E6F032E27505}" dt="2024-01-29T15:02:42.363" v="3335" actId="27636"/>
-          <ac:spMkLst>
-            <pc:docMk/>
-            <pc:sldMk cId="1401473754" sldId="280"/>
-            <ac:spMk id="3" creationId="{6A8E3416-FE51-1A6B-296C-E9E5FE8645B8}"/>
-          </ac:spMkLst>
-        </pc:spChg>
-        <pc:picChg chg="add mod">
-          <ac:chgData name="Noor,Ayaz" userId="7cf625e6-36b6-4e30-acf8-1c16eb40c4b2" providerId="ADAL" clId="{8D8C9B35-49B4-403E-80C1-E6F032E27505}" dt="2024-01-28T21:17:57.698" v="1766" actId="1076"/>
-          <ac:picMkLst>
-            <pc:docMk/>
-            <pc:sldMk cId="1401473754" sldId="280"/>
-            <ac:picMk id="5" creationId="{81383EC0-ED60-7BB4-3F41-38E29D2C1213}"/>
-          </ac:picMkLst>
-        </pc:picChg>
-      </pc:sldChg>
-      <pc:sldChg chg="addSp delSp modSp new mod setBg addAnim delAnim delDesignElem">
-        <pc:chgData name="Noor,Ayaz" userId="7cf625e6-36b6-4e30-acf8-1c16eb40c4b2" providerId="ADAL" clId="{8D8C9B35-49B4-403E-80C1-E6F032E27505}" dt="2024-01-30T14:15:37.282" v="10713" actId="1076"/>
-        <pc:sldMkLst>
-          <pc:docMk/>
-          <pc:sldMk cId="1400011675" sldId="281"/>
-        </pc:sldMkLst>
-        <pc:spChg chg="del mod">
-          <ac:chgData name="Noor,Ayaz" userId="7cf625e6-36b6-4e30-acf8-1c16eb40c4b2" providerId="ADAL" clId="{8D8C9B35-49B4-403E-80C1-E6F032E27505}" dt="2024-01-30T14:12:32.869" v="10677" actId="478"/>
-          <ac:spMkLst>
-            <pc:docMk/>
-            <pc:sldMk cId="1400011675" sldId="281"/>
-            <ac:spMk id="2" creationId="{0E6212F7-EA19-EE70-6D09-9540F9265F1A}"/>
-          </ac:spMkLst>
-        </pc:spChg>
-        <pc:spChg chg="del mod">
-          <ac:chgData name="Noor,Ayaz" userId="7cf625e6-36b6-4e30-acf8-1c16eb40c4b2" providerId="ADAL" clId="{8D8C9B35-49B4-403E-80C1-E6F032E27505}" dt="2024-01-29T13:55:51.502" v="3156" actId="478"/>
-          <ac:spMkLst>
-            <pc:docMk/>
-            <pc:sldMk cId="1400011675" sldId="281"/>
-            <ac:spMk id="3" creationId="{D745A923-DC75-3035-8546-DF15A3C27D23}"/>
-          </ac:spMkLst>
-        </pc:spChg>
-        <pc:spChg chg="add del mod">
-          <ac:chgData name="Noor,Ayaz" userId="7cf625e6-36b6-4e30-acf8-1c16eb40c4b2" providerId="ADAL" clId="{8D8C9B35-49B4-403E-80C1-E6F032E27505}" dt="2024-01-29T13:55:53.830" v="3157" actId="478"/>
-          <ac:spMkLst>
-            <pc:docMk/>
-            <pc:sldMk cId="1400011675" sldId="281"/>
-            <ac:spMk id="7" creationId="{313C3D84-DEB4-27B6-45F2-9CE61DE991A1}"/>
-          </ac:spMkLst>
-        </pc:spChg>
-        <pc:spChg chg="add mod ord">
-          <ac:chgData name="Noor,Ayaz" userId="7cf625e6-36b6-4e30-acf8-1c16eb40c4b2" providerId="ADAL" clId="{8D8C9B35-49B4-403E-80C1-E6F032E27505}" dt="2024-01-30T14:11:45.900" v="10671" actId="164"/>
-          <ac:spMkLst>
-            <pc:docMk/>
-            <pc:sldMk cId="1400011675" sldId="281"/>
-            <ac:spMk id="7" creationId="{3278E1DB-9BEE-1BE6-9D23-E6CF39A2235E}"/>
-          </ac:spMkLst>
-        </pc:spChg>
-        <pc:spChg chg="mod topLvl">
-          <ac:chgData name="Noor,Ayaz" userId="7cf625e6-36b6-4e30-acf8-1c16eb40c4b2" providerId="ADAL" clId="{8D8C9B35-49B4-403E-80C1-E6F032E27505}" dt="2024-01-30T14:11:31.108" v="10669" actId="164"/>
-          <ac:spMkLst>
-            <pc:docMk/>
-            <pc:sldMk cId="1400011675" sldId="281"/>
-            <ac:spMk id="8" creationId="{9EA8FDEA-2EDB-A0C3-2576-CE536E3485FC}"/>
-          </ac:spMkLst>
-        </pc:spChg>
-        <pc:spChg chg="add mod ord">
-          <ac:chgData name="Noor,Ayaz" userId="7cf625e6-36b6-4e30-acf8-1c16eb40c4b2" providerId="ADAL" clId="{8D8C9B35-49B4-403E-80C1-E6F032E27505}" dt="2024-01-30T14:11:51.286" v="10672" actId="164"/>
-          <ac:spMkLst>
-            <pc:docMk/>
-            <pc:sldMk cId="1400011675" sldId="281"/>
-            <ac:spMk id="9" creationId="{A0BD3524-6F8E-320E-1FD2-25E3EC12EB45}"/>
-          </ac:spMkLst>
-        </pc:spChg>
-        <pc:spChg chg="add mod">
-          <ac:chgData name="Noor,Ayaz" userId="7cf625e6-36b6-4e30-acf8-1c16eb40c4b2" providerId="ADAL" clId="{8D8C9B35-49B4-403E-80C1-E6F032E27505}" dt="2024-01-30T14:14:09.630" v="10703" actId="164"/>
-          <ac:spMkLst>
-            <pc:docMk/>
-            <pc:sldMk cId="1400011675" sldId="281"/>
-            <ac:spMk id="13" creationId="{CEC7C9C3-A492-985C-B69D-D84D1A8AA67B}"/>
-          </ac:spMkLst>
-        </pc:spChg>
-        <pc:spChg chg="add mod">
-          <ac:chgData name="Noor,Ayaz" userId="7cf625e6-36b6-4e30-acf8-1c16eb40c4b2" providerId="ADAL" clId="{8D8C9B35-49B4-403E-80C1-E6F032E27505}" dt="2024-01-30T14:14:09.630" v="10703" actId="164"/>
-          <ac:spMkLst>
-            <pc:docMk/>
-            <pc:sldMk cId="1400011675" sldId="281"/>
-            <ac:spMk id="14" creationId="{8CC88758-5275-8E78-6759-433CAF98CB14}"/>
-          </ac:spMkLst>
-        </pc:spChg>
-        <pc:spChg chg="add del mod">
-          <ac:chgData name="Noor,Ayaz" userId="7cf625e6-36b6-4e30-acf8-1c16eb40c4b2" providerId="ADAL" clId="{8D8C9B35-49B4-403E-80C1-E6F032E27505}" dt="2024-01-30T14:12:34.204" v="10678" actId="478"/>
-          <ac:spMkLst>
-            <pc:docMk/>
-            <pc:sldMk cId="1400011675" sldId="281"/>
-            <ac:spMk id="16" creationId="{0FD268B6-203C-19AC-45B6-AD188E76A489}"/>
-          </ac:spMkLst>
-        </pc:spChg>
-        <pc:spChg chg="add mod">
-          <ac:chgData name="Noor,Ayaz" userId="7cf625e6-36b6-4e30-acf8-1c16eb40c4b2" providerId="ADAL" clId="{8D8C9B35-49B4-403E-80C1-E6F032E27505}" dt="2024-01-30T14:15:19.516" v="10711" actId="1076"/>
-          <ac:spMkLst>
-            <pc:docMk/>
-            <pc:sldMk cId="1400011675" sldId="281"/>
-            <ac:spMk id="17" creationId="{058F6236-F521-2DC1-85CA-E77928BBC829}"/>
-          </ac:spMkLst>
-        </pc:spChg>
-        <pc:spChg chg="add del mod">
-          <ac:chgData name="Noor,Ayaz" userId="7cf625e6-36b6-4e30-acf8-1c16eb40c4b2" providerId="ADAL" clId="{8D8C9B35-49B4-403E-80C1-E6F032E27505}" dt="2024-01-30T14:14:04.230" v="10702" actId="478"/>
-          <ac:spMkLst>
-            <pc:docMk/>
-            <pc:sldMk cId="1400011675" sldId="281"/>
-            <ac:spMk id="19" creationId="{89A9FA92-A4F3-6475-11A1-D0E1E60AE82D}"/>
-          </ac:spMkLst>
-        </pc:spChg>
-        <pc:spChg chg="add del mod">
-          <ac:chgData name="Noor,Ayaz" userId="7cf625e6-36b6-4e30-acf8-1c16eb40c4b2" providerId="ADAL" clId="{8D8C9B35-49B4-403E-80C1-E6F032E27505}" dt="2024-01-30T14:14:04.230" v="10702" actId="478"/>
-          <ac:spMkLst>
-            <pc:docMk/>
-            <pc:sldMk cId="1400011675" sldId="281"/>
-            <ac:spMk id="20" creationId="{40363139-67FB-610A-A930-880515243898}"/>
-          </ac:spMkLst>
-        </pc:spChg>
-        <pc:spChg chg="add mod ord topLvl replId">
-          <ac:chgData name="Noor,Ayaz" userId="7cf625e6-36b6-4e30-acf8-1c16eb40c4b2" providerId="ADAL" clId="{8D8C9B35-49B4-403E-80C1-E6F032E27505}" dt="2024-01-29T14:05:18.759" v="3238" actId="26606"/>
-          <ac:spMkLst>
-            <pc:docMk/>
-            <pc:sldMk cId="1400011675" sldId="281"/>
-            <ac:spMk id="22" creationId="{9EA8FDEA-2EDB-A0C3-2576-CE536E3485FC}"/>
-          </ac:spMkLst>
-        </pc:spChg>
-        <pc:spChg chg="mod">
-          <ac:chgData name="Noor,Ayaz" userId="7cf625e6-36b6-4e30-acf8-1c16eb40c4b2" providerId="ADAL" clId="{8D8C9B35-49B4-403E-80C1-E6F032E27505}" dt="2024-01-30T14:14:13.525" v="10704"/>
-          <ac:spMkLst>
-            <pc:docMk/>
-            <pc:sldMk cId="1400011675" sldId="281"/>
-            <ac:spMk id="23" creationId="{9EA80298-800F-EB69-1B51-AA76D19F5C7C}"/>
-          </ac:spMkLst>
-        </pc:spChg>
-        <pc:spChg chg="mod">
-          <ac:chgData name="Noor,Ayaz" userId="7cf625e6-36b6-4e30-acf8-1c16eb40c4b2" providerId="ADAL" clId="{8D8C9B35-49B4-403E-80C1-E6F032E27505}" dt="2024-01-30T14:14:13.525" v="10704"/>
-          <ac:spMkLst>
-            <pc:docMk/>
-            <pc:sldMk cId="1400011675" sldId="281"/>
-            <ac:spMk id="24" creationId="{E1BF464C-0D8D-0606-6449-CEEAF7C5A11D}"/>
-          </ac:spMkLst>
-        </pc:spChg>
-        <pc:spChg chg="add del">
-          <ac:chgData name="Noor,Ayaz" userId="7cf625e6-36b6-4e30-acf8-1c16eb40c4b2" providerId="ADAL" clId="{8D8C9B35-49B4-403E-80C1-E6F032E27505}" dt="2024-01-29T15:02:42.218" v="3333"/>
-          <ac:spMkLst>
-            <pc:docMk/>
-            <pc:sldMk cId="1400011675" sldId="281"/>
-            <ac:spMk id="25" creationId="{94C52C56-BEF2-4E22-8C8E-A7AC96B03A72}"/>
-          </ac:spMkLst>
-        </pc:spChg>
-        <pc:spChg chg="add del">
-          <ac:chgData name="Noor,Ayaz" userId="7cf625e6-36b6-4e30-acf8-1c16eb40c4b2" providerId="ADAL" clId="{8D8C9B35-49B4-403E-80C1-E6F032E27505}" dt="2024-01-29T15:02:42.218" v="3333"/>
-          <ac:spMkLst>
-            <pc:docMk/>
-            <pc:sldMk cId="1400011675" sldId="281"/>
-            <ac:spMk id="27" creationId="{42285737-90EE-47DC-AC80-8AE156B11969}"/>
-          </ac:spMkLst>
-        </pc:spChg>
-        <pc:grpChg chg="add del mod">
-          <ac:chgData name="Noor,Ayaz" userId="7cf625e6-36b6-4e30-acf8-1c16eb40c4b2" providerId="ADAL" clId="{8D8C9B35-49B4-403E-80C1-E6F032E27505}" dt="2024-01-29T14:00:49.531" v="3218" actId="165"/>
-          <ac:grpSpMkLst>
-            <pc:docMk/>
-            <pc:sldMk cId="1400011675" sldId="281"/>
-            <ac:grpSpMk id="9" creationId="{28DA7266-95E5-9641-75AF-E707C455B41C}"/>
-          </ac:grpSpMkLst>
-        </pc:grpChg>
-        <pc:grpChg chg="add del">
-          <ac:chgData name="Noor,Ayaz" userId="7cf625e6-36b6-4e30-acf8-1c16eb40c4b2" providerId="ADAL" clId="{8D8C9B35-49B4-403E-80C1-E6F032E27505}" dt="2024-01-29T14:05:18.778" v="3239" actId="26606"/>
-          <ac:grpSpMkLst>
-            <pc:docMk/>
-            <pc:sldMk cId="1400011675" sldId="281"/>
-            <ac:grpSpMk id="10" creationId="{08F94D66-27EC-4CB8-8226-D7F41C161863}"/>
-          </ac:grpSpMkLst>
-        </pc:grpChg>
-        <pc:grpChg chg="add mod">
-          <ac:chgData name="Noor,Ayaz" userId="7cf625e6-36b6-4e30-acf8-1c16eb40c4b2" providerId="ADAL" clId="{8D8C9B35-49B4-403E-80C1-E6F032E27505}" dt="2024-01-30T14:11:36.404" v="10670" actId="1076"/>
-          <ac:grpSpMkLst>
-            <pc:docMk/>
-            <pc:sldMk cId="1400011675" sldId="281"/>
-            <ac:grpSpMk id="10" creationId="{1CB03A92-8982-9746-CD0A-C3BE2FCE615B}"/>
-          </ac:grpSpMkLst>
-        </pc:grpChg>
-        <pc:grpChg chg="add mod">
-          <ac:chgData name="Noor,Ayaz" userId="7cf625e6-36b6-4e30-acf8-1c16eb40c4b2" providerId="ADAL" clId="{8D8C9B35-49B4-403E-80C1-E6F032E27505}" dt="2024-01-30T14:11:45.900" v="10671" actId="164"/>
-          <ac:grpSpMkLst>
-            <pc:docMk/>
-            <pc:sldMk cId="1400011675" sldId="281"/>
-            <ac:grpSpMk id="11" creationId="{9F91D54C-6EAA-62A2-91C2-4562FDE44073}"/>
-          </ac:grpSpMkLst>
-        </pc:grpChg>
-        <pc:grpChg chg="add mod">
-          <ac:chgData name="Noor,Ayaz" userId="7cf625e6-36b6-4e30-acf8-1c16eb40c4b2" providerId="ADAL" clId="{8D8C9B35-49B4-403E-80C1-E6F032E27505}" dt="2024-01-30T14:11:55.470" v="10673" actId="1076"/>
-          <ac:grpSpMkLst>
-            <pc:docMk/>
-            <pc:sldMk cId="1400011675" sldId="281"/>
-            <ac:grpSpMk id="12" creationId="{B28D84CA-9B05-5298-7027-B959EFE46F2F}"/>
-          </ac:grpSpMkLst>
-        </pc:grpChg>
-        <pc:grpChg chg="add del mod">
-          <ac:chgData name="Noor,Ayaz" userId="7cf625e6-36b6-4e30-acf8-1c16eb40c4b2" providerId="ADAL" clId="{8D8C9B35-49B4-403E-80C1-E6F032E27505}" dt="2024-01-29T14:02:25.357" v="3229" actId="165"/>
-          <ac:grpSpMkLst>
-            <pc:docMk/>
-            <pc:sldMk cId="1400011675" sldId="281"/>
-            <ac:grpSpMk id="19" creationId="{3C3F6376-A623-2120-2C8C-EEED7C9122D3}"/>
-          </ac:grpSpMkLst>
-        </pc:grpChg>
-        <pc:grpChg chg="add del">
-          <ac:chgData name="Noor,Ayaz" userId="7cf625e6-36b6-4e30-acf8-1c16eb40c4b2" providerId="ADAL" clId="{8D8C9B35-49B4-403E-80C1-E6F032E27505}" dt="2024-01-29T14:16:21.039" v="3243" actId="165"/>
-          <ac:grpSpMkLst>
-            <pc:docMk/>
-            <pc:sldMk cId="1400011675" sldId="281"/>
-            <ac:grpSpMk id="20" creationId="{7EB26CDF-8353-E9FA-2574-75F48AF7385C}"/>
-          </ac:grpSpMkLst>
-        </pc:grpChg>
-        <pc:grpChg chg="add mod">
-          <ac:chgData name="Noor,Ayaz" userId="7cf625e6-36b6-4e30-acf8-1c16eb40c4b2" providerId="ADAL" clId="{8D8C9B35-49B4-403E-80C1-E6F032E27505}" dt="2024-01-30T14:15:23.206" v="10712" actId="1076"/>
-          <ac:grpSpMkLst>
-            <pc:docMk/>
-            <pc:sldMk cId="1400011675" sldId="281"/>
-            <ac:grpSpMk id="21" creationId="{32C38F70-98F1-4D04-3C11-817A0348E5DB}"/>
-          </ac:grpSpMkLst>
-        </pc:grpChg>
-        <pc:grpChg chg="add mod">
-          <ac:chgData name="Noor,Ayaz" userId="7cf625e6-36b6-4e30-acf8-1c16eb40c4b2" providerId="ADAL" clId="{8D8C9B35-49B4-403E-80C1-E6F032E27505}" dt="2024-01-30T14:15:37.282" v="10713" actId="1076"/>
-          <ac:grpSpMkLst>
-            <pc:docMk/>
-            <pc:sldMk cId="1400011675" sldId="281"/>
-            <ac:grpSpMk id="22" creationId="{2CA9D5D7-A92A-3346-CE1E-83F38D395148}"/>
-          </ac:grpSpMkLst>
-        </pc:grpChg>
-        <pc:grpChg chg="add del mod replId">
-          <ac:chgData name="Noor,Ayaz" userId="7cf625e6-36b6-4e30-acf8-1c16eb40c4b2" providerId="ADAL" clId="{8D8C9B35-49B4-403E-80C1-E6F032E27505}" dt="2024-01-29T14:05:18.778" v="3239" actId="26606"/>
-          <ac:grpSpMkLst>
-            <pc:docMk/>
-            <pc:sldMk cId="1400011675" sldId="281"/>
-            <ac:grpSpMk id="24" creationId="{7EB26CDF-8353-E9FA-2574-75F48AF7385C}"/>
-          </ac:grpSpMkLst>
-        </pc:grpChg>
-        <pc:grpChg chg="add del">
-          <ac:chgData name="Noor,Ayaz" userId="7cf625e6-36b6-4e30-acf8-1c16eb40c4b2" providerId="ADAL" clId="{8D8C9B35-49B4-403E-80C1-E6F032E27505}" dt="2024-01-29T15:02:42.218" v="3333"/>
-          <ac:grpSpMkLst>
-            <pc:docMk/>
-            <pc:sldMk cId="1400011675" sldId="281"/>
-            <ac:grpSpMk id="29" creationId="{B57BDC17-F1B3-455F-BBF1-680AA1F25C06}"/>
-          </ac:grpSpMkLst>
-        </pc:grpChg>
-        <pc:picChg chg="add mod">
-          <ac:chgData name="Noor,Ayaz" userId="7cf625e6-36b6-4e30-acf8-1c16eb40c4b2" providerId="ADAL" clId="{8D8C9B35-49B4-403E-80C1-E6F032E27505}" dt="2024-01-30T14:11:51.286" v="10672" actId="164"/>
-          <ac:picMkLst>
-            <pc:docMk/>
-            <pc:sldMk cId="1400011675" sldId="281"/>
-            <ac:picMk id="4" creationId="{071E82AB-EAC4-ED38-EE2F-4A11C4A38FB5}"/>
-          </ac:picMkLst>
-        </pc:picChg>
-        <pc:picChg chg="add del mod topLvl">
-          <ac:chgData name="Noor,Ayaz" userId="7cf625e6-36b6-4e30-acf8-1c16eb40c4b2" providerId="ADAL" clId="{8D8C9B35-49B4-403E-80C1-E6F032E27505}" dt="2024-01-29T14:01:35.368" v="3220" actId="478"/>
-          <ac:picMkLst>
-            <pc:docMk/>
-            <pc:sldMk cId="1400011675" sldId="281"/>
-            <ac:picMk id="5" creationId="{816E493E-3F22-6215-39D1-5B777B45EA5C}"/>
-          </ac:picMkLst>
-        </pc:picChg>
-        <pc:picChg chg="add mod">
-          <ac:chgData name="Noor,Ayaz" userId="7cf625e6-36b6-4e30-acf8-1c16eb40c4b2" providerId="ADAL" clId="{8D8C9B35-49B4-403E-80C1-E6F032E27505}" dt="2024-01-30T14:11:45.900" v="10671" actId="164"/>
-          <ac:picMkLst>
-            <pc:docMk/>
-            <pc:sldMk cId="1400011675" sldId="281"/>
-            <ac:picMk id="6" creationId="{850E564B-2505-B606-E7AF-08C51C2972E4}"/>
-          </ac:picMkLst>
-        </pc:picChg>
-        <pc:picChg chg="mod topLvl">
-          <ac:chgData name="Noor,Ayaz" userId="7cf625e6-36b6-4e30-acf8-1c16eb40c4b2" providerId="ADAL" clId="{8D8C9B35-49B4-403E-80C1-E6F032E27505}" dt="2024-01-30T14:11:31.108" v="10669" actId="164"/>
-          <ac:picMkLst>
-            <pc:docMk/>
-            <pc:sldMk cId="1400011675" sldId="281"/>
-            <ac:picMk id="18" creationId="{C892E4C0-24C6-51C3-5F7D-2EFC4E973D67}"/>
-          </ac:picMkLst>
-        </pc:picChg>
-        <pc:picChg chg="add mod topLvl replId">
-          <ac:chgData name="Noor,Ayaz" userId="7cf625e6-36b6-4e30-acf8-1c16eb40c4b2" providerId="ADAL" clId="{8D8C9B35-49B4-403E-80C1-E6F032E27505}" dt="2024-01-29T14:05:18.759" v="3238" actId="26606"/>
-          <ac:picMkLst>
-            <pc:docMk/>
-            <pc:sldMk cId="1400011675" sldId="281"/>
-            <ac:picMk id="23" creationId="{C892E4C0-24C6-51C3-5F7D-2EFC4E973D67}"/>
-          </ac:picMkLst>
-        </pc:picChg>
-      </pc:sldChg>
-      <pc:sldChg chg="addSp delSp modSp new del mod">
-        <pc:chgData name="Noor,Ayaz" userId="7cf625e6-36b6-4e30-acf8-1c16eb40c4b2" providerId="ADAL" clId="{8D8C9B35-49B4-403E-80C1-E6F032E27505}" dt="2024-01-29T19:11:03.221" v="5250" actId="2696"/>
-        <pc:sldMkLst>
-          <pc:docMk/>
-          <pc:sldMk cId="179984221" sldId="282"/>
-        </pc:sldMkLst>
-        <pc:spChg chg="mod">
-          <ac:chgData name="Noor,Ayaz" userId="7cf625e6-36b6-4e30-acf8-1c16eb40c4b2" providerId="ADAL" clId="{8D8C9B35-49B4-403E-80C1-E6F032E27505}" dt="2024-01-29T14:14:17.123" v="3240" actId="1076"/>
-          <ac:spMkLst>
-            <pc:docMk/>
-            <pc:sldMk cId="179984221" sldId="282"/>
-            <ac:spMk id="2" creationId="{DE71A751-6415-3F10-69AB-7B25BE761384}"/>
-          </ac:spMkLst>
-        </pc:spChg>
-        <pc:spChg chg="mod">
-          <ac:chgData name="Noor,Ayaz" userId="7cf625e6-36b6-4e30-acf8-1c16eb40c4b2" providerId="ADAL" clId="{8D8C9B35-49B4-403E-80C1-E6F032E27505}" dt="2024-01-29T15:07:44.470" v="3362"/>
-          <ac:spMkLst>
-            <pc:docMk/>
-            <pc:sldMk cId="179984221" sldId="282"/>
-            <ac:spMk id="3" creationId="{0E3B14EF-4C3F-CEF6-4947-7B5E7BF63A98}"/>
-          </ac:spMkLst>
-        </pc:spChg>
-        <pc:spChg chg="add mod">
-          <ac:chgData name="Noor,Ayaz" userId="7cf625e6-36b6-4e30-acf8-1c16eb40c4b2" providerId="ADAL" clId="{8D8C9B35-49B4-403E-80C1-E6F032E27505}" dt="2024-01-29T14:18:17.094" v="3273" actId="1076"/>
-          <ac:spMkLst>
-            <pc:docMk/>
-            <pc:sldMk cId="179984221" sldId="282"/>
-            <ac:spMk id="4" creationId="{1D1C21F9-62DD-291A-1002-1A534AC59198}"/>
-          </ac:spMkLst>
-        </pc:spChg>
-        <pc:picChg chg="add del mod">
-          <ac:chgData name="Noor,Ayaz" userId="7cf625e6-36b6-4e30-acf8-1c16eb40c4b2" providerId="ADAL" clId="{8D8C9B35-49B4-403E-80C1-E6F032E27505}" dt="2024-01-29T14:16:04.728" v="3242" actId="478"/>
-          <ac:picMkLst>
-            <pc:docMk/>
-            <pc:sldMk cId="179984221" sldId="282"/>
-            <ac:picMk id="5" creationId="{882751E7-B47D-D5DD-E049-00C046E6CB63}"/>
-          </ac:picMkLst>
-        </pc:picChg>
-        <pc:picChg chg="add del mod">
-          <ac:chgData name="Noor,Ayaz" userId="7cf625e6-36b6-4e30-acf8-1c16eb40c4b2" providerId="ADAL" clId="{8D8C9B35-49B4-403E-80C1-E6F032E27505}" dt="2024-01-29T14:16:29.702" v="3244" actId="478"/>
-          <ac:picMkLst>
-            <pc:docMk/>
-            <pc:sldMk cId="179984221" sldId="282"/>
-            <ac:picMk id="7" creationId="{3673E5EE-CC15-0100-D99F-35D44FB534B6}"/>
-          </ac:picMkLst>
-        </pc:picChg>
-        <pc:picChg chg="add mod">
-          <ac:chgData name="Noor,Ayaz" userId="7cf625e6-36b6-4e30-acf8-1c16eb40c4b2" providerId="ADAL" clId="{8D8C9B35-49B4-403E-80C1-E6F032E27505}" dt="2024-01-29T14:16:59.148" v="3249" actId="14100"/>
-          <ac:picMkLst>
-            <pc:docMk/>
-            <pc:sldMk cId="179984221" sldId="282"/>
-            <ac:picMk id="8" creationId="{9DB78757-9795-B891-9ED7-CACFB1792836}"/>
-          </ac:picMkLst>
-        </pc:picChg>
-      </pc:sldChg>
-      <pc:sldChg chg="addSp modSp new del mod">
-        <pc:chgData name="Noor,Ayaz" userId="7cf625e6-36b6-4e30-acf8-1c16eb40c4b2" providerId="ADAL" clId="{8D8C9B35-49B4-403E-80C1-E6F032E27505}" dt="2024-01-29T19:11:12.986" v="5251" actId="2696"/>
-        <pc:sldMkLst>
-          <pc:docMk/>
-          <pc:sldMk cId="128666275" sldId="283"/>
-        </pc:sldMkLst>
-        <pc:spChg chg="mod">
-          <ac:chgData name="Noor,Ayaz" userId="7cf625e6-36b6-4e30-acf8-1c16eb40c4b2" providerId="ADAL" clId="{8D8C9B35-49B4-403E-80C1-E6F032E27505}" dt="2024-01-29T15:07:44.470" v="3362"/>
-          <ac:spMkLst>
-            <pc:docMk/>
-            <pc:sldMk cId="128666275" sldId="283"/>
-            <ac:spMk id="2" creationId="{8EE1A8E4-E766-B174-6DD5-A657C036384B}"/>
-          </ac:spMkLst>
-        </pc:spChg>
-        <pc:spChg chg="mod">
-          <ac:chgData name="Noor,Ayaz" userId="7cf625e6-36b6-4e30-acf8-1c16eb40c4b2" providerId="ADAL" clId="{8D8C9B35-49B4-403E-80C1-E6F032E27505}" dt="2024-01-29T15:07:44.470" v="3362"/>
-          <ac:spMkLst>
-            <pc:docMk/>
-            <pc:sldMk cId="128666275" sldId="283"/>
-            <ac:spMk id="3" creationId="{C437A195-4772-EC70-EBFD-59791ADB1846}"/>
-          </ac:spMkLst>
-        </pc:spChg>
-        <pc:picChg chg="add mod">
-          <ac:chgData name="Noor,Ayaz" userId="7cf625e6-36b6-4e30-acf8-1c16eb40c4b2" providerId="ADAL" clId="{8D8C9B35-49B4-403E-80C1-E6F032E27505}" dt="2024-01-28T21:27:09.519" v="2360" actId="1076"/>
-          <ac:picMkLst>
-            <pc:docMk/>
-            <pc:sldMk cId="128666275" sldId="283"/>
-            <ac:picMk id="5" creationId="{C576B452-F984-BD51-EC69-13953FE3A920}"/>
-          </ac:picMkLst>
-        </pc:picChg>
-        <pc:picChg chg="add mod">
-          <ac:chgData name="Noor,Ayaz" userId="7cf625e6-36b6-4e30-acf8-1c16eb40c4b2" providerId="ADAL" clId="{8D8C9B35-49B4-403E-80C1-E6F032E27505}" dt="2024-01-28T21:27:24.396" v="2363" actId="1076"/>
-          <ac:picMkLst>
-            <pc:docMk/>
-            <pc:sldMk cId="128666275" sldId="283"/>
-            <ac:picMk id="7" creationId="{C07D1D1B-C2AC-EB06-F0A1-0F7B8E0207FA}"/>
-          </ac:picMkLst>
-        </pc:picChg>
-        <pc:picChg chg="add mod">
-          <ac:chgData name="Noor,Ayaz" userId="7cf625e6-36b6-4e30-acf8-1c16eb40c4b2" providerId="ADAL" clId="{8D8C9B35-49B4-403E-80C1-E6F032E27505}" dt="2024-01-28T21:27:38.924" v="2366" actId="1076"/>
-          <ac:picMkLst>
-            <pc:docMk/>
-            <pc:sldMk cId="128666275" sldId="283"/>
-            <ac:picMk id="9" creationId="{DE61C696-1893-9F8D-460F-6CCA4A815FC4}"/>
-          </ac:picMkLst>
-        </pc:picChg>
-      </pc:sldChg>
-      <pc:sldChg chg="addSp modSp new del mod">
-        <pc:chgData name="Noor,Ayaz" userId="7cf625e6-36b6-4e30-acf8-1c16eb40c4b2" providerId="ADAL" clId="{8D8C9B35-49B4-403E-80C1-E6F032E27505}" dt="2024-01-29T19:11:22.739" v="5252" actId="2696"/>
-        <pc:sldMkLst>
-          <pc:docMk/>
-          <pc:sldMk cId="2839325952" sldId="284"/>
-        </pc:sldMkLst>
-        <pc:spChg chg="mod">
-          <ac:chgData name="Noor,Ayaz" userId="7cf625e6-36b6-4e30-acf8-1c16eb40c4b2" providerId="ADAL" clId="{8D8C9B35-49B4-403E-80C1-E6F032E27505}" dt="2024-01-29T15:07:44.470" v="3362"/>
-          <ac:spMkLst>
-            <pc:docMk/>
-            <pc:sldMk cId="2839325952" sldId="284"/>
-            <ac:spMk id="2" creationId="{26DF9EDF-BD36-7D12-E053-F122DAB1CA06}"/>
-          </ac:spMkLst>
-        </pc:spChg>
-        <pc:spChg chg="mod">
-          <ac:chgData name="Noor,Ayaz" userId="7cf625e6-36b6-4e30-acf8-1c16eb40c4b2" providerId="ADAL" clId="{8D8C9B35-49B4-403E-80C1-E6F032E27505}" dt="2024-01-29T15:07:44.470" v="3362"/>
-          <ac:spMkLst>
-            <pc:docMk/>
-            <pc:sldMk cId="2839325952" sldId="284"/>
-            <ac:spMk id="3" creationId="{B70C4117-1E41-350A-87D7-9EBE5924C252}"/>
-          </ac:spMkLst>
-        </pc:spChg>
-        <pc:picChg chg="add mod">
-          <ac:chgData name="Noor,Ayaz" userId="7cf625e6-36b6-4e30-acf8-1c16eb40c4b2" providerId="ADAL" clId="{8D8C9B35-49B4-403E-80C1-E6F032E27505}" dt="2024-01-28T21:29:11.581" v="2425" actId="14100"/>
-          <ac:picMkLst>
-            <pc:docMk/>
-            <pc:sldMk cId="2839325952" sldId="284"/>
-            <ac:picMk id="5" creationId="{B8917EBA-D060-E48F-7741-54A9116A738C}"/>
-          </ac:picMkLst>
-        </pc:picChg>
-        <pc:picChg chg="add mod">
-          <ac:chgData name="Noor,Ayaz" userId="7cf625e6-36b6-4e30-acf8-1c16eb40c4b2" providerId="ADAL" clId="{8D8C9B35-49B4-403E-80C1-E6F032E27505}" dt="2024-01-28T21:29:13.094" v="2426" actId="1076"/>
-          <ac:picMkLst>
-            <pc:docMk/>
-            <pc:sldMk cId="2839325952" sldId="284"/>
-            <ac:picMk id="7" creationId="{B657C85A-596F-5782-EA67-7FB810E1C357}"/>
-          </ac:picMkLst>
-        </pc:picChg>
-      </pc:sldChg>
-      <pc:sldChg chg="modSp new del mod">
-        <pc:chgData name="Noor,Ayaz" userId="7cf625e6-36b6-4e30-acf8-1c16eb40c4b2" providerId="ADAL" clId="{8D8C9B35-49B4-403E-80C1-E6F032E27505}" dt="2024-01-29T19:11:27.943" v="5253" actId="2696"/>
-        <pc:sldMkLst>
-          <pc:docMk/>
-          <pc:sldMk cId="2120960058" sldId="285"/>
-        </pc:sldMkLst>
-        <pc:spChg chg="mod">
-          <ac:chgData name="Noor,Ayaz" userId="7cf625e6-36b6-4e30-acf8-1c16eb40c4b2" providerId="ADAL" clId="{8D8C9B35-49B4-403E-80C1-E6F032E27505}" dt="2024-01-29T15:07:44.470" v="3362"/>
-          <ac:spMkLst>
-            <pc:docMk/>
-            <pc:sldMk cId="2120960058" sldId="285"/>
-            <ac:spMk id="2" creationId="{9825821E-6963-A9E4-DEFE-6F2F8D57FABE}"/>
-          </ac:spMkLst>
-        </pc:spChg>
-        <pc:spChg chg="mod">
-          <ac:chgData name="Noor,Ayaz" userId="7cf625e6-36b6-4e30-acf8-1c16eb40c4b2" providerId="ADAL" clId="{8D8C9B35-49B4-403E-80C1-E6F032E27505}" dt="2024-01-29T15:07:44.470" v="3362"/>
-          <ac:spMkLst>
-            <pc:docMk/>
-            <pc:sldMk cId="2120960058" sldId="285"/>
-            <ac:spMk id="3" creationId="{1BB7D5D3-04A9-E1C6-562C-152DF923991E}"/>
-          </ac:spMkLst>
-        </pc:spChg>
-      </pc:sldChg>
-      <pc:sldChg chg="modSp new del mod ord">
-        <pc:chgData name="Noor,Ayaz" userId="7cf625e6-36b6-4e30-acf8-1c16eb40c4b2" providerId="ADAL" clId="{8D8C9B35-49B4-403E-80C1-E6F032E27505}" dt="2024-01-31T01:02:35.779" v="10852" actId="2696"/>
-        <pc:sldMkLst>
-          <pc:docMk/>
-          <pc:sldMk cId="862902737" sldId="286"/>
-        </pc:sldMkLst>
-        <pc:spChg chg="mod">
-          <ac:chgData name="Noor,Ayaz" userId="7cf625e6-36b6-4e30-acf8-1c16eb40c4b2" providerId="ADAL" clId="{8D8C9B35-49B4-403E-80C1-E6F032E27505}" dt="2024-01-29T15:07:44.470" v="3362"/>
-          <ac:spMkLst>
-            <pc:docMk/>
-            <pc:sldMk cId="862902737" sldId="286"/>
-            <ac:spMk id="2" creationId="{00AF1264-E59A-C73F-703F-79A6195FD3E1}"/>
-          </ac:spMkLst>
-        </pc:spChg>
-        <pc:picChg chg="mod">
-          <ac:chgData name="Noor,Ayaz" userId="7cf625e6-36b6-4e30-acf8-1c16eb40c4b2" providerId="ADAL" clId="{8D8C9B35-49B4-403E-80C1-E6F032E27505}" dt="2024-01-29T15:07:44.470" v="3362"/>
-          <ac:picMkLst>
-            <pc:docMk/>
-            <pc:sldMk cId="862902737" sldId="286"/>
-            <ac:picMk id="4" creationId="{3C4306C1-2F32-B0B5-4FB6-8D705B268B4B}"/>
-          </ac:picMkLst>
-        </pc:picChg>
-      </pc:sldChg>
-      <pc:sldChg chg="modSp new mod">
-        <pc:chgData name="Noor,Ayaz" userId="7cf625e6-36b6-4e30-acf8-1c16eb40c4b2" providerId="ADAL" clId="{8D8C9B35-49B4-403E-80C1-E6F032E27505}" dt="2024-01-30T14:06:24.411" v="10643" actId="20577"/>
-        <pc:sldMkLst>
-          <pc:docMk/>
-          <pc:sldMk cId="917046001" sldId="287"/>
-        </pc:sldMkLst>
-        <pc:spChg chg="mod">
-          <ac:chgData name="Noor,Ayaz" userId="7cf625e6-36b6-4e30-acf8-1c16eb40c4b2" providerId="ADAL" clId="{8D8C9B35-49B4-403E-80C1-E6F032E27505}" dt="2024-01-29T15:07:44.470" v="3362"/>
-          <ac:spMkLst>
-            <pc:docMk/>
-            <pc:sldMk cId="917046001" sldId="287"/>
-            <ac:spMk id="2" creationId="{A5817218-9FA6-317D-0A48-DB049D56F700}"/>
-          </ac:spMkLst>
-        </pc:spChg>
-        <pc:spChg chg="mod">
-          <ac:chgData name="Noor,Ayaz" userId="7cf625e6-36b6-4e30-acf8-1c16eb40c4b2" providerId="ADAL" clId="{8D8C9B35-49B4-403E-80C1-E6F032E27505}" dt="2024-01-30T14:06:24.411" v="10643" actId="20577"/>
-          <ac:spMkLst>
-            <pc:docMk/>
-            <pc:sldMk cId="917046001" sldId="287"/>
-            <ac:spMk id="3" creationId="{F5F9D3DE-7F72-49C6-DF85-84DDE770B7AE}"/>
-          </ac:spMkLst>
-        </pc:spChg>
-      </pc:sldChg>
-      <pc:sldChg chg="addSp modSp new del mod ord">
-        <pc:chgData name="Noor,Ayaz" userId="7cf625e6-36b6-4e30-acf8-1c16eb40c4b2" providerId="ADAL" clId="{8D8C9B35-49B4-403E-80C1-E6F032E27505}" dt="2024-01-31T01:06:22.082" v="10853" actId="2696"/>
-        <pc:sldMkLst>
-          <pc:docMk/>
-          <pc:sldMk cId="3489055262" sldId="288"/>
-        </pc:sldMkLst>
-        <pc:spChg chg="mod">
-          <ac:chgData name="Noor,Ayaz" userId="7cf625e6-36b6-4e30-acf8-1c16eb40c4b2" providerId="ADAL" clId="{8D8C9B35-49B4-403E-80C1-E6F032E27505}" dt="2024-01-29T15:07:44.470" v="3362"/>
-          <ac:spMkLst>
-            <pc:docMk/>
-            <pc:sldMk cId="3489055262" sldId="288"/>
-            <ac:spMk id="2" creationId="{045222B9-814A-F047-F359-DB065F96E917}"/>
-          </ac:spMkLst>
-        </pc:spChg>
-        <pc:spChg chg="mod">
-          <ac:chgData name="Noor,Ayaz" userId="7cf625e6-36b6-4e30-acf8-1c16eb40c4b2" providerId="ADAL" clId="{8D8C9B35-49B4-403E-80C1-E6F032E27505}" dt="2024-01-29T02:58:09.462" v="3147" actId="1076"/>
-          <ac:spMkLst>
-            <pc:docMk/>
-            <pc:sldMk cId="3489055262" sldId="288"/>
-            <ac:spMk id="3" creationId="{04EE15B2-CB87-EFF7-D61B-A0580BEF7764}"/>
-          </ac:spMkLst>
-        </pc:spChg>
-        <pc:spChg chg="add mod ord">
-          <ac:chgData name="Noor,Ayaz" userId="7cf625e6-36b6-4e30-acf8-1c16eb40c4b2" providerId="ADAL" clId="{8D8C9B35-49B4-403E-80C1-E6F032E27505}" dt="2024-01-29T16:14:48.633" v="4068" actId="164"/>
-          <ac:spMkLst>
-            <pc:docMk/>
-            <pc:sldMk cId="3489055262" sldId="288"/>
-            <ac:spMk id="4" creationId="{F14D2610-9DA8-6059-13CB-5D132E4C58CE}"/>
-          </ac:spMkLst>
-        </pc:spChg>
-        <pc:grpChg chg="add mod">
-          <ac:chgData name="Noor,Ayaz" userId="7cf625e6-36b6-4e30-acf8-1c16eb40c4b2" providerId="ADAL" clId="{8D8C9B35-49B4-403E-80C1-E6F032E27505}" dt="2024-01-29T16:14:48.633" v="4068" actId="164"/>
-          <ac:grpSpMkLst>
-            <pc:docMk/>
-            <pc:sldMk cId="3489055262" sldId="288"/>
-            <ac:grpSpMk id="6" creationId="{81167A12-EBAA-9920-8BA0-A3F2152A75A2}"/>
-          </ac:grpSpMkLst>
-        </pc:grpChg>
-        <pc:picChg chg="add mod">
-          <ac:chgData name="Noor,Ayaz" userId="7cf625e6-36b6-4e30-acf8-1c16eb40c4b2" providerId="ADAL" clId="{8D8C9B35-49B4-403E-80C1-E6F032E27505}" dt="2024-01-29T16:14:48.633" v="4068" actId="164"/>
-          <ac:picMkLst>
-            <pc:docMk/>
-            <pc:sldMk cId="3489055262" sldId="288"/>
-            <ac:picMk id="5" creationId="{847EFCE7-AB9A-A6BC-0B56-41E1F083C2A7}"/>
-          </ac:picMkLst>
-        </pc:picChg>
-      </pc:sldChg>
-      <pc:sldChg chg="addSp delSp modSp new mod">
-        <pc:chgData name="Noor,Ayaz" userId="7cf625e6-36b6-4e30-acf8-1c16eb40c4b2" providerId="ADAL" clId="{8D8C9B35-49B4-403E-80C1-E6F032E27505}" dt="2024-01-30T14:16:44.768" v="10718" actId="1076"/>
-        <pc:sldMkLst>
-          <pc:docMk/>
-          <pc:sldMk cId="3623442911" sldId="289"/>
-        </pc:sldMkLst>
-        <pc:spChg chg="mod">
-          <ac:chgData name="Noor,Ayaz" userId="7cf625e6-36b6-4e30-acf8-1c16eb40c4b2" providerId="ADAL" clId="{8D8C9B35-49B4-403E-80C1-E6F032E27505}" dt="2024-01-30T14:16:44.768" v="10718" actId="1076"/>
-          <ac:spMkLst>
-            <pc:docMk/>
-            <pc:sldMk cId="3623442911" sldId="289"/>
-            <ac:spMk id="2" creationId="{840D490F-4FFE-9C90-72A8-43FED4C56BE1}"/>
-          </ac:spMkLst>
-        </pc:spChg>
-        <pc:spChg chg="del">
-          <ac:chgData name="Noor,Ayaz" userId="7cf625e6-36b6-4e30-acf8-1c16eb40c4b2" providerId="ADAL" clId="{8D8C9B35-49B4-403E-80C1-E6F032E27505}" dt="2024-01-29T14:53:55.858" v="3294" actId="478"/>
-          <ac:spMkLst>
-            <pc:docMk/>
-            <pc:sldMk cId="3623442911" sldId="289"/>
-            <ac:spMk id="3" creationId="{6CD51414-1346-9034-D949-46B99DC820A2}"/>
-          </ac:spMkLst>
-        </pc:spChg>
-        <pc:spChg chg="add mod topLvl">
-          <ac:chgData name="Noor,Ayaz" userId="7cf625e6-36b6-4e30-acf8-1c16eb40c4b2" providerId="ADAL" clId="{8D8C9B35-49B4-403E-80C1-E6F032E27505}" dt="2024-01-29T15:39:22.297" v="3603" actId="164"/>
-          <ac:spMkLst>
-            <pc:docMk/>
-            <pc:sldMk cId="3623442911" sldId="289"/>
-            <ac:spMk id="4" creationId="{DD2C748D-1971-7600-40F5-0A5E8198E13C}"/>
-          </ac:spMkLst>
-        </pc:spChg>
-        <pc:spChg chg="mod">
-          <ac:chgData name="Noor,Ayaz" userId="7cf625e6-36b6-4e30-acf8-1c16eb40c4b2" providerId="ADAL" clId="{8D8C9B35-49B4-403E-80C1-E6F032E27505}" dt="2024-01-30T14:16:22.724" v="10716"/>
-          <ac:spMkLst>
-            <pc:docMk/>
-            <pc:sldMk cId="3623442911" sldId="289"/>
-            <ac:spMk id="6" creationId="{49488DD4-702D-6E07-292B-364FEB9C18DA}"/>
-          </ac:spMkLst>
-        </pc:spChg>
-        <pc:spChg chg="add mod topLvl">
-          <ac:chgData name="Noor,Ayaz" userId="7cf625e6-36b6-4e30-acf8-1c16eb40c4b2" providerId="ADAL" clId="{8D8C9B35-49B4-403E-80C1-E6F032E27505}" dt="2024-01-29T15:39:27.107" v="3604" actId="164"/>
-          <ac:spMkLst>
-            <pc:docMk/>
-            <pc:sldMk cId="3623442911" sldId="289"/>
-            <ac:spMk id="8" creationId="{D44D753E-A0E0-1FC6-C8C6-B5AF6794EAC0}"/>
-          </ac:spMkLst>
-        </pc:spChg>
-        <pc:spChg chg="mod">
-          <ac:chgData name="Noor,Ayaz" userId="7cf625e6-36b6-4e30-acf8-1c16eb40c4b2" providerId="ADAL" clId="{8D8C9B35-49B4-403E-80C1-E6F032E27505}" dt="2024-01-30T14:16:22.724" v="10716"/>
-          <ac:spMkLst>
-            <pc:docMk/>
-            <pc:sldMk cId="3623442911" sldId="289"/>
-            <ac:spMk id="9" creationId="{9811E836-1F8A-DBC0-0E10-961B6CF42DF9}"/>
-          </ac:spMkLst>
-        </pc:spChg>
-        <pc:spChg chg="mod">
-          <ac:chgData name="Noor,Ayaz" userId="7cf625e6-36b6-4e30-acf8-1c16eb40c4b2" providerId="ADAL" clId="{8D8C9B35-49B4-403E-80C1-E6F032E27505}" dt="2024-01-30T14:16:33.911" v="10717"/>
-          <ac:spMkLst>
-            <pc:docMk/>
-            <pc:sldMk cId="3623442911" sldId="289"/>
-            <ac:spMk id="11" creationId="{BBF482A2-3EC9-8F96-43D4-73F06818BE6A}"/>
-          </ac:spMkLst>
-        </pc:spChg>
-        <pc:spChg chg="mod">
-          <ac:chgData name="Noor,Ayaz" userId="7cf625e6-36b6-4e30-acf8-1c16eb40c4b2" providerId="ADAL" clId="{8D8C9B35-49B4-403E-80C1-E6F032E27505}" dt="2024-01-30T14:16:33.911" v="10717"/>
-          <ac:spMkLst>
-            <pc:docMk/>
-            <pc:sldMk cId="3623442911" sldId="289"/>
-            <ac:spMk id="12" creationId="{728314DF-C090-51EF-9E51-5A612D5A9B16}"/>
-          </ac:spMkLst>
-        </pc:spChg>
-        <pc:spChg chg="mod">
-          <ac:chgData name="Noor,Ayaz" userId="7cf625e6-36b6-4e30-acf8-1c16eb40c4b2" providerId="ADAL" clId="{8D8C9B35-49B4-403E-80C1-E6F032E27505}" dt="2024-01-29T15:18:48.152" v="3406"/>
-          <ac:spMkLst>
-            <pc:docMk/>
-            <pc:sldMk cId="3623442911" sldId="289"/>
-            <ac:spMk id="12" creationId="{868CC17C-A48A-3BE5-1E00-A8EA17D02FED}"/>
-          </ac:spMkLst>
-        </pc:spChg>
-        <pc:spChg chg="mod">
-          <ac:chgData name="Noor,Ayaz" userId="7cf625e6-36b6-4e30-acf8-1c16eb40c4b2" providerId="ADAL" clId="{8D8C9B35-49B4-403E-80C1-E6F032E27505}" dt="2024-01-29T15:19:01.723" v="3409"/>
-          <ac:spMkLst>
-            <pc:docMk/>
-            <pc:sldMk cId="3623442911" sldId="289"/>
-            <ac:spMk id="15" creationId="{31802CD9-410B-4291-F79F-4C0349596B37}"/>
-          </ac:spMkLst>
-        </pc:spChg>
-        <pc:spChg chg="add del">
-          <ac:chgData name="Noor,Ayaz" userId="7cf625e6-36b6-4e30-acf8-1c16eb40c4b2" providerId="ADAL" clId="{8D8C9B35-49B4-403E-80C1-E6F032E27505}" dt="2024-01-29T15:22:23.349" v="3434" actId="478"/>
-          <ac:spMkLst>
-            <pc:docMk/>
-            <pc:sldMk cId="3623442911" sldId="289"/>
-            <ac:spMk id="17" creationId="{738EADB7-77D2-3F5F-34B2-DD41783398EE}"/>
-          </ac:spMkLst>
-        </pc:spChg>
-        <pc:spChg chg="add del mod ord">
-          <ac:chgData name="Noor,Ayaz" userId="7cf625e6-36b6-4e30-acf8-1c16eb40c4b2" providerId="ADAL" clId="{8D8C9B35-49B4-403E-80C1-E6F032E27505}" dt="2024-01-29T15:23:48.712" v="3438" actId="478"/>
-          <ac:spMkLst>
-            <pc:docMk/>
-            <pc:sldMk cId="3623442911" sldId="289"/>
-            <ac:spMk id="18" creationId="{CF1C7F74-54B8-A694-B798-29536CCA54EF}"/>
-          </ac:spMkLst>
-        </pc:spChg>
-        <pc:spChg chg="add del mod ord">
-          <ac:chgData name="Noor,Ayaz" userId="7cf625e6-36b6-4e30-acf8-1c16eb40c4b2" providerId="ADAL" clId="{8D8C9B35-49B4-403E-80C1-E6F032E27505}" dt="2024-01-29T15:23:41.243" v="3436" actId="478"/>
-          <ac:spMkLst>
-            <pc:docMk/>
-            <pc:sldMk cId="3623442911" sldId="289"/>
-            <ac:spMk id="19" creationId="{3E4C379F-5720-1B3E-9BEC-3BE266A2F7D4}"/>
-          </ac:spMkLst>
-        </pc:spChg>
-        <pc:spChg chg="add del mod topLvl">
-          <ac:chgData name="Noor,Ayaz" userId="7cf625e6-36b6-4e30-acf8-1c16eb40c4b2" providerId="ADAL" clId="{8D8C9B35-49B4-403E-80C1-E6F032E27505}" dt="2024-01-30T14:16:16.938" v="10715" actId="478"/>
-          <ac:spMkLst>
-            <pc:docMk/>
-            <pc:sldMk cId="3623442911" sldId="289"/>
-            <ac:spMk id="20" creationId="{CE1C93AE-E7D8-F389-BDBC-C60D52A76807}"/>
-          </ac:spMkLst>
-        </pc:spChg>
-        <pc:spChg chg="add del mod topLvl">
-          <ac:chgData name="Noor,Ayaz" userId="7cf625e6-36b6-4e30-acf8-1c16eb40c4b2" providerId="ADAL" clId="{8D8C9B35-49B4-403E-80C1-E6F032E27505}" dt="2024-01-30T14:16:16.938" v="10715" actId="478"/>
-          <ac:spMkLst>
-            <pc:docMk/>
-            <pc:sldMk cId="3623442911" sldId="289"/>
-            <ac:spMk id="21" creationId="{1E211700-E198-7449-9497-A0DA8687830E}"/>
-          </ac:spMkLst>
-        </pc:spChg>
-        <pc:spChg chg="add del mod">
-          <ac:chgData name="Noor,Ayaz" userId="7cf625e6-36b6-4e30-acf8-1c16eb40c4b2" providerId="ADAL" clId="{8D8C9B35-49B4-403E-80C1-E6F032E27505}" dt="2024-01-29T15:26:08.039" v="3476"/>
-          <ac:spMkLst>
-            <pc:docMk/>
-            <pc:sldMk cId="3623442911" sldId="289"/>
-            <ac:spMk id="23" creationId="{A017716C-489E-172B-0717-67D1FB87901A}"/>
-          </ac:spMkLst>
-        </pc:spChg>
-        <pc:spChg chg="add mod">
-          <ac:chgData name="Noor,Ayaz" userId="7cf625e6-36b6-4e30-acf8-1c16eb40c4b2" providerId="ADAL" clId="{8D8C9B35-49B4-403E-80C1-E6F032E27505}" dt="2024-01-30T04:27:28.089" v="9594" actId="20577"/>
-          <ac:spMkLst>
-            <pc:docMk/>
-            <pc:sldMk cId="3623442911" sldId="289"/>
-            <ac:spMk id="24" creationId="{072BCE87-24F8-7276-6076-A2D808959607}"/>
-          </ac:spMkLst>
-        </pc:spChg>
-        <pc:spChg chg="add del mod">
-          <ac:chgData name="Noor,Ayaz" userId="7cf625e6-36b6-4e30-acf8-1c16eb40c4b2" providerId="ADAL" clId="{8D8C9B35-49B4-403E-80C1-E6F032E27505}" dt="2024-01-29T15:38:51.980" v="3598" actId="478"/>
-          <ac:spMkLst>
-            <pc:docMk/>
-            <pc:sldMk cId="3623442911" sldId="289"/>
-            <ac:spMk id="25" creationId="{974048A7-6F4E-9E88-54FF-96D65FA7BD24}"/>
-          </ac:spMkLst>
-        </pc:spChg>
-        <pc:spChg chg="add mod">
-          <ac:chgData name="Noor,Ayaz" userId="7cf625e6-36b6-4e30-acf8-1c16eb40c4b2" providerId="ADAL" clId="{8D8C9B35-49B4-403E-80C1-E6F032E27505}" dt="2024-01-29T15:41:40.437" v="3619" actId="339"/>
-          <ac:spMkLst>
-            <pc:docMk/>
-            <pc:sldMk cId="3623442911" sldId="289"/>
-            <ac:spMk id="30" creationId="{B6A3A176-5783-B37E-33DA-96678C6FD068}"/>
-          </ac:spMkLst>
-        </pc:spChg>
-        <pc:spChg chg="add mod">
-          <ac:chgData name="Noor,Ayaz" userId="7cf625e6-36b6-4e30-acf8-1c16eb40c4b2" providerId="ADAL" clId="{8D8C9B35-49B4-403E-80C1-E6F032E27505}" dt="2024-01-30T04:28:40.791" v="9788" actId="20577"/>
-          <ac:spMkLst>
-            <pc:docMk/>
-            <pc:sldMk cId="3623442911" sldId="289"/>
-            <ac:spMk id="31" creationId="{CDAA0DA4-0A8D-7B57-831C-A1E5421D99CD}"/>
-          </ac:spMkLst>
-        </pc:spChg>
-        <pc:grpChg chg="add mod">
-          <ac:chgData name="Noor,Ayaz" userId="7cf625e6-36b6-4e30-acf8-1c16eb40c4b2" providerId="ADAL" clId="{8D8C9B35-49B4-403E-80C1-E6F032E27505}" dt="2024-01-30T14:16:22.724" v="10716"/>
-          <ac:grpSpMkLst>
-            <pc:docMk/>
-            <pc:sldMk cId="3623442911" sldId="289"/>
-            <ac:grpSpMk id="3" creationId="{743E3AE8-4272-A7E5-4D18-C4BFAFF037E4}"/>
-          </ac:grpSpMkLst>
-        </pc:grpChg>
-        <pc:grpChg chg="add del mod">
-          <ac:chgData name="Noor,Ayaz" userId="7cf625e6-36b6-4e30-acf8-1c16eb40c4b2" providerId="ADAL" clId="{8D8C9B35-49B4-403E-80C1-E6F032E27505}" dt="2024-01-29T15:35:09.501" v="3574" actId="165"/>
-          <ac:grpSpMkLst>
-            <pc:docMk/>
-            <pc:sldMk cId="3623442911" sldId="289"/>
-            <ac:grpSpMk id="9" creationId="{B1CC388F-618B-E672-6155-EF5CD86A58C5}"/>
-          </ac:grpSpMkLst>
-        </pc:grpChg>
-        <pc:grpChg chg="add mod">
-          <ac:chgData name="Noor,Ayaz" userId="7cf625e6-36b6-4e30-acf8-1c16eb40c4b2" providerId="ADAL" clId="{8D8C9B35-49B4-403E-80C1-E6F032E27505}" dt="2024-01-30T14:16:33.911" v="10717"/>
-          <ac:grpSpMkLst>
-            <pc:docMk/>
-            <pc:sldMk cId="3623442911" sldId="289"/>
-            <ac:grpSpMk id="10" creationId="{929F9378-E552-D4C5-4075-80A1DDBFF006}"/>
-          </ac:grpSpMkLst>
-        </pc:grpChg>
-        <pc:grpChg chg="add del mod">
-          <ac:chgData name="Noor,Ayaz" userId="7cf625e6-36b6-4e30-acf8-1c16eb40c4b2" providerId="ADAL" clId="{8D8C9B35-49B4-403E-80C1-E6F032E27505}" dt="2024-01-29T15:34:19.404" v="3573" actId="165"/>
-          <ac:grpSpMkLst>
-            <pc:docMk/>
-            <pc:sldMk cId="3623442911" sldId="289"/>
-            <ac:grpSpMk id="10" creationId="{BAE1F294-FEC0-7F1E-2106-D59DC4885594}"/>
-          </ac:grpSpMkLst>
-        </pc:grpChg>
-        <pc:grpChg chg="add del mod">
-          <ac:chgData name="Noor,Ayaz" userId="7cf625e6-36b6-4e30-acf8-1c16eb40c4b2" providerId="ADAL" clId="{8D8C9B35-49B4-403E-80C1-E6F032E27505}" dt="2024-01-29T15:29:34.754" v="3502" actId="21"/>
-          <ac:grpSpMkLst>
-            <pc:docMk/>
-            <pc:sldMk cId="3623442911" sldId="289"/>
-            <ac:grpSpMk id="11" creationId="{472F5639-EB4C-FCDA-A15D-CD8998CEB1B5}"/>
-          </ac:grpSpMkLst>
-        </pc:grpChg>
-        <pc:grpChg chg="add del mod">
-          <ac:chgData name="Noor,Ayaz" userId="7cf625e6-36b6-4e30-acf8-1c16eb40c4b2" providerId="ADAL" clId="{8D8C9B35-49B4-403E-80C1-E6F032E27505}" dt="2024-01-29T15:29:34.754" v="3502" actId="21"/>
-          <ac:grpSpMkLst>
-            <pc:docMk/>
-            <pc:sldMk cId="3623442911" sldId="289"/>
-            <ac:grpSpMk id="14" creationId="{5EE94633-90A9-CA4B-E372-62C6302125F1}"/>
-          </ac:grpSpMkLst>
-        </pc:grpChg>
-        <pc:grpChg chg="add del mod">
-          <ac:chgData name="Noor,Ayaz" userId="7cf625e6-36b6-4e30-acf8-1c16eb40c4b2" providerId="ADAL" clId="{8D8C9B35-49B4-403E-80C1-E6F032E27505}" dt="2024-01-29T15:40:51.500" v="3613" actId="165"/>
-          <ac:grpSpMkLst>
-            <pc:docMk/>
-            <pc:sldMk cId="3623442911" sldId="289"/>
-            <ac:grpSpMk id="22" creationId="{D1246600-3D76-AD2F-846F-64A7DD0B49E6}"/>
-          </ac:grpSpMkLst>
-        </pc:grpChg>
-        <pc:grpChg chg="add mod">
-          <ac:chgData name="Noor,Ayaz" userId="7cf625e6-36b6-4e30-acf8-1c16eb40c4b2" providerId="ADAL" clId="{8D8C9B35-49B4-403E-80C1-E6F032E27505}" dt="2024-01-29T15:39:44.656" v="3606" actId="1076"/>
-          <ac:grpSpMkLst>
-            <pc:docMk/>
-            <pc:sldMk cId="3623442911" sldId="289"/>
-            <ac:grpSpMk id="28" creationId="{1425A76F-C7A6-78D8-FB7B-3DAF5B101496}"/>
-          </ac:grpSpMkLst>
-        </pc:grpChg>
-        <pc:grpChg chg="add mod">
-          <ac:chgData name="Noor,Ayaz" userId="7cf625e6-36b6-4e30-acf8-1c16eb40c4b2" providerId="ADAL" clId="{8D8C9B35-49B4-403E-80C1-E6F032E27505}" dt="2024-01-29T15:40:10.915" v="3610" actId="1076"/>
-          <ac:grpSpMkLst>
-            <pc:docMk/>
-            <pc:sldMk cId="3623442911" sldId="289"/>
-            <ac:grpSpMk id="29" creationId="{DC0CF6FA-BF5F-9140-0A09-CEF3B5146A34}"/>
-          </ac:grpSpMkLst>
-        </pc:grpChg>
-        <pc:graphicFrameChg chg="add del modGraphic">
-          <ac:chgData name="Noor,Ayaz" userId="7cf625e6-36b6-4e30-acf8-1c16eb40c4b2" providerId="ADAL" clId="{8D8C9B35-49B4-403E-80C1-E6F032E27505}" dt="2024-01-29T15:33:25.823" v="3572" actId="1032"/>
-          <ac:graphicFrameMkLst>
-            <pc:docMk/>
-            <pc:sldMk cId="3623442911" sldId="289"/>
-            <ac:graphicFrameMk id="26" creationId="{816A5BA7-3662-A88B-8C84-2C384C142ADE}"/>
-          </ac:graphicFrameMkLst>
-        </pc:graphicFrameChg>
-        <pc:graphicFrameChg chg="add del mod modGraphic">
-          <ac:chgData name="Noor,Ayaz" userId="7cf625e6-36b6-4e30-acf8-1c16eb40c4b2" providerId="ADAL" clId="{8D8C9B35-49B4-403E-80C1-E6F032E27505}" dt="2024-01-29T15:38:05.589" v="3579" actId="1032"/>
-          <ac:graphicFrameMkLst>
-            <pc:docMk/>
-            <pc:sldMk cId="3623442911" sldId="289"/>
-            <ac:graphicFrameMk id="27" creationId="{F67DD938-4A2D-0B30-30EC-4299F234B076}"/>
-          </ac:graphicFrameMkLst>
-        </pc:graphicFrameChg>
-        <pc:picChg chg="add mod topLvl">
-          <ac:chgData name="Noor,Ayaz" userId="7cf625e6-36b6-4e30-acf8-1c16eb40c4b2" providerId="ADAL" clId="{8D8C9B35-49B4-403E-80C1-E6F032E27505}" dt="2024-01-29T15:39:22.297" v="3603" actId="164"/>
-          <ac:picMkLst>
-            <pc:docMk/>
-            <pc:sldMk cId="3623442911" sldId="289"/>
-            <ac:picMk id="5" creationId="{70BBB16D-3731-B745-E5C3-63F694F68A39}"/>
-          </ac:picMkLst>
-        </pc:picChg>
-        <pc:picChg chg="add mod ord topLvl">
-          <ac:chgData name="Noor,Ayaz" userId="7cf625e6-36b6-4e30-acf8-1c16eb40c4b2" providerId="ADAL" clId="{8D8C9B35-49B4-403E-80C1-E6F032E27505}" dt="2024-01-29T15:39:27.107" v="3604" actId="164"/>
-          <ac:picMkLst>
-            <pc:docMk/>
-            <pc:sldMk cId="3623442911" sldId="289"/>
-            <ac:picMk id="7" creationId="{945DA9E2-DFE7-53D4-4FCD-2CB7269778CB}"/>
-          </ac:picMkLst>
-        </pc:picChg>
-        <pc:picChg chg="mod">
-          <ac:chgData name="Noor,Ayaz" userId="7cf625e6-36b6-4e30-acf8-1c16eb40c4b2" providerId="ADAL" clId="{8D8C9B35-49B4-403E-80C1-E6F032E27505}" dt="2024-01-29T15:18:48.152" v="3406"/>
-          <ac:picMkLst>
-            <pc:docMk/>
-            <pc:sldMk cId="3623442911" sldId="289"/>
-            <ac:picMk id="13" creationId="{9DB127F9-E776-A77A-CA5D-EA1AD9B6C28F}"/>
-          </ac:picMkLst>
-        </pc:picChg>
-        <pc:picChg chg="mod">
-          <ac:chgData name="Noor,Ayaz" userId="7cf625e6-36b6-4e30-acf8-1c16eb40c4b2" providerId="ADAL" clId="{8D8C9B35-49B4-403E-80C1-E6F032E27505}" dt="2024-01-29T15:19:01.723" v="3409"/>
-          <ac:picMkLst>
-            <pc:docMk/>
-            <pc:sldMk cId="3623442911" sldId="289"/>
-            <ac:picMk id="16" creationId="{7FBC5361-C4C1-E5B2-0C5B-8179B8CD1BEB}"/>
-          </ac:picMkLst>
-        </pc:picChg>
-      </pc:sldChg>
-      <pc:sldChg chg="addSp delSp modSp new mod">
-        <pc:chgData name="Noor,Ayaz" userId="7cf625e6-36b6-4e30-acf8-1c16eb40c4b2" providerId="ADAL" clId="{8D8C9B35-49B4-403E-80C1-E6F032E27505}" dt="2024-01-30T14:38:40.402" v="10803" actId="313"/>
-        <pc:sldMkLst>
-          <pc:docMk/>
-          <pc:sldMk cId="1659912334" sldId="290"/>
-        </pc:sldMkLst>
-        <pc:spChg chg="del">
-          <ac:chgData name="Noor,Ayaz" userId="7cf625e6-36b6-4e30-acf8-1c16eb40c4b2" providerId="ADAL" clId="{8D8C9B35-49B4-403E-80C1-E6F032E27505}" dt="2024-01-29T14:59:53.077" v="3318" actId="478"/>
-          <ac:spMkLst>
-            <pc:docMk/>
-            <pc:sldMk cId="1659912334" sldId="290"/>
-            <ac:spMk id="2" creationId="{BD5F6254-5DD5-4686-057F-0C1B3A421149}"/>
-          </ac:spMkLst>
-        </pc:spChg>
-        <pc:spChg chg="del">
-          <ac:chgData name="Noor,Ayaz" userId="7cf625e6-36b6-4e30-acf8-1c16eb40c4b2" providerId="ADAL" clId="{8D8C9B35-49B4-403E-80C1-E6F032E27505}" dt="2024-01-29T14:59:51.301" v="3317" actId="478"/>
-          <ac:spMkLst>
-            <pc:docMk/>
-            <pc:sldMk cId="1659912334" sldId="290"/>
-            <ac:spMk id="3" creationId="{548E328D-E3E6-AAA1-4865-7F7B2BA07D61}"/>
-          </ac:spMkLst>
-        </pc:spChg>
-        <pc:spChg chg="add del mod">
-          <ac:chgData name="Noor,Ayaz" userId="7cf625e6-36b6-4e30-acf8-1c16eb40c4b2" providerId="ADAL" clId="{8D8C9B35-49B4-403E-80C1-E6F032E27505}" dt="2024-01-30T14:17:47.007" v="10722" actId="478"/>
-          <ac:spMkLst>
-            <pc:docMk/>
-            <pc:sldMk cId="1659912334" sldId="290"/>
-            <ac:spMk id="3" creationId="{BF6C509B-7469-92BC-7EE3-719388BC3444}"/>
-          </ac:spMkLst>
-        </pc:spChg>
-        <pc:spChg chg="add mod">
-          <ac:chgData name="Noor,Ayaz" userId="7cf625e6-36b6-4e30-acf8-1c16eb40c4b2" providerId="ADAL" clId="{8D8C9B35-49B4-403E-80C1-E6F032E27505}" dt="2024-01-30T14:17:48.925" v="10723"/>
-          <ac:spMkLst>
-            <pc:docMk/>
-            <pc:sldMk cId="1659912334" sldId="290"/>
-            <ac:spMk id="4" creationId="{FB087631-CDE2-4844-F56C-57133140E9A7}"/>
-          </ac:spMkLst>
-        </pc:spChg>
-        <pc:spChg chg="add mod">
-          <ac:chgData name="Noor,Ayaz" userId="7cf625e6-36b6-4e30-acf8-1c16eb40c4b2" providerId="ADAL" clId="{8D8C9B35-49B4-403E-80C1-E6F032E27505}" dt="2024-01-29T15:16:44.568" v="3386" actId="164"/>
-          <ac:spMkLst>
-            <pc:docMk/>
-            <pc:sldMk cId="1659912334" sldId="290"/>
-            <ac:spMk id="6" creationId="{868CC17C-A48A-3BE5-1E00-A8EA17D02FED}"/>
-          </ac:spMkLst>
-        </pc:spChg>
-        <pc:spChg chg="mod">
-          <ac:chgData name="Noor,Ayaz" userId="7cf625e6-36b6-4e30-acf8-1c16eb40c4b2" providerId="ADAL" clId="{8D8C9B35-49B4-403E-80C1-E6F032E27505}" dt="2024-01-30T14:17:48.925" v="10723"/>
-          <ac:spMkLst>
-            <pc:docMk/>
-            <pc:sldMk cId="1659912334" sldId="290"/>
-            <ac:spMk id="6" creationId="{D84E6871-5C7C-0B7C-E599-A63AF92E4B38}"/>
-          </ac:spMkLst>
-        </pc:spChg>
-        <pc:spChg chg="mod">
-          <ac:chgData name="Noor,Ayaz" userId="7cf625e6-36b6-4e30-acf8-1c16eb40c4b2" providerId="ADAL" clId="{8D8C9B35-49B4-403E-80C1-E6F032E27505}" dt="2024-01-30T14:17:48.925" v="10723"/>
-          <ac:spMkLst>
-            <pc:docMk/>
-            <pc:sldMk cId="1659912334" sldId="290"/>
-            <ac:spMk id="7" creationId="{0AFDB5B3-F50D-650D-2BD3-1BFE37DEA1CF}"/>
-          </ac:spMkLst>
-        </pc:spChg>
-        <pc:spChg chg="add mod">
-          <ac:chgData name="Noor,Ayaz" userId="7cf625e6-36b6-4e30-acf8-1c16eb40c4b2" providerId="ADAL" clId="{8D8C9B35-49B4-403E-80C1-E6F032E27505}" dt="2024-01-29T15:16:36.596" v="3385" actId="164"/>
-          <ac:spMkLst>
-            <pc:docMk/>
-            <pc:sldMk cId="1659912334" sldId="290"/>
-            <ac:spMk id="9" creationId="{31802CD9-410B-4291-F79F-4C0349596B37}"/>
-          </ac:spMkLst>
-        </pc:spChg>
-        <pc:spChg chg="mod">
-          <ac:chgData name="Noor,Ayaz" userId="7cf625e6-36b6-4e30-acf8-1c16eb40c4b2" providerId="ADAL" clId="{8D8C9B35-49B4-403E-80C1-E6F032E27505}" dt="2024-01-30T14:17:48.925" v="10723"/>
-          <ac:spMkLst>
-            <pc:docMk/>
-            <pc:sldMk cId="1659912334" sldId="290"/>
-            <ac:spMk id="9" creationId="{B39D0CA1-133A-0A93-DEED-303E3054733E}"/>
-          </ac:spMkLst>
-        </pc:spChg>
-        <pc:spChg chg="mod">
-          <ac:chgData name="Noor,Ayaz" userId="7cf625e6-36b6-4e30-acf8-1c16eb40c4b2" providerId="ADAL" clId="{8D8C9B35-49B4-403E-80C1-E6F032E27505}" dt="2024-01-30T14:17:48.925" v="10723"/>
-          <ac:spMkLst>
-            <pc:docMk/>
-            <pc:sldMk cId="1659912334" sldId="290"/>
-            <ac:spMk id="10" creationId="{C1857560-9F2A-877B-55DA-16BCDB447478}"/>
-          </ac:spMkLst>
-        </pc:spChg>
-        <pc:spChg chg="mod">
-          <ac:chgData name="Noor,Ayaz" userId="7cf625e6-36b6-4e30-acf8-1c16eb40c4b2" providerId="ADAL" clId="{8D8C9B35-49B4-403E-80C1-E6F032E27505}" dt="2024-01-29T15:29:37.320" v="3503"/>
-          <ac:spMkLst>
-            <pc:docMk/>
-            <pc:sldMk cId="1659912334" sldId="290"/>
-            <ac:spMk id="13" creationId="{868CC17C-A48A-3BE5-1E00-A8EA17D02FED}"/>
-          </ac:spMkLst>
-        </pc:spChg>
-        <pc:spChg chg="mod topLvl">
-          <ac:chgData name="Noor,Ayaz" userId="7cf625e6-36b6-4e30-acf8-1c16eb40c4b2" providerId="ADAL" clId="{8D8C9B35-49B4-403E-80C1-E6F032E27505}" dt="2024-01-29T17:53:18.643" v="4258" actId="165"/>
-          <ac:spMkLst>
-            <pc:docMk/>
-            <pc:sldMk cId="1659912334" sldId="290"/>
-            <ac:spMk id="16" creationId="{31802CD9-410B-4291-F79F-4C0349596B37}"/>
-          </ac:spMkLst>
-        </pc:spChg>
-        <pc:spChg chg="add mod">
-          <ac:chgData name="Noor,Ayaz" userId="7cf625e6-36b6-4e30-acf8-1c16eb40c4b2" providerId="ADAL" clId="{8D8C9B35-49B4-403E-80C1-E6F032E27505}" dt="2024-01-30T04:44:11.491" v="10455" actId="1076"/>
-          <ac:spMkLst>
-            <pc:docMk/>
-            <pc:sldMk cId="1659912334" sldId="290"/>
-            <ac:spMk id="18" creationId="{526C1204-5021-A4FC-37C7-4A6F13EFFB30}"/>
-          </ac:spMkLst>
-        </pc:spChg>
-        <pc:spChg chg="add mod">
-          <ac:chgData name="Noor,Ayaz" userId="7cf625e6-36b6-4e30-acf8-1c16eb40c4b2" providerId="ADAL" clId="{8D8C9B35-49B4-403E-80C1-E6F032E27505}" dt="2024-01-30T14:38:40.402" v="10803" actId="313"/>
-          <ac:spMkLst>
-            <pc:docMk/>
-            <pc:sldMk cId="1659912334" sldId="290"/>
-            <ac:spMk id="19" creationId="{52F0D60E-4FD8-40BE-598E-8354DE14DE4C}"/>
-          </ac:spMkLst>
-        </pc:spChg>
-        <pc:spChg chg="add mod">
-          <ac:chgData name="Noor,Ayaz" userId="7cf625e6-36b6-4e30-acf8-1c16eb40c4b2" providerId="ADAL" clId="{8D8C9B35-49B4-403E-80C1-E6F032E27505}" dt="2024-01-30T04:44:31.196" v="10457" actId="113"/>
-          <ac:spMkLst>
-            <pc:docMk/>
-            <pc:sldMk cId="1659912334" sldId="290"/>
-            <ac:spMk id="20" creationId="{D67C2A22-2D08-3DE9-8E14-77D64661D446}"/>
-          </ac:spMkLst>
-        </pc:spChg>
-        <pc:spChg chg="add del mod">
-          <ac:chgData name="Noor,Ayaz" userId="7cf625e6-36b6-4e30-acf8-1c16eb40c4b2" providerId="ADAL" clId="{8D8C9B35-49B4-403E-80C1-E6F032E27505}" dt="2024-01-30T14:17:44.062" v="10721" actId="478"/>
-          <ac:spMkLst>
-            <pc:docMk/>
-            <pc:sldMk cId="1659912334" sldId="290"/>
-            <ac:spMk id="21" creationId="{C32C77DC-2094-8EBD-C864-3353AA199F8C}"/>
-          </ac:spMkLst>
-        </pc:spChg>
-        <pc:spChg chg="add del mod">
-          <ac:chgData name="Noor,Ayaz" userId="7cf625e6-36b6-4e30-acf8-1c16eb40c4b2" providerId="ADAL" clId="{8D8C9B35-49B4-403E-80C1-E6F032E27505}" dt="2024-01-30T14:17:41.810" v="10719" actId="478"/>
-          <ac:spMkLst>
-            <pc:docMk/>
-            <pc:sldMk cId="1659912334" sldId="290"/>
-            <ac:spMk id="22" creationId="{4EF0FA72-1D53-DA04-869E-D2AEB5A7AAAB}"/>
-          </ac:spMkLst>
-        </pc:spChg>
-        <pc:spChg chg="add del mod">
-          <ac:chgData name="Noor,Ayaz" userId="7cf625e6-36b6-4e30-acf8-1c16eb40c4b2" providerId="ADAL" clId="{8D8C9B35-49B4-403E-80C1-E6F032E27505}" dt="2024-01-30T14:17:41.810" v="10719" actId="478"/>
-          <ac:spMkLst>
-            <pc:docMk/>
-            <pc:sldMk cId="1659912334" sldId="290"/>
-            <ac:spMk id="23" creationId="{3430AD7A-C8CD-1DDE-D1A2-1667C8731D32}"/>
-          </ac:spMkLst>
-        </pc:spChg>
-        <pc:grpChg chg="add mod">
-          <ac:chgData name="Noor,Ayaz" userId="7cf625e6-36b6-4e30-acf8-1c16eb40c4b2" providerId="ADAL" clId="{8D8C9B35-49B4-403E-80C1-E6F032E27505}" dt="2024-01-30T14:17:48.925" v="10723"/>
-          <ac:grpSpMkLst>
-            <pc:docMk/>
-            <pc:sldMk cId="1659912334" sldId="290"/>
-            <ac:grpSpMk id="5" creationId="{3D8633CE-87C6-C0B8-C1EC-700837785457}"/>
-          </ac:grpSpMkLst>
-        </pc:grpChg>
-        <pc:grpChg chg="add mod">
-          <ac:chgData name="Noor,Ayaz" userId="7cf625e6-36b6-4e30-acf8-1c16eb40c4b2" providerId="ADAL" clId="{8D8C9B35-49B4-403E-80C1-E6F032E27505}" dt="2024-01-30T14:17:48.925" v="10723"/>
-          <ac:grpSpMkLst>
-            <pc:docMk/>
-            <pc:sldMk cId="1659912334" sldId="290"/>
-            <ac:grpSpMk id="8" creationId="{0B13899C-1B60-8D69-EDE7-2529B1472BA5}"/>
-          </ac:grpSpMkLst>
-        </pc:grpChg>
-        <pc:grpChg chg="add del mod">
-          <ac:chgData name="Noor,Ayaz" userId="7cf625e6-36b6-4e30-acf8-1c16eb40c4b2" providerId="ADAL" clId="{8D8C9B35-49B4-403E-80C1-E6F032E27505}" dt="2024-01-29T15:18:58.119" v="3408" actId="21"/>
-          <ac:grpSpMkLst>
-            <pc:docMk/>
-            <pc:sldMk cId="1659912334" sldId="290"/>
-            <ac:grpSpMk id="10" creationId="{5EE94633-90A9-CA4B-E372-62C6302125F1}"/>
-          </ac:grpSpMkLst>
-        </pc:grpChg>
-        <pc:grpChg chg="add del mod">
-          <ac:chgData name="Noor,Ayaz" userId="7cf625e6-36b6-4e30-acf8-1c16eb40c4b2" providerId="ADAL" clId="{8D8C9B35-49B4-403E-80C1-E6F032E27505}" dt="2024-01-29T15:18:44.956" v="3405" actId="21"/>
-          <ac:grpSpMkLst>
-            <pc:docMk/>
-            <pc:sldMk cId="1659912334" sldId="290"/>
-            <ac:grpSpMk id="11" creationId="{472F5639-EB4C-FCDA-A15D-CD8998CEB1B5}"/>
-          </ac:grpSpMkLst>
-        </pc:grpChg>
-        <pc:grpChg chg="add mod">
-          <ac:chgData name="Noor,Ayaz" userId="7cf625e6-36b6-4e30-acf8-1c16eb40c4b2" providerId="ADAL" clId="{8D8C9B35-49B4-403E-80C1-E6F032E27505}" dt="2024-01-30T04:44:08.370" v="10454" actId="14100"/>
-          <ac:grpSpMkLst>
-            <pc:docMk/>
-            <pc:sldMk cId="1659912334" sldId="290"/>
-            <ac:grpSpMk id="12" creationId="{472F5639-EB4C-FCDA-A15D-CD8998CEB1B5}"/>
-          </ac:grpSpMkLst>
-        </pc:grpChg>
-        <pc:grpChg chg="add del mod">
-          <ac:chgData name="Noor,Ayaz" userId="7cf625e6-36b6-4e30-acf8-1c16eb40c4b2" providerId="ADAL" clId="{8D8C9B35-49B4-403E-80C1-E6F032E27505}" dt="2024-01-29T17:53:18.643" v="4258" actId="165"/>
-          <ac:grpSpMkLst>
-            <pc:docMk/>
-            <pc:sldMk cId="1659912334" sldId="290"/>
-            <ac:grpSpMk id="15" creationId="{5EE94633-90A9-CA4B-E372-62C6302125F1}"/>
-          </ac:grpSpMkLst>
-        </pc:grpChg>
-        <pc:picChg chg="add mod ord">
-          <ac:chgData name="Noor,Ayaz" userId="7cf625e6-36b6-4e30-acf8-1c16eb40c4b2" providerId="ADAL" clId="{8D8C9B35-49B4-403E-80C1-E6F032E27505}" dt="2024-01-29T15:16:44.568" v="3386" actId="164"/>
-          <ac:picMkLst>
-            <pc:docMk/>
-            <pc:sldMk cId="1659912334" sldId="290"/>
-            <ac:picMk id="5" creationId="{9DB127F9-E776-A77A-CA5D-EA1AD9B6C28F}"/>
-          </ac:picMkLst>
-        </pc:picChg>
-        <pc:picChg chg="add mod ord">
-          <ac:chgData name="Noor,Ayaz" userId="7cf625e6-36b6-4e30-acf8-1c16eb40c4b2" providerId="ADAL" clId="{8D8C9B35-49B4-403E-80C1-E6F032E27505}" dt="2024-01-29T15:16:36.596" v="3385" actId="164"/>
-          <ac:picMkLst>
-            <pc:docMk/>
-            <pc:sldMk cId="1659912334" sldId="290"/>
-            <ac:picMk id="8" creationId="{7FBC5361-C4C1-E5B2-0C5B-8179B8CD1BEB}"/>
-          </ac:picMkLst>
-        </pc:picChg>
-        <pc:picChg chg="mod">
-          <ac:chgData name="Noor,Ayaz" userId="7cf625e6-36b6-4e30-acf8-1c16eb40c4b2" providerId="ADAL" clId="{8D8C9B35-49B4-403E-80C1-E6F032E27505}" dt="2024-01-29T15:29:37.320" v="3503"/>
-          <ac:picMkLst>
-            <pc:docMk/>
-            <pc:sldMk cId="1659912334" sldId="290"/>
-            <ac:picMk id="14" creationId="{9DB127F9-E776-A77A-CA5D-EA1AD9B6C28F}"/>
-          </ac:picMkLst>
-        </pc:picChg>
-        <pc:picChg chg="mod topLvl">
-          <ac:chgData name="Noor,Ayaz" userId="7cf625e6-36b6-4e30-acf8-1c16eb40c4b2" providerId="ADAL" clId="{8D8C9B35-49B4-403E-80C1-E6F032E27505}" dt="2024-01-29T17:53:18.643" v="4258" actId="165"/>
-          <ac:picMkLst>
-            <pc:docMk/>
-            <pc:sldMk cId="1659912334" sldId="290"/>
-            <ac:picMk id="17" creationId="{7FBC5361-C4C1-E5B2-0C5B-8179B8CD1BEB}"/>
-          </ac:picMkLst>
-        </pc:picChg>
-      </pc:sldChg>
-      <pc:sldChg chg="addSp delSp modSp new mod setBg">
-        <pc:chgData name="Noor,Ayaz" userId="7cf625e6-36b6-4e30-acf8-1c16eb40c4b2" providerId="ADAL" clId="{8D8C9B35-49B4-403E-80C1-E6F032E27505}" dt="2024-02-01T17:55:55.054" v="11007" actId="313"/>
-        <pc:sldMkLst>
-          <pc:docMk/>
-          <pc:sldMk cId="2768203114" sldId="291"/>
-        </pc:sldMkLst>
-        <pc:spChg chg="del">
-          <ac:chgData name="Noor,Ayaz" userId="7cf625e6-36b6-4e30-acf8-1c16eb40c4b2" providerId="ADAL" clId="{8D8C9B35-49B4-403E-80C1-E6F032E27505}" dt="2024-01-29T15:52:41.177" v="3688" actId="478"/>
-          <ac:spMkLst>
-            <pc:docMk/>
-            <pc:sldMk cId="2768203114" sldId="291"/>
-            <ac:spMk id="2" creationId="{46E89394-FC83-C67B-CBCC-C92457C3E19F}"/>
-          </ac:spMkLst>
-        </pc:spChg>
-        <pc:spChg chg="add del mod">
-          <ac:chgData name="Noor,Ayaz" userId="7cf625e6-36b6-4e30-acf8-1c16eb40c4b2" providerId="ADAL" clId="{8D8C9B35-49B4-403E-80C1-E6F032E27505}" dt="2024-01-30T14:21:38.991" v="10763" actId="478"/>
-          <ac:spMkLst>
-            <pc:docMk/>
-            <pc:sldMk cId="2768203114" sldId="291"/>
-            <ac:spMk id="3" creationId="{4AC852AF-97C5-FBF3-C251-760686FF6E67}"/>
-          </ac:spMkLst>
-        </pc:spChg>
-        <pc:spChg chg="add del mod">
-          <ac:chgData name="Noor,Ayaz" userId="7cf625e6-36b6-4e30-acf8-1c16eb40c4b2" providerId="ADAL" clId="{8D8C9B35-49B4-403E-80C1-E6F032E27505}" dt="2024-01-30T04:48:41.580" v="10478" actId="478"/>
-          <ac:spMkLst>
-            <pc:docMk/>
-            <pc:sldMk cId="2768203114" sldId="291"/>
-            <ac:spMk id="3" creationId="{6C924792-94D6-C1C7-6763-B13D3C2DF475}"/>
-          </ac:spMkLst>
-        </pc:spChg>
-        <pc:spChg chg="del">
-          <ac:chgData name="Noor,Ayaz" userId="7cf625e6-36b6-4e30-acf8-1c16eb40c4b2" providerId="ADAL" clId="{8D8C9B35-49B4-403E-80C1-E6F032E27505}" dt="2024-01-29T15:47:53.483" v="3681" actId="478"/>
-          <ac:spMkLst>
-            <pc:docMk/>
-            <pc:sldMk cId="2768203114" sldId="291"/>
-            <ac:spMk id="3" creationId="{BEF145AC-14B1-7AD1-9171-16BB21DA8E98}"/>
-          </ac:spMkLst>
-        </pc:spChg>
-        <pc:spChg chg="add mod">
-          <ac:chgData name="Noor,Ayaz" userId="7cf625e6-36b6-4e30-acf8-1c16eb40c4b2" providerId="ADAL" clId="{8D8C9B35-49B4-403E-80C1-E6F032E27505}" dt="2024-02-01T17:55:55.054" v="11007" actId="313"/>
-          <ac:spMkLst>
-            <pc:docMk/>
-            <pc:sldMk cId="2768203114" sldId="291"/>
-            <ac:spMk id="4" creationId="{29877AAF-7A92-EB3B-CC37-0DC8ACB99C5F}"/>
-          </ac:spMkLst>
-        </pc:spChg>
-        <pc:spChg chg="add del mod">
-          <ac:chgData name="Noor,Ayaz" userId="7cf625e6-36b6-4e30-acf8-1c16eb40c4b2" providerId="ADAL" clId="{8D8C9B35-49B4-403E-80C1-E6F032E27505}" dt="2024-01-29T15:50:50.409" v="3685" actId="47"/>
-          <ac:spMkLst>
-            <pc:docMk/>
-            <pc:sldMk cId="2768203114" sldId="291"/>
-            <ac:spMk id="4" creationId="{FEEF7FF8-1D93-98F7-FA14-F81406D398C0}"/>
-          </ac:spMkLst>
-        </pc:spChg>
-        <pc:spChg chg="add del mod">
-          <ac:chgData name="Noor,Ayaz" userId="7cf625e6-36b6-4e30-acf8-1c16eb40c4b2" providerId="ADAL" clId="{8D8C9B35-49B4-403E-80C1-E6F032E27505}" dt="2024-01-29T16:28:14.830" v="4179" actId="478"/>
-          <ac:spMkLst>
-            <pc:docMk/>
-            <pc:sldMk cId="2768203114" sldId="291"/>
-            <ac:spMk id="5" creationId="{F2544144-520D-EB68-01F0-655F40AF8690}"/>
-          </ac:spMkLst>
-        </pc:spChg>
-        <pc:spChg chg="add del mod ord">
-          <ac:chgData name="Noor,Ayaz" userId="7cf625e6-36b6-4e30-acf8-1c16eb40c4b2" providerId="ADAL" clId="{8D8C9B35-49B4-403E-80C1-E6F032E27505}" dt="2024-01-30T04:48:38.279" v="10477" actId="478"/>
-          <ac:spMkLst>
-            <pc:docMk/>
-            <pc:sldMk cId="2768203114" sldId="291"/>
-            <ac:spMk id="6" creationId="{32294C0C-F757-F661-A1AE-9723C9871375}"/>
-          </ac:spMkLst>
-        </pc:spChg>
-        <pc:spChg chg="add mod">
-          <ac:chgData name="Noor,Ayaz" userId="7cf625e6-36b6-4e30-acf8-1c16eb40c4b2" providerId="ADAL" clId="{8D8C9B35-49B4-403E-80C1-E6F032E27505}" dt="2024-01-30T14:21:42.998" v="10766"/>
-          <ac:spMkLst>
-            <pc:docMk/>
-            <pc:sldMk cId="2768203114" sldId="291"/>
-            <ac:spMk id="6" creationId="{E6C68A9C-8D78-7A88-DD44-32C7499738DF}"/>
-          </ac:spMkLst>
-        </pc:spChg>
-        <pc:spChg chg="add mod">
-          <ac:chgData name="Noor,Ayaz" userId="7cf625e6-36b6-4e30-acf8-1c16eb40c4b2" providerId="ADAL" clId="{8D8C9B35-49B4-403E-80C1-E6F032E27505}" dt="2024-01-30T04:48:43.972" v="10479"/>
-          <ac:spMkLst>
-            <pc:docMk/>
-            <pc:sldMk cId="2768203114" sldId="291"/>
-            <ac:spMk id="7" creationId="{3F3880DF-CC21-FF58-1D3E-C5A446BA26D7}"/>
-          </ac:spMkLst>
-        </pc:spChg>
-        <pc:spChg chg="add del mod">
-          <ac:chgData name="Noor,Ayaz" userId="7cf625e6-36b6-4e30-acf8-1c16eb40c4b2" providerId="ADAL" clId="{8D8C9B35-49B4-403E-80C1-E6F032E27505}" dt="2024-01-29T15:52:59.605" v="3691" actId="478"/>
-          <ac:spMkLst>
-            <pc:docMk/>
-            <pc:sldMk cId="2768203114" sldId="291"/>
-            <ac:spMk id="7" creationId="{9413F8AB-DA64-868A-878F-C8D5BC87AACB}"/>
-          </ac:spMkLst>
-        </pc:spChg>
-        <pc:spChg chg="add mod">
-          <ac:chgData name="Noor,Ayaz" userId="7cf625e6-36b6-4e30-acf8-1c16eb40c4b2" providerId="ADAL" clId="{8D8C9B35-49B4-403E-80C1-E6F032E27505}" dt="2024-01-30T14:22:08.046" v="10768" actId="207"/>
-          <ac:spMkLst>
-            <pc:docMk/>
-            <pc:sldMk cId="2768203114" sldId="291"/>
-            <ac:spMk id="8" creationId="{415501EC-7904-994E-D3BA-DB1DB01E6C8B}"/>
-          </ac:spMkLst>
-        </pc:spChg>
-        <pc:spChg chg="add del mod">
-          <ac:chgData name="Noor,Ayaz" userId="7cf625e6-36b6-4e30-acf8-1c16eb40c4b2" providerId="ADAL" clId="{8D8C9B35-49B4-403E-80C1-E6F032E27505}" dt="2024-01-29T16:01:30.324" v="4052" actId="478"/>
-          <ac:spMkLst>
-            <pc:docMk/>
-            <pc:sldMk cId="2768203114" sldId="291"/>
-            <ac:spMk id="8" creationId="{7446C518-08AF-5E1E-6E1D-369B3A5ECFB2}"/>
-          </ac:spMkLst>
-        </pc:spChg>
-        <pc:spChg chg="add del mod">
-          <ac:chgData name="Noor,Ayaz" userId="7cf625e6-36b6-4e30-acf8-1c16eb40c4b2" providerId="ADAL" clId="{8D8C9B35-49B4-403E-80C1-E6F032E27505}" dt="2024-01-29T16:01:27.039" v="4051" actId="478"/>
-          <ac:spMkLst>
-            <pc:docMk/>
-            <pc:sldMk cId="2768203114" sldId="291"/>
-            <ac:spMk id="9" creationId="{7FE965C9-300D-7A3E-A7E7-EECAC1AF8C25}"/>
-          </ac:spMkLst>
-        </pc:spChg>
-        <pc:spChg chg="mod">
-          <ac:chgData name="Noor,Ayaz" userId="7cf625e6-36b6-4e30-acf8-1c16eb40c4b2" providerId="ADAL" clId="{8D8C9B35-49B4-403E-80C1-E6F032E27505}" dt="2024-01-30T14:21:42.998" v="10766"/>
-          <ac:spMkLst>
-            <pc:docMk/>
-            <pc:sldMk cId="2768203114" sldId="291"/>
-            <ac:spMk id="10" creationId="{968A2189-C16D-D78D-4475-11757E5E4C1D}"/>
-          </ac:spMkLst>
-        </pc:spChg>
-        <pc:spChg chg="add del mod">
-          <ac:chgData name="Noor,Ayaz" userId="7cf625e6-36b6-4e30-acf8-1c16eb40c4b2" providerId="ADAL" clId="{8D8C9B35-49B4-403E-80C1-E6F032E27505}" dt="2024-01-29T16:01:24.496" v="4050" actId="478"/>
-          <ac:spMkLst>
-            <pc:docMk/>
-            <pc:sldMk cId="2768203114" sldId="291"/>
-            <ac:spMk id="10" creationId="{F24E7D28-374C-9A0A-B6E3-CA304F65CC59}"/>
-          </ac:spMkLst>
-        </pc:spChg>
-        <pc:spChg chg="mod">
-          <ac:chgData name="Noor,Ayaz" userId="7cf625e6-36b6-4e30-acf8-1c16eb40c4b2" providerId="ADAL" clId="{8D8C9B35-49B4-403E-80C1-E6F032E27505}" dt="2024-01-30T14:21:42.998" v="10766"/>
-          <ac:spMkLst>
-            <pc:docMk/>
-            <pc:sldMk cId="2768203114" sldId="291"/>
-            <ac:spMk id="11" creationId="{99D90538-0A69-7FE5-BE53-F73DFCAA21BE}"/>
-          </ac:spMkLst>
-        </pc:spChg>
-        <pc:spChg chg="add del mod">
-          <ac:chgData name="Noor,Ayaz" userId="7cf625e6-36b6-4e30-acf8-1c16eb40c4b2" providerId="ADAL" clId="{8D8C9B35-49B4-403E-80C1-E6F032E27505}" dt="2024-01-30T14:21:40.948" v="10764" actId="478"/>
-          <ac:spMkLst>
-            <pc:docMk/>
-            <pc:sldMk cId="2768203114" sldId="291"/>
-            <ac:spMk id="13" creationId="{23836CCE-6881-3F2E-668C-E18D7B9B4B60}"/>
-          </ac:spMkLst>
-        </pc:spChg>
-        <pc:spChg chg="add del mod">
-          <ac:chgData name="Noor,Ayaz" userId="7cf625e6-36b6-4e30-acf8-1c16eb40c4b2" providerId="ADAL" clId="{8D8C9B35-49B4-403E-80C1-E6F032E27505}" dt="2024-01-30T14:21:41.531" v="10765" actId="478"/>
-          <ac:spMkLst>
-            <pc:docMk/>
-            <pc:sldMk cId="2768203114" sldId="291"/>
-            <ac:spMk id="14" creationId="{5EB224DC-7B2F-179E-D104-4FBE1A1E8D03}"/>
-          </ac:spMkLst>
-        </pc:spChg>
-        <pc:spChg chg="add mod ord">
-          <ac:chgData name="Noor,Ayaz" userId="7cf625e6-36b6-4e30-acf8-1c16eb40c4b2" providerId="ADAL" clId="{8D8C9B35-49B4-403E-80C1-E6F032E27505}" dt="2024-01-29T16:15:04.294" v="4069" actId="164"/>
-          <ac:spMkLst>
-            <pc:docMk/>
-            <pc:sldMk cId="2768203114" sldId="291"/>
-            <ac:spMk id="15" creationId="{A5C4C235-9558-1115-569C-FC23C9701742}"/>
-          </ac:spMkLst>
-        </pc:spChg>
-        <pc:spChg chg="add del">
-          <ac:chgData name="Noor,Ayaz" userId="7cf625e6-36b6-4e30-acf8-1c16eb40c4b2" providerId="ADAL" clId="{8D8C9B35-49B4-403E-80C1-E6F032E27505}" dt="2024-01-29T15:54:02.815" v="3700" actId="26606"/>
-          <ac:spMkLst>
-            <pc:docMk/>
-            <pc:sldMk cId="2768203114" sldId="291"/>
-            <ac:spMk id="17" creationId="{0B67D982-25C5-4CC2-AA64-276BE3B2CA75}"/>
-          </ac:spMkLst>
-        </pc:spChg>
-        <pc:spChg chg="mod">
-          <ac:chgData name="Noor,Ayaz" userId="7cf625e6-36b6-4e30-acf8-1c16eb40c4b2" providerId="ADAL" clId="{8D8C9B35-49B4-403E-80C1-E6F032E27505}" dt="2024-01-30T14:21:42.998" v="10766"/>
-          <ac:spMkLst>
-            <pc:docMk/>
-            <pc:sldMk cId="2768203114" sldId="291"/>
-            <ac:spMk id="18" creationId="{2D9AC016-48F1-F263-D98A-1FDAA3931309}"/>
-          </ac:spMkLst>
-        </pc:spChg>
-        <pc:spChg chg="mod topLvl">
-          <ac:chgData name="Noor,Ayaz" userId="7cf625e6-36b6-4e30-acf8-1c16eb40c4b2" providerId="ADAL" clId="{8D8C9B35-49B4-403E-80C1-E6F032E27505}" dt="2024-01-29T17:49:19.369" v="4238" actId="164"/>
-          <ac:spMkLst>
-            <pc:docMk/>
-            <pc:sldMk cId="2768203114" sldId="291"/>
-            <ac:spMk id="19" creationId="{956165FD-9C89-1E4B-9172-D7747F48E689}"/>
-          </ac:spMkLst>
-        </pc:spChg>
-        <pc:spChg chg="add del mod">
-          <ac:chgData name="Noor,Ayaz" userId="7cf625e6-36b6-4e30-acf8-1c16eb40c4b2" providerId="ADAL" clId="{8D8C9B35-49B4-403E-80C1-E6F032E27505}" dt="2024-01-30T04:48:38.279" v="10477" actId="478"/>
-          <ac:spMkLst>
-            <pc:docMk/>
-            <pc:sldMk cId="2768203114" sldId="291"/>
-            <ac:spMk id="21" creationId="{56C1BE18-D29A-FC52-C6BE-2BB09F80E114}"/>
-          </ac:spMkLst>
-        </pc:spChg>
-        <pc:spChg chg="mod">
-          <ac:chgData name="Noor,Ayaz" userId="7cf625e6-36b6-4e30-acf8-1c16eb40c4b2" providerId="ADAL" clId="{8D8C9B35-49B4-403E-80C1-E6F032E27505}" dt="2024-01-30T14:21:42.998" v="10766"/>
-          <ac:spMkLst>
-            <pc:docMk/>
-            <pc:sldMk cId="2768203114" sldId="291"/>
-            <ac:spMk id="21" creationId="{65A309BC-06BB-BDE6-9C9C-E5550A25B05E}"/>
-          </ac:spMkLst>
-        </pc:spChg>
-        <pc:spChg chg="add del mod">
-          <ac:chgData name="Noor,Ayaz" userId="7cf625e6-36b6-4e30-acf8-1c16eb40c4b2" providerId="ADAL" clId="{8D8C9B35-49B4-403E-80C1-E6F032E27505}" dt="2024-01-30T04:48:38.279" v="10477" actId="478"/>
-          <ac:spMkLst>
-            <pc:docMk/>
-            <pc:sldMk cId="2768203114" sldId="291"/>
-            <ac:spMk id="22" creationId="{604619BC-7F8D-E794-7885-239B511764CD}"/>
-          </ac:spMkLst>
-        </pc:spChg>
-        <pc:spChg chg="add del mod">
-          <ac:chgData name="Noor,Ayaz" userId="7cf625e6-36b6-4e30-acf8-1c16eb40c4b2" providerId="ADAL" clId="{8D8C9B35-49B4-403E-80C1-E6F032E27505}" dt="2024-01-29T16:25:56.382" v="4131" actId="11529"/>
-          <ac:spMkLst>
-            <pc:docMk/>
-            <pc:sldMk cId="2768203114" sldId="291"/>
-            <ac:spMk id="23" creationId="{6F2EDF3C-FE2F-4395-7027-B5E4A03F79E6}"/>
-          </ac:spMkLst>
-        </pc:spChg>
-        <pc:spChg chg="add mod">
-          <ac:chgData name="Noor,Ayaz" userId="7cf625e6-36b6-4e30-acf8-1c16eb40c4b2" providerId="ADAL" clId="{8D8C9B35-49B4-403E-80C1-E6F032E27505}" dt="2024-01-29T16:29:24.927" v="4213" actId="1076"/>
-          <ac:spMkLst>
-            <pc:docMk/>
-            <pc:sldMk cId="2768203114" sldId="291"/>
-            <ac:spMk id="24" creationId="{8A1101BF-F0AA-CCDE-A0D3-AC068F4CF9A0}"/>
-          </ac:spMkLst>
-        </pc:spChg>
-        <pc:spChg chg="add del">
-          <ac:chgData name="Noor,Ayaz" userId="7cf625e6-36b6-4e30-acf8-1c16eb40c4b2" providerId="ADAL" clId="{8D8C9B35-49B4-403E-80C1-E6F032E27505}" dt="2024-01-29T16:17:08.838" v="4091" actId="26606"/>
-          <ac:spMkLst>
-            <pc:docMk/>
-            <pc:sldMk cId="2768203114" sldId="291"/>
-            <ac:spMk id="25" creationId="{FF19E647-F6F0-4ABE-B7B9-F27F45A457FA}"/>
-          </ac:spMkLst>
-        </pc:spChg>
-        <pc:spChg chg="add del mod">
-          <ac:chgData name="Noor,Ayaz" userId="7cf625e6-36b6-4e30-acf8-1c16eb40c4b2" providerId="ADAL" clId="{8D8C9B35-49B4-403E-80C1-E6F032E27505}" dt="2024-01-29T16:28:19.664" v="4180" actId="478"/>
-          <ac:spMkLst>
-            <pc:docMk/>
-            <pc:sldMk cId="2768203114" sldId="291"/>
-            <ac:spMk id="28" creationId="{9C2BD14A-62A1-1204-408A-4E1C71F2450C}"/>
-          </ac:spMkLst>
-        </pc:spChg>
-        <pc:spChg chg="add del">
-          <ac:chgData name="Noor,Ayaz" userId="7cf625e6-36b6-4e30-acf8-1c16eb40c4b2" providerId="ADAL" clId="{8D8C9B35-49B4-403E-80C1-E6F032E27505}" dt="2024-01-29T16:17:08.838" v="4091" actId="26606"/>
-          <ac:spMkLst>
-            <pc:docMk/>
-            <pc:sldMk cId="2768203114" sldId="291"/>
-            <ac:spMk id="29" creationId="{FA2289DB-F4F2-44AA-8ED3-0141E331B7AA}"/>
-          </ac:spMkLst>
-        </pc:spChg>
-        <pc:spChg chg="add del mod">
-          <ac:chgData name="Noor,Ayaz" userId="7cf625e6-36b6-4e30-acf8-1c16eb40c4b2" providerId="ADAL" clId="{8D8C9B35-49B4-403E-80C1-E6F032E27505}" dt="2024-01-30T14:21:37.305" v="10762" actId="478"/>
-          <ac:spMkLst>
-            <pc:docMk/>
-            <pc:sldMk cId="2768203114" sldId="291"/>
-            <ac:spMk id="30" creationId="{401FB0C4-43D7-9EA8-194E-0542C116E27E}"/>
-          </ac:spMkLst>
-        </pc:spChg>
-        <pc:spChg chg="add del">
-          <ac:chgData name="Noor,Ayaz" userId="7cf625e6-36b6-4e30-acf8-1c16eb40c4b2" providerId="ADAL" clId="{8D8C9B35-49B4-403E-80C1-E6F032E27505}" dt="2024-01-29T16:17:08.838" v="4091" actId="26606"/>
-          <ac:spMkLst>
-            <pc:docMk/>
-            <pc:sldMk cId="2768203114" sldId="291"/>
-            <ac:spMk id="31" creationId="{44C115A1-A2B9-496D-8FC5-3B6AA2BC9C8F}"/>
-          </ac:spMkLst>
-        </pc:spChg>
-        <pc:spChg chg="add del">
-          <ac:chgData name="Noor,Ayaz" userId="7cf625e6-36b6-4e30-acf8-1c16eb40c4b2" providerId="ADAL" clId="{8D8C9B35-49B4-403E-80C1-E6F032E27505}" dt="2024-01-29T16:17:08.838" v="4091" actId="26606"/>
-          <ac:spMkLst>
-            <pc:docMk/>
-            <pc:sldMk cId="2768203114" sldId="291"/>
-            <ac:spMk id="33" creationId="{29FA7D49-FB1E-4C96-AD88-49252278DBD1}"/>
-          </ac:spMkLst>
-        </pc:spChg>
-        <pc:grpChg chg="add mod">
-          <ac:chgData name="Noor,Ayaz" userId="7cf625e6-36b6-4e30-acf8-1c16eb40c4b2" providerId="ADAL" clId="{8D8C9B35-49B4-403E-80C1-E6F032E27505}" dt="2024-01-30T04:48:57.489" v="10480" actId="14100"/>
-          <ac:grpSpMkLst>
-            <pc:docMk/>
-            <pc:sldMk cId="2768203114" sldId="291"/>
-            <ac:grpSpMk id="5" creationId="{4CA96791-37B0-C138-1CC5-9B220D06275B}"/>
-          </ac:grpSpMkLst>
-        </pc:grpChg>
-        <pc:grpChg chg="add mod">
-          <ac:chgData name="Noor,Ayaz" userId="7cf625e6-36b6-4e30-acf8-1c16eb40c4b2" providerId="ADAL" clId="{8D8C9B35-49B4-403E-80C1-E6F032E27505}" dt="2024-01-30T14:21:42.998" v="10766"/>
-          <ac:grpSpMkLst>
-            <pc:docMk/>
-            <pc:sldMk cId="2768203114" sldId="291"/>
-            <ac:grpSpMk id="9" creationId="{2BD5131B-A405-05B1-070B-8ECAE3A61DA2}"/>
-          </ac:grpSpMkLst>
-        </pc:grpChg>
-        <pc:grpChg chg="add mod ord">
-          <ac:chgData name="Noor,Ayaz" userId="7cf625e6-36b6-4e30-acf8-1c16eb40c4b2" providerId="ADAL" clId="{8D8C9B35-49B4-403E-80C1-E6F032E27505}" dt="2024-01-30T04:49:00.210" v="10481" actId="14100"/>
-          <ac:grpSpMkLst>
-            <pc:docMk/>
-            <pc:sldMk cId="2768203114" sldId="291"/>
-            <ac:grpSpMk id="16" creationId="{CB7B41C3-656B-589C-78CE-CFE95624DA15}"/>
-          </ac:grpSpMkLst>
-        </pc:grpChg>
-        <pc:grpChg chg="add mod">
-          <ac:chgData name="Noor,Ayaz" userId="7cf625e6-36b6-4e30-acf8-1c16eb40c4b2" providerId="ADAL" clId="{8D8C9B35-49B4-403E-80C1-E6F032E27505}" dt="2024-01-30T14:21:42.998" v="10766"/>
-          <ac:grpSpMkLst>
-            <pc:docMk/>
-            <pc:sldMk cId="2768203114" sldId="291"/>
-            <ac:grpSpMk id="17" creationId="{1480BD99-7819-2B85-D2C8-3162657CCF0C}"/>
-          </ac:grpSpMkLst>
-        </pc:grpChg>
-        <pc:grpChg chg="add del mod">
-          <ac:chgData name="Noor,Ayaz" userId="7cf625e6-36b6-4e30-acf8-1c16eb40c4b2" providerId="ADAL" clId="{8D8C9B35-49B4-403E-80C1-E6F032E27505}" dt="2024-01-29T17:43:39.719" v="4218" actId="165"/>
-          <ac:grpSpMkLst>
-            <pc:docMk/>
-            <pc:sldMk cId="2768203114" sldId="291"/>
-            <ac:grpSpMk id="18" creationId="{B61BFDE1-74F8-DFAC-0D9A-7C200413830B}"/>
-          </ac:grpSpMkLst>
-        </pc:grpChg>
-        <pc:picChg chg="add mod ord">
-          <ac:chgData name="Noor,Ayaz" userId="7cf625e6-36b6-4e30-acf8-1c16eb40c4b2" providerId="ADAL" clId="{8D8C9B35-49B4-403E-80C1-E6F032E27505}" dt="2024-01-29T16:15:04.294" v="4069" actId="164"/>
-          <ac:picMkLst>
-            <pc:docMk/>
-            <pc:sldMk cId="2768203114" sldId="291"/>
-            <ac:picMk id="12" creationId="{53DC4766-C57B-1562-7177-CB793CCEECB8}"/>
-          </ac:picMkLst>
-        </pc:picChg>
-        <pc:picChg chg="mod topLvl">
-          <ac:chgData name="Noor,Ayaz" userId="7cf625e6-36b6-4e30-acf8-1c16eb40c4b2" providerId="ADAL" clId="{8D8C9B35-49B4-403E-80C1-E6F032E27505}" dt="2024-01-29T17:49:19.369" v="4238" actId="164"/>
-          <ac:picMkLst>
-            <pc:docMk/>
-            <pc:sldMk cId="2768203114" sldId="291"/>
-            <ac:picMk id="20" creationId="{355EB91C-A64D-EFCF-EE9C-31FAA47D4873}"/>
-          </ac:picMkLst>
-        </pc:picChg>
-        <pc:cxnChg chg="add del">
-          <ac:chgData name="Noor,Ayaz" userId="7cf625e6-36b6-4e30-acf8-1c16eb40c4b2" providerId="ADAL" clId="{8D8C9B35-49B4-403E-80C1-E6F032E27505}" dt="2024-01-29T16:17:08.838" v="4091" actId="26606"/>
-          <ac:cxnSpMkLst>
-            <pc:docMk/>
-            <pc:sldMk cId="2768203114" sldId="291"/>
-            <ac:cxnSpMk id="27" creationId="{92BFA6EF-C8B5-4562-9718-3167CB1C9C27}"/>
-          </ac:cxnSpMkLst>
-        </pc:cxnChg>
-      </pc:sldChg>
-      <pc:sldChg chg="addSp delSp modSp new del mod">
-        <pc:chgData name="Noor,Ayaz" userId="7cf625e6-36b6-4e30-acf8-1c16eb40c4b2" providerId="ADAL" clId="{8D8C9B35-49B4-403E-80C1-E6F032E27505}" dt="2024-01-30T02:30:53.312" v="5423" actId="2696"/>
-        <pc:sldMkLst>
-          <pc:docMk/>
-          <pc:sldMk cId="1818807932" sldId="292"/>
-        </pc:sldMkLst>
-        <pc:spChg chg="del">
-          <ac:chgData name="Noor,Ayaz" userId="7cf625e6-36b6-4e30-acf8-1c16eb40c4b2" providerId="ADAL" clId="{8D8C9B35-49B4-403E-80C1-E6F032E27505}" dt="2024-01-29T17:43:29.324" v="4215" actId="478"/>
-          <ac:spMkLst>
-            <pc:docMk/>
-            <pc:sldMk cId="1818807932" sldId="292"/>
-            <ac:spMk id="2" creationId="{F3B3D76C-E68E-5E96-5780-B846C27E5B7B}"/>
-          </ac:spMkLst>
-        </pc:spChg>
-        <pc:spChg chg="del">
-          <ac:chgData name="Noor,Ayaz" userId="7cf625e6-36b6-4e30-acf8-1c16eb40c4b2" providerId="ADAL" clId="{8D8C9B35-49B4-403E-80C1-E6F032E27505}" dt="2024-01-29T17:43:26.063" v="4214" actId="478"/>
-          <ac:spMkLst>
-            <pc:docMk/>
-            <pc:sldMk cId="1818807932" sldId="292"/>
-            <ac:spMk id="3" creationId="{1825D104-3A7C-C961-D3D9-06893E61D00A}"/>
-          </ac:spMkLst>
-        </pc:spChg>
-        <pc:spChg chg="add mod">
-          <ac:chgData name="Noor,Ayaz" userId="7cf625e6-36b6-4e30-acf8-1c16eb40c4b2" providerId="ADAL" clId="{8D8C9B35-49B4-403E-80C1-E6F032E27505}" dt="2024-01-29T17:44:55.300" v="4230" actId="164"/>
-          <ac:spMkLst>
-            <pc:docMk/>
-            <pc:sldMk cId="1818807932" sldId="292"/>
-            <ac:spMk id="6" creationId="{E096E8A2-B947-9347-8976-24AE66E8F711}"/>
-          </ac:spMkLst>
-        </pc:spChg>
-        <pc:grpChg chg="add mod">
-          <ac:chgData name="Noor,Ayaz" userId="7cf625e6-36b6-4e30-acf8-1c16eb40c4b2" providerId="ADAL" clId="{8D8C9B35-49B4-403E-80C1-E6F032E27505}" dt="2024-01-29T17:44:55.300" v="4230" actId="164"/>
-          <ac:grpSpMkLst>
-            <pc:docMk/>
-            <pc:sldMk cId="1818807932" sldId="292"/>
-            <ac:grpSpMk id="9" creationId="{376D7AC7-5149-CBCF-A094-356B77F9CB3B}"/>
-          </ac:grpSpMkLst>
-        </pc:grpChg>
-        <pc:picChg chg="add del mod">
-          <ac:chgData name="Noor,Ayaz" userId="7cf625e6-36b6-4e30-acf8-1c16eb40c4b2" providerId="ADAL" clId="{8D8C9B35-49B4-403E-80C1-E6F032E27505}" dt="2024-01-29T17:43:52.048" v="4221" actId="478"/>
-          <ac:picMkLst>
-            <pc:docMk/>
-            <pc:sldMk cId="1818807932" sldId="292"/>
-            <ac:picMk id="5" creationId="{51EC2FAF-8C2E-7382-0FEA-7C86C22D2FC8}"/>
-          </ac:picMkLst>
-        </pc:picChg>
-        <pc:picChg chg="add mod">
-          <ac:chgData name="Noor,Ayaz" userId="7cf625e6-36b6-4e30-acf8-1c16eb40c4b2" providerId="ADAL" clId="{8D8C9B35-49B4-403E-80C1-E6F032E27505}" dt="2024-01-29T17:44:55.300" v="4230" actId="164"/>
-          <ac:picMkLst>
-            <pc:docMk/>
-            <pc:sldMk cId="1818807932" sldId="292"/>
-            <ac:picMk id="8" creationId="{840029CD-E6BE-1F96-60BE-B5489DD8C651}"/>
-          </ac:picMkLst>
-        </pc:picChg>
-      </pc:sldChg>
-      <pc:sldChg chg="addSp delSp modSp mod">
-        <pc:chgData name="Noor,Ayaz" userId="7cf625e6-36b6-4e30-acf8-1c16eb40c4b2" providerId="ADAL" clId="{8D8C9B35-49B4-403E-80C1-E6F032E27505}" dt="2024-01-30T14:21:18.430" v="10761" actId="207"/>
-        <pc:sldMkLst>
-          <pc:docMk/>
-          <pc:sldMk cId="2008851500" sldId="293"/>
-        </pc:sldMkLst>
-        <pc:spChg chg="mod topLvl">
-          <ac:chgData name="Noor,Ayaz" userId="7cf625e6-36b6-4e30-acf8-1c16eb40c4b2" providerId="ADAL" clId="{8D8C9B35-49B4-403E-80C1-E6F032E27505}" dt="2024-01-30T04:06:15.407" v="8080" actId="164"/>
-          <ac:spMkLst>
-            <pc:docMk/>
-            <pc:sldMk cId="2008851500" sldId="293"/>
-            <ac:spMk id="3" creationId="{74D9A81D-D459-5640-7533-94F78ADF76BF}"/>
-          </ac:spMkLst>
-        </pc:spChg>
-        <pc:spChg chg="add del mod">
-          <ac:chgData name="Noor,Ayaz" userId="7cf625e6-36b6-4e30-acf8-1c16eb40c4b2" providerId="ADAL" clId="{8D8C9B35-49B4-403E-80C1-E6F032E27505}" dt="2024-01-30T14:18:21.478" v="10725" actId="478"/>
-          <ac:spMkLst>
-            <pc:docMk/>
-            <pc:sldMk cId="2008851500" sldId="293"/>
-            <ac:spMk id="4" creationId="{AE05C4FF-5B7F-FD7B-A0F2-D8EDB7F60B7C}"/>
-          </ac:spMkLst>
-        </pc:spChg>
-        <pc:spChg chg="add mod">
-          <ac:chgData name="Noor,Ayaz" userId="7cf625e6-36b6-4e30-acf8-1c16eb40c4b2" providerId="ADAL" clId="{8D8C9B35-49B4-403E-80C1-E6F032E27505}" dt="2024-01-30T14:19:14.468" v="10750" actId="20577"/>
-          <ac:spMkLst>
-            <pc:docMk/>
-            <pc:sldMk cId="2008851500" sldId="293"/>
-            <ac:spMk id="5" creationId="{D7EA4CE5-46A4-0201-758E-C7FC0DABDB4B}"/>
-          </ac:spMkLst>
-        </pc:spChg>
-        <pc:spChg chg="mod">
-          <ac:chgData name="Noor,Ayaz" userId="7cf625e6-36b6-4e30-acf8-1c16eb40c4b2" providerId="ADAL" clId="{8D8C9B35-49B4-403E-80C1-E6F032E27505}" dt="2024-01-30T14:21:18.430" v="10761" actId="207"/>
-          <ac:spMkLst>
-            <pc:docMk/>
-            <pc:sldMk cId="2008851500" sldId="293"/>
-            <ac:spMk id="6" creationId="{32294C0C-F757-F661-A1AE-9723C9871375}"/>
-          </ac:spMkLst>
-        </pc:spChg>
-        <pc:spChg chg="mod">
-          <ac:chgData name="Noor,Ayaz" userId="7cf625e6-36b6-4e30-acf8-1c16eb40c4b2" providerId="ADAL" clId="{8D8C9B35-49B4-403E-80C1-E6F032E27505}" dt="2024-01-30T14:18:26.391" v="10728"/>
-          <ac:spMkLst>
-            <pc:docMk/>
-            <pc:sldMk cId="2008851500" sldId="293"/>
-            <ac:spMk id="10" creationId="{3847C9A0-CFF7-146B-6FC1-A4C80C29D6AE}"/>
-          </ac:spMkLst>
-        </pc:spChg>
-        <pc:spChg chg="mod">
-          <ac:chgData name="Noor,Ayaz" userId="7cf625e6-36b6-4e30-acf8-1c16eb40c4b2" providerId="ADAL" clId="{8D8C9B35-49B4-403E-80C1-E6F032E27505}" dt="2024-01-30T14:18:26.391" v="10728"/>
-          <ac:spMkLst>
-            <pc:docMk/>
-            <pc:sldMk cId="2008851500" sldId="293"/>
-            <ac:spMk id="11" creationId="{3600D5C4-71F4-29F3-E75E-266FA4D98107}"/>
-          </ac:spMkLst>
-        </pc:spChg>
-        <pc:spChg chg="del">
-          <ac:chgData name="Noor,Ayaz" userId="7cf625e6-36b6-4e30-acf8-1c16eb40c4b2" providerId="ADAL" clId="{8D8C9B35-49B4-403E-80C1-E6F032E27505}" dt="2024-01-30T14:18:24.674" v="10727" actId="478"/>
-          <ac:spMkLst>
-            <pc:docMk/>
-            <pc:sldMk cId="2008851500" sldId="293"/>
-            <ac:spMk id="13" creationId="{23836CCE-6881-3F2E-668C-E18D7B9B4B60}"/>
-          </ac:spMkLst>
-        </pc:spChg>
-        <pc:spChg chg="del">
-          <ac:chgData name="Noor,Ayaz" userId="7cf625e6-36b6-4e30-acf8-1c16eb40c4b2" providerId="ADAL" clId="{8D8C9B35-49B4-403E-80C1-E6F032E27505}" dt="2024-01-30T14:18:24.045" v="10726" actId="478"/>
-          <ac:spMkLst>
-            <pc:docMk/>
-            <pc:sldMk cId="2008851500" sldId="293"/>
-            <ac:spMk id="14" creationId="{5EB224DC-7B2F-179E-D104-4FBE1A1E8D03}"/>
-          </ac:spMkLst>
-        </pc:spChg>
-        <pc:spChg chg="mod">
-          <ac:chgData name="Noor,Ayaz" userId="7cf625e6-36b6-4e30-acf8-1c16eb40c4b2" providerId="ADAL" clId="{8D8C9B35-49B4-403E-80C1-E6F032E27505}" dt="2024-01-30T14:18:26.391" v="10728"/>
-          <ac:spMkLst>
-            <pc:docMk/>
-            <pc:sldMk cId="2008851500" sldId="293"/>
-            <ac:spMk id="18" creationId="{148732D8-5334-456E-859C-C16833BFDDB5}"/>
-          </ac:spMkLst>
-        </pc:spChg>
-        <pc:spChg chg="del">
-          <ac:chgData name="Noor,Ayaz" userId="7cf625e6-36b6-4e30-acf8-1c16eb40c4b2" providerId="ADAL" clId="{8D8C9B35-49B4-403E-80C1-E6F032E27505}" dt="2024-01-29T17:48:22.552" v="4232" actId="478"/>
-          <ac:spMkLst>
-            <pc:docMk/>
-            <pc:sldMk cId="2008851500" sldId="293"/>
-            <ac:spMk id="19" creationId="{956165FD-9C89-1E4B-9172-D7747F48E689}"/>
-          </ac:spMkLst>
-        </pc:spChg>
-        <pc:spChg chg="mod">
-          <ac:chgData name="Noor,Ayaz" userId="7cf625e6-36b6-4e30-acf8-1c16eb40c4b2" providerId="ADAL" clId="{8D8C9B35-49B4-403E-80C1-E6F032E27505}" dt="2024-01-30T14:18:26.391" v="10728"/>
-          <ac:spMkLst>
-            <pc:docMk/>
-            <pc:sldMk cId="2008851500" sldId="293"/>
-            <ac:spMk id="19" creationId="{B5F03D37-FCB3-5575-43BF-D9F1C9608192}"/>
-          </ac:spMkLst>
-        </pc:spChg>
-        <pc:spChg chg="mod">
-          <ac:chgData name="Noor,Ayaz" userId="7cf625e6-36b6-4e30-acf8-1c16eb40c4b2" providerId="ADAL" clId="{8D8C9B35-49B4-403E-80C1-E6F032E27505}" dt="2024-01-30T14:20:57.981" v="10759" actId="207"/>
-          <ac:spMkLst>
-            <pc:docMk/>
-            <pc:sldMk cId="2008851500" sldId="293"/>
-            <ac:spMk id="21" creationId="{56C1BE18-D29A-FC52-C6BE-2BB09F80E114}"/>
-          </ac:spMkLst>
-        </pc:spChg>
-        <pc:spChg chg="mod">
-          <ac:chgData name="Noor,Ayaz" userId="7cf625e6-36b6-4e30-acf8-1c16eb40c4b2" providerId="ADAL" clId="{8D8C9B35-49B4-403E-80C1-E6F032E27505}" dt="2024-01-30T14:21:07.162" v="10760" actId="207"/>
-          <ac:spMkLst>
-            <pc:docMk/>
-            <pc:sldMk cId="2008851500" sldId="293"/>
-            <ac:spMk id="22" creationId="{604619BC-7F8D-E794-7885-239B511764CD}"/>
-          </ac:spMkLst>
-        </pc:spChg>
-        <pc:spChg chg="mod">
-          <ac:chgData name="Noor,Ayaz" userId="7cf625e6-36b6-4e30-acf8-1c16eb40c4b2" providerId="ADAL" clId="{8D8C9B35-49B4-403E-80C1-E6F032E27505}" dt="2024-01-30T04:06:23.559" v="8082" actId="1076"/>
-          <ac:spMkLst>
-            <pc:docMk/>
-            <pc:sldMk cId="2008851500" sldId="293"/>
-            <ac:spMk id="24" creationId="{8A1101BF-F0AA-CCDE-A0D3-AC068F4CF9A0}"/>
-          </ac:spMkLst>
-        </pc:spChg>
-        <pc:spChg chg="del">
-          <ac:chgData name="Noor,Ayaz" userId="7cf625e6-36b6-4e30-acf8-1c16eb40c4b2" providerId="ADAL" clId="{8D8C9B35-49B4-403E-80C1-E6F032E27505}" dt="2024-01-30T14:18:20.018" v="10724" actId="478"/>
-          <ac:spMkLst>
-            <pc:docMk/>
-            <pc:sldMk cId="2008851500" sldId="293"/>
-            <ac:spMk id="30" creationId="{401FB0C4-43D7-9EA8-194E-0542C116E27E}"/>
-          </ac:spMkLst>
-        </pc:spChg>
-        <pc:grpChg chg="add del mod">
-          <ac:chgData name="Noor,Ayaz" userId="7cf625e6-36b6-4e30-acf8-1c16eb40c4b2" providerId="ADAL" clId="{8D8C9B35-49B4-403E-80C1-E6F032E27505}" dt="2024-01-30T04:05:33.418" v="8071" actId="165"/>
-          <ac:grpSpMkLst>
-            <pc:docMk/>
-            <pc:sldMk cId="2008851500" sldId="293"/>
-            <ac:grpSpMk id="2" creationId="{F05F763B-CD94-7D05-DBB0-6280B734EB06}"/>
-          </ac:grpSpMkLst>
-        </pc:grpChg>
-        <pc:grpChg chg="add mod">
-          <ac:chgData name="Noor,Ayaz" userId="7cf625e6-36b6-4e30-acf8-1c16eb40c4b2" providerId="ADAL" clId="{8D8C9B35-49B4-403E-80C1-E6F032E27505}" dt="2024-01-30T04:17:38.643" v="8799" actId="1076"/>
-          <ac:grpSpMkLst>
-            <pc:docMk/>
-            <pc:sldMk cId="2008851500" sldId="293"/>
-            <ac:grpSpMk id="8" creationId="{5263E347-FEB3-D5B2-AC20-DD326BEB198C}"/>
-          </ac:grpSpMkLst>
-        </pc:grpChg>
-        <pc:grpChg chg="add mod">
-          <ac:chgData name="Noor,Ayaz" userId="7cf625e6-36b6-4e30-acf8-1c16eb40c4b2" providerId="ADAL" clId="{8D8C9B35-49B4-403E-80C1-E6F032E27505}" dt="2024-01-30T14:18:26.391" v="10728"/>
-          <ac:grpSpMkLst>
-            <pc:docMk/>
-            <pc:sldMk cId="2008851500" sldId="293"/>
-            <ac:grpSpMk id="9" creationId="{3F7FD265-C3F7-0F87-9E7B-C68D2B859418}"/>
-          </ac:grpSpMkLst>
-        </pc:grpChg>
-        <pc:grpChg chg="mod">
-          <ac:chgData name="Noor,Ayaz" userId="7cf625e6-36b6-4e30-acf8-1c16eb40c4b2" providerId="ADAL" clId="{8D8C9B35-49B4-403E-80C1-E6F032E27505}" dt="2024-01-30T04:17:32.785" v="8798" actId="14100"/>
-          <ac:grpSpMkLst>
-            <pc:docMk/>
-            <pc:sldMk cId="2008851500" sldId="293"/>
-            <ac:grpSpMk id="16" creationId="{CB7B41C3-656B-589C-78CE-CFE95624DA15}"/>
-          </ac:grpSpMkLst>
-        </pc:grpChg>
-        <pc:grpChg chg="add mod">
-          <ac:chgData name="Noor,Ayaz" userId="7cf625e6-36b6-4e30-acf8-1c16eb40c4b2" providerId="ADAL" clId="{8D8C9B35-49B4-403E-80C1-E6F032E27505}" dt="2024-01-30T14:18:26.391" v="10728"/>
-          <ac:grpSpMkLst>
-            <pc:docMk/>
-            <pc:sldMk cId="2008851500" sldId="293"/>
-            <ac:grpSpMk id="17" creationId="{8D4F2BC5-224F-D3FD-0229-E6738A0772B0}"/>
-          </ac:grpSpMkLst>
-        </pc:grpChg>
-        <pc:picChg chg="del mod topLvl">
-          <ac:chgData name="Noor,Ayaz" userId="7cf625e6-36b6-4e30-acf8-1c16eb40c4b2" providerId="ADAL" clId="{8D8C9B35-49B4-403E-80C1-E6F032E27505}" dt="2024-01-30T04:05:35.692" v="8072" actId="478"/>
-          <ac:picMkLst>
-            <pc:docMk/>
-            <pc:sldMk cId="2008851500" sldId="293"/>
-            <ac:picMk id="4" creationId="{ADEC3C27-691A-46E5-BA9D-438B07A95AE3}"/>
-          </ac:picMkLst>
-        </pc:picChg>
-        <pc:picChg chg="add mod">
-          <ac:chgData name="Noor,Ayaz" userId="7cf625e6-36b6-4e30-acf8-1c16eb40c4b2" providerId="ADAL" clId="{8D8C9B35-49B4-403E-80C1-E6F032E27505}" dt="2024-01-30T04:06:15.407" v="8080" actId="164"/>
-          <ac:picMkLst>
-            <pc:docMk/>
-            <pc:sldMk cId="2008851500" sldId="293"/>
-            <ac:picMk id="7" creationId="{4DC0E246-803C-1F04-1DA9-3D2A55BF1DE4}"/>
-          </ac:picMkLst>
-        </pc:picChg>
-        <pc:picChg chg="del">
-          <ac:chgData name="Noor,Ayaz" userId="7cf625e6-36b6-4e30-acf8-1c16eb40c4b2" providerId="ADAL" clId="{8D8C9B35-49B4-403E-80C1-E6F032E27505}" dt="2024-01-29T17:48:21.203" v="4231" actId="478"/>
-          <ac:picMkLst>
-            <pc:docMk/>
-            <pc:sldMk cId="2008851500" sldId="293"/>
-            <ac:picMk id="20" creationId="{355EB91C-A64D-EFCF-EE9C-31FAA47D4873}"/>
-          </ac:picMkLst>
-        </pc:picChg>
-      </pc:sldChg>
-      <pc:sldChg chg="addSp delSp modSp mod">
-        <pc:chgData name="Noor,Ayaz" userId="7cf625e6-36b6-4e30-acf8-1c16eb40c4b2" providerId="ADAL" clId="{8D8C9B35-49B4-403E-80C1-E6F032E27505}" dt="2024-01-30T14:23:56.246" v="10802" actId="207"/>
-        <pc:sldMkLst>
-          <pc:docMk/>
-          <pc:sldMk cId="2640344455" sldId="294"/>
-        </pc:sldMkLst>
-        <pc:spChg chg="add mod ord">
-          <ac:chgData name="Noor,Ayaz" userId="7cf625e6-36b6-4e30-acf8-1c16eb40c4b2" providerId="ADAL" clId="{8D8C9B35-49B4-403E-80C1-E6F032E27505}" dt="2024-01-29T18:14:22.202" v="4478" actId="164"/>
-          <ac:spMkLst>
-            <pc:docMk/>
-            <pc:sldMk cId="2640344455" sldId="294"/>
-            <ac:spMk id="4" creationId="{3EFD18AA-2790-B2FF-F82A-0AC63799F904}"/>
-          </ac:spMkLst>
-        </pc:spChg>
-        <pc:spChg chg="add del mod">
-          <ac:chgData name="Noor,Ayaz" userId="7cf625e6-36b6-4e30-acf8-1c16eb40c4b2" providerId="ADAL" clId="{8D8C9B35-49B4-403E-80C1-E6F032E27505}" dt="2024-01-30T14:23:23.683" v="10797" actId="478"/>
-          <ac:spMkLst>
-            <pc:docMk/>
-            <pc:sldMk cId="2640344455" sldId="294"/>
-            <ac:spMk id="6" creationId="{240D581C-4A8E-7362-BADE-1357DF9BD6A5}"/>
-          </ac:spMkLst>
-        </pc:spChg>
-        <pc:spChg chg="del">
-          <ac:chgData name="Noor,Ayaz" userId="7cf625e6-36b6-4e30-acf8-1c16eb40c4b2" providerId="ADAL" clId="{8D8C9B35-49B4-403E-80C1-E6F032E27505}" dt="2024-01-30T04:49:14.054" v="10482" actId="478"/>
-          <ac:spMkLst>
-            <pc:docMk/>
-            <pc:sldMk cId="2640344455" sldId="294"/>
-            <ac:spMk id="6" creationId="{32294C0C-F757-F661-A1AE-9723C9871375}"/>
-          </ac:spMkLst>
-        </pc:spChg>
-        <pc:spChg chg="add mod">
-          <ac:chgData name="Noor,Ayaz" userId="7cf625e6-36b6-4e30-acf8-1c16eb40c4b2" providerId="ADAL" clId="{8D8C9B35-49B4-403E-80C1-E6F032E27505}" dt="2024-01-30T04:49:48.697" v="10492" actId="1076"/>
-          <ac:spMkLst>
-            <pc:docMk/>
-            <pc:sldMk cId="2640344455" sldId="294"/>
-            <ac:spMk id="7" creationId="{DFD509DC-F964-7944-59F2-79B239074D02}"/>
-          </ac:spMkLst>
-        </pc:spChg>
-        <pc:spChg chg="add del mod">
-          <ac:chgData name="Noor,Ayaz" userId="7cf625e6-36b6-4e30-acf8-1c16eb40c4b2" providerId="ADAL" clId="{8D8C9B35-49B4-403E-80C1-E6F032E27505}" dt="2024-01-30T04:49:18.617" v="10485" actId="478"/>
-          <ac:spMkLst>
-            <pc:docMk/>
-            <pc:sldMk cId="2640344455" sldId="294"/>
-            <ac:spMk id="8" creationId="{115B5969-852E-592F-1F10-997CF02A2284}"/>
-          </ac:spMkLst>
-        </pc:spChg>
-        <pc:spChg chg="add mod">
-          <ac:chgData name="Noor,Ayaz" userId="7cf625e6-36b6-4e30-acf8-1c16eb40c4b2" providerId="ADAL" clId="{8D8C9B35-49B4-403E-80C1-E6F032E27505}" dt="2024-01-30T14:23:40.700" v="10800"/>
-          <ac:spMkLst>
-            <pc:docMk/>
-            <pc:sldMk cId="2640344455" sldId="294"/>
-            <ac:spMk id="8" creationId="{5DE12129-E4F5-4B33-B6E1-9446FC9D111E}"/>
-          </ac:spMkLst>
-        </pc:spChg>
-        <pc:spChg chg="add mod">
-          <ac:chgData name="Noor,Ayaz" userId="7cf625e6-36b6-4e30-acf8-1c16eb40c4b2" providerId="ADAL" clId="{8D8C9B35-49B4-403E-80C1-E6F032E27505}" dt="2024-01-30T14:23:53.405" v="10801" actId="207"/>
-          <ac:spMkLst>
-            <pc:docMk/>
-            <pc:sldMk cId="2640344455" sldId="294"/>
-            <ac:spMk id="9" creationId="{59F8E870-3EE3-112F-DDCC-B182935D4392}"/>
-          </ac:spMkLst>
-        </pc:spChg>
-        <pc:spChg chg="add mod">
-          <ac:chgData name="Noor,Ayaz" userId="7cf625e6-36b6-4e30-acf8-1c16eb40c4b2" providerId="ADAL" clId="{8D8C9B35-49B4-403E-80C1-E6F032E27505}" dt="2024-01-30T14:23:56.246" v="10802" actId="207"/>
-          <ac:spMkLst>
-            <pc:docMk/>
-            <pc:sldMk cId="2640344455" sldId="294"/>
-            <ac:spMk id="10" creationId="{4586994B-EE45-1558-D176-BD8E35E16C4E}"/>
-          </ac:spMkLst>
-        </pc:spChg>
-        <pc:spChg chg="add mod">
-          <ac:chgData name="Noor,Ayaz" userId="7cf625e6-36b6-4e30-acf8-1c16eb40c4b2" providerId="ADAL" clId="{8D8C9B35-49B4-403E-80C1-E6F032E27505}" dt="2024-01-30T04:49:20.895" v="10486"/>
-          <ac:spMkLst>
-            <pc:docMk/>
-            <pc:sldMk cId="2640344455" sldId="294"/>
-            <ac:spMk id="11" creationId="{301E0D1E-D9BC-CBAA-7FA4-4E84C061C2A9}"/>
-          </ac:spMkLst>
-        </pc:spChg>
-        <pc:spChg chg="del">
-          <ac:chgData name="Noor,Ayaz" userId="7cf625e6-36b6-4e30-acf8-1c16eb40c4b2" providerId="ADAL" clId="{8D8C9B35-49B4-403E-80C1-E6F032E27505}" dt="2024-01-30T14:23:25.244" v="10799" actId="478"/>
-          <ac:spMkLst>
-            <pc:docMk/>
-            <pc:sldMk cId="2640344455" sldId="294"/>
-            <ac:spMk id="13" creationId="{23836CCE-6881-3F2E-668C-E18D7B9B4B60}"/>
-          </ac:spMkLst>
-        </pc:spChg>
-        <pc:spChg chg="del">
-          <ac:chgData name="Noor,Ayaz" userId="7cf625e6-36b6-4e30-acf8-1c16eb40c4b2" providerId="ADAL" clId="{8D8C9B35-49B4-403E-80C1-E6F032E27505}" dt="2024-01-30T14:23:24.652" v="10798" actId="478"/>
-          <ac:spMkLst>
-            <pc:docMk/>
-            <pc:sldMk cId="2640344455" sldId="294"/>
-            <ac:spMk id="14" creationId="{5EB224DC-7B2F-179E-D104-4FBE1A1E8D03}"/>
-          </ac:spMkLst>
-        </pc:spChg>
-        <pc:spChg chg="mod">
-          <ac:chgData name="Noor,Ayaz" userId="7cf625e6-36b6-4e30-acf8-1c16eb40c4b2" providerId="ADAL" clId="{8D8C9B35-49B4-403E-80C1-E6F032E27505}" dt="2024-01-30T14:23:40.700" v="10800"/>
-          <ac:spMkLst>
-            <pc:docMk/>
-            <pc:sldMk cId="2640344455" sldId="294"/>
-            <ac:spMk id="18" creationId="{AE3B3CA9-ABC0-8145-E1FD-7CE9044FE1F0}"/>
-          </ac:spMkLst>
-        </pc:spChg>
-        <pc:spChg chg="mod">
-          <ac:chgData name="Noor,Ayaz" userId="7cf625e6-36b6-4e30-acf8-1c16eb40c4b2" providerId="ADAL" clId="{8D8C9B35-49B4-403E-80C1-E6F032E27505}" dt="2024-01-30T14:23:40.700" v="10800"/>
-          <ac:spMkLst>
-            <pc:docMk/>
-            <pc:sldMk cId="2640344455" sldId="294"/>
-            <ac:spMk id="19" creationId="{92C4E6C7-B5D0-5FDB-E19E-99C06A00A2B0}"/>
-          </ac:spMkLst>
-        </pc:spChg>
-        <pc:spChg chg="del">
-          <ac:chgData name="Noor,Ayaz" userId="7cf625e6-36b6-4e30-acf8-1c16eb40c4b2" providerId="ADAL" clId="{8D8C9B35-49B4-403E-80C1-E6F032E27505}" dt="2024-01-29T17:49:51.858" v="4240" actId="478"/>
-          <ac:spMkLst>
-            <pc:docMk/>
-            <pc:sldMk cId="2640344455" sldId="294"/>
-            <ac:spMk id="19" creationId="{956165FD-9C89-1E4B-9172-D7747F48E689}"/>
-          </ac:spMkLst>
-        </pc:spChg>
-        <pc:spChg chg="mod">
-          <ac:chgData name="Noor,Ayaz" userId="7cf625e6-36b6-4e30-acf8-1c16eb40c4b2" providerId="ADAL" clId="{8D8C9B35-49B4-403E-80C1-E6F032E27505}" dt="2024-01-30T14:23:40.700" v="10800"/>
-          <ac:spMkLst>
-            <pc:docMk/>
-            <pc:sldMk cId="2640344455" sldId="294"/>
-            <ac:spMk id="21" creationId="{4818FBB7-334B-BE75-FA59-BD2EE9F509FA}"/>
-          </ac:spMkLst>
-        </pc:spChg>
-        <pc:spChg chg="del">
-          <ac:chgData name="Noor,Ayaz" userId="7cf625e6-36b6-4e30-acf8-1c16eb40c4b2" providerId="ADAL" clId="{8D8C9B35-49B4-403E-80C1-E6F032E27505}" dt="2024-01-30T04:49:15.579" v="10483" actId="478"/>
-          <ac:spMkLst>
-            <pc:docMk/>
-            <pc:sldMk cId="2640344455" sldId="294"/>
-            <ac:spMk id="21" creationId="{56C1BE18-D29A-FC52-C6BE-2BB09F80E114}"/>
-          </ac:spMkLst>
-        </pc:spChg>
-        <pc:spChg chg="mod">
-          <ac:chgData name="Noor,Ayaz" userId="7cf625e6-36b6-4e30-acf8-1c16eb40c4b2" providerId="ADAL" clId="{8D8C9B35-49B4-403E-80C1-E6F032E27505}" dt="2024-01-30T14:23:40.700" v="10800"/>
-          <ac:spMkLst>
-            <pc:docMk/>
-            <pc:sldMk cId="2640344455" sldId="294"/>
-            <ac:spMk id="22" creationId="{5540704C-6AB9-3B59-CA18-091ED6167813}"/>
-          </ac:spMkLst>
-        </pc:spChg>
-        <pc:spChg chg="del">
-          <ac:chgData name="Noor,Ayaz" userId="7cf625e6-36b6-4e30-acf8-1c16eb40c4b2" providerId="ADAL" clId="{8D8C9B35-49B4-403E-80C1-E6F032E27505}" dt="2024-01-30T04:49:17.358" v="10484" actId="478"/>
-          <ac:spMkLst>
-            <pc:docMk/>
-            <pc:sldMk cId="2640344455" sldId="294"/>
-            <ac:spMk id="22" creationId="{604619BC-7F8D-E794-7885-239B511764CD}"/>
-          </ac:spMkLst>
-        </pc:spChg>
-        <pc:spChg chg="mod">
-          <ac:chgData name="Noor,Ayaz" userId="7cf625e6-36b6-4e30-acf8-1c16eb40c4b2" providerId="ADAL" clId="{8D8C9B35-49B4-403E-80C1-E6F032E27505}" dt="2024-01-30T04:49:52.543" v="10493" actId="1076"/>
-          <ac:spMkLst>
-            <pc:docMk/>
-            <pc:sldMk cId="2640344455" sldId="294"/>
-            <ac:spMk id="24" creationId="{8A1101BF-F0AA-CCDE-A0D3-AC068F4CF9A0}"/>
-          </ac:spMkLst>
-        </pc:spChg>
-        <pc:spChg chg="del">
-          <ac:chgData name="Noor,Ayaz" userId="7cf625e6-36b6-4e30-acf8-1c16eb40c4b2" providerId="ADAL" clId="{8D8C9B35-49B4-403E-80C1-E6F032E27505}" dt="2024-01-30T14:23:22.136" v="10796" actId="478"/>
-          <ac:spMkLst>
-            <pc:docMk/>
-            <pc:sldMk cId="2640344455" sldId="294"/>
-            <ac:spMk id="30" creationId="{401FB0C4-43D7-9EA8-194E-0542C116E27E}"/>
-          </ac:spMkLst>
-        </pc:spChg>
-        <pc:grpChg chg="add mod">
-          <ac:chgData name="Noor,Ayaz" userId="7cf625e6-36b6-4e30-acf8-1c16eb40c4b2" providerId="ADAL" clId="{8D8C9B35-49B4-403E-80C1-E6F032E27505}" dt="2024-01-30T04:49:48.697" v="10492" actId="1076"/>
-          <ac:grpSpMkLst>
-            <pc:docMk/>
-            <pc:sldMk cId="2640344455" sldId="294"/>
-            <ac:grpSpMk id="5" creationId="{0BD57170-C3A4-884D-D957-DEC1FC415287}"/>
-          </ac:grpSpMkLst>
-        </pc:grpChg>
-        <pc:grpChg chg="mod">
-          <ac:chgData name="Noor,Ayaz" userId="7cf625e6-36b6-4e30-acf8-1c16eb40c4b2" providerId="ADAL" clId="{8D8C9B35-49B4-403E-80C1-E6F032E27505}" dt="2024-01-30T04:49:25.624" v="10487" actId="14100"/>
-          <ac:grpSpMkLst>
-            <pc:docMk/>
-            <pc:sldMk cId="2640344455" sldId="294"/>
-            <ac:grpSpMk id="16" creationId="{CB7B41C3-656B-589C-78CE-CFE95624DA15}"/>
-          </ac:grpSpMkLst>
-        </pc:grpChg>
-        <pc:grpChg chg="add mod">
-          <ac:chgData name="Noor,Ayaz" userId="7cf625e6-36b6-4e30-acf8-1c16eb40c4b2" providerId="ADAL" clId="{8D8C9B35-49B4-403E-80C1-E6F032E27505}" dt="2024-01-30T14:23:40.700" v="10800"/>
-          <ac:grpSpMkLst>
-            <pc:docMk/>
-            <pc:sldMk cId="2640344455" sldId="294"/>
-            <ac:grpSpMk id="17" creationId="{E2DD343B-8922-4C67-8F0C-37E481E59EDE}"/>
-          </ac:grpSpMkLst>
-        </pc:grpChg>
-        <pc:grpChg chg="add mod">
-          <ac:chgData name="Noor,Ayaz" userId="7cf625e6-36b6-4e30-acf8-1c16eb40c4b2" providerId="ADAL" clId="{8D8C9B35-49B4-403E-80C1-E6F032E27505}" dt="2024-01-30T14:23:40.700" v="10800"/>
-          <ac:grpSpMkLst>
-            <pc:docMk/>
-            <pc:sldMk cId="2640344455" sldId="294"/>
-            <ac:grpSpMk id="20" creationId="{0ACEFFAB-FF32-ABA9-6BA1-6099F20099AE}"/>
-          </ac:grpSpMkLst>
-        </pc:grpChg>
-        <pc:picChg chg="add mod">
-          <ac:chgData name="Noor,Ayaz" userId="7cf625e6-36b6-4e30-acf8-1c16eb40c4b2" providerId="ADAL" clId="{8D8C9B35-49B4-403E-80C1-E6F032E27505}" dt="2024-01-29T18:14:22.202" v="4478" actId="164"/>
-          <ac:picMkLst>
-            <pc:docMk/>
-            <pc:sldMk cId="2640344455" sldId="294"/>
-            <ac:picMk id="3" creationId="{49B7D8C2-672E-25AB-301D-0444E2950EE2}"/>
-          </ac:picMkLst>
-        </pc:picChg>
-        <pc:picChg chg="del">
-          <ac:chgData name="Noor,Ayaz" userId="7cf625e6-36b6-4e30-acf8-1c16eb40c4b2" providerId="ADAL" clId="{8D8C9B35-49B4-403E-80C1-E6F032E27505}" dt="2024-01-29T17:49:22.811" v="4239" actId="478"/>
-          <ac:picMkLst>
-            <pc:docMk/>
-            <pc:sldMk cId="2640344455" sldId="294"/>
-            <ac:picMk id="20" creationId="{355EB91C-A64D-EFCF-EE9C-31FAA47D4873}"/>
-          </ac:picMkLst>
-        </pc:picChg>
-      </pc:sldChg>
-      <pc:sldChg chg="new add del">
-        <pc:chgData name="Noor,Ayaz" userId="7cf625e6-36b6-4e30-acf8-1c16eb40c4b2" providerId="ADAL" clId="{8D8C9B35-49B4-403E-80C1-E6F032E27505}" dt="2024-01-29T17:51:33.734" v="4248" actId="47"/>
-        <pc:sldMkLst>
-          <pc:docMk/>
-          <pc:sldMk cId="446103076" sldId="295"/>
-        </pc:sldMkLst>
-      </pc:sldChg>
-      <pc:sldChg chg="addSp delSp modSp mod">
-        <pc:chgData name="Noor,Ayaz" userId="7cf625e6-36b6-4e30-acf8-1c16eb40c4b2" providerId="ADAL" clId="{8D8C9B35-49B4-403E-80C1-E6F032E27505}" dt="2024-01-30T14:20:21.603" v="10758" actId="14100"/>
-        <pc:sldMkLst>
-          <pc:docMk/>
-          <pc:sldMk cId="1041184557" sldId="295"/>
-        </pc:sldMkLst>
-        <pc:spChg chg="add del mod">
-          <ac:chgData name="Noor,Ayaz" userId="7cf625e6-36b6-4e30-acf8-1c16eb40c4b2" providerId="ADAL" clId="{8D8C9B35-49B4-403E-80C1-E6F032E27505}" dt="2024-01-30T14:19:57.736" v="10752" actId="478"/>
-          <ac:spMkLst>
-            <pc:docMk/>
-            <pc:sldMk cId="1041184557" sldId="295"/>
-            <ac:spMk id="3" creationId="{4E33503B-69E0-4B9B-143B-1A7E0BE5FA3A}"/>
-          </ac:spMkLst>
-        </pc:spChg>
-        <pc:spChg chg="add mod">
-          <ac:chgData name="Noor,Ayaz" userId="7cf625e6-36b6-4e30-acf8-1c16eb40c4b2" providerId="ADAL" clId="{8D8C9B35-49B4-403E-80C1-E6F032E27505}" dt="2024-01-30T14:20:04.110" v="10755"/>
-          <ac:spMkLst>
-            <pc:docMk/>
-            <pc:sldMk cId="1041184557" sldId="295"/>
-            <ac:spMk id="4" creationId="{97CF1AF8-DF45-2CEB-F67C-06FAFA7A3264}"/>
-          </ac:spMkLst>
-        </pc:spChg>
-        <pc:spChg chg="mod">
-          <ac:chgData name="Noor,Ayaz" userId="7cf625e6-36b6-4e30-acf8-1c16eb40c4b2" providerId="ADAL" clId="{8D8C9B35-49B4-403E-80C1-E6F032E27505}" dt="2024-01-30T14:20:21.603" v="10758" actId="14100"/>
-          <ac:spMkLst>
-            <pc:docMk/>
-            <pc:sldMk cId="1041184557" sldId="295"/>
-            <ac:spMk id="6" creationId="{32294C0C-F757-F661-A1AE-9723C9871375}"/>
-          </ac:spMkLst>
-        </pc:spChg>
-        <pc:spChg chg="mod">
-          <ac:chgData name="Noor,Ayaz" userId="7cf625e6-36b6-4e30-acf8-1c16eb40c4b2" providerId="ADAL" clId="{8D8C9B35-49B4-403E-80C1-E6F032E27505}" dt="2024-01-30T14:20:04.110" v="10755"/>
-          <ac:spMkLst>
-            <pc:docMk/>
-            <pc:sldMk cId="1041184557" sldId="295"/>
-            <ac:spMk id="8" creationId="{8D8E0098-1C96-C8A5-89B3-6ACB3BACB492}"/>
-          </ac:spMkLst>
-        </pc:spChg>
-        <pc:spChg chg="add mod ord">
-          <ac:chgData name="Noor,Ayaz" userId="7cf625e6-36b6-4e30-acf8-1c16eb40c4b2" providerId="ADAL" clId="{8D8C9B35-49B4-403E-80C1-E6F032E27505}" dt="2024-01-29T17:55:33.738" v="4283" actId="164"/>
-          <ac:spMkLst>
-            <pc:docMk/>
-            <pc:sldMk cId="1041184557" sldId="295"/>
-            <ac:spMk id="10" creationId="{F6491BC7-2649-8654-BD6D-229EE59A76E5}"/>
-          </ac:spMkLst>
-        </pc:spChg>
-        <pc:spChg chg="add mod ord">
-          <ac:chgData name="Noor,Ayaz" userId="7cf625e6-36b6-4e30-acf8-1c16eb40c4b2" providerId="ADAL" clId="{8D8C9B35-49B4-403E-80C1-E6F032E27505}" dt="2024-01-29T17:55:37.692" v="4284" actId="164"/>
-          <ac:spMkLst>
-            <pc:docMk/>
-            <pc:sldMk cId="1041184557" sldId="295"/>
-            <ac:spMk id="11" creationId="{07612F08-56DC-D3C1-C669-12EF5389C751}"/>
-          </ac:spMkLst>
-        </pc:spChg>
-        <pc:spChg chg="mod">
-          <ac:chgData name="Noor,Ayaz" userId="7cf625e6-36b6-4e30-acf8-1c16eb40c4b2" providerId="ADAL" clId="{8D8C9B35-49B4-403E-80C1-E6F032E27505}" dt="2024-01-30T14:20:04.110" v="10755"/>
-          <ac:spMkLst>
-            <pc:docMk/>
-            <pc:sldMk cId="1041184557" sldId="295"/>
-            <ac:spMk id="12" creationId="{7CA4C387-439D-2343-705A-83AC898C9E88}"/>
-          </ac:spMkLst>
-        </pc:spChg>
-        <pc:spChg chg="del">
-          <ac:chgData name="Noor,Ayaz" userId="7cf625e6-36b6-4e30-acf8-1c16eb40c4b2" providerId="ADAL" clId="{8D8C9B35-49B4-403E-80C1-E6F032E27505}" dt="2024-01-30T14:20:01.921" v="10753" actId="478"/>
-          <ac:spMkLst>
-            <pc:docMk/>
-            <pc:sldMk cId="1041184557" sldId="295"/>
-            <ac:spMk id="13" creationId="{23836CCE-6881-3F2E-668C-E18D7B9B4B60}"/>
-          </ac:spMkLst>
-        </pc:spChg>
-        <pc:spChg chg="del">
-          <ac:chgData name="Noor,Ayaz" userId="7cf625e6-36b6-4e30-acf8-1c16eb40c4b2" providerId="ADAL" clId="{8D8C9B35-49B4-403E-80C1-E6F032E27505}" dt="2024-01-30T14:20:02.464" v="10754" actId="478"/>
-          <ac:spMkLst>
-            <pc:docMk/>
-            <pc:sldMk cId="1041184557" sldId="295"/>
-            <ac:spMk id="14" creationId="{5EB224DC-7B2F-179E-D104-4FBE1A1E8D03}"/>
-          </ac:spMkLst>
-        </pc:spChg>
-        <pc:spChg chg="mod">
-          <ac:chgData name="Noor,Ayaz" userId="7cf625e6-36b6-4e30-acf8-1c16eb40c4b2" providerId="ADAL" clId="{8D8C9B35-49B4-403E-80C1-E6F032E27505}" dt="2024-01-30T14:20:04.110" v="10755"/>
-          <ac:spMkLst>
-            <pc:docMk/>
-            <pc:sldMk cId="1041184557" sldId="295"/>
-            <ac:spMk id="16" creationId="{9125119A-EAC6-18EC-EC67-55D7C2114F16}"/>
-          </ac:spMkLst>
-        </pc:spChg>
-        <pc:spChg chg="add mod">
-          <ac:chgData name="Noor,Ayaz" userId="7cf625e6-36b6-4e30-acf8-1c16eb40c4b2" providerId="ADAL" clId="{8D8C9B35-49B4-403E-80C1-E6F032E27505}" dt="2024-01-29T17:57:56.158" v="4337" actId="14100"/>
-          <ac:spMkLst>
-            <pc:docMk/>
-            <pc:sldMk cId="1041184557" sldId="295"/>
-            <ac:spMk id="19" creationId="{8E2F14DD-072B-5F37-AA19-D8E29ACDA8BF}"/>
-          </ac:spMkLst>
-        </pc:spChg>
-        <pc:spChg chg="add mod">
-          <ac:chgData name="Noor,Ayaz" userId="7cf625e6-36b6-4e30-acf8-1c16eb40c4b2" providerId="ADAL" clId="{8D8C9B35-49B4-403E-80C1-E6F032E27505}" dt="2024-01-29T17:58:20.688" v="4375" actId="20577"/>
-          <ac:spMkLst>
-            <pc:docMk/>
-            <pc:sldMk cId="1041184557" sldId="295"/>
-            <ac:spMk id="20" creationId="{F79A06CB-1F2D-E153-F9CF-52A11A0D9D47}"/>
-          </ac:spMkLst>
-        </pc:spChg>
-        <pc:spChg chg="del mod">
-          <ac:chgData name="Noor,Ayaz" userId="7cf625e6-36b6-4e30-acf8-1c16eb40c4b2" providerId="ADAL" clId="{8D8C9B35-49B4-403E-80C1-E6F032E27505}" dt="2024-01-29T17:55:58.034" v="4302" actId="478"/>
-          <ac:spMkLst>
-            <pc:docMk/>
-            <pc:sldMk cId="1041184557" sldId="295"/>
-            <ac:spMk id="21" creationId="{56C1BE18-D29A-FC52-C6BE-2BB09F80E114}"/>
-          </ac:spMkLst>
-        </pc:spChg>
-        <pc:spChg chg="mod">
-          <ac:chgData name="Noor,Ayaz" userId="7cf625e6-36b6-4e30-acf8-1c16eb40c4b2" providerId="ADAL" clId="{8D8C9B35-49B4-403E-80C1-E6F032E27505}" dt="2024-01-30T14:20:04.110" v="10755"/>
-          <ac:spMkLst>
-            <pc:docMk/>
-            <pc:sldMk cId="1041184557" sldId="295"/>
-            <ac:spMk id="21" creationId="{69C7F006-77D4-A3F8-0C80-7130E1DB1FDE}"/>
-          </ac:spMkLst>
-        </pc:spChg>
-        <pc:spChg chg="del">
-          <ac:chgData name="Noor,Ayaz" userId="7cf625e6-36b6-4e30-acf8-1c16eb40c4b2" providerId="ADAL" clId="{8D8C9B35-49B4-403E-80C1-E6F032E27505}" dt="2024-01-29T17:55:59.676" v="4303" actId="478"/>
-          <ac:spMkLst>
-            <pc:docMk/>
-            <pc:sldMk cId="1041184557" sldId="295"/>
-            <ac:spMk id="22" creationId="{604619BC-7F8D-E794-7885-239B511764CD}"/>
-          </ac:spMkLst>
-        </pc:spChg>
-        <pc:spChg chg="del">
-          <ac:chgData name="Noor,Ayaz" userId="7cf625e6-36b6-4e30-acf8-1c16eb40c4b2" providerId="ADAL" clId="{8D8C9B35-49B4-403E-80C1-E6F032E27505}" dt="2024-01-29T17:51:52.418" v="4249" actId="478"/>
-          <ac:spMkLst>
-            <pc:docMk/>
-            <pc:sldMk cId="1041184557" sldId="295"/>
-            <ac:spMk id="24" creationId="{8A1101BF-F0AA-CCDE-A0D3-AC068F4CF9A0}"/>
-          </ac:spMkLst>
-        </pc:spChg>
-        <pc:spChg chg="del mod">
-          <ac:chgData name="Noor,Ayaz" userId="7cf625e6-36b6-4e30-acf8-1c16eb40c4b2" providerId="ADAL" clId="{8D8C9B35-49B4-403E-80C1-E6F032E27505}" dt="2024-01-30T14:19:53.129" v="10751" actId="478"/>
-          <ac:spMkLst>
-            <pc:docMk/>
-            <pc:sldMk cId="1041184557" sldId="295"/>
-            <ac:spMk id="30" creationId="{401FB0C4-43D7-9EA8-194E-0542C116E27E}"/>
-          </ac:spMkLst>
-        </pc:spChg>
-        <pc:grpChg chg="del">
-          <ac:chgData name="Noor,Ayaz" userId="7cf625e6-36b6-4e30-acf8-1c16eb40c4b2" providerId="ADAL" clId="{8D8C9B35-49B4-403E-80C1-E6F032E27505}" dt="2024-01-29T17:51:53.406" v="4250" actId="478"/>
-          <ac:grpSpMkLst>
-            <pc:docMk/>
-            <pc:sldMk cId="1041184557" sldId="295"/>
-            <ac:grpSpMk id="2" creationId="{F05F763B-CD94-7D05-DBB0-6280B734EB06}"/>
-          </ac:grpSpMkLst>
-        </pc:grpChg>
-        <pc:grpChg chg="add mod">
-          <ac:chgData name="Noor,Ayaz" userId="7cf625e6-36b6-4e30-acf8-1c16eb40c4b2" providerId="ADAL" clId="{8D8C9B35-49B4-403E-80C1-E6F032E27505}" dt="2024-01-30T14:20:04.110" v="10755"/>
-          <ac:grpSpMkLst>
-            <pc:docMk/>
-            <pc:sldMk cId="1041184557" sldId="295"/>
-            <ac:grpSpMk id="5" creationId="{88F9790B-7731-0DC7-47B5-9A7C44F64FAC}"/>
-          </ac:grpSpMkLst>
-        </pc:grpChg>
-        <pc:grpChg chg="add mod">
-          <ac:chgData name="Noor,Ayaz" userId="7cf625e6-36b6-4e30-acf8-1c16eb40c4b2" providerId="ADAL" clId="{8D8C9B35-49B4-403E-80C1-E6F032E27505}" dt="2024-01-30T14:20:04.110" v="10755"/>
-          <ac:grpSpMkLst>
-            <pc:docMk/>
-            <pc:sldMk cId="1041184557" sldId="295"/>
-            <ac:grpSpMk id="15" creationId="{07BA4224-2B3D-D882-40AC-4E8B74BA3087}"/>
-          </ac:grpSpMkLst>
-        </pc:grpChg>
-        <pc:grpChg chg="del">
-          <ac:chgData name="Noor,Ayaz" userId="7cf625e6-36b6-4e30-acf8-1c16eb40c4b2" providerId="ADAL" clId="{8D8C9B35-49B4-403E-80C1-E6F032E27505}" dt="2024-01-29T17:51:52.418" v="4249" actId="478"/>
-          <ac:grpSpMkLst>
-            <pc:docMk/>
-            <pc:sldMk cId="1041184557" sldId="295"/>
-            <ac:grpSpMk id="16" creationId="{CB7B41C3-656B-589C-78CE-CFE95624DA15}"/>
-          </ac:grpSpMkLst>
-        </pc:grpChg>
-        <pc:grpChg chg="add mod">
-          <ac:chgData name="Noor,Ayaz" userId="7cf625e6-36b6-4e30-acf8-1c16eb40c4b2" providerId="ADAL" clId="{8D8C9B35-49B4-403E-80C1-E6F032E27505}" dt="2024-01-29T17:56:34.433" v="4310" actId="1076"/>
-          <ac:grpSpMkLst>
-            <pc:docMk/>
-            <pc:sldMk cId="1041184557" sldId="295"/>
-            <ac:grpSpMk id="17" creationId="{4B837F22-C159-8F53-4A8D-885E15D49071}"/>
-          </ac:grpSpMkLst>
-        </pc:grpChg>
-        <pc:grpChg chg="add mod">
-          <ac:chgData name="Noor,Ayaz" userId="7cf625e6-36b6-4e30-acf8-1c16eb40c4b2" providerId="ADAL" clId="{8D8C9B35-49B4-403E-80C1-E6F032E27505}" dt="2024-01-29T17:56:34.433" v="4310" actId="1076"/>
-          <ac:grpSpMkLst>
-            <pc:docMk/>
-            <pc:sldMk cId="1041184557" sldId="295"/>
-            <ac:grpSpMk id="18" creationId="{2E064964-5DE1-E37E-435F-BD153232CDF6}"/>
-          </ac:grpSpMkLst>
-        </pc:grpChg>
-        <pc:picChg chg="add mod">
-          <ac:chgData name="Noor,Ayaz" userId="7cf625e6-36b6-4e30-acf8-1c16eb40c4b2" providerId="ADAL" clId="{8D8C9B35-49B4-403E-80C1-E6F032E27505}" dt="2024-01-29T17:55:33.738" v="4283" actId="164"/>
-          <ac:picMkLst>
-            <pc:docMk/>
-            <pc:sldMk cId="1041184557" sldId="295"/>
-            <ac:picMk id="7" creationId="{8CDAD1D5-D2A0-FB11-30F1-D7968965E749}"/>
-          </ac:picMkLst>
-        </pc:picChg>
-        <pc:picChg chg="add mod">
-          <ac:chgData name="Noor,Ayaz" userId="7cf625e6-36b6-4e30-acf8-1c16eb40c4b2" providerId="ADAL" clId="{8D8C9B35-49B4-403E-80C1-E6F032E27505}" dt="2024-01-29T17:55:37.692" v="4284" actId="164"/>
-          <ac:picMkLst>
-            <pc:docMk/>
-            <pc:sldMk cId="1041184557" sldId="295"/>
-            <ac:picMk id="9" creationId="{711457EE-4023-A501-32FB-4A63581339D4}"/>
-          </ac:picMkLst>
-        </pc:picChg>
-      </pc:sldChg>
-      <pc:sldChg chg="addSp delSp modSp mod">
-        <pc:chgData name="Noor,Ayaz" userId="7cf625e6-36b6-4e30-acf8-1c16eb40c4b2" providerId="ADAL" clId="{8D8C9B35-49B4-403E-80C1-E6F032E27505}" dt="2024-01-30T14:23:12.272" v="10795" actId="27636"/>
-        <pc:sldMkLst>
-          <pc:docMk/>
-          <pc:sldMk cId="2785626251" sldId="296"/>
-        </pc:sldMkLst>
-        <pc:spChg chg="add del mod">
-          <ac:chgData name="Noor,Ayaz" userId="7cf625e6-36b6-4e30-acf8-1c16eb40c4b2" providerId="ADAL" clId="{8D8C9B35-49B4-403E-80C1-E6F032E27505}" dt="2024-01-30T14:22:38.414" v="10770" actId="478"/>
-          <ac:spMkLst>
-            <pc:docMk/>
-            <pc:sldMk cId="2785626251" sldId="296"/>
-            <ac:spMk id="5" creationId="{B899D8C8-B354-7811-1D35-AE28C67935D0}"/>
-          </ac:spMkLst>
-        </pc:spChg>
-        <pc:spChg chg="del">
-          <ac:chgData name="Noor,Ayaz" userId="7cf625e6-36b6-4e30-acf8-1c16eb40c4b2" providerId="ADAL" clId="{8D8C9B35-49B4-403E-80C1-E6F032E27505}" dt="2024-01-30T14:22:47.174" v="10774" actId="478"/>
-          <ac:spMkLst>
-            <pc:docMk/>
-            <pc:sldMk cId="2785626251" sldId="296"/>
-            <ac:spMk id="6" creationId="{32294C0C-F757-F661-A1AE-9723C9871375}"/>
-          </ac:spMkLst>
-        </pc:spChg>
-        <pc:spChg chg="add mod">
-          <ac:chgData name="Noor,Ayaz" userId="7cf625e6-36b6-4e30-acf8-1c16eb40c4b2" providerId="ADAL" clId="{8D8C9B35-49B4-403E-80C1-E6F032E27505}" dt="2024-01-30T14:22:43.505" v="10773"/>
-          <ac:spMkLst>
-            <pc:docMk/>
-            <pc:sldMk cId="2785626251" sldId="296"/>
-            <ac:spMk id="9" creationId="{C10FEB29-03E0-53DE-AD44-E8E0967EC5CD}"/>
-          </ac:spMkLst>
-        </pc:spChg>
-        <pc:spChg chg="mod topLvl">
-          <ac:chgData name="Noor,Ayaz" userId="7cf625e6-36b6-4e30-acf8-1c16eb40c4b2" providerId="ADAL" clId="{8D8C9B35-49B4-403E-80C1-E6F032E27505}" dt="2024-01-29T18:09:47.597" v="4437" actId="165"/>
-          <ac:spMkLst>
-            <pc:docMk/>
-            <pc:sldMk cId="2785626251" sldId="296"/>
-            <ac:spMk id="10" creationId="{F6491BC7-2649-8654-BD6D-229EE59A76E5}"/>
-          </ac:spMkLst>
-        </pc:spChg>
-        <pc:spChg chg="mod topLvl">
-          <ac:chgData name="Noor,Ayaz" userId="7cf625e6-36b6-4e30-acf8-1c16eb40c4b2" providerId="ADAL" clId="{8D8C9B35-49B4-403E-80C1-E6F032E27505}" dt="2024-01-29T18:08:47.602" v="4430" actId="164"/>
-          <ac:spMkLst>
-            <pc:docMk/>
-            <pc:sldMk cId="2785626251" sldId="296"/>
-            <ac:spMk id="11" creationId="{07612F08-56DC-D3C1-C669-12EF5389C751}"/>
-          </ac:spMkLst>
-        </pc:spChg>
-        <pc:spChg chg="add mod">
-          <ac:chgData name="Noor,Ayaz" userId="7cf625e6-36b6-4e30-acf8-1c16eb40c4b2" providerId="ADAL" clId="{8D8C9B35-49B4-403E-80C1-E6F032E27505}" dt="2024-01-29T18:11:13.237" v="4454" actId="207"/>
-          <ac:spMkLst>
-            <pc:docMk/>
-            <pc:sldMk cId="2785626251" sldId="296"/>
-            <ac:spMk id="12" creationId="{DEE5D482-33B5-C1CC-8543-A6599BCF06B6}"/>
-          </ac:spMkLst>
-        </pc:spChg>
-        <pc:spChg chg="del">
-          <ac:chgData name="Noor,Ayaz" userId="7cf625e6-36b6-4e30-acf8-1c16eb40c4b2" providerId="ADAL" clId="{8D8C9B35-49B4-403E-80C1-E6F032E27505}" dt="2024-01-30T14:22:40.103" v="10772" actId="478"/>
-          <ac:spMkLst>
-            <pc:docMk/>
-            <pc:sldMk cId="2785626251" sldId="296"/>
-            <ac:spMk id="13" creationId="{23836CCE-6881-3F2E-668C-E18D7B9B4B60}"/>
-          </ac:spMkLst>
-        </pc:spChg>
-        <pc:spChg chg="del">
-          <ac:chgData name="Noor,Ayaz" userId="7cf625e6-36b6-4e30-acf8-1c16eb40c4b2" providerId="ADAL" clId="{8D8C9B35-49B4-403E-80C1-E6F032E27505}" dt="2024-01-30T14:22:39.381" v="10771" actId="478"/>
-          <ac:spMkLst>
-            <pc:docMk/>
-            <pc:sldMk cId="2785626251" sldId="296"/>
-            <ac:spMk id="14" creationId="{5EB224DC-7B2F-179E-D104-4FBE1A1E8D03}"/>
-          </ac:spMkLst>
-        </pc:spChg>
-        <pc:spChg chg="add mod">
-          <ac:chgData name="Noor,Ayaz" userId="7cf625e6-36b6-4e30-acf8-1c16eb40c4b2" providerId="ADAL" clId="{8D8C9B35-49B4-403E-80C1-E6F032E27505}" dt="2024-01-29T18:11:33.975" v="4468" actId="27636"/>
-          <ac:spMkLst>
-            <pc:docMk/>
-            <pc:sldMk cId="2785626251" sldId="296"/>
-            <ac:spMk id="15" creationId="{2E125776-3DA4-12B2-61B1-1D88320244B3}"/>
-          </ac:spMkLst>
-        </pc:spChg>
-        <pc:spChg chg="mod">
-          <ac:chgData name="Noor,Ayaz" userId="7cf625e6-36b6-4e30-acf8-1c16eb40c4b2" providerId="ADAL" clId="{8D8C9B35-49B4-403E-80C1-E6F032E27505}" dt="2024-01-30T14:22:43.505" v="10773"/>
-          <ac:spMkLst>
-            <pc:docMk/>
-            <pc:sldMk cId="2785626251" sldId="296"/>
-            <ac:spMk id="17" creationId="{E19BC447-FA23-9010-905C-C2B4647648C3}"/>
-          </ac:spMkLst>
-        </pc:spChg>
-        <pc:spChg chg="mod">
-          <ac:chgData name="Noor,Ayaz" userId="7cf625e6-36b6-4e30-acf8-1c16eb40c4b2" providerId="ADAL" clId="{8D8C9B35-49B4-403E-80C1-E6F032E27505}" dt="2024-01-30T14:22:43.505" v="10773"/>
-          <ac:spMkLst>
-            <pc:docMk/>
-            <pc:sldMk cId="2785626251" sldId="296"/>
-            <ac:spMk id="18" creationId="{828299DD-CB02-AE22-D73B-454C05A242CC}"/>
-          </ac:spMkLst>
-        </pc:spChg>
-        <pc:spChg chg="mod">
-          <ac:chgData name="Noor,Ayaz" userId="7cf625e6-36b6-4e30-acf8-1c16eb40c4b2" providerId="ADAL" clId="{8D8C9B35-49B4-403E-80C1-E6F032E27505}" dt="2024-01-29T18:11:18.961" v="4455" actId="1076"/>
-          <ac:spMkLst>
-            <pc:docMk/>
-            <pc:sldMk cId="2785626251" sldId="296"/>
-            <ac:spMk id="19" creationId="{8E2F14DD-072B-5F37-AA19-D8E29ACDA8BF}"/>
-          </ac:spMkLst>
-        </pc:spChg>
-        <pc:spChg chg="mod">
-          <ac:chgData name="Noor,Ayaz" userId="7cf625e6-36b6-4e30-acf8-1c16eb40c4b2" providerId="ADAL" clId="{8D8C9B35-49B4-403E-80C1-E6F032E27505}" dt="2024-01-29T18:11:22.531" v="4456" actId="1076"/>
-          <ac:spMkLst>
-            <pc:docMk/>
-            <pc:sldMk cId="2785626251" sldId="296"/>
-            <ac:spMk id="20" creationId="{F79A06CB-1F2D-E153-F9CF-52A11A0D9D47}"/>
-          </ac:spMkLst>
-        </pc:spChg>
-        <pc:spChg chg="mod">
-          <ac:chgData name="Noor,Ayaz" userId="7cf625e6-36b6-4e30-acf8-1c16eb40c4b2" providerId="ADAL" clId="{8D8C9B35-49B4-403E-80C1-E6F032E27505}" dt="2024-01-30T14:22:43.505" v="10773"/>
-          <ac:spMkLst>
-            <pc:docMk/>
-            <pc:sldMk cId="2785626251" sldId="296"/>
-            <ac:spMk id="22" creationId="{73901F47-E43A-9243-717E-93B8E73F7BDA}"/>
-          </ac:spMkLst>
-        </pc:spChg>
-        <pc:spChg chg="mod">
-          <ac:chgData name="Noor,Ayaz" userId="7cf625e6-36b6-4e30-acf8-1c16eb40c4b2" providerId="ADAL" clId="{8D8C9B35-49B4-403E-80C1-E6F032E27505}" dt="2024-01-30T14:22:43.505" v="10773"/>
-          <ac:spMkLst>
-            <pc:docMk/>
-            <pc:sldMk cId="2785626251" sldId="296"/>
-            <ac:spMk id="23" creationId="{CBBC07C4-8B60-5887-E11C-B05D639C8339}"/>
-          </ac:spMkLst>
-        </pc:spChg>
-        <pc:spChg chg="add del mod">
-          <ac:chgData name="Noor,Ayaz" userId="7cf625e6-36b6-4e30-acf8-1c16eb40c4b2" providerId="ADAL" clId="{8D8C9B35-49B4-403E-80C1-E6F032E27505}" dt="2024-01-30T14:22:54.323" v="10775" actId="478"/>
-          <ac:spMkLst>
-            <pc:docMk/>
-            <pc:sldMk cId="2785626251" sldId="296"/>
-            <ac:spMk id="25" creationId="{80DEF1A4-C0A5-0EAE-5685-D84BCBC0F5B4}"/>
-          </ac:spMkLst>
-        </pc:spChg>
-        <pc:spChg chg="add mod">
-          <ac:chgData name="Noor,Ayaz" userId="7cf625e6-36b6-4e30-acf8-1c16eb40c4b2" providerId="ADAL" clId="{8D8C9B35-49B4-403E-80C1-E6F032E27505}" dt="2024-01-30T14:23:12.272" v="10795" actId="27636"/>
-          <ac:spMkLst>
-            <pc:docMk/>
-            <pc:sldMk cId="2785626251" sldId="296"/>
-            <ac:spMk id="26" creationId="{F87BB0F1-4DC0-CDD7-EC8B-895E6451D852}"/>
-          </ac:spMkLst>
-        </pc:spChg>
-        <pc:spChg chg="del">
-          <ac:chgData name="Noor,Ayaz" userId="7cf625e6-36b6-4e30-acf8-1c16eb40c4b2" providerId="ADAL" clId="{8D8C9B35-49B4-403E-80C1-E6F032E27505}" dt="2024-01-30T14:22:36.369" v="10769" actId="478"/>
-          <ac:spMkLst>
-            <pc:docMk/>
-            <pc:sldMk cId="2785626251" sldId="296"/>
-            <ac:spMk id="30" creationId="{401FB0C4-43D7-9EA8-194E-0542C116E27E}"/>
-          </ac:spMkLst>
-        </pc:spChg>
-        <pc:grpChg chg="add mod">
-          <ac:chgData name="Noor,Ayaz" userId="7cf625e6-36b6-4e30-acf8-1c16eb40c4b2" providerId="ADAL" clId="{8D8C9B35-49B4-403E-80C1-E6F032E27505}" dt="2024-01-29T18:10:57.308" v="4453" actId="14100"/>
-          <ac:grpSpMkLst>
-            <pc:docMk/>
-            <pc:sldMk cId="2785626251" sldId="296"/>
-            <ac:grpSpMk id="4" creationId="{BE6B043B-46B6-B089-9025-BA7686448BBB}"/>
-          </ac:grpSpMkLst>
-        </pc:grpChg>
-        <pc:grpChg chg="add mod">
-          <ac:chgData name="Noor,Ayaz" userId="7cf625e6-36b6-4e30-acf8-1c16eb40c4b2" providerId="ADAL" clId="{8D8C9B35-49B4-403E-80C1-E6F032E27505}" dt="2024-01-30T14:22:43.505" v="10773"/>
-          <ac:grpSpMkLst>
-            <pc:docMk/>
-            <pc:sldMk cId="2785626251" sldId="296"/>
-            <ac:grpSpMk id="16" creationId="{074BFC28-EF8B-A580-4A64-D151909A1C8F}"/>
-          </ac:grpSpMkLst>
-        </pc:grpChg>
-        <pc:grpChg chg="del mod">
-          <ac:chgData name="Noor,Ayaz" userId="7cf625e6-36b6-4e30-acf8-1c16eb40c4b2" providerId="ADAL" clId="{8D8C9B35-49B4-403E-80C1-E6F032E27505}" dt="2024-01-29T18:09:47.597" v="4437" actId="165"/>
-          <ac:grpSpMkLst>
-            <pc:docMk/>
-            <pc:sldMk cId="2785626251" sldId="296"/>
-            <ac:grpSpMk id="17" creationId="{4B837F22-C159-8F53-4A8D-885E15D49071}"/>
-          </ac:grpSpMkLst>
-        </pc:grpChg>
-        <pc:grpChg chg="del">
-          <ac:chgData name="Noor,Ayaz" userId="7cf625e6-36b6-4e30-acf8-1c16eb40c4b2" providerId="ADAL" clId="{8D8C9B35-49B4-403E-80C1-E6F032E27505}" dt="2024-01-29T18:03:33.101" v="4376" actId="165"/>
-          <ac:grpSpMkLst>
-            <pc:docMk/>
-            <pc:sldMk cId="2785626251" sldId="296"/>
-            <ac:grpSpMk id="18" creationId="{2E064964-5DE1-E37E-435F-BD153232CDF6}"/>
-          </ac:grpSpMkLst>
-        </pc:grpChg>
-        <pc:grpChg chg="add mod">
-          <ac:chgData name="Noor,Ayaz" userId="7cf625e6-36b6-4e30-acf8-1c16eb40c4b2" providerId="ADAL" clId="{8D8C9B35-49B4-403E-80C1-E6F032E27505}" dt="2024-01-30T14:22:43.505" v="10773"/>
-          <ac:grpSpMkLst>
-            <pc:docMk/>
-            <pc:sldMk cId="2785626251" sldId="296"/>
-            <ac:grpSpMk id="21" creationId="{D976B770-8A80-4934-7018-EFD2E485EB08}"/>
-          </ac:grpSpMkLst>
-        </pc:grpChg>
-        <pc:picChg chg="add mod">
-          <ac:chgData name="Noor,Ayaz" userId="7cf625e6-36b6-4e30-acf8-1c16eb40c4b2" providerId="ADAL" clId="{8D8C9B35-49B4-403E-80C1-E6F032E27505}" dt="2024-01-29T18:08:47.602" v="4430" actId="164"/>
-          <ac:picMkLst>
-            <pc:docMk/>
-            <pc:sldMk cId="2785626251" sldId="296"/>
-            <ac:picMk id="3" creationId="{8A56F320-5A89-B0D4-0631-1183CA1A68E4}"/>
-          </ac:picMkLst>
-        </pc:picChg>
-        <pc:picChg chg="mod topLvl">
-          <ac:chgData name="Noor,Ayaz" userId="7cf625e6-36b6-4e30-acf8-1c16eb40c4b2" providerId="ADAL" clId="{8D8C9B35-49B4-403E-80C1-E6F032E27505}" dt="2024-01-29T18:09:47.597" v="4437" actId="165"/>
-          <ac:picMkLst>
-            <pc:docMk/>
-            <pc:sldMk cId="2785626251" sldId="296"/>
-            <ac:picMk id="7" creationId="{8CDAD1D5-D2A0-FB11-30F1-D7968965E749}"/>
-          </ac:picMkLst>
-        </pc:picChg>
-        <pc:picChg chg="add mod ord">
-          <ac:chgData name="Noor,Ayaz" userId="7cf625e6-36b6-4e30-acf8-1c16eb40c4b2" providerId="ADAL" clId="{8D8C9B35-49B4-403E-80C1-E6F032E27505}" dt="2024-01-29T18:10:37.895" v="4449" actId="1076"/>
-          <ac:picMkLst>
-            <pc:docMk/>
-            <pc:sldMk cId="2785626251" sldId="296"/>
-            <ac:picMk id="8" creationId="{3403F88C-227F-4672-3748-5F45191DF35D}"/>
-          </ac:picMkLst>
-        </pc:picChg>
-        <pc:picChg chg="del mod topLvl">
-          <ac:chgData name="Noor,Ayaz" userId="7cf625e6-36b6-4e30-acf8-1c16eb40c4b2" providerId="ADAL" clId="{8D8C9B35-49B4-403E-80C1-E6F032E27505}" dt="2024-01-29T18:03:36.621" v="4377" actId="478"/>
-          <ac:picMkLst>
-            <pc:docMk/>
-            <pc:sldMk cId="2785626251" sldId="296"/>
-            <ac:picMk id="9" creationId="{711457EE-4023-A501-32FB-4A63581339D4}"/>
-          </ac:picMkLst>
-        </pc:picChg>
-      </pc:sldChg>
-      <pc:sldChg chg="addSp delSp modSp del mod">
-        <pc:chgData name="Noor,Ayaz" userId="7cf625e6-36b6-4e30-acf8-1c16eb40c4b2" providerId="ADAL" clId="{8D8C9B35-49B4-403E-80C1-E6F032E27505}" dt="2024-01-30T04:50:32.668" v="10494" actId="2696"/>
-        <pc:sldMkLst>
-          <pc:docMk/>
-          <pc:sldMk cId="1880423702" sldId="297"/>
-        </pc:sldMkLst>
-        <pc:spChg chg="mod topLvl">
-          <ac:chgData name="Noor,Ayaz" userId="7cf625e6-36b6-4e30-acf8-1c16eb40c4b2" providerId="ADAL" clId="{8D8C9B35-49B4-403E-80C1-E6F032E27505}" dt="2024-01-29T18:28:41.272" v="4605" actId="1076"/>
-          <ac:spMkLst>
-            <pc:docMk/>
-            <pc:sldMk cId="1880423702" sldId="297"/>
-            <ac:spMk id="4" creationId="{3EFD18AA-2790-B2FF-F82A-0AC63799F904}"/>
-          </ac:spMkLst>
-        </pc:spChg>
-        <pc:spChg chg="del mod">
-          <ac:chgData name="Noor,Ayaz" userId="7cf625e6-36b6-4e30-acf8-1c16eb40c4b2" providerId="ADAL" clId="{8D8C9B35-49B4-403E-80C1-E6F032E27505}" dt="2024-01-29T18:28:31.296" v="4601" actId="478"/>
-          <ac:spMkLst>
-            <pc:docMk/>
-            <pc:sldMk cId="1880423702" sldId="297"/>
-            <ac:spMk id="6" creationId="{32294C0C-F757-F661-A1AE-9723C9871375}"/>
-          </ac:spMkLst>
-        </pc:spChg>
-        <pc:spChg chg="mod">
-          <ac:chgData name="Noor,Ayaz" userId="7cf625e6-36b6-4e30-acf8-1c16eb40c4b2" providerId="ADAL" clId="{8D8C9B35-49B4-403E-80C1-E6F032E27505}" dt="2024-01-29T18:28:41.272" v="4605" actId="1076"/>
-          <ac:spMkLst>
-            <pc:docMk/>
-            <pc:sldMk cId="1880423702" sldId="297"/>
-            <ac:spMk id="7" creationId="{DFD509DC-F964-7944-59F2-79B239074D02}"/>
-          </ac:spMkLst>
-        </pc:spChg>
-        <pc:spChg chg="add mod">
-          <ac:chgData name="Noor,Ayaz" userId="7cf625e6-36b6-4e30-acf8-1c16eb40c4b2" providerId="ADAL" clId="{8D8C9B35-49B4-403E-80C1-E6F032E27505}" dt="2024-01-29T18:28:41.272" v="4605" actId="1076"/>
-          <ac:spMkLst>
-            <pc:docMk/>
-            <pc:sldMk cId="1880423702" sldId="297"/>
-            <ac:spMk id="11" creationId="{B0ED8995-9C85-657D-F332-0B7D765DC304}"/>
-          </ac:spMkLst>
-        </pc:spChg>
-        <pc:spChg chg="mod topLvl">
-          <ac:chgData name="Noor,Ayaz" userId="7cf625e6-36b6-4e30-acf8-1c16eb40c4b2" providerId="ADAL" clId="{8D8C9B35-49B4-403E-80C1-E6F032E27505}" dt="2024-01-29T18:28:41.272" v="4605" actId="1076"/>
-          <ac:spMkLst>
-            <pc:docMk/>
-            <pc:sldMk cId="1880423702" sldId="297"/>
-            <ac:spMk id="15" creationId="{A5C4C235-9558-1115-569C-FC23C9701742}"/>
-          </ac:spMkLst>
-        </pc:spChg>
-        <pc:spChg chg="add del mod">
-          <ac:chgData name="Noor,Ayaz" userId="7cf625e6-36b6-4e30-acf8-1c16eb40c4b2" providerId="ADAL" clId="{8D8C9B35-49B4-403E-80C1-E6F032E27505}" dt="2024-01-29T18:28:32.864" v="4602" actId="478"/>
-          <ac:spMkLst>
-            <pc:docMk/>
-            <pc:sldMk cId="1880423702" sldId="297"/>
-            <ac:spMk id="18" creationId="{1CA297F5-FA50-40F7-1F68-C80998A161F6}"/>
-          </ac:spMkLst>
-        </pc:spChg>
-        <pc:spChg chg="del">
-          <ac:chgData name="Noor,Ayaz" userId="7cf625e6-36b6-4e30-acf8-1c16eb40c4b2" providerId="ADAL" clId="{8D8C9B35-49B4-403E-80C1-E6F032E27505}" dt="2024-01-29T18:28:34.268" v="4603" actId="478"/>
-          <ac:spMkLst>
-            <pc:docMk/>
-            <pc:sldMk cId="1880423702" sldId="297"/>
-            <ac:spMk id="21" creationId="{56C1BE18-D29A-FC52-C6BE-2BB09F80E114}"/>
-          </ac:spMkLst>
-        </pc:spChg>
-        <pc:spChg chg="del">
-          <ac:chgData name="Noor,Ayaz" userId="7cf625e6-36b6-4e30-acf8-1c16eb40c4b2" providerId="ADAL" clId="{8D8C9B35-49B4-403E-80C1-E6F032E27505}" dt="2024-01-29T18:28:35.753" v="4604" actId="478"/>
-          <ac:spMkLst>
-            <pc:docMk/>
-            <pc:sldMk cId="1880423702" sldId="297"/>
-            <ac:spMk id="22" creationId="{604619BC-7F8D-E794-7885-239B511764CD}"/>
-          </ac:spMkLst>
-        </pc:spChg>
-        <pc:spChg chg="del mod">
-          <ac:chgData name="Noor,Ayaz" userId="7cf625e6-36b6-4e30-acf8-1c16eb40c4b2" providerId="ADAL" clId="{8D8C9B35-49B4-403E-80C1-E6F032E27505}" dt="2024-01-29T18:28:45.531" v="4606" actId="478"/>
-          <ac:spMkLst>
-            <pc:docMk/>
-            <pc:sldMk cId="1880423702" sldId="297"/>
-            <ac:spMk id="24" creationId="{8A1101BF-F0AA-CCDE-A0D3-AC068F4CF9A0}"/>
-          </ac:spMkLst>
-        </pc:spChg>
-        <pc:grpChg chg="del">
-          <ac:chgData name="Noor,Ayaz" userId="7cf625e6-36b6-4e30-acf8-1c16eb40c4b2" providerId="ADAL" clId="{8D8C9B35-49B4-403E-80C1-E6F032E27505}" dt="2024-01-29T18:26:03.283" v="4533" actId="165"/>
-          <ac:grpSpMkLst>
-            <pc:docMk/>
-            <pc:sldMk cId="1880423702" sldId="297"/>
-            <ac:grpSpMk id="5" creationId="{0BD57170-C3A4-884D-D957-DEC1FC415287}"/>
-          </ac:grpSpMkLst>
-        </pc:grpChg>
-        <pc:grpChg chg="del">
-          <ac:chgData name="Noor,Ayaz" userId="7cf625e6-36b6-4e30-acf8-1c16eb40c4b2" providerId="ADAL" clId="{8D8C9B35-49B4-403E-80C1-E6F032E27505}" dt="2024-01-29T18:25:04.587" v="4527" actId="165"/>
-          <ac:grpSpMkLst>
-            <pc:docMk/>
-            <pc:sldMk cId="1880423702" sldId="297"/>
-            <ac:grpSpMk id="16" creationId="{CB7B41C3-656B-589C-78CE-CFE95624DA15}"/>
-          </ac:grpSpMkLst>
-        </pc:grpChg>
-        <pc:picChg chg="del mod topLvl">
-          <ac:chgData name="Noor,Ayaz" userId="7cf625e6-36b6-4e30-acf8-1c16eb40c4b2" providerId="ADAL" clId="{8D8C9B35-49B4-403E-80C1-E6F032E27505}" dt="2024-01-29T18:26:05.258" v="4534" actId="478"/>
-          <ac:picMkLst>
-            <pc:docMk/>
-            <pc:sldMk cId="1880423702" sldId="297"/>
-            <ac:picMk id="3" creationId="{49B7D8C2-672E-25AB-301D-0444E2950EE2}"/>
-          </ac:picMkLst>
-        </pc:picChg>
-        <pc:picChg chg="add mod">
-          <ac:chgData name="Noor,Ayaz" userId="7cf625e6-36b6-4e30-acf8-1c16eb40c4b2" providerId="ADAL" clId="{8D8C9B35-49B4-403E-80C1-E6F032E27505}" dt="2024-01-29T18:28:41.272" v="4605" actId="1076"/>
-          <ac:picMkLst>
-            <pc:docMk/>
-            <pc:sldMk cId="1880423702" sldId="297"/>
-            <ac:picMk id="8" creationId="{A55E1201-05C1-9C94-F484-714D51D69030}"/>
-          </ac:picMkLst>
-        </pc:picChg>
-        <pc:picChg chg="add mod">
-          <ac:chgData name="Noor,Ayaz" userId="7cf625e6-36b6-4e30-acf8-1c16eb40c4b2" providerId="ADAL" clId="{8D8C9B35-49B4-403E-80C1-E6F032E27505}" dt="2024-01-29T18:28:41.272" v="4605" actId="1076"/>
-          <ac:picMkLst>
-            <pc:docMk/>
-            <pc:sldMk cId="1880423702" sldId="297"/>
-            <ac:picMk id="10" creationId="{3BA80FDA-062F-77AA-670E-76ABD83D1D97}"/>
-          </ac:picMkLst>
-        </pc:picChg>
-        <pc:picChg chg="del mod topLvl">
-          <ac:chgData name="Noor,Ayaz" userId="7cf625e6-36b6-4e30-acf8-1c16eb40c4b2" providerId="ADAL" clId="{8D8C9B35-49B4-403E-80C1-E6F032E27505}" dt="2024-01-29T18:25:06.691" v="4528" actId="478"/>
-          <ac:picMkLst>
-            <pc:docMk/>
-            <pc:sldMk cId="1880423702" sldId="297"/>
-            <ac:picMk id="12" creationId="{53DC4766-C57B-1562-7177-CB793CCEECB8}"/>
-          </ac:picMkLst>
-        </pc:picChg>
-      </pc:sldChg>
-      <pc:sldChg chg="addSp delSp modSp mod">
-        <pc:chgData name="Noor,Ayaz" userId="7cf625e6-36b6-4e30-acf8-1c16eb40c4b2" providerId="ADAL" clId="{8D8C9B35-49B4-403E-80C1-E6F032E27505}" dt="2024-01-29T19:09:21.516" v="5200" actId="20577"/>
-        <pc:sldMkLst>
-          <pc:docMk/>
-          <pc:sldMk cId="3841549313" sldId="298"/>
-        </pc:sldMkLst>
-        <pc:spChg chg="del">
-          <ac:chgData name="Noor,Ayaz" userId="7cf625e6-36b6-4e30-acf8-1c16eb40c4b2" providerId="ADAL" clId="{8D8C9B35-49B4-403E-80C1-E6F032E27505}" dt="2024-01-29T18:53:28.629" v="4629" actId="478"/>
-          <ac:spMkLst>
-            <pc:docMk/>
-            <pc:sldMk cId="3841549313" sldId="298"/>
-            <ac:spMk id="4" creationId="{3EFD18AA-2790-B2FF-F82A-0AC63799F904}"/>
-          </ac:spMkLst>
-        </pc:spChg>
-        <pc:spChg chg="del">
-          <ac:chgData name="Noor,Ayaz" userId="7cf625e6-36b6-4e30-acf8-1c16eb40c4b2" providerId="ADAL" clId="{8D8C9B35-49B4-403E-80C1-E6F032E27505}" dt="2024-01-29T18:53:28.629" v="4629" actId="478"/>
-          <ac:spMkLst>
-            <pc:docMk/>
-            <pc:sldMk cId="3841549313" sldId="298"/>
-            <ac:spMk id="7" creationId="{DFD509DC-F964-7944-59F2-79B239074D02}"/>
-          </ac:spMkLst>
-        </pc:spChg>
-        <pc:spChg chg="del">
-          <ac:chgData name="Noor,Ayaz" userId="7cf625e6-36b6-4e30-acf8-1c16eb40c4b2" providerId="ADAL" clId="{8D8C9B35-49B4-403E-80C1-E6F032E27505}" dt="2024-01-29T18:53:29.920" v="4630" actId="478"/>
-          <ac:spMkLst>
-            <pc:docMk/>
-            <pc:sldMk cId="3841549313" sldId="298"/>
-            <ac:spMk id="11" creationId="{B0ED8995-9C85-657D-F332-0B7D765DC304}"/>
-          </ac:spMkLst>
-        </pc:spChg>
-        <pc:spChg chg="del">
-          <ac:chgData name="Noor,Ayaz" userId="7cf625e6-36b6-4e30-acf8-1c16eb40c4b2" providerId="ADAL" clId="{8D8C9B35-49B4-403E-80C1-E6F032E27505}" dt="2024-01-29T18:53:25.670" v="4627" actId="478"/>
-          <ac:spMkLst>
-            <pc:docMk/>
-            <pc:sldMk cId="3841549313" sldId="298"/>
-            <ac:spMk id="15" creationId="{A5C4C235-9558-1115-569C-FC23C9701742}"/>
-          </ac:spMkLst>
-        </pc:spChg>
-        <pc:spChg chg="mod">
-          <ac:chgData name="Noor,Ayaz" userId="7cf625e6-36b6-4e30-acf8-1c16eb40c4b2" providerId="ADAL" clId="{8D8C9B35-49B4-403E-80C1-E6F032E27505}" dt="2024-01-29T18:53:15.451" v="4626" actId="27636"/>
-          <ac:spMkLst>
-            <pc:docMk/>
-            <pc:sldMk cId="3841549313" sldId="298"/>
-            <ac:spMk id="30" creationId="{401FB0C4-43D7-9EA8-194E-0542C116E27E}"/>
-          </ac:spMkLst>
-        </pc:spChg>
-        <pc:graphicFrameChg chg="add mod modGraphic">
-          <ac:chgData name="Noor,Ayaz" userId="7cf625e6-36b6-4e30-acf8-1c16eb40c4b2" providerId="ADAL" clId="{8D8C9B35-49B4-403E-80C1-E6F032E27505}" dt="2024-01-29T19:09:21.516" v="5200" actId="20577"/>
-          <ac:graphicFrameMkLst>
-            <pc:docMk/>
-            <pc:sldMk cId="3841549313" sldId="298"/>
-            <ac:graphicFrameMk id="2" creationId="{21E80208-AA11-49B3-4269-AE44012B88BE}"/>
-          </ac:graphicFrameMkLst>
-        </pc:graphicFrameChg>
-        <pc:picChg chg="del">
-          <ac:chgData name="Noor,Ayaz" userId="7cf625e6-36b6-4e30-acf8-1c16eb40c4b2" providerId="ADAL" clId="{8D8C9B35-49B4-403E-80C1-E6F032E27505}" dt="2024-01-29T18:53:26.979" v="4628" actId="478"/>
-          <ac:picMkLst>
-            <pc:docMk/>
-            <pc:sldMk cId="3841549313" sldId="298"/>
-            <ac:picMk id="8" creationId="{A55E1201-05C1-9C94-F484-714D51D69030}"/>
-          </ac:picMkLst>
-        </pc:picChg>
-        <pc:picChg chg="del">
-          <ac:chgData name="Noor,Ayaz" userId="7cf625e6-36b6-4e30-acf8-1c16eb40c4b2" providerId="ADAL" clId="{8D8C9B35-49B4-403E-80C1-E6F032E27505}" dt="2024-01-29T18:53:28.629" v="4629" actId="478"/>
-          <ac:picMkLst>
-            <pc:docMk/>
-            <pc:sldMk cId="3841549313" sldId="298"/>
-            <ac:picMk id="10" creationId="{3BA80FDA-062F-77AA-670E-76ABD83D1D97}"/>
-          </ac:picMkLst>
-        </pc:picChg>
-      </pc:sldChg>
-      <pc:sldChg chg="addSp delSp modSp mod">
-        <pc:chgData name="Noor,Ayaz" userId="7cf625e6-36b6-4e30-acf8-1c16eb40c4b2" providerId="ADAL" clId="{8D8C9B35-49B4-403E-80C1-E6F032E27505}" dt="2024-01-31T02:23:39.404" v="11006" actId="20577"/>
-        <pc:sldMkLst>
-          <pc:docMk/>
-          <pc:sldMk cId="2572162414" sldId="299"/>
-        </pc:sldMkLst>
-        <pc:spChg chg="add mod ord topLvl">
-          <ac:chgData name="Noor,Ayaz" userId="7cf625e6-36b6-4e30-acf8-1c16eb40c4b2" providerId="ADAL" clId="{8D8C9B35-49B4-403E-80C1-E6F032E27505}" dt="2024-01-30T03:05:17.531" v="6457" actId="14100"/>
-          <ac:spMkLst>
-            <pc:docMk/>
-            <pc:sldMk cId="2572162414" sldId="299"/>
-            <ac:spMk id="4" creationId="{53EADD87-0CD3-FC4A-F204-93EB1B919779}"/>
-          </ac:spMkLst>
-        </pc:spChg>
-        <pc:spChg chg="mod">
-          <ac:chgData name="Noor,Ayaz" userId="7cf625e6-36b6-4e30-acf8-1c16eb40c4b2" providerId="ADAL" clId="{8D8C9B35-49B4-403E-80C1-E6F032E27505}" dt="2024-01-30T02:07:28.536" v="5318"/>
-          <ac:spMkLst>
-            <pc:docMk/>
-            <pc:sldMk cId="2572162414" sldId="299"/>
-            <ac:spMk id="11" creationId="{1FB72B40-355C-08A2-8707-892818CCFC03}"/>
-          </ac:spMkLst>
-        </pc:spChg>
-        <pc:spChg chg="mod">
-          <ac:chgData name="Noor,Ayaz" userId="7cf625e6-36b6-4e30-acf8-1c16eb40c4b2" providerId="ADAL" clId="{8D8C9B35-49B4-403E-80C1-E6F032E27505}" dt="2024-01-30T02:08:45.436" v="5329"/>
-          <ac:spMkLst>
-            <pc:docMk/>
-            <pc:sldMk cId="2572162414" sldId="299"/>
-            <ac:spMk id="16" creationId="{579F75F3-8575-F990-E8C3-96FACA4E92E8}"/>
-          </ac:spMkLst>
-        </pc:spChg>
-        <pc:spChg chg="add mod">
-          <ac:chgData name="Noor,Ayaz" userId="7cf625e6-36b6-4e30-acf8-1c16eb40c4b2" providerId="ADAL" clId="{8D8C9B35-49B4-403E-80C1-E6F032E27505}" dt="2024-01-31T02:23:39.404" v="11006" actId="20577"/>
-          <ac:spMkLst>
-            <pc:docMk/>
-            <pc:sldMk cId="2572162414" sldId="299"/>
-            <ac:spMk id="18" creationId="{98306715-0F3E-CEED-B16F-6A8F550D7EE5}"/>
-          </ac:spMkLst>
-        </pc:spChg>
-        <pc:spChg chg="mod">
-          <ac:chgData name="Noor,Ayaz" userId="7cf625e6-36b6-4e30-acf8-1c16eb40c4b2" providerId="ADAL" clId="{8D8C9B35-49B4-403E-80C1-E6F032E27505}" dt="2024-01-29T19:10:32.770" v="5216" actId="20577"/>
-          <ac:spMkLst>
-            <pc:docMk/>
-            <pc:sldMk cId="2572162414" sldId="299"/>
-            <ac:spMk id="30" creationId="{401FB0C4-43D7-9EA8-194E-0542C116E27E}"/>
-          </ac:spMkLst>
-        </pc:spChg>
-        <pc:grpChg chg="add del mod">
-          <ac:chgData name="Noor,Ayaz" userId="7cf625e6-36b6-4e30-acf8-1c16eb40c4b2" providerId="ADAL" clId="{8D8C9B35-49B4-403E-80C1-E6F032E27505}" dt="2024-01-30T02:02:29.219" v="5288" actId="165"/>
-          <ac:grpSpMkLst>
-            <pc:docMk/>
-            <pc:sldMk cId="2572162414" sldId="299"/>
-            <ac:grpSpMk id="5" creationId="{1E775B97-1A97-B76E-EA3A-569A28C3394E}"/>
-          </ac:grpSpMkLst>
-        </pc:grpChg>
-        <pc:grpChg chg="add mod">
-          <ac:chgData name="Noor,Ayaz" userId="7cf625e6-36b6-4e30-acf8-1c16eb40c4b2" providerId="ADAL" clId="{8D8C9B35-49B4-403E-80C1-E6F032E27505}" dt="2024-01-30T02:09:42.533" v="5338" actId="1076"/>
-          <ac:grpSpMkLst>
-            <pc:docMk/>
-            <pc:sldMk cId="2572162414" sldId="299"/>
-            <ac:grpSpMk id="10" creationId="{09541F77-69AA-C189-ACC0-830B633DFEA4}"/>
-          </ac:grpSpMkLst>
-        </pc:grpChg>
-        <pc:grpChg chg="add mod">
-          <ac:chgData name="Noor,Ayaz" userId="7cf625e6-36b6-4e30-acf8-1c16eb40c4b2" providerId="ADAL" clId="{8D8C9B35-49B4-403E-80C1-E6F032E27505}" dt="2024-01-30T03:05:17.531" v="6457" actId="14100"/>
-          <ac:grpSpMkLst>
-            <pc:docMk/>
-            <pc:sldMk cId="2572162414" sldId="299"/>
-            <ac:grpSpMk id="15" creationId="{3E557C73-9C7B-81B3-5304-ABF1DFB3C6C5}"/>
-          </ac:grpSpMkLst>
-        </pc:grpChg>
-        <pc:graphicFrameChg chg="del">
-          <ac:chgData name="Noor,Ayaz" userId="7cf625e6-36b6-4e30-acf8-1c16eb40c4b2" providerId="ADAL" clId="{8D8C9B35-49B4-403E-80C1-E6F032E27505}" dt="2024-01-29T19:11:41.803" v="5254" actId="478"/>
-          <ac:graphicFrameMkLst>
-            <pc:docMk/>
-            <pc:sldMk cId="2572162414" sldId="299"/>
-            <ac:graphicFrameMk id="2" creationId="{21E80208-AA11-49B3-4269-AE44012B88BE}"/>
-          </ac:graphicFrameMkLst>
-        </pc:graphicFrameChg>
-        <pc:picChg chg="add del mod topLvl">
-          <ac:chgData name="Noor,Ayaz" userId="7cf625e6-36b6-4e30-acf8-1c16eb40c4b2" providerId="ADAL" clId="{8D8C9B35-49B4-403E-80C1-E6F032E27505}" dt="2024-01-30T02:02:32.805" v="5289" actId="478"/>
-          <ac:picMkLst>
-            <pc:docMk/>
-            <pc:sldMk cId="2572162414" sldId="299"/>
-            <ac:picMk id="3" creationId="{2FFBA1D6-A5F5-625F-1826-BA6874C3C344}"/>
-          </ac:picMkLst>
-        </pc:picChg>
-        <pc:picChg chg="add del mod">
-          <ac:chgData name="Noor,Ayaz" userId="7cf625e6-36b6-4e30-acf8-1c16eb40c4b2" providerId="ADAL" clId="{8D8C9B35-49B4-403E-80C1-E6F032E27505}" dt="2024-01-30T02:02:46.921" v="5294" actId="478"/>
-          <ac:picMkLst>
-            <pc:docMk/>
-            <pc:sldMk cId="2572162414" sldId="299"/>
-            <ac:picMk id="7" creationId="{2E875A57-5764-AEC4-CCEA-B468A8C018A0}"/>
-          </ac:picMkLst>
-        </pc:picChg>
-        <pc:picChg chg="add mod">
-          <ac:chgData name="Noor,Ayaz" userId="7cf625e6-36b6-4e30-acf8-1c16eb40c4b2" providerId="ADAL" clId="{8D8C9B35-49B4-403E-80C1-E6F032E27505}" dt="2024-01-30T04:18:18.781" v="8801" actId="1076"/>
-          <ac:picMkLst>
-            <pc:docMk/>
-            <pc:sldMk cId="2572162414" sldId="299"/>
-            <ac:picMk id="9" creationId="{B8F665CF-7856-6012-0D46-675DF0D195B9}"/>
-          </ac:picMkLst>
-        </pc:picChg>
-        <pc:picChg chg="mod">
-          <ac:chgData name="Noor,Ayaz" userId="7cf625e6-36b6-4e30-acf8-1c16eb40c4b2" providerId="ADAL" clId="{8D8C9B35-49B4-403E-80C1-E6F032E27505}" dt="2024-01-30T02:07:28.536" v="5318"/>
-          <ac:picMkLst>
-            <pc:docMk/>
-            <pc:sldMk cId="2572162414" sldId="299"/>
-            <ac:picMk id="12" creationId="{C4FF9CD7-459C-B130-680F-8EBEA4BDA6DA}"/>
-          </ac:picMkLst>
-        </pc:picChg>
-        <pc:picChg chg="mod">
-          <ac:chgData name="Noor,Ayaz" userId="7cf625e6-36b6-4e30-acf8-1c16eb40c4b2" providerId="ADAL" clId="{8D8C9B35-49B4-403E-80C1-E6F032E27505}" dt="2024-01-30T02:08:45.436" v="5329"/>
-          <ac:picMkLst>
-            <pc:docMk/>
-            <pc:sldMk cId="2572162414" sldId="299"/>
-            <ac:picMk id="17" creationId="{FBE9408F-36CF-354A-4501-0C2508A8117F}"/>
-          </ac:picMkLst>
-        </pc:picChg>
-      </pc:sldChg>
-      <pc:sldChg chg="addSp delSp modSp mod">
-        <pc:chgData name="Noor,Ayaz" userId="7cf625e6-36b6-4e30-acf8-1c16eb40c4b2" providerId="ADAL" clId="{8D8C9B35-49B4-403E-80C1-E6F032E27505}" dt="2024-01-30T03:23:02.950" v="7368" actId="14100"/>
-        <pc:sldMkLst>
-          <pc:docMk/>
-          <pc:sldMk cId="1633032072" sldId="300"/>
-        </pc:sldMkLst>
-        <pc:spChg chg="add mod ord">
-          <ac:chgData name="Noor,Ayaz" userId="7cf625e6-36b6-4e30-acf8-1c16eb40c4b2" providerId="ADAL" clId="{8D8C9B35-49B4-403E-80C1-E6F032E27505}" dt="2024-01-30T02:00:31.621" v="5264" actId="164"/>
-          <ac:spMkLst>
-            <pc:docMk/>
-            <pc:sldMk cId="1633032072" sldId="300"/>
-            <ac:spMk id="4" creationId="{1FB72B40-355C-08A2-8707-892818CCFC03}"/>
-          </ac:spMkLst>
-        </pc:spChg>
-        <pc:spChg chg="add mod ord">
-          <ac:chgData name="Noor,Ayaz" userId="7cf625e6-36b6-4e30-acf8-1c16eb40c4b2" providerId="ADAL" clId="{8D8C9B35-49B4-403E-80C1-E6F032E27505}" dt="2024-01-30T02:28:21.182" v="5414" actId="1076"/>
-          <ac:spMkLst>
-            <pc:docMk/>
-            <pc:sldMk cId="1633032072" sldId="300"/>
-            <ac:spMk id="8" creationId="{BFA03DC5-81B1-3573-D4A6-1B183AD76E5B}"/>
-          </ac:spMkLst>
-        </pc:spChg>
-        <pc:spChg chg="add mod ord">
-          <ac:chgData name="Noor,Ayaz" userId="7cf625e6-36b6-4e30-acf8-1c16eb40c4b2" providerId="ADAL" clId="{8D8C9B35-49B4-403E-80C1-E6F032E27505}" dt="2024-01-30T03:23:02.950" v="7368" actId="14100"/>
-          <ac:spMkLst>
-            <pc:docMk/>
-            <pc:sldMk cId="1633032072" sldId="300"/>
-            <ac:spMk id="11" creationId="{532A7D6A-8F8B-49AB-9FC1-B4D24B1FF6D2}"/>
-          </ac:spMkLst>
-        </pc:spChg>
-        <pc:spChg chg="add mod">
-          <ac:chgData name="Noor,Ayaz" userId="7cf625e6-36b6-4e30-acf8-1c16eb40c4b2" providerId="ADAL" clId="{8D8C9B35-49B4-403E-80C1-E6F032E27505}" dt="2024-01-30T03:22:36.215" v="7364" actId="20577"/>
-          <ac:spMkLst>
-            <pc:docMk/>
-            <pc:sldMk cId="1633032072" sldId="300"/>
-            <ac:spMk id="12" creationId="{BE57A2EB-8E76-8A0B-6B33-D6978D6C81EE}"/>
-          </ac:spMkLst>
-        </pc:spChg>
-        <pc:spChg chg="mod">
-          <ac:chgData name="Noor,Ayaz" userId="7cf625e6-36b6-4e30-acf8-1c16eb40c4b2" providerId="ADAL" clId="{8D8C9B35-49B4-403E-80C1-E6F032E27505}" dt="2024-01-30T03:22:58.082" v="7367" actId="14100"/>
-          <ac:spMkLst>
-            <pc:docMk/>
-            <pc:sldMk cId="1633032072" sldId="300"/>
-            <ac:spMk id="30" creationId="{401FB0C4-43D7-9EA8-194E-0542C116E27E}"/>
-          </ac:spMkLst>
-        </pc:spChg>
-        <pc:grpChg chg="add del mod">
-          <ac:chgData name="Noor,Ayaz" userId="7cf625e6-36b6-4e30-acf8-1c16eb40c4b2" providerId="ADAL" clId="{8D8C9B35-49B4-403E-80C1-E6F032E27505}" dt="2024-01-30T02:07:18.925" v="5316" actId="21"/>
-          <ac:grpSpMkLst>
-            <pc:docMk/>
-            <pc:sldMk cId="1633032072" sldId="300"/>
-            <ac:grpSpMk id="5" creationId="{09541F77-69AA-C189-ACC0-830B633DFEA4}"/>
-          </ac:grpSpMkLst>
-        </pc:grpChg>
-        <pc:graphicFrameChg chg="del">
-          <ac:chgData name="Noor,Ayaz" userId="7cf625e6-36b6-4e30-acf8-1c16eb40c4b2" providerId="ADAL" clId="{8D8C9B35-49B4-403E-80C1-E6F032E27505}" dt="2024-01-29T19:11:45.696" v="5255" actId="478"/>
-          <ac:graphicFrameMkLst>
-            <pc:docMk/>
-            <pc:sldMk cId="1633032072" sldId="300"/>
-            <ac:graphicFrameMk id="2" creationId="{21E80208-AA11-49B3-4269-AE44012B88BE}"/>
-          </ac:graphicFrameMkLst>
-        </pc:graphicFrameChg>
-        <pc:picChg chg="add mod">
-          <ac:chgData name="Noor,Ayaz" userId="7cf625e6-36b6-4e30-acf8-1c16eb40c4b2" providerId="ADAL" clId="{8D8C9B35-49B4-403E-80C1-E6F032E27505}" dt="2024-01-30T02:00:31.621" v="5264" actId="164"/>
-          <ac:picMkLst>
-            <pc:docMk/>
-            <pc:sldMk cId="1633032072" sldId="300"/>
-            <ac:picMk id="3" creationId="{C4FF9CD7-459C-B130-680F-8EBEA4BDA6DA}"/>
-          </ac:picMkLst>
-        </pc:picChg>
-        <pc:picChg chg="add mod">
-          <ac:chgData name="Noor,Ayaz" userId="7cf625e6-36b6-4e30-acf8-1c16eb40c4b2" providerId="ADAL" clId="{8D8C9B35-49B4-403E-80C1-E6F032E27505}" dt="2024-01-30T02:28:21.182" v="5414" actId="1076"/>
-          <ac:picMkLst>
-            <pc:docMk/>
-            <pc:sldMk cId="1633032072" sldId="300"/>
-            <ac:picMk id="7" creationId="{A444AAC8-A3BB-7329-A1F7-FC16346F2080}"/>
-          </ac:picMkLst>
-        </pc:picChg>
-        <pc:picChg chg="add mod">
-          <ac:chgData name="Noor,Ayaz" userId="7cf625e6-36b6-4e30-acf8-1c16eb40c4b2" providerId="ADAL" clId="{8D8C9B35-49B4-403E-80C1-E6F032E27505}" dt="2024-01-30T03:23:02.950" v="7368" actId="14100"/>
-          <ac:picMkLst>
-            <pc:docMk/>
-            <pc:sldMk cId="1633032072" sldId="300"/>
-            <ac:picMk id="10" creationId="{F9B6B533-E61E-F9A0-6BC6-542C97442015}"/>
-          </ac:picMkLst>
-        </pc:picChg>
-      </pc:sldChg>
-      <pc:sldChg chg="addSp delSp modSp mod">
-        <pc:chgData name="Noor,Ayaz" userId="7cf625e6-36b6-4e30-acf8-1c16eb40c4b2" providerId="ADAL" clId="{8D8C9B35-49B4-403E-80C1-E6F032E27505}" dt="2024-01-30T03:56:43.079" v="8020" actId="20577"/>
-        <pc:sldMkLst>
-          <pc:docMk/>
-          <pc:sldMk cId="2612421669" sldId="301"/>
-        </pc:sldMkLst>
-        <pc:spChg chg="add mod ord">
-          <ac:chgData name="Noor,Ayaz" userId="7cf625e6-36b6-4e30-acf8-1c16eb40c4b2" providerId="ADAL" clId="{8D8C9B35-49B4-403E-80C1-E6F032E27505}" dt="2024-01-30T02:06:08.195" v="5315" actId="164"/>
-          <ac:spMkLst>
-            <pc:docMk/>
-            <pc:sldMk cId="2612421669" sldId="301"/>
-            <ac:spMk id="4" creationId="{579F75F3-8575-F990-E8C3-96FACA4E92E8}"/>
-          </ac:spMkLst>
-        </pc:spChg>
-        <pc:spChg chg="add mod ord">
-          <ac:chgData name="Noor,Ayaz" userId="7cf625e6-36b6-4e30-acf8-1c16eb40c4b2" providerId="ADAL" clId="{8D8C9B35-49B4-403E-80C1-E6F032E27505}" dt="2024-01-30T02:29:01.617" v="5420" actId="14100"/>
-          <ac:spMkLst>
-            <pc:docMk/>
-            <pc:sldMk cId="2612421669" sldId="301"/>
-            <ac:spMk id="8" creationId="{E9020DED-961F-358F-5701-9FCBC192CEEC}"/>
-          </ac:spMkLst>
-        </pc:spChg>
-        <pc:spChg chg="add mod ord">
-          <ac:chgData name="Noor,Ayaz" userId="7cf625e6-36b6-4e30-acf8-1c16eb40c4b2" providerId="ADAL" clId="{8D8C9B35-49B4-403E-80C1-E6F032E27505}" dt="2024-01-30T02:28:44.290" v="5417" actId="1076"/>
-          <ac:spMkLst>
-            <pc:docMk/>
-            <pc:sldMk cId="2612421669" sldId="301"/>
-            <ac:spMk id="11" creationId="{EE2126AD-2786-1C3C-3F55-E22CEB477825}"/>
-          </ac:spMkLst>
-        </pc:spChg>
-        <pc:spChg chg="add mod">
-          <ac:chgData name="Noor,Ayaz" userId="7cf625e6-36b6-4e30-acf8-1c16eb40c4b2" providerId="ADAL" clId="{8D8C9B35-49B4-403E-80C1-E6F032E27505}" dt="2024-01-30T03:56:43.079" v="8020" actId="20577"/>
-          <ac:spMkLst>
-            <pc:docMk/>
-            <pc:sldMk cId="2612421669" sldId="301"/>
-            <ac:spMk id="12" creationId="{5B25F0C3-16C2-C385-16A2-582FA2172BAA}"/>
-          </ac:spMkLst>
-        </pc:spChg>
-        <pc:spChg chg="mod">
-          <ac:chgData name="Noor,Ayaz" userId="7cf625e6-36b6-4e30-acf8-1c16eb40c4b2" providerId="ADAL" clId="{8D8C9B35-49B4-403E-80C1-E6F032E27505}" dt="2024-01-29T19:10:47.171" v="5249" actId="20577"/>
-          <ac:spMkLst>
-            <pc:docMk/>
-            <pc:sldMk cId="2612421669" sldId="301"/>
-            <ac:spMk id="30" creationId="{401FB0C4-43D7-9EA8-194E-0542C116E27E}"/>
-          </ac:spMkLst>
-        </pc:spChg>
-        <pc:grpChg chg="add del mod">
-          <ac:chgData name="Noor,Ayaz" userId="7cf625e6-36b6-4e30-acf8-1c16eb40c4b2" providerId="ADAL" clId="{8D8C9B35-49B4-403E-80C1-E6F032E27505}" dt="2024-01-30T02:08:43.117" v="5328" actId="21"/>
-          <ac:grpSpMkLst>
-            <pc:docMk/>
-            <pc:sldMk cId="2612421669" sldId="301"/>
-            <ac:grpSpMk id="5" creationId="{3E557C73-9C7B-81B3-5304-ABF1DFB3C6C5}"/>
-          </ac:grpSpMkLst>
-        </pc:grpChg>
-        <pc:graphicFrameChg chg="del">
-          <ac:chgData name="Noor,Ayaz" userId="7cf625e6-36b6-4e30-acf8-1c16eb40c4b2" providerId="ADAL" clId="{8D8C9B35-49B4-403E-80C1-E6F032E27505}" dt="2024-01-29T19:11:49.072" v="5256" actId="478"/>
-          <ac:graphicFrameMkLst>
-            <pc:docMk/>
-            <pc:sldMk cId="2612421669" sldId="301"/>
-            <ac:graphicFrameMk id="2" creationId="{21E80208-AA11-49B3-4269-AE44012B88BE}"/>
-          </ac:graphicFrameMkLst>
-        </pc:graphicFrameChg>
-        <pc:picChg chg="add mod">
-          <ac:chgData name="Noor,Ayaz" userId="7cf625e6-36b6-4e30-acf8-1c16eb40c4b2" providerId="ADAL" clId="{8D8C9B35-49B4-403E-80C1-E6F032E27505}" dt="2024-01-30T02:06:08.195" v="5315" actId="164"/>
-          <ac:picMkLst>
-            <pc:docMk/>
-            <pc:sldMk cId="2612421669" sldId="301"/>
-            <ac:picMk id="3" creationId="{FBE9408F-36CF-354A-4501-0C2508A8117F}"/>
-          </ac:picMkLst>
-        </pc:picChg>
-        <pc:picChg chg="add mod">
-          <ac:chgData name="Noor,Ayaz" userId="7cf625e6-36b6-4e30-acf8-1c16eb40c4b2" providerId="ADAL" clId="{8D8C9B35-49B4-403E-80C1-E6F032E27505}" dt="2024-01-30T02:29:12.664" v="5421" actId="1076"/>
-          <ac:picMkLst>
-            <pc:docMk/>
-            <pc:sldMk cId="2612421669" sldId="301"/>
-            <ac:picMk id="7" creationId="{0DA2B816-D0D7-A84D-E1A3-9DD1FEE812B9}"/>
-          </ac:picMkLst>
-        </pc:picChg>
-        <pc:picChg chg="add mod">
-          <ac:chgData name="Noor,Ayaz" userId="7cf625e6-36b6-4e30-acf8-1c16eb40c4b2" providerId="ADAL" clId="{8D8C9B35-49B4-403E-80C1-E6F032E27505}" dt="2024-01-30T02:28:44.290" v="5417" actId="1076"/>
-          <ac:picMkLst>
-            <pc:docMk/>
-            <pc:sldMk cId="2612421669" sldId="301"/>
-            <ac:picMk id="10" creationId="{35CBA2CA-CCFA-200A-DCE2-88901148C4AF}"/>
-          </ac:picMkLst>
-        </pc:picChg>
-      </pc:sldChg>
-      <pc:sldMasterChg chg="new del mod addSldLayout delSldLayout">
-        <pc:chgData name="Noor,Ayaz" userId="7cf625e6-36b6-4e30-acf8-1c16eb40c4b2" providerId="ADAL" clId="{8D8C9B35-49B4-403E-80C1-E6F032E27505}" dt="2024-01-29T15:51:40.815" v="3687" actId="6938"/>
-        <pc:sldMasterMkLst>
-          <pc:docMk/>
-          <pc:sldMasterMk cId="1184867923" sldId="2147483930"/>
-        </pc:sldMasterMkLst>
-        <pc:sldLayoutChg chg="new del replId">
-          <pc:chgData name="Noor,Ayaz" userId="7cf625e6-36b6-4e30-acf8-1c16eb40c4b2" providerId="ADAL" clId="{8D8C9B35-49B4-403E-80C1-E6F032E27505}" dt="2024-01-29T15:51:40.815" v="3687" actId="6938"/>
-          <pc:sldLayoutMkLst>
-            <pc:docMk/>
-            <pc:sldMasterMk cId="1184867923" sldId="2147483930"/>
-            <pc:sldLayoutMk cId="2346702325" sldId="2147483931"/>
-          </pc:sldLayoutMkLst>
-        </pc:sldLayoutChg>
-        <pc:sldLayoutChg chg="new del replId">
-          <pc:chgData name="Noor,Ayaz" userId="7cf625e6-36b6-4e30-acf8-1c16eb40c4b2" providerId="ADAL" clId="{8D8C9B35-49B4-403E-80C1-E6F032E27505}" dt="2024-01-29T15:51:40.815" v="3687" actId="6938"/>
-          <pc:sldLayoutMkLst>
-            <pc:docMk/>
-            <pc:sldMasterMk cId="1184867923" sldId="2147483930"/>
-            <pc:sldLayoutMk cId="3496711190" sldId="2147483932"/>
-          </pc:sldLayoutMkLst>
-        </pc:sldLayoutChg>
-        <pc:sldLayoutChg chg="new del replId">
-          <pc:chgData name="Noor,Ayaz" userId="7cf625e6-36b6-4e30-acf8-1c16eb40c4b2" providerId="ADAL" clId="{8D8C9B35-49B4-403E-80C1-E6F032E27505}" dt="2024-01-29T15:51:40.815" v="3687" actId="6938"/>
-          <pc:sldLayoutMkLst>
-            <pc:docMk/>
-            <pc:sldMasterMk cId="1184867923" sldId="2147483930"/>
-            <pc:sldLayoutMk cId="22516688" sldId="2147483933"/>
-          </pc:sldLayoutMkLst>
-        </pc:sldLayoutChg>
-        <pc:sldLayoutChg chg="new del replId">
-          <pc:chgData name="Noor,Ayaz" userId="7cf625e6-36b6-4e30-acf8-1c16eb40c4b2" providerId="ADAL" clId="{8D8C9B35-49B4-403E-80C1-E6F032E27505}" dt="2024-01-29T15:51:40.815" v="3687" actId="6938"/>
-          <pc:sldLayoutMkLst>
-            <pc:docMk/>
-            <pc:sldMasterMk cId="1184867923" sldId="2147483930"/>
-            <pc:sldLayoutMk cId="3857890532" sldId="2147483934"/>
-          </pc:sldLayoutMkLst>
-        </pc:sldLayoutChg>
-        <pc:sldLayoutChg chg="new del replId">
-          <pc:chgData name="Noor,Ayaz" userId="7cf625e6-36b6-4e30-acf8-1c16eb40c4b2" providerId="ADAL" clId="{8D8C9B35-49B4-403E-80C1-E6F032E27505}" dt="2024-01-29T15:51:40.815" v="3687" actId="6938"/>
-          <pc:sldLayoutMkLst>
-            <pc:docMk/>
-            <pc:sldMasterMk cId="1184867923" sldId="2147483930"/>
-            <pc:sldLayoutMk cId="3590901061" sldId="2147483935"/>
-          </pc:sldLayoutMkLst>
-        </pc:sldLayoutChg>
-        <pc:sldLayoutChg chg="new del replId">
-          <pc:chgData name="Noor,Ayaz" userId="7cf625e6-36b6-4e30-acf8-1c16eb40c4b2" providerId="ADAL" clId="{8D8C9B35-49B4-403E-80C1-E6F032E27505}" dt="2024-01-29T15:51:40.815" v="3687" actId="6938"/>
-          <pc:sldLayoutMkLst>
-            <pc:docMk/>
-            <pc:sldMasterMk cId="1184867923" sldId="2147483930"/>
-            <pc:sldLayoutMk cId="2882879465" sldId="2147483936"/>
-          </pc:sldLayoutMkLst>
-        </pc:sldLayoutChg>
-        <pc:sldLayoutChg chg="new del replId">
-          <pc:chgData name="Noor,Ayaz" userId="7cf625e6-36b6-4e30-acf8-1c16eb40c4b2" providerId="ADAL" clId="{8D8C9B35-49B4-403E-80C1-E6F032E27505}" dt="2024-01-29T15:51:40.815" v="3687" actId="6938"/>
-          <pc:sldLayoutMkLst>
-            <pc:docMk/>
-            <pc:sldMasterMk cId="1184867923" sldId="2147483930"/>
-            <pc:sldLayoutMk cId="3215052956" sldId="2147483937"/>
-          </pc:sldLayoutMkLst>
-        </pc:sldLayoutChg>
-        <pc:sldLayoutChg chg="new del replId">
-          <pc:chgData name="Noor,Ayaz" userId="7cf625e6-36b6-4e30-acf8-1c16eb40c4b2" providerId="ADAL" clId="{8D8C9B35-49B4-403E-80C1-E6F032E27505}" dt="2024-01-29T15:51:40.815" v="3687" actId="6938"/>
-          <pc:sldLayoutMkLst>
-            <pc:docMk/>
-            <pc:sldMasterMk cId="1184867923" sldId="2147483930"/>
-            <pc:sldLayoutMk cId="1064910963" sldId="2147483938"/>
-          </pc:sldLayoutMkLst>
-        </pc:sldLayoutChg>
-        <pc:sldLayoutChg chg="new del replId">
-          <pc:chgData name="Noor,Ayaz" userId="7cf625e6-36b6-4e30-acf8-1c16eb40c4b2" providerId="ADAL" clId="{8D8C9B35-49B4-403E-80C1-E6F032E27505}" dt="2024-01-29T15:51:40.815" v="3687" actId="6938"/>
-          <pc:sldLayoutMkLst>
-            <pc:docMk/>
-            <pc:sldMasterMk cId="1184867923" sldId="2147483930"/>
-            <pc:sldLayoutMk cId="679511188" sldId="2147483939"/>
-          </pc:sldLayoutMkLst>
-        </pc:sldLayoutChg>
-        <pc:sldLayoutChg chg="new del replId">
-          <pc:chgData name="Noor,Ayaz" userId="7cf625e6-36b6-4e30-acf8-1c16eb40c4b2" providerId="ADAL" clId="{8D8C9B35-49B4-403E-80C1-E6F032E27505}" dt="2024-01-29T15:51:40.815" v="3687" actId="6938"/>
-          <pc:sldLayoutMkLst>
-            <pc:docMk/>
-            <pc:sldMasterMk cId="1184867923" sldId="2147483930"/>
-            <pc:sldLayoutMk cId="375196912" sldId="2147483940"/>
-          </pc:sldLayoutMkLst>
-        </pc:sldLayoutChg>
-        <pc:sldLayoutChg chg="new del replId">
-          <pc:chgData name="Noor,Ayaz" userId="7cf625e6-36b6-4e30-acf8-1c16eb40c4b2" providerId="ADAL" clId="{8D8C9B35-49B4-403E-80C1-E6F032E27505}" dt="2024-01-29T15:51:40.815" v="3687" actId="6938"/>
-          <pc:sldLayoutMkLst>
-            <pc:docMk/>
-            <pc:sldMasterMk cId="1184867923" sldId="2147483930"/>
-            <pc:sldLayoutMk cId="826060806" sldId="2147483941"/>
-          </pc:sldLayoutMkLst>
-        </pc:sldLayoutChg>
-      </pc:sldMasterChg>
-    </pc:docChg>
-  </pc:docChgLst>
-  <pc:docChgLst>
-    <pc:chgData name="Man,Hok Yi" userId="S::hm565@drexel.edu::9f585303-93fb-4119-ac7d-19fe102fc7c3" providerId="AD" clId="Web-{EC7CF522-1899-4DE6-8BBA-78E77BB66262}"/>
-    <pc:docChg chg="addSld delSld modSld addMainMaster delMainMaster">
-      <pc:chgData name="Man,Hok Yi" userId="S::hm565@drexel.edu::9f585303-93fb-4119-ac7d-19fe102fc7c3" providerId="AD" clId="Web-{EC7CF522-1899-4DE6-8BBA-78E77BB66262}" dt="2024-01-28T20:33:27.623" v="30"/>
-      <pc:docMkLst>
-        <pc:docMk/>
-      </pc:docMkLst>
-      <pc:sldChg chg="addSp delSp modSp mod setBg modClrScheme delDesignElem chgLayout">
-        <pc:chgData name="Man,Hok Yi" userId="S::hm565@drexel.edu::9f585303-93fb-4119-ac7d-19fe102fc7c3" providerId="AD" clId="Web-{EC7CF522-1899-4DE6-8BBA-78E77BB66262}" dt="2024-01-28T20:32:56.059" v="29"/>
-        <pc:sldMkLst>
-          <pc:docMk/>
-          <pc:sldMk cId="109857222" sldId="256"/>
-        </pc:sldMkLst>
-        <pc:spChg chg="mod ord">
-          <ac:chgData name="Man,Hok Yi" userId="S::hm565@drexel.edu::9f585303-93fb-4119-ac7d-19fe102fc7c3" providerId="AD" clId="Web-{EC7CF522-1899-4DE6-8BBA-78E77BB66262}" dt="2024-01-28T20:32:56.059" v="29"/>
-          <ac:spMkLst>
-            <pc:docMk/>
-            <pc:sldMk cId="109857222" sldId="256"/>
-            <ac:spMk id="2" creationId="{00000000-0000-0000-0000-000000000000}"/>
-          </ac:spMkLst>
-        </pc:spChg>
-        <pc:spChg chg="mod ord">
-          <ac:chgData name="Man,Hok Yi" userId="S::hm565@drexel.edu::9f585303-93fb-4119-ac7d-19fe102fc7c3" providerId="AD" clId="Web-{EC7CF522-1899-4DE6-8BBA-78E77BB66262}" dt="2024-01-28T20:32:56.059" v="29"/>
-          <ac:spMkLst>
-            <pc:docMk/>
-            <pc:sldMk cId="109857222" sldId="256"/>
-            <ac:spMk id="3" creationId="{00000000-0000-0000-0000-000000000000}"/>
-          </ac:spMkLst>
-        </pc:spChg>
-        <pc:spChg chg="add del">
-          <ac:chgData name="Man,Hok Yi" userId="S::hm565@drexel.edu::9f585303-93fb-4119-ac7d-19fe102fc7c3" providerId="AD" clId="Web-{EC7CF522-1899-4DE6-8BBA-78E77BB66262}" dt="2024-01-28T20:21:51.472" v="8"/>
-          <ac:spMkLst>
-            <pc:docMk/>
-            <pc:sldMk cId="109857222" sldId="256"/>
-            <ac:spMk id="8" creationId="{6F5A5072-7B47-4D32-B52A-4EBBF590B8A5}"/>
-          </ac:spMkLst>
-        </pc:spChg>
-        <pc:spChg chg="add del">
-          <ac:chgData name="Man,Hok Yi" userId="S::hm565@drexel.edu::9f585303-93fb-4119-ac7d-19fe102fc7c3" providerId="AD" clId="Web-{EC7CF522-1899-4DE6-8BBA-78E77BB66262}" dt="2024-01-28T20:21:50.175" v="6"/>
-          <ac:spMkLst>
-            <pc:docMk/>
-            <pc:sldMk cId="109857222" sldId="256"/>
-            <ac:spMk id="9" creationId="{EB0222B5-B739-82A9-5CCC-C5585AE12A69}"/>
-          </ac:spMkLst>
-        </pc:spChg>
-        <pc:spChg chg="add del">
-          <ac:chgData name="Man,Hok Yi" userId="S::hm565@drexel.edu::9f585303-93fb-4119-ac7d-19fe102fc7c3" providerId="AD" clId="Web-{EC7CF522-1899-4DE6-8BBA-78E77BB66262}" dt="2024-01-28T20:21:51.472" v="8"/>
-          <ac:spMkLst>
-            <pc:docMk/>
-            <pc:sldMk cId="109857222" sldId="256"/>
-            <ac:spMk id="10" creationId="{9715DAF0-AE1B-46C9-8A6B-DB2AA05AB91D}"/>
-          </ac:spMkLst>
-        </pc:spChg>
-        <pc:spChg chg="add del">
-          <ac:chgData name="Man,Hok Yi" userId="S::hm565@drexel.edu::9f585303-93fb-4119-ac7d-19fe102fc7c3" providerId="AD" clId="Web-{EC7CF522-1899-4DE6-8BBA-78E77BB66262}" dt="2024-01-28T20:21:50.175" v="6"/>
-          <ac:spMkLst>
-            <pc:docMk/>
-            <pc:sldMk cId="109857222" sldId="256"/>
-            <ac:spMk id="11" creationId="{5BE23E75-E7E9-4D9F-6D25-5512363F8621}"/>
-          </ac:spMkLst>
-        </pc:spChg>
-        <pc:spChg chg="add del">
-          <ac:chgData name="Man,Hok Yi" userId="S::hm565@drexel.edu::9f585303-93fb-4119-ac7d-19fe102fc7c3" providerId="AD" clId="Web-{EC7CF522-1899-4DE6-8BBA-78E77BB66262}" dt="2024-01-28T20:21:51.472" v="8"/>
-          <ac:spMkLst>
-            <pc:docMk/>
-            <pc:sldMk cId="109857222" sldId="256"/>
-            <ac:spMk id="12" creationId="{6016219D-510E-4184-9090-6D5578A87BD1}"/>
-          </ac:spMkLst>
-        </pc:spChg>
-        <pc:spChg chg="add del">
-          <ac:chgData name="Man,Hok Yi" userId="S::hm565@drexel.edu::9f585303-93fb-4119-ac7d-19fe102fc7c3" providerId="AD" clId="Web-{EC7CF522-1899-4DE6-8BBA-78E77BB66262}" dt="2024-01-28T20:21:51.472" v="8"/>
-          <ac:spMkLst>
-            <pc:docMk/>
-            <pc:sldMk cId="109857222" sldId="256"/>
-            <ac:spMk id="14" creationId="{AFF4A713-7B75-4B21-90D7-5AB19547C728}"/>
-          </ac:spMkLst>
-        </pc:spChg>
-        <pc:spChg chg="add del">
-          <ac:chgData name="Man,Hok Yi" userId="S::hm565@drexel.edu::9f585303-93fb-4119-ac7d-19fe102fc7c3" providerId="AD" clId="Web-{EC7CF522-1899-4DE6-8BBA-78E77BB66262}" dt="2024-01-28T20:21:51.472" v="8"/>
-          <ac:spMkLst>
-            <pc:docMk/>
-            <pc:sldMk cId="109857222" sldId="256"/>
-            <ac:spMk id="16" creationId="{DC631C0B-6DA6-4E57-8231-CE32B3434A7E}"/>
-          </ac:spMkLst>
-        </pc:spChg>
-        <pc:spChg chg="add del">
-          <ac:chgData name="Man,Hok Yi" userId="S::hm565@drexel.edu::9f585303-93fb-4119-ac7d-19fe102fc7c3" providerId="AD" clId="Web-{EC7CF522-1899-4DE6-8BBA-78E77BB66262}" dt="2024-01-28T20:21:51.472" v="8"/>
-          <ac:spMkLst>
-            <pc:docMk/>
-            <pc:sldMk cId="109857222" sldId="256"/>
-            <ac:spMk id="18" creationId="{C29501E6-A978-4A61-9689-9085AF97A53A}"/>
-          </ac:spMkLst>
-        </pc:spChg>
-        <pc:spChg chg="add del">
-          <ac:chgData name="Man,Hok Yi" userId="S::hm565@drexel.edu::9f585303-93fb-4119-ac7d-19fe102fc7c3" providerId="AD" clId="Web-{EC7CF522-1899-4DE6-8BBA-78E77BB66262}" dt="2024-01-28T20:22:41.802" v="11"/>
-          <ac:spMkLst>
-            <pc:docMk/>
-            <pc:sldMk cId="109857222" sldId="256"/>
-            <ac:spMk id="21" creationId="{EB0222B5-B739-82A9-5CCC-C5585AE12A69}"/>
-          </ac:spMkLst>
-        </pc:spChg>
-        <pc:spChg chg="add del">
-          <ac:chgData name="Man,Hok Yi" userId="S::hm565@drexel.edu::9f585303-93fb-4119-ac7d-19fe102fc7c3" providerId="AD" clId="Web-{EC7CF522-1899-4DE6-8BBA-78E77BB66262}" dt="2024-01-28T20:22:41.802" v="11"/>
-          <ac:spMkLst>
-            <pc:docMk/>
-            <pc:sldMk cId="109857222" sldId="256"/>
-            <ac:spMk id="22" creationId="{5BE23E75-E7E9-4D9F-6D25-5512363F8621}"/>
-          </ac:spMkLst>
-        </pc:spChg>
-        <pc:picChg chg="add del">
-          <ac:chgData name="Man,Hok Yi" userId="S::hm565@drexel.edu::9f585303-93fb-4119-ac7d-19fe102fc7c3" providerId="AD" clId="Web-{EC7CF522-1899-4DE6-8BBA-78E77BB66262}" dt="2024-01-28T20:21:50.175" v="6"/>
-          <ac:picMkLst>
-            <pc:docMk/>
-            <pc:sldMk cId="109857222" sldId="256"/>
-            <ac:picMk id="5" creationId="{F276CB4B-7BED-E1E7-38ED-2606DDC94362}"/>
-          </ac:picMkLst>
-        </pc:picChg>
-        <pc:picChg chg="add">
-          <ac:chgData name="Man,Hok Yi" userId="S::hm565@drexel.edu::9f585303-93fb-4119-ac7d-19fe102fc7c3" providerId="AD" clId="Web-{EC7CF522-1899-4DE6-8BBA-78E77BB66262}" dt="2024-01-28T20:21:51.487" v="9"/>
-          <ac:picMkLst>
-            <pc:docMk/>
-            <pc:sldMk cId="109857222" sldId="256"/>
-            <ac:picMk id="20" creationId="{F276CB4B-7BED-E1E7-38ED-2606DDC94362}"/>
-          </ac:picMkLst>
-        </pc:picChg>
-        <pc:cxnChg chg="add del">
-          <ac:chgData name="Man,Hok Yi" userId="S::hm565@drexel.edu::9f585303-93fb-4119-ac7d-19fe102fc7c3" providerId="AD" clId="Web-{EC7CF522-1899-4DE6-8BBA-78E77BB66262}" dt="2024-01-28T20:21:50.175" v="6"/>
-          <ac:cxnSpMkLst>
-            <pc:docMk/>
-            <pc:sldMk cId="109857222" sldId="256"/>
-            <ac:cxnSpMk id="13" creationId="{61B115DB-65EB-3FC3-7284-CFDF4ADC60B6}"/>
-          </ac:cxnSpMkLst>
-        </pc:cxnChg>
-        <pc:cxnChg chg="add del">
-          <ac:chgData name="Man,Hok Yi" userId="S::hm565@drexel.edu::9f585303-93fb-4119-ac7d-19fe102fc7c3" providerId="AD" clId="Web-{EC7CF522-1899-4DE6-8BBA-78E77BB66262}" dt="2024-01-28T20:22:41.802" v="11"/>
-          <ac:cxnSpMkLst>
-            <pc:docMk/>
-            <pc:sldMk cId="109857222" sldId="256"/>
-            <ac:cxnSpMk id="23" creationId="{61B115DB-65EB-3FC3-7284-CFDF4ADC60B6}"/>
-          </ac:cxnSpMkLst>
-        </pc:cxnChg>
-      </pc:sldChg>
-      <pc:sldChg chg="addSp delSp modSp mod setBg modClrScheme delDesignElem chgLayout">
-        <pc:chgData name="Man,Hok Yi" userId="S::hm565@drexel.edu::9f585303-93fb-4119-ac7d-19fe102fc7c3" providerId="AD" clId="Web-{EC7CF522-1899-4DE6-8BBA-78E77BB66262}" dt="2024-01-28T20:32:56.059" v="29"/>
-        <pc:sldMkLst>
-          <pc:docMk/>
-          <pc:sldMk cId="2397075849" sldId="257"/>
-        </pc:sldMkLst>
-        <pc:spChg chg="mod ord">
-          <ac:chgData name="Man,Hok Yi" userId="S::hm565@drexel.edu::9f585303-93fb-4119-ac7d-19fe102fc7c3" providerId="AD" clId="Web-{EC7CF522-1899-4DE6-8BBA-78E77BB66262}" dt="2024-01-28T20:32:56.059" v="29"/>
-          <ac:spMkLst>
-            <pc:docMk/>
-            <pc:sldMk cId="2397075849" sldId="257"/>
-            <ac:spMk id="2" creationId="{4D3FEA41-6E80-6962-37F3-C991673814A0}"/>
-          </ac:spMkLst>
-        </pc:spChg>
-        <pc:spChg chg="mod ord">
-          <ac:chgData name="Man,Hok Yi" userId="S::hm565@drexel.edu::9f585303-93fb-4119-ac7d-19fe102fc7c3" providerId="AD" clId="Web-{EC7CF522-1899-4DE6-8BBA-78E77BB66262}" dt="2024-01-28T20:32:56.059" v="29"/>
-          <ac:spMkLst>
-            <pc:docMk/>
-            <pc:sldMk cId="2397075849" sldId="257"/>
-            <ac:spMk id="3" creationId="{9A34F657-F733-C3CE-4BC7-5AA2E0570E2D}"/>
-          </ac:spMkLst>
-        </pc:spChg>
-        <pc:spChg chg="add del">
-          <ac:chgData name="Man,Hok Yi" userId="S::hm565@drexel.edu::9f585303-93fb-4119-ac7d-19fe102fc7c3" providerId="AD" clId="Web-{EC7CF522-1899-4DE6-8BBA-78E77BB66262}" dt="2024-01-28T20:22:41.802" v="11"/>
-          <ac:spMkLst>
-            <pc:docMk/>
-            <pc:sldMk cId="2397075849" sldId="257"/>
-            <ac:spMk id="8" creationId="{18873D23-2DCF-4B31-A009-95721C06E8E1}"/>
-          </ac:spMkLst>
-        </pc:spChg>
-        <pc:spChg chg="add del">
-          <ac:chgData name="Man,Hok Yi" userId="S::hm565@drexel.edu::9f585303-93fb-4119-ac7d-19fe102fc7c3" providerId="AD" clId="Web-{EC7CF522-1899-4DE6-8BBA-78E77BB66262}" dt="2024-01-28T20:22:41.802" v="11"/>
-          <ac:spMkLst>
-            <pc:docMk/>
-            <pc:sldMk cId="2397075849" sldId="257"/>
-            <ac:spMk id="10" creationId="{C13EF075-D4EF-4929-ADBC-91B27DA19955}"/>
-          </ac:spMkLst>
-        </pc:spChg>
-        <pc:grpChg chg="add del">
-          <ac:chgData name="Man,Hok Yi" userId="S::hm565@drexel.edu::9f585303-93fb-4119-ac7d-19fe102fc7c3" providerId="AD" clId="Web-{EC7CF522-1899-4DE6-8BBA-78E77BB66262}" dt="2024-01-28T20:22:41.802" v="11"/>
-          <ac:grpSpMkLst>
-            <pc:docMk/>
-            <pc:sldMk cId="2397075849" sldId="257"/>
-            <ac:grpSpMk id="12" creationId="{DAA26DFA-AAB2-4973-9C17-16D587C7B198}"/>
-          </ac:grpSpMkLst>
-        </pc:grpChg>
-      </pc:sldChg>
-      <pc:sldChg chg="modSp mod modClrScheme chgLayout">
-        <pc:chgData name="Man,Hok Yi" userId="S::hm565@drexel.edu::9f585303-93fb-4119-ac7d-19fe102fc7c3" providerId="AD" clId="Web-{EC7CF522-1899-4DE6-8BBA-78E77BB66262}" dt="2024-01-28T20:32:56.059" v="29"/>
-        <pc:sldMkLst>
-          <pc:docMk/>
-          <pc:sldMk cId="2969469873" sldId="258"/>
-        </pc:sldMkLst>
-        <pc:spChg chg="mod ord">
-          <ac:chgData name="Man,Hok Yi" userId="S::hm565@drexel.edu::9f585303-93fb-4119-ac7d-19fe102fc7c3" providerId="AD" clId="Web-{EC7CF522-1899-4DE6-8BBA-78E77BB66262}" dt="2024-01-28T20:32:56.059" v="29"/>
-          <ac:spMkLst>
-            <pc:docMk/>
-            <pc:sldMk cId="2969469873" sldId="258"/>
-            <ac:spMk id="2" creationId="{D67A2FD2-E53B-E453-B07F-8C0748A0F758}"/>
-          </ac:spMkLst>
-        </pc:spChg>
-        <pc:spChg chg="mod ord">
-          <ac:chgData name="Man,Hok Yi" userId="S::hm565@drexel.edu::9f585303-93fb-4119-ac7d-19fe102fc7c3" providerId="AD" clId="Web-{EC7CF522-1899-4DE6-8BBA-78E77BB66262}" dt="2024-01-28T20:32:56.059" v="29"/>
-          <ac:spMkLst>
-            <pc:docMk/>
-            <pc:sldMk cId="2969469873" sldId="258"/>
-            <ac:spMk id="3" creationId="{2A2D3215-131F-EA37-B4D3-483AC91A7472}"/>
-          </ac:spMkLst>
-        </pc:spChg>
-      </pc:sldChg>
-      <pc:sldChg chg="modSp mod modClrScheme chgLayout">
-        <pc:chgData name="Man,Hok Yi" userId="S::hm565@drexel.edu::9f585303-93fb-4119-ac7d-19fe102fc7c3" providerId="AD" clId="Web-{EC7CF522-1899-4DE6-8BBA-78E77BB66262}" dt="2024-01-28T20:32:56.059" v="29"/>
-        <pc:sldMkLst>
-          <pc:docMk/>
-          <pc:sldMk cId="1171702265" sldId="259"/>
-        </pc:sldMkLst>
-        <pc:spChg chg="mod ord">
-          <ac:chgData name="Man,Hok Yi" userId="S::hm565@drexel.edu::9f585303-93fb-4119-ac7d-19fe102fc7c3" providerId="AD" clId="Web-{EC7CF522-1899-4DE6-8BBA-78E77BB66262}" dt="2024-01-28T20:32:56.059" v="29"/>
-          <ac:spMkLst>
-            <pc:docMk/>
-            <pc:sldMk cId="1171702265" sldId="259"/>
-            <ac:spMk id="2" creationId="{24E0B7EC-A96D-1648-AD18-08880C1902F6}"/>
-          </ac:spMkLst>
-        </pc:spChg>
-        <pc:spChg chg="mod ord">
-          <ac:chgData name="Man,Hok Yi" userId="S::hm565@drexel.edu::9f585303-93fb-4119-ac7d-19fe102fc7c3" providerId="AD" clId="Web-{EC7CF522-1899-4DE6-8BBA-78E77BB66262}" dt="2024-01-28T20:32:56.059" v="29"/>
-          <ac:spMkLst>
-            <pc:docMk/>
-            <pc:sldMk cId="1171702265" sldId="259"/>
-            <ac:spMk id="3" creationId="{40301150-85CA-621B-5FE2-93257828B537}"/>
-          </ac:spMkLst>
-        </pc:spChg>
-      </pc:sldChg>
-      <pc:sldChg chg="modSp mod modClrScheme chgLayout">
-        <pc:chgData name="Man,Hok Yi" userId="S::hm565@drexel.edu::9f585303-93fb-4119-ac7d-19fe102fc7c3" providerId="AD" clId="Web-{EC7CF522-1899-4DE6-8BBA-78E77BB66262}" dt="2024-01-28T20:32:56.059" v="29"/>
-        <pc:sldMkLst>
-          <pc:docMk/>
-          <pc:sldMk cId="3426227320" sldId="260"/>
-        </pc:sldMkLst>
-        <pc:spChg chg="mod ord">
-          <ac:chgData name="Man,Hok Yi" userId="S::hm565@drexel.edu::9f585303-93fb-4119-ac7d-19fe102fc7c3" providerId="AD" clId="Web-{EC7CF522-1899-4DE6-8BBA-78E77BB66262}" dt="2024-01-28T20:32:56.059" v="29"/>
-          <ac:spMkLst>
-            <pc:docMk/>
-            <pc:sldMk cId="3426227320" sldId="260"/>
-            <ac:spMk id="2" creationId="{C58538CF-3884-3E08-C5F7-DD3CF76B1029}"/>
-          </ac:spMkLst>
-        </pc:spChg>
-        <pc:spChg chg="mod ord">
-          <ac:chgData name="Man,Hok Yi" userId="S::hm565@drexel.edu::9f585303-93fb-4119-ac7d-19fe102fc7c3" providerId="AD" clId="Web-{EC7CF522-1899-4DE6-8BBA-78E77BB66262}" dt="2024-01-28T20:32:56.059" v="29"/>
-          <ac:spMkLst>
-            <pc:docMk/>
-            <pc:sldMk cId="3426227320" sldId="260"/>
-            <ac:spMk id="3" creationId="{B12291E2-4762-B168-72E9-C60152D873A6}"/>
-          </ac:spMkLst>
-        </pc:spChg>
-      </pc:sldChg>
-      <pc:sldChg chg="modSp mod modClrScheme chgLayout">
-        <pc:chgData name="Man,Hok Yi" userId="S::hm565@drexel.edu::9f585303-93fb-4119-ac7d-19fe102fc7c3" providerId="AD" clId="Web-{EC7CF522-1899-4DE6-8BBA-78E77BB66262}" dt="2024-01-28T20:32:56.059" v="29"/>
-        <pc:sldMkLst>
-          <pc:docMk/>
-          <pc:sldMk cId="2379871376" sldId="261"/>
-        </pc:sldMkLst>
-        <pc:spChg chg="mod ord">
-          <ac:chgData name="Man,Hok Yi" userId="S::hm565@drexel.edu::9f585303-93fb-4119-ac7d-19fe102fc7c3" providerId="AD" clId="Web-{EC7CF522-1899-4DE6-8BBA-78E77BB66262}" dt="2024-01-28T20:32:56.059" v="29"/>
-          <ac:spMkLst>
-            <pc:docMk/>
-            <pc:sldMk cId="2379871376" sldId="261"/>
-            <ac:spMk id="2" creationId="{420616CE-D687-73D2-07E7-CE7A09669C52}"/>
-          </ac:spMkLst>
-        </pc:spChg>
-        <pc:spChg chg="mod ord">
-          <ac:chgData name="Man,Hok Yi" userId="S::hm565@drexel.edu::9f585303-93fb-4119-ac7d-19fe102fc7c3" providerId="AD" clId="Web-{EC7CF522-1899-4DE6-8BBA-78E77BB66262}" dt="2024-01-28T20:32:56.059" v="29"/>
-          <ac:spMkLst>
-            <pc:docMk/>
-            <pc:sldMk cId="2379871376" sldId="261"/>
-            <ac:spMk id="3" creationId="{3884C811-0B61-13DF-1004-ECE182B5770C}"/>
-          </ac:spMkLst>
-        </pc:spChg>
-      </pc:sldChg>
-      <pc:sldChg chg="modSp mod modClrScheme chgLayout">
-        <pc:chgData name="Man,Hok Yi" userId="S::hm565@drexel.edu::9f585303-93fb-4119-ac7d-19fe102fc7c3" providerId="AD" clId="Web-{EC7CF522-1899-4DE6-8BBA-78E77BB66262}" dt="2024-01-28T20:32:56.059" v="29"/>
-        <pc:sldMkLst>
-          <pc:docMk/>
-          <pc:sldMk cId="2774841454" sldId="262"/>
-        </pc:sldMkLst>
-        <pc:spChg chg="mod ord">
-          <ac:chgData name="Man,Hok Yi" userId="S::hm565@drexel.edu::9f585303-93fb-4119-ac7d-19fe102fc7c3" providerId="AD" clId="Web-{EC7CF522-1899-4DE6-8BBA-78E77BB66262}" dt="2024-01-28T20:32:56.059" v="29"/>
-          <ac:spMkLst>
-            <pc:docMk/>
-            <pc:sldMk cId="2774841454" sldId="262"/>
-            <ac:spMk id="2" creationId="{EA470ECF-BB63-368D-E7A4-E46B90ACD015}"/>
-          </ac:spMkLst>
-        </pc:spChg>
-        <pc:picChg chg="mod ord">
-          <ac:chgData name="Man,Hok Yi" userId="S::hm565@drexel.edu::9f585303-93fb-4119-ac7d-19fe102fc7c3" providerId="AD" clId="Web-{EC7CF522-1899-4DE6-8BBA-78E77BB66262}" dt="2024-01-28T20:32:56.059" v="29"/>
-          <ac:picMkLst>
-            <pc:docMk/>
-            <pc:sldMk cId="2774841454" sldId="262"/>
-            <ac:picMk id="4" creationId="{696C6E7C-DD9A-C7B9-A418-61F4C6795BE6}"/>
-          </ac:picMkLst>
-        </pc:picChg>
-      </pc:sldChg>
-      <pc:sldChg chg="modSp mod modClrScheme chgLayout">
-        <pc:chgData name="Man,Hok Yi" userId="S::hm565@drexel.edu::9f585303-93fb-4119-ac7d-19fe102fc7c3" providerId="AD" clId="Web-{EC7CF522-1899-4DE6-8BBA-78E77BB66262}" dt="2024-01-28T20:32:56.059" v="29"/>
-        <pc:sldMkLst>
-          <pc:docMk/>
-          <pc:sldMk cId="2102792910" sldId="263"/>
-        </pc:sldMkLst>
-        <pc:spChg chg="mod ord">
-          <ac:chgData name="Man,Hok Yi" userId="S::hm565@drexel.edu::9f585303-93fb-4119-ac7d-19fe102fc7c3" providerId="AD" clId="Web-{EC7CF522-1899-4DE6-8BBA-78E77BB66262}" dt="2024-01-28T20:32:56.059" v="29"/>
-          <ac:spMkLst>
-            <pc:docMk/>
-            <pc:sldMk cId="2102792910" sldId="263"/>
-            <ac:spMk id="2" creationId="{4B7F3E33-9263-4A59-15EF-591A3C217035}"/>
-          </ac:spMkLst>
-        </pc:spChg>
-        <pc:picChg chg="mod ord">
-          <ac:chgData name="Man,Hok Yi" userId="S::hm565@drexel.edu::9f585303-93fb-4119-ac7d-19fe102fc7c3" providerId="AD" clId="Web-{EC7CF522-1899-4DE6-8BBA-78E77BB66262}" dt="2024-01-28T20:32:56.059" v="29"/>
-          <ac:picMkLst>
-            <pc:docMk/>
-            <pc:sldMk cId="2102792910" sldId="263"/>
-            <ac:picMk id="4" creationId="{9F6DF129-D3CB-2659-850A-BE4312D71D56}"/>
-          </ac:picMkLst>
-        </pc:picChg>
-      </pc:sldChg>
-      <pc:sldChg chg="modSp mod modClrScheme chgLayout">
-        <pc:chgData name="Man,Hok Yi" userId="S::hm565@drexel.edu::9f585303-93fb-4119-ac7d-19fe102fc7c3" providerId="AD" clId="Web-{EC7CF522-1899-4DE6-8BBA-78E77BB66262}" dt="2024-01-28T20:32:56.059" v="29"/>
-        <pc:sldMkLst>
-          <pc:docMk/>
-          <pc:sldMk cId="679940781" sldId="264"/>
-        </pc:sldMkLst>
-        <pc:spChg chg="mod ord">
-          <ac:chgData name="Man,Hok Yi" userId="S::hm565@drexel.edu::9f585303-93fb-4119-ac7d-19fe102fc7c3" providerId="AD" clId="Web-{EC7CF522-1899-4DE6-8BBA-78E77BB66262}" dt="2024-01-28T20:32:56.059" v="29"/>
-          <ac:spMkLst>
-            <pc:docMk/>
-            <pc:sldMk cId="679940781" sldId="264"/>
-            <ac:spMk id="2" creationId="{32CC648D-8CE1-33F0-9915-1FEFE77739A6}"/>
-          </ac:spMkLst>
-        </pc:spChg>
-        <pc:spChg chg="mod ord">
-          <ac:chgData name="Man,Hok Yi" userId="S::hm565@drexel.edu::9f585303-93fb-4119-ac7d-19fe102fc7c3" providerId="AD" clId="Web-{EC7CF522-1899-4DE6-8BBA-78E77BB66262}" dt="2024-01-28T20:32:56.059" v="29"/>
-          <ac:spMkLst>
-            <pc:docMk/>
-            <pc:sldMk cId="679940781" sldId="264"/>
-            <ac:spMk id="3" creationId="{7247C34B-5880-360D-6F5E-9B43F32C2378}"/>
-          </ac:spMkLst>
-        </pc:spChg>
-      </pc:sldChg>
-      <pc:sldChg chg="modSp mod modClrScheme chgLayout">
-        <pc:chgData name="Man,Hok Yi" userId="S::hm565@drexel.edu::9f585303-93fb-4119-ac7d-19fe102fc7c3" providerId="AD" clId="Web-{EC7CF522-1899-4DE6-8BBA-78E77BB66262}" dt="2024-01-28T20:32:56.059" v="29"/>
-        <pc:sldMkLst>
-          <pc:docMk/>
-          <pc:sldMk cId="1953189439" sldId="265"/>
-        </pc:sldMkLst>
-        <pc:spChg chg="mod ord">
-          <ac:chgData name="Man,Hok Yi" userId="S::hm565@drexel.edu::9f585303-93fb-4119-ac7d-19fe102fc7c3" providerId="AD" clId="Web-{EC7CF522-1899-4DE6-8BBA-78E77BB66262}" dt="2024-01-28T20:32:56.059" v="29"/>
-          <ac:spMkLst>
-            <pc:docMk/>
-            <pc:sldMk cId="1953189439" sldId="265"/>
-            <ac:spMk id="2" creationId="{F41C99BC-53DF-79F8-8DA4-C118312F7CAE}"/>
-          </ac:spMkLst>
-        </pc:spChg>
-        <pc:picChg chg="mod ord">
-          <ac:chgData name="Man,Hok Yi" userId="S::hm565@drexel.edu::9f585303-93fb-4119-ac7d-19fe102fc7c3" providerId="AD" clId="Web-{EC7CF522-1899-4DE6-8BBA-78E77BB66262}" dt="2024-01-28T20:32:56.059" v="29"/>
-          <ac:picMkLst>
-            <pc:docMk/>
-            <pc:sldMk cId="1953189439" sldId="265"/>
-            <ac:picMk id="4" creationId="{F5808768-6806-E29E-7DB6-FBB434142EED}"/>
-          </ac:picMkLst>
-        </pc:picChg>
-      </pc:sldChg>
-      <pc:sldChg chg="modSp mod modClrScheme chgLayout">
-        <pc:chgData name="Man,Hok Yi" userId="S::hm565@drexel.edu::9f585303-93fb-4119-ac7d-19fe102fc7c3" providerId="AD" clId="Web-{EC7CF522-1899-4DE6-8BBA-78E77BB66262}" dt="2024-01-28T20:32:56.059" v="29"/>
-        <pc:sldMkLst>
-          <pc:docMk/>
-          <pc:sldMk cId="282660687" sldId="266"/>
-        </pc:sldMkLst>
-        <pc:spChg chg="mod ord">
-          <ac:chgData name="Man,Hok Yi" userId="S::hm565@drexel.edu::9f585303-93fb-4119-ac7d-19fe102fc7c3" providerId="AD" clId="Web-{EC7CF522-1899-4DE6-8BBA-78E77BB66262}" dt="2024-01-28T20:32:56.059" v="29"/>
-          <ac:spMkLst>
-            <pc:docMk/>
-            <pc:sldMk cId="282660687" sldId="266"/>
-            <ac:spMk id="2" creationId="{5D32178E-8CD1-7286-0D95-C95889D2391E}"/>
-          </ac:spMkLst>
-        </pc:spChg>
-        <pc:picChg chg="mod ord">
-          <ac:chgData name="Man,Hok Yi" userId="S::hm565@drexel.edu::9f585303-93fb-4119-ac7d-19fe102fc7c3" providerId="AD" clId="Web-{EC7CF522-1899-4DE6-8BBA-78E77BB66262}" dt="2024-01-28T20:32:56.059" v="29"/>
-          <ac:picMkLst>
-            <pc:docMk/>
-            <pc:sldMk cId="282660687" sldId="266"/>
-            <ac:picMk id="4" creationId="{AED8E824-C826-AB4D-768C-433E46F7FB2C}"/>
-          </ac:picMkLst>
-        </pc:picChg>
-      </pc:sldChg>
-      <pc:sldChg chg="modSp mod modClrScheme chgLayout">
-        <pc:chgData name="Man,Hok Yi" userId="S::hm565@drexel.edu::9f585303-93fb-4119-ac7d-19fe102fc7c3" providerId="AD" clId="Web-{EC7CF522-1899-4DE6-8BBA-78E77BB66262}" dt="2024-01-28T20:32:56.059" v="29"/>
-        <pc:sldMkLst>
-          <pc:docMk/>
-          <pc:sldMk cId="1205040247" sldId="268"/>
-        </pc:sldMkLst>
-        <pc:spChg chg="mod ord">
-          <ac:chgData name="Man,Hok Yi" userId="S::hm565@drexel.edu::9f585303-93fb-4119-ac7d-19fe102fc7c3" providerId="AD" clId="Web-{EC7CF522-1899-4DE6-8BBA-78E77BB66262}" dt="2024-01-28T20:32:56.059" v="29"/>
-          <ac:spMkLst>
-            <pc:docMk/>
-            <pc:sldMk cId="1205040247" sldId="268"/>
-            <ac:spMk id="2" creationId="{D42D4A20-2DB6-A074-D52B-1896ECE57D75}"/>
-          </ac:spMkLst>
-        </pc:spChg>
-        <pc:spChg chg="mod ord">
-          <ac:chgData name="Man,Hok Yi" userId="S::hm565@drexel.edu::9f585303-93fb-4119-ac7d-19fe102fc7c3" providerId="AD" clId="Web-{EC7CF522-1899-4DE6-8BBA-78E77BB66262}" dt="2024-01-28T20:32:56.059" v="29"/>
-          <ac:spMkLst>
-            <pc:docMk/>
-            <pc:sldMk cId="1205040247" sldId="268"/>
-            <ac:spMk id="3" creationId="{CF778286-4931-29E4-A881-A317B011766A}"/>
-          </ac:spMkLst>
-        </pc:spChg>
-      </pc:sldChg>
-      <pc:sldChg chg="modSp mod modClrScheme chgLayout">
-        <pc:chgData name="Man,Hok Yi" userId="S::hm565@drexel.edu::9f585303-93fb-4119-ac7d-19fe102fc7c3" providerId="AD" clId="Web-{EC7CF522-1899-4DE6-8BBA-78E77BB66262}" dt="2024-01-28T20:32:56.059" v="29"/>
-        <pc:sldMkLst>
-          <pc:docMk/>
-          <pc:sldMk cId="3527209141" sldId="269"/>
-        </pc:sldMkLst>
-        <pc:spChg chg="mod ord">
-          <ac:chgData name="Man,Hok Yi" userId="S::hm565@drexel.edu::9f585303-93fb-4119-ac7d-19fe102fc7c3" providerId="AD" clId="Web-{EC7CF522-1899-4DE6-8BBA-78E77BB66262}" dt="2024-01-28T20:32:56.059" v="29"/>
-          <ac:spMkLst>
-            <pc:docMk/>
-            <pc:sldMk cId="3527209141" sldId="269"/>
-            <ac:spMk id="2" creationId="{E05B7881-7048-EF3F-56E8-79060CC82F76}"/>
-          </ac:spMkLst>
-        </pc:spChg>
-        <pc:spChg chg="mod ord">
-          <ac:chgData name="Man,Hok Yi" userId="S::hm565@drexel.edu::9f585303-93fb-4119-ac7d-19fe102fc7c3" providerId="AD" clId="Web-{EC7CF522-1899-4DE6-8BBA-78E77BB66262}" dt="2024-01-28T20:32:56.059" v="29"/>
-          <ac:spMkLst>
-            <pc:docMk/>
-            <pc:sldMk cId="3527209141" sldId="269"/>
-            <ac:spMk id="3" creationId="{84A25EC2-BEB7-14EA-5338-402E931B25BA}"/>
-          </ac:spMkLst>
-        </pc:spChg>
-      </pc:sldChg>
-      <pc:sldChg chg="modSp mod modClrScheme chgLayout">
-        <pc:chgData name="Man,Hok Yi" userId="S::hm565@drexel.edu::9f585303-93fb-4119-ac7d-19fe102fc7c3" providerId="AD" clId="Web-{EC7CF522-1899-4DE6-8BBA-78E77BB66262}" dt="2024-01-28T20:32:56.059" v="29"/>
-        <pc:sldMkLst>
-          <pc:docMk/>
-          <pc:sldMk cId="4029506607" sldId="270"/>
-        </pc:sldMkLst>
-        <pc:spChg chg="mod ord">
-          <ac:chgData name="Man,Hok Yi" userId="S::hm565@drexel.edu::9f585303-93fb-4119-ac7d-19fe102fc7c3" providerId="AD" clId="Web-{EC7CF522-1899-4DE6-8BBA-78E77BB66262}" dt="2024-01-28T20:32:56.059" v="29"/>
-          <ac:spMkLst>
-            <pc:docMk/>
-            <pc:sldMk cId="4029506607" sldId="270"/>
-            <ac:spMk id="2" creationId="{3A2D4E83-89AA-0819-A48A-716B0B26C049}"/>
-          </ac:spMkLst>
-        </pc:spChg>
-        <pc:spChg chg="mod ord">
-          <ac:chgData name="Man,Hok Yi" userId="S::hm565@drexel.edu::9f585303-93fb-4119-ac7d-19fe102fc7c3" providerId="AD" clId="Web-{EC7CF522-1899-4DE6-8BBA-78E77BB66262}" dt="2024-01-28T20:32:56.059" v="29"/>
-          <ac:spMkLst>
-            <pc:docMk/>
-            <pc:sldMk cId="4029506607" sldId="270"/>
-            <ac:spMk id="3" creationId="{4BEEFDC0-22D8-0C0D-88B5-4C0CD4992D76}"/>
-          </ac:spMkLst>
-        </pc:spChg>
-      </pc:sldChg>
-      <pc:sldChg chg="modSp del mod modClrScheme chgLayout">
-        <pc:chgData name="Man,Hok Yi" userId="S::hm565@drexel.edu::9f585303-93fb-4119-ac7d-19fe102fc7c3" providerId="AD" clId="Web-{EC7CF522-1899-4DE6-8BBA-78E77BB66262}" dt="2024-01-28T20:27:33.109" v="13"/>
-        <pc:sldMkLst>
-          <pc:docMk/>
-          <pc:sldMk cId="603246243" sldId="271"/>
-        </pc:sldMkLst>
-        <pc:spChg chg="mod ord">
-          <ac:chgData name="Man,Hok Yi" userId="S::hm565@drexel.edu::9f585303-93fb-4119-ac7d-19fe102fc7c3" providerId="AD" clId="Web-{EC7CF522-1899-4DE6-8BBA-78E77BB66262}" dt="2024-01-28T20:22:43.833" v="12"/>
-          <ac:spMkLst>
-            <pc:docMk/>
-            <pc:sldMk cId="603246243" sldId="271"/>
-            <ac:spMk id="2" creationId="{12B9F915-2BA9-5B11-7735-97A735B2786A}"/>
-          </ac:spMkLst>
-        </pc:spChg>
-        <pc:spChg chg="mod ord">
-          <ac:chgData name="Man,Hok Yi" userId="S::hm565@drexel.edu::9f585303-93fb-4119-ac7d-19fe102fc7c3" providerId="AD" clId="Web-{EC7CF522-1899-4DE6-8BBA-78E77BB66262}" dt="2024-01-28T20:22:43.833" v="12"/>
-          <ac:spMkLst>
-            <pc:docMk/>
-            <pc:sldMk cId="603246243" sldId="271"/>
-            <ac:spMk id="3" creationId="{FF7648D4-36B8-C555-ABBD-D3AB54B7234A}"/>
-          </ac:spMkLst>
-        </pc:spChg>
-      </pc:sldChg>
-      <pc:sldChg chg="modSp new del mod modClrScheme chgLayout">
-        <pc:chgData name="Man,Hok Yi" userId="S::hm565@drexel.edu::9f585303-93fb-4119-ac7d-19fe102fc7c3" providerId="AD" clId="Web-{EC7CF522-1899-4DE6-8BBA-78E77BB66262}" dt="2024-01-28T20:33:27.623" v="30"/>
-        <pc:sldMkLst>
-          <pc:docMk/>
-          <pc:sldMk cId="1177914740" sldId="271"/>
-        </pc:sldMkLst>
-        <pc:spChg chg="mod ord">
-          <ac:chgData name="Man,Hok Yi" userId="S::hm565@drexel.edu::9f585303-93fb-4119-ac7d-19fe102fc7c3" providerId="AD" clId="Web-{EC7CF522-1899-4DE6-8BBA-78E77BB66262}" dt="2024-01-28T20:32:56.059" v="29"/>
-          <ac:spMkLst>
-            <pc:docMk/>
-            <pc:sldMk cId="1177914740" sldId="271"/>
-            <ac:spMk id="2" creationId="{69E7D5B7-F029-611C-1307-08AD568190AB}"/>
-          </ac:spMkLst>
-        </pc:spChg>
-        <pc:spChg chg="mod ord">
-          <ac:chgData name="Man,Hok Yi" userId="S::hm565@drexel.edu::9f585303-93fb-4119-ac7d-19fe102fc7c3" providerId="AD" clId="Web-{EC7CF522-1899-4DE6-8BBA-78E77BB66262}" dt="2024-01-28T20:32:56.059" v="29"/>
-          <ac:spMkLst>
-            <pc:docMk/>
-            <pc:sldMk cId="1177914740" sldId="271"/>
-            <ac:spMk id="3" creationId="{F7A71E91-BA6E-B9A5-8F48-679655C35B67}"/>
-          </ac:spMkLst>
-        </pc:spChg>
-      </pc:sldChg>
-      <pc:sldChg chg="addSp delSp modSp new del mod setBg modClrScheme delDesignElem chgLayout">
-        <pc:chgData name="Man,Hok Yi" userId="S::hm565@drexel.edu::9f585303-93fb-4119-ac7d-19fe102fc7c3" providerId="AD" clId="Web-{EC7CF522-1899-4DE6-8BBA-78E77BB66262}" dt="2024-01-28T20:32:12.073" v="26"/>
-        <pc:sldMkLst>
-          <pc:docMk/>
-          <pc:sldMk cId="3056688457" sldId="271"/>
-        </pc:sldMkLst>
-        <pc:spChg chg="mod ord">
-          <ac:chgData name="Man,Hok Yi" userId="S::hm565@drexel.edu::9f585303-93fb-4119-ac7d-19fe102fc7c3" providerId="AD" clId="Web-{EC7CF522-1899-4DE6-8BBA-78E77BB66262}" dt="2024-01-28T20:30:59.695" v="24"/>
-          <ac:spMkLst>
-            <pc:docMk/>
-            <pc:sldMk cId="3056688457" sldId="271"/>
-            <ac:spMk id="2" creationId="{604EAC38-4A06-3399-A761-F86F59FB9FF4}"/>
-          </ac:spMkLst>
-        </pc:spChg>
-        <pc:spChg chg="del mod ord">
-          <ac:chgData name="Man,Hok Yi" userId="S::hm565@drexel.edu::9f585303-93fb-4119-ac7d-19fe102fc7c3" providerId="AD" clId="Web-{EC7CF522-1899-4DE6-8BBA-78E77BB66262}" dt="2024-01-28T20:29:58.380" v="19"/>
-          <ac:spMkLst>
-            <pc:docMk/>
-            <pc:sldMk cId="3056688457" sldId="271"/>
-            <ac:spMk id="3" creationId="{32DEF21A-5A67-5482-7316-27F081A22F6D}"/>
-          </ac:spMkLst>
-        </pc:spChg>
-        <pc:spChg chg="add del">
-          <ac:chgData name="Man,Hok Yi" userId="S::hm565@drexel.edu::9f585303-93fb-4119-ac7d-19fe102fc7c3" providerId="AD" clId="Web-{EC7CF522-1899-4DE6-8BBA-78E77BB66262}" dt="2024-01-28T20:29:58.365" v="18"/>
-          <ac:spMkLst>
-            <pc:docMk/>
-            <pc:sldMk cId="3056688457" sldId="271"/>
-            <ac:spMk id="8" creationId="{4BC99CB9-DDAD-44A2-8A1C-E3AF4E72DF5C}"/>
-          </ac:spMkLst>
-        </pc:spChg>
-        <pc:spChg chg="add del">
-          <ac:chgData name="Man,Hok Yi" userId="S::hm565@drexel.edu::9f585303-93fb-4119-ac7d-19fe102fc7c3" providerId="AD" clId="Web-{EC7CF522-1899-4DE6-8BBA-78E77BB66262}" dt="2024-01-28T20:29:58.365" v="18"/>
-          <ac:spMkLst>
-            <pc:docMk/>
-            <pc:sldMk cId="3056688457" sldId="271"/>
-            <ac:spMk id="10" creationId="{64053CBF-3932-45FF-8285-EE5146085F3A}"/>
-          </ac:spMkLst>
-        </pc:spChg>
-        <pc:spChg chg="add del">
-          <ac:chgData name="Man,Hok Yi" userId="S::hm565@drexel.edu::9f585303-93fb-4119-ac7d-19fe102fc7c3" providerId="AD" clId="Web-{EC7CF522-1899-4DE6-8BBA-78E77BB66262}" dt="2024-01-28T20:30:34.022" v="20"/>
-          <ac:spMkLst>
-            <pc:docMk/>
-            <pc:sldMk cId="3056688457" sldId="271"/>
-            <ac:spMk id="14" creationId="{AEA7509D-F04F-40CB-A0B3-EEF16499CC9F}"/>
-          </ac:spMkLst>
-        </pc:spChg>
-        <pc:spChg chg="add del">
-          <ac:chgData name="Man,Hok Yi" userId="S::hm565@drexel.edu::9f585303-93fb-4119-ac7d-19fe102fc7c3" providerId="AD" clId="Web-{EC7CF522-1899-4DE6-8BBA-78E77BB66262}" dt="2024-01-28T20:30:34.022" v="20"/>
-          <ac:spMkLst>
-            <pc:docMk/>
-            <pc:sldMk cId="3056688457" sldId="271"/>
-            <ac:spMk id="24" creationId="{EFA9B6C6-A247-48A8-9A1C-1E36FA9456B5}"/>
-          </ac:spMkLst>
-        </pc:spChg>
-        <pc:spChg chg="add del">
-          <ac:chgData name="Man,Hok Yi" userId="S::hm565@drexel.edu::9f585303-93fb-4119-ac7d-19fe102fc7c3" providerId="AD" clId="Web-{EC7CF522-1899-4DE6-8BBA-78E77BB66262}" dt="2024-01-28T20:30:34.022" v="20"/>
-          <ac:spMkLst>
-            <pc:docMk/>
-            <pc:sldMk cId="3056688457" sldId="271"/>
-            <ac:spMk id="25" creationId="{C5CB530E-515E-412C-9DF1-5F8FFBD6F383}"/>
-          </ac:spMkLst>
-        </pc:spChg>
-        <pc:spChg chg="add del">
-          <ac:chgData name="Man,Hok Yi" userId="S::hm565@drexel.edu::9f585303-93fb-4119-ac7d-19fe102fc7c3" providerId="AD" clId="Web-{EC7CF522-1899-4DE6-8BBA-78E77BB66262}" dt="2024-01-28T20:30:34.022" v="20"/>
-          <ac:spMkLst>
-            <pc:docMk/>
-            <pc:sldMk cId="3056688457" sldId="271"/>
-            <ac:spMk id="26" creationId="{712D4376-A578-4FF1-94FC-245E7A6A489F}"/>
-          </ac:spMkLst>
-        </pc:spChg>
-        <pc:grpChg chg="add del">
-          <ac:chgData name="Man,Hok Yi" userId="S::hm565@drexel.edu::9f585303-93fb-4119-ac7d-19fe102fc7c3" providerId="AD" clId="Web-{EC7CF522-1899-4DE6-8BBA-78E77BB66262}" dt="2024-01-28T20:29:58.365" v="18"/>
-          <ac:grpSpMkLst>
-            <pc:docMk/>
-            <pc:sldMk cId="3056688457" sldId="271"/>
-            <ac:grpSpMk id="12" creationId="{2E751C04-BEA6-446B-A678-9C74819EBD4C}"/>
-          </ac:grpSpMkLst>
-        </pc:grpChg>
-        <pc:grpChg chg="add del">
-          <ac:chgData name="Man,Hok Yi" userId="S::hm565@drexel.edu::9f585303-93fb-4119-ac7d-19fe102fc7c3" providerId="AD" clId="Web-{EC7CF522-1899-4DE6-8BBA-78E77BB66262}" dt="2024-01-28T20:29:58.365" v="18"/>
-          <ac:grpSpMkLst>
-            <pc:docMk/>
-            <pc:sldMk cId="3056688457" sldId="271"/>
-            <ac:grpSpMk id="18" creationId="{B63ACBA3-DEFD-4C6D-BBA0-64468FA99C2D}"/>
-          </ac:grpSpMkLst>
-        </pc:grpChg>
-        <pc:picChg chg="add mod">
-          <ac:chgData name="Man,Hok Yi" userId="S::hm565@drexel.edu::9f585303-93fb-4119-ac7d-19fe102fc7c3" providerId="AD" clId="Web-{EC7CF522-1899-4DE6-8BBA-78E77BB66262}" dt="2024-01-28T20:31:36.556" v="25"/>
-          <ac:picMkLst>
-            <pc:docMk/>
-            <pc:sldMk cId="3056688457" sldId="271"/>
-            <ac:picMk id="4" creationId="{94883BFE-2F33-2992-3DBE-72EC4A901F10}"/>
-          </ac:picMkLst>
-        </pc:picChg>
-        <pc:cxnChg chg="add del">
-          <ac:chgData name="Man,Hok Yi" userId="S::hm565@drexel.edu::9f585303-93fb-4119-ac7d-19fe102fc7c3" providerId="AD" clId="Web-{EC7CF522-1899-4DE6-8BBA-78E77BB66262}" dt="2024-01-28T20:30:34.022" v="20"/>
-          <ac:cxnSpMkLst>
-            <pc:docMk/>
-            <pc:sldMk cId="3056688457" sldId="271"/>
-            <ac:cxnSpMk id="16" creationId="{56020367-4FD5-4596-8E10-C5F095CD8DBF}"/>
-          </ac:cxnSpMkLst>
-        </pc:cxnChg>
-      </pc:sldChg>
-      <pc:sldMasterChg chg="del delSldLayout">
-        <pc:chgData name="Man,Hok Yi" userId="S::hm565@drexel.edu::9f585303-93fb-4119-ac7d-19fe102fc7c3" providerId="AD" clId="Web-{EC7CF522-1899-4DE6-8BBA-78E77BB66262}" dt="2024-01-28T20:20:50.735" v="0"/>
-        <pc:sldMasterMkLst>
-          <pc:docMk/>
-          <pc:sldMasterMk cId="2460954070" sldId="2147483660"/>
-        </pc:sldMasterMkLst>
-        <pc:sldLayoutChg chg="del">
-          <pc:chgData name="Man,Hok Yi" userId="S::hm565@drexel.edu::9f585303-93fb-4119-ac7d-19fe102fc7c3" providerId="AD" clId="Web-{EC7CF522-1899-4DE6-8BBA-78E77BB66262}" dt="2024-01-28T20:20:50.735" v="0"/>
-          <pc:sldLayoutMkLst>
-            <pc:docMk/>
-            <pc:sldMasterMk cId="2460954070" sldId="2147483660"/>
-            <pc:sldLayoutMk cId="2385387890" sldId="2147483661"/>
-          </pc:sldLayoutMkLst>
-        </pc:sldLayoutChg>
-        <pc:sldLayoutChg chg="del">
-          <pc:chgData name="Man,Hok Yi" userId="S::hm565@drexel.edu::9f585303-93fb-4119-ac7d-19fe102fc7c3" providerId="AD" clId="Web-{EC7CF522-1899-4DE6-8BBA-78E77BB66262}" dt="2024-01-28T20:20:50.735" v="0"/>
-          <pc:sldLayoutMkLst>
-            <pc:docMk/>
-            <pc:sldMasterMk cId="2460954070" sldId="2147483660"/>
-            <pc:sldLayoutMk cId="949138452" sldId="2147483662"/>
-          </pc:sldLayoutMkLst>
-        </pc:sldLayoutChg>
-        <pc:sldLayoutChg chg="del">
-          <pc:chgData name="Man,Hok Yi" userId="S::hm565@drexel.edu::9f585303-93fb-4119-ac7d-19fe102fc7c3" providerId="AD" clId="Web-{EC7CF522-1899-4DE6-8BBA-78E77BB66262}" dt="2024-01-28T20:20:50.735" v="0"/>
-          <pc:sldLayoutMkLst>
-            <pc:docMk/>
-            <pc:sldMasterMk cId="2460954070" sldId="2147483660"/>
-            <pc:sldLayoutMk cId="2591524520" sldId="2147483663"/>
-          </pc:sldLayoutMkLst>
-        </pc:sldLayoutChg>
-        <pc:sldLayoutChg chg="del">
-          <pc:chgData name="Man,Hok Yi" userId="S::hm565@drexel.edu::9f585303-93fb-4119-ac7d-19fe102fc7c3" providerId="AD" clId="Web-{EC7CF522-1899-4DE6-8BBA-78E77BB66262}" dt="2024-01-28T20:20:50.735" v="0"/>
-          <pc:sldLayoutMkLst>
-            <pc:docMk/>
-            <pc:sldMasterMk cId="2460954070" sldId="2147483660"/>
-            <pc:sldLayoutMk cId="1203092039" sldId="2147483664"/>
-          </pc:sldLayoutMkLst>
-        </pc:sldLayoutChg>
-        <pc:sldLayoutChg chg="del">
-          <pc:chgData name="Man,Hok Yi" userId="S::hm565@drexel.edu::9f585303-93fb-4119-ac7d-19fe102fc7c3" providerId="AD" clId="Web-{EC7CF522-1899-4DE6-8BBA-78E77BB66262}" dt="2024-01-28T20:20:50.735" v="0"/>
-          <pc:sldLayoutMkLst>
-            <pc:docMk/>
-            <pc:sldMasterMk cId="2460954070" sldId="2147483660"/>
-            <pc:sldLayoutMk cId="3733172339" sldId="2147483665"/>
-          </pc:sldLayoutMkLst>
-        </pc:sldLayoutChg>
-        <pc:sldLayoutChg chg="del">
-          <pc:chgData name="Man,Hok Yi" userId="S::hm565@drexel.edu::9f585303-93fb-4119-ac7d-19fe102fc7c3" providerId="AD" clId="Web-{EC7CF522-1899-4DE6-8BBA-78E77BB66262}" dt="2024-01-28T20:20:50.735" v="0"/>
-          <pc:sldLayoutMkLst>
-            <pc:docMk/>
-            <pc:sldMasterMk cId="2460954070" sldId="2147483660"/>
-            <pc:sldLayoutMk cId="3210312558" sldId="2147483666"/>
-          </pc:sldLayoutMkLst>
-        </pc:sldLayoutChg>
-        <pc:sldLayoutChg chg="del">
-          <pc:chgData name="Man,Hok Yi" userId="S::hm565@drexel.edu::9f585303-93fb-4119-ac7d-19fe102fc7c3" providerId="AD" clId="Web-{EC7CF522-1899-4DE6-8BBA-78E77BB66262}" dt="2024-01-28T20:20:50.735" v="0"/>
-          <pc:sldLayoutMkLst>
-            <pc:docMk/>
-            <pc:sldMasterMk cId="2460954070" sldId="2147483660"/>
-            <pc:sldLayoutMk cId="3146388984" sldId="2147483667"/>
-          </pc:sldLayoutMkLst>
-        </pc:sldLayoutChg>
-        <pc:sldLayoutChg chg="del">
-          <pc:chgData name="Man,Hok Yi" userId="S::hm565@drexel.edu::9f585303-93fb-4119-ac7d-19fe102fc7c3" providerId="AD" clId="Web-{EC7CF522-1899-4DE6-8BBA-78E77BB66262}" dt="2024-01-28T20:20:50.735" v="0"/>
-          <pc:sldLayoutMkLst>
-            <pc:docMk/>
-            <pc:sldMasterMk cId="2460954070" sldId="2147483660"/>
-            <pc:sldLayoutMk cId="3171841454" sldId="2147483668"/>
-          </pc:sldLayoutMkLst>
-        </pc:sldLayoutChg>
-        <pc:sldLayoutChg chg="del">
-          <pc:chgData name="Man,Hok Yi" userId="S::hm565@drexel.edu::9f585303-93fb-4119-ac7d-19fe102fc7c3" providerId="AD" clId="Web-{EC7CF522-1899-4DE6-8BBA-78E77BB66262}" dt="2024-01-28T20:20:50.735" v="0"/>
-          <pc:sldLayoutMkLst>
-            <pc:docMk/>
-            <pc:sldMasterMk cId="2460954070" sldId="2147483660"/>
-            <pc:sldLayoutMk cId="1718958274" sldId="2147483669"/>
-          </pc:sldLayoutMkLst>
-        </pc:sldLayoutChg>
-        <pc:sldLayoutChg chg="del">
-          <pc:chgData name="Man,Hok Yi" userId="S::hm565@drexel.edu::9f585303-93fb-4119-ac7d-19fe102fc7c3" providerId="AD" clId="Web-{EC7CF522-1899-4DE6-8BBA-78E77BB66262}" dt="2024-01-28T20:20:50.735" v="0"/>
-          <pc:sldLayoutMkLst>
-            <pc:docMk/>
-            <pc:sldMasterMk cId="2460954070" sldId="2147483660"/>
-            <pc:sldLayoutMk cId="2202905451" sldId="2147483670"/>
-          </pc:sldLayoutMkLst>
-        </pc:sldLayoutChg>
-        <pc:sldLayoutChg chg="del">
-          <pc:chgData name="Man,Hok Yi" userId="S::hm565@drexel.edu::9f585303-93fb-4119-ac7d-19fe102fc7c3" providerId="AD" clId="Web-{EC7CF522-1899-4DE6-8BBA-78E77BB66262}" dt="2024-01-28T20:20:50.735" v="0"/>
-          <pc:sldLayoutMkLst>
-            <pc:docMk/>
-            <pc:sldMasterMk cId="2460954070" sldId="2147483660"/>
-            <pc:sldLayoutMk cId="3479445657" sldId="2147483671"/>
-          </pc:sldLayoutMkLst>
-        </pc:sldLayoutChg>
-      </pc:sldMasterChg>
-      <pc:sldMasterChg chg="add del addSldLayout delSldLayout modSldLayout">
-        <pc:chgData name="Man,Hok Yi" userId="S::hm565@drexel.edu::9f585303-93fb-4119-ac7d-19fe102fc7c3" providerId="AD" clId="Web-{EC7CF522-1899-4DE6-8BBA-78E77BB66262}" dt="2024-01-28T20:21:05.251" v="1"/>
-        <pc:sldMasterMkLst>
-          <pc:docMk/>
-          <pc:sldMasterMk cId="2660365165" sldId="2147483672"/>
-        </pc:sldMasterMkLst>
-        <pc:sldLayoutChg chg="add del mod replId">
-          <pc:chgData name="Man,Hok Yi" userId="S::hm565@drexel.edu::9f585303-93fb-4119-ac7d-19fe102fc7c3" providerId="AD" clId="Web-{EC7CF522-1899-4DE6-8BBA-78E77BB66262}" dt="2024-01-28T20:21:05.251" v="1"/>
-          <pc:sldLayoutMkLst>
-            <pc:docMk/>
-            <pc:sldMasterMk cId="2660365165" sldId="2147483672"/>
-            <pc:sldLayoutMk cId="3784747508" sldId="2147483673"/>
-          </pc:sldLayoutMkLst>
-        </pc:sldLayoutChg>
-        <pc:sldLayoutChg chg="add del mod replId">
-          <pc:chgData name="Man,Hok Yi" userId="S::hm565@drexel.edu::9f585303-93fb-4119-ac7d-19fe102fc7c3" providerId="AD" clId="Web-{EC7CF522-1899-4DE6-8BBA-78E77BB66262}" dt="2024-01-28T20:21:05.251" v="1"/>
-          <pc:sldLayoutMkLst>
-            <pc:docMk/>
-            <pc:sldMasterMk cId="2660365165" sldId="2147483672"/>
-            <pc:sldLayoutMk cId="1080694328" sldId="2147483674"/>
-          </pc:sldLayoutMkLst>
-        </pc:sldLayoutChg>
-        <pc:sldLayoutChg chg="add del mod replId">
-          <pc:chgData name="Man,Hok Yi" userId="S::hm565@drexel.edu::9f585303-93fb-4119-ac7d-19fe102fc7c3" providerId="AD" clId="Web-{EC7CF522-1899-4DE6-8BBA-78E77BB66262}" dt="2024-01-28T20:21:05.251" v="1"/>
-          <pc:sldLayoutMkLst>
-            <pc:docMk/>
-            <pc:sldMasterMk cId="2660365165" sldId="2147483672"/>
-            <pc:sldLayoutMk cId="1420791960" sldId="2147483675"/>
-          </pc:sldLayoutMkLst>
-        </pc:sldLayoutChg>
-        <pc:sldLayoutChg chg="add del mod replId">
-          <pc:chgData name="Man,Hok Yi" userId="S::hm565@drexel.edu::9f585303-93fb-4119-ac7d-19fe102fc7c3" providerId="AD" clId="Web-{EC7CF522-1899-4DE6-8BBA-78E77BB66262}" dt="2024-01-28T20:21:05.251" v="1"/>
-          <pc:sldLayoutMkLst>
-            <pc:docMk/>
-            <pc:sldMasterMk cId="2660365165" sldId="2147483672"/>
-            <pc:sldLayoutMk cId="1856189710" sldId="2147483676"/>
-          </pc:sldLayoutMkLst>
-        </pc:sldLayoutChg>
-        <pc:sldLayoutChg chg="add del mod replId">
-          <pc:chgData name="Man,Hok Yi" userId="S::hm565@drexel.edu::9f585303-93fb-4119-ac7d-19fe102fc7c3" providerId="AD" clId="Web-{EC7CF522-1899-4DE6-8BBA-78E77BB66262}" dt="2024-01-28T20:21:05.251" v="1"/>
-          <pc:sldLayoutMkLst>
-            <pc:docMk/>
-            <pc:sldMasterMk cId="2660365165" sldId="2147483672"/>
-            <pc:sldLayoutMk cId="4180703774" sldId="2147483677"/>
-          </pc:sldLayoutMkLst>
-        </pc:sldLayoutChg>
-        <pc:sldLayoutChg chg="add del mod replId">
-          <pc:chgData name="Man,Hok Yi" userId="S::hm565@drexel.edu::9f585303-93fb-4119-ac7d-19fe102fc7c3" providerId="AD" clId="Web-{EC7CF522-1899-4DE6-8BBA-78E77BB66262}" dt="2024-01-28T20:21:05.251" v="1"/>
-          <pc:sldLayoutMkLst>
-            <pc:docMk/>
-            <pc:sldMasterMk cId="2660365165" sldId="2147483672"/>
-            <pc:sldLayoutMk cId="3498553772" sldId="2147483678"/>
-          </pc:sldLayoutMkLst>
-        </pc:sldLayoutChg>
-        <pc:sldLayoutChg chg="add del mod replId">
-          <pc:chgData name="Man,Hok Yi" userId="S::hm565@drexel.edu::9f585303-93fb-4119-ac7d-19fe102fc7c3" providerId="AD" clId="Web-{EC7CF522-1899-4DE6-8BBA-78E77BB66262}" dt="2024-01-28T20:21:05.251" v="1"/>
-          <pc:sldLayoutMkLst>
-            <pc:docMk/>
-            <pc:sldMasterMk cId="2660365165" sldId="2147483672"/>
-            <pc:sldLayoutMk cId="3045576793" sldId="2147483679"/>
-          </pc:sldLayoutMkLst>
-        </pc:sldLayoutChg>
-        <pc:sldLayoutChg chg="add del mod replId">
-          <pc:chgData name="Man,Hok Yi" userId="S::hm565@drexel.edu::9f585303-93fb-4119-ac7d-19fe102fc7c3" providerId="AD" clId="Web-{EC7CF522-1899-4DE6-8BBA-78E77BB66262}" dt="2024-01-28T20:21:05.251" v="1"/>
-          <pc:sldLayoutMkLst>
-            <pc:docMk/>
-            <pc:sldMasterMk cId="2660365165" sldId="2147483672"/>
-            <pc:sldLayoutMk cId="2796000532" sldId="2147483680"/>
-          </pc:sldLayoutMkLst>
-        </pc:sldLayoutChg>
-        <pc:sldLayoutChg chg="add del mod replId">
-          <pc:chgData name="Man,Hok Yi" userId="S::hm565@drexel.edu::9f585303-93fb-4119-ac7d-19fe102fc7c3" providerId="AD" clId="Web-{EC7CF522-1899-4DE6-8BBA-78E77BB66262}" dt="2024-01-28T20:21:05.251" v="1"/>
-          <pc:sldLayoutMkLst>
-            <pc:docMk/>
-            <pc:sldMasterMk cId="2660365165" sldId="2147483672"/>
-            <pc:sldLayoutMk cId="2076779019" sldId="2147483681"/>
-          </pc:sldLayoutMkLst>
-        </pc:sldLayoutChg>
-        <pc:sldLayoutChg chg="add del mod replId">
-          <pc:chgData name="Man,Hok Yi" userId="S::hm565@drexel.edu::9f585303-93fb-4119-ac7d-19fe102fc7c3" providerId="AD" clId="Web-{EC7CF522-1899-4DE6-8BBA-78E77BB66262}" dt="2024-01-28T20:21:05.251" v="1"/>
-          <pc:sldLayoutMkLst>
-            <pc:docMk/>
-            <pc:sldMasterMk cId="2660365165" sldId="2147483672"/>
-            <pc:sldLayoutMk cId="418539938" sldId="2147483682"/>
-          </pc:sldLayoutMkLst>
-        </pc:sldLayoutChg>
-        <pc:sldLayoutChg chg="add del mod replId">
-          <pc:chgData name="Man,Hok Yi" userId="S::hm565@drexel.edu::9f585303-93fb-4119-ac7d-19fe102fc7c3" providerId="AD" clId="Web-{EC7CF522-1899-4DE6-8BBA-78E77BB66262}" dt="2024-01-28T20:21:05.251" v="1"/>
-          <pc:sldLayoutMkLst>
-            <pc:docMk/>
-            <pc:sldMasterMk cId="2660365165" sldId="2147483672"/>
-            <pc:sldLayoutMk cId="2329567644" sldId="2147483683"/>
-          </pc:sldLayoutMkLst>
-        </pc:sldLayoutChg>
-      </pc:sldMasterChg>
-      <pc:sldMasterChg chg="add del addSldLayout delSldLayout modSldLayout">
-        <pc:chgData name="Man,Hok Yi" userId="S::hm565@drexel.edu::9f585303-93fb-4119-ac7d-19fe102fc7c3" providerId="AD" clId="Web-{EC7CF522-1899-4DE6-8BBA-78E77BB66262}" dt="2024-01-28T20:21:14.361" v="2"/>
-        <pc:sldMasterMkLst>
-          <pc:docMk/>
-          <pc:sldMasterMk cId="2315217922" sldId="2147483684"/>
-        </pc:sldMasterMkLst>
-        <pc:sldLayoutChg chg="add del mod replId">
-          <pc:chgData name="Man,Hok Yi" userId="S::hm565@drexel.edu::9f585303-93fb-4119-ac7d-19fe102fc7c3" providerId="AD" clId="Web-{EC7CF522-1899-4DE6-8BBA-78E77BB66262}" dt="2024-01-28T20:21:14.361" v="2"/>
-          <pc:sldLayoutMkLst>
-            <pc:docMk/>
-            <pc:sldMasterMk cId="2315217922" sldId="2147483684"/>
-            <pc:sldLayoutMk cId="3280241996" sldId="2147483685"/>
-          </pc:sldLayoutMkLst>
-        </pc:sldLayoutChg>
-        <pc:sldLayoutChg chg="add del mod replId">
-          <pc:chgData name="Man,Hok Yi" userId="S::hm565@drexel.edu::9f585303-93fb-4119-ac7d-19fe102fc7c3" providerId="AD" clId="Web-{EC7CF522-1899-4DE6-8BBA-78E77BB66262}" dt="2024-01-28T20:21:14.361" v="2"/>
-          <pc:sldLayoutMkLst>
-            <pc:docMk/>
-            <pc:sldMasterMk cId="2315217922" sldId="2147483684"/>
-            <pc:sldLayoutMk cId="3588909490" sldId="2147483686"/>
-          </pc:sldLayoutMkLst>
-        </pc:sldLayoutChg>
-        <pc:sldLayoutChg chg="add del mod replId">
-          <pc:chgData name="Man,Hok Yi" userId="S::hm565@drexel.edu::9f585303-93fb-4119-ac7d-19fe102fc7c3" providerId="AD" clId="Web-{EC7CF522-1899-4DE6-8BBA-78E77BB66262}" dt="2024-01-28T20:21:14.361" v="2"/>
-          <pc:sldLayoutMkLst>
-            <pc:docMk/>
-            <pc:sldMasterMk cId="2315217922" sldId="2147483684"/>
-            <pc:sldLayoutMk cId="3181963380" sldId="2147483687"/>
-          </pc:sldLayoutMkLst>
-        </pc:sldLayoutChg>
-        <pc:sldLayoutChg chg="add del mod replId">
-          <pc:chgData name="Man,Hok Yi" userId="S::hm565@drexel.edu::9f585303-93fb-4119-ac7d-19fe102fc7c3" providerId="AD" clId="Web-{EC7CF522-1899-4DE6-8BBA-78E77BB66262}" dt="2024-01-28T20:21:14.361" v="2"/>
-          <pc:sldLayoutMkLst>
-            <pc:docMk/>
-            <pc:sldMasterMk cId="2315217922" sldId="2147483684"/>
-            <pc:sldLayoutMk cId="1978431275" sldId="2147483688"/>
-          </pc:sldLayoutMkLst>
-        </pc:sldLayoutChg>
-        <pc:sldLayoutChg chg="add del mod replId">
-          <pc:chgData name="Man,Hok Yi" userId="S::hm565@drexel.edu::9f585303-93fb-4119-ac7d-19fe102fc7c3" providerId="AD" clId="Web-{EC7CF522-1899-4DE6-8BBA-78E77BB66262}" dt="2024-01-28T20:21:14.361" v="2"/>
-          <pc:sldLayoutMkLst>
-            <pc:docMk/>
-            <pc:sldMasterMk cId="2315217922" sldId="2147483684"/>
-            <pc:sldLayoutMk cId="3386152996" sldId="2147483689"/>
-          </pc:sldLayoutMkLst>
-        </pc:sldLayoutChg>
-        <pc:sldLayoutChg chg="add del mod replId">
-          <pc:chgData name="Man,Hok Yi" userId="S::hm565@drexel.edu::9f585303-93fb-4119-ac7d-19fe102fc7c3" providerId="AD" clId="Web-{EC7CF522-1899-4DE6-8BBA-78E77BB66262}" dt="2024-01-28T20:21:14.361" v="2"/>
-          <pc:sldLayoutMkLst>
-            <pc:docMk/>
-            <pc:sldMasterMk cId="2315217922" sldId="2147483684"/>
-            <pc:sldLayoutMk cId="1344827493" sldId="2147483690"/>
-          </pc:sldLayoutMkLst>
-        </pc:sldLayoutChg>
-        <pc:sldLayoutChg chg="add del mod replId">
-          <pc:chgData name="Man,Hok Yi" userId="S::hm565@drexel.edu::9f585303-93fb-4119-ac7d-19fe102fc7c3" providerId="AD" clId="Web-{EC7CF522-1899-4DE6-8BBA-78E77BB66262}" dt="2024-01-28T20:21:14.361" v="2"/>
-          <pc:sldLayoutMkLst>
-            <pc:docMk/>
-            <pc:sldMasterMk cId="2315217922" sldId="2147483684"/>
-            <pc:sldLayoutMk cId="274481036" sldId="2147483691"/>
-          </pc:sldLayoutMkLst>
-        </pc:sldLayoutChg>
-        <pc:sldLayoutChg chg="add del mod replId">
-          <pc:chgData name="Man,Hok Yi" userId="S::hm565@drexel.edu::9f585303-93fb-4119-ac7d-19fe102fc7c3" providerId="AD" clId="Web-{EC7CF522-1899-4DE6-8BBA-78E77BB66262}" dt="2024-01-28T20:21:14.361" v="2"/>
-          <pc:sldLayoutMkLst>
-            <pc:docMk/>
-            <pc:sldMasterMk cId="2315217922" sldId="2147483684"/>
-            <pc:sldLayoutMk cId="113637131" sldId="2147483692"/>
-          </pc:sldLayoutMkLst>
-        </pc:sldLayoutChg>
-        <pc:sldLayoutChg chg="add del mod replId">
-          <pc:chgData name="Man,Hok Yi" userId="S::hm565@drexel.edu::9f585303-93fb-4119-ac7d-19fe102fc7c3" providerId="AD" clId="Web-{EC7CF522-1899-4DE6-8BBA-78E77BB66262}" dt="2024-01-28T20:21:14.361" v="2"/>
-          <pc:sldLayoutMkLst>
-            <pc:docMk/>
-            <pc:sldMasterMk cId="2315217922" sldId="2147483684"/>
-            <pc:sldLayoutMk cId="1559530402" sldId="2147483693"/>
-          </pc:sldLayoutMkLst>
-        </pc:sldLayoutChg>
-        <pc:sldLayoutChg chg="add del mod replId">
-          <pc:chgData name="Man,Hok Yi" userId="S::hm565@drexel.edu::9f585303-93fb-4119-ac7d-19fe102fc7c3" providerId="AD" clId="Web-{EC7CF522-1899-4DE6-8BBA-78E77BB66262}" dt="2024-01-28T20:21:14.361" v="2"/>
-          <pc:sldLayoutMkLst>
-            <pc:docMk/>
-            <pc:sldMasterMk cId="2315217922" sldId="2147483684"/>
-            <pc:sldLayoutMk cId="3640094827" sldId="2147483694"/>
-          </pc:sldLayoutMkLst>
-        </pc:sldLayoutChg>
-        <pc:sldLayoutChg chg="add del mod replId">
-          <pc:chgData name="Man,Hok Yi" userId="S::hm565@drexel.edu::9f585303-93fb-4119-ac7d-19fe102fc7c3" providerId="AD" clId="Web-{EC7CF522-1899-4DE6-8BBA-78E77BB66262}" dt="2024-01-28T20:21:14.361" v="2"/>
-          <pc:sldLayoutMkLst>
-            <pc:docMk/>
-            <pc:sldMasterMk cId="2315217922" sldId="2147483684"/>
-            <pc:sldLayoutMk cId="1135615832" sldId="2147483695"/>
-          </pc:sldLayoutMkLst>
-        </pc:sldLayoutChg>
-      </pc:sldMasterChg>
-      <pc:sldMasterChg chg="add del addSldLayout delSldLayout modSldLayout">
-        <pc:chgData name="Man,Hok Yi" userId="S::hm565@drexel.edu::9f585303-93fb-4119-ac7d-19fe102fc7c3" providerId="AD" clId="Web-{EC7CF522-1899-4DE6-8BBA-78E77BB66262}" dt="2024-01-28T20:21:17.486" v="3"/>
-        <pc:sldMasterMkLst>
-          <pc:docMk/>
-          <pc:sldMasterMk cId="1048785563" sldId="2147483696"/>
-        </pc:sldMasterMkLst>
-        <pc:sldLayoutChg chg="add del mod replId">
-          <pc:chgData name="Man,Hok Yi" userId="S::hm565@drexel.edu::9f585303-93fb-4119-ac7d-19fe102fc7c3" providerId="AD" clId="Web-{EC7CF522-1899-4DE6-8BBA-78E77BB66262}" dt="2024-01-28T20:21:17.486" v="3"/>
-          <pc:sldLayoutMkLst>
-            <pc:docMk/>
-            <pc:sldMasterMk cId="1048785563" sldId="2147483696"/>
-            <pc:sldLayoutMk cId="635723919" sldId="2147483697"/>
-          </pc:sldLayoutMkLst>
-        </pc:sldLayoutChg>
-        <pc:sldLayoutChg chg="add del mod replId">
-          <pc:chgData name="Man,Hok Yi" userId="S::hm565@drexel.edu::9f585303-93fb-4119-ac7d-19fe102fc7c3" providerId="AD" clId="Web-{EC7CF522-1899-4DE6-8BBA-78E77BB66262}" dt="2024-01-28T20:21:17.486" v="3"/>
-          <pc:sldLayoutMkLst>
-            <pc:docMk/>
-            <pc:sldMasterMk cId="1048785563" sldId="2147483696"/>
-            <pc:sldLayoutMk cId="2873710953" sldId="2147483698"/>
-          </pc:sldLayoutMkLst>
-        </pc:sldLayoutChg>
-        <pc:sldLayoutChg chg="add del mod replId">
-          <pc:chgData name="Man,Hok Yi" userId="S::hm565@drexel.edu::9f585303-93fb-4119-ac7d-19fe102fc7c3" providerId="AD" clId="Web-{EC7CF522-1899-4DE6-8BBA-78E77BB66262}" dt="2024-01-28T20:21:17.486" v="3"/>
-          <pc:sldLayoutMkLst>
-            <pc:docMk/>
-            <pc:sldMasterMk cId="1048785563" sldId="2147483696"/>
-            <pc:sldLayoutMk cId="2966322851" sldId="2147483699"/>
-          </pc:sldLayoutMkLst>
-        </pc:sldLayoutChg>
-        <pc:sldLayoutChg chg="add del mod replId">
-          <pc:chgData name="Man,Hok Yi" userId="S::hm565@drexel.edu::9f585303-93fb-4119-ac7d-19fe102fc7c3" providerId="AD" clId="Web-{EC7CF522-1899-4DE6-8BBA-78E77BB66262}" dt="2024-01-28T20:21:17.486" v="3"/>
-          <pc:sldLayoutMkLst>
-            <pc:docMk/>
-            <pc:sldMasterMk cId="1048785563" sldId="2147483696"/>
-            <pc:sldLayoutMk cId="782807523" sldId="2147483700"/>
-          </pc:sldLayoutMkLst>
-        </pc:sldLayoutChg>
-        <pc:sldLayoutChg chg="add del mod replId">
-          <pc:chgData name="Man,Hok Yi" userId="S::hm565@drexel.edu::9f585303-93fb-4119-ac7d-19fe102fc7c3" providerId="AD" clId="Web-{EC7CF522-1899-4DE6-8BBA-78E77BB66262}" dt="2024-01-28T20:21:17.486" v="3"/>
-          <pc:sldLayoutMkLst>
-            <pc:docMk/>
-            <pc:sldMasterMk cId="1048785563" sldId="2147483696"/>
-            <pc:sldLayoutMk cId="2342604254" sldId="2147483701"/>
-          </pc:sldLayoutMkLst>
-        </pc:sldLayoutChg>
-        <pc:sldLayoutChg chg="add del mod replId">
-          <pc:chgData name="Man,Hok Yi" userId="S::hm565@drexel.edu::9f585303-93fb-4119-ac7d-19fe102fc7c3" providerId="AD" clId="Web-{EC7CF522-1899-4DE6-8BBA-78E77BB66262}" dt="2024-01-28T20:21:17.486" v="3"/>
-          <pc:sldLayoutMkLst>
-            <pc:docMk/>
-            <pc:sldMasterMk cId="1048785563" sldId="2147483696"/>
-            <pc:sldLayoutMk cId="376071416" sldId="2147483702"/>
-          </pc:sldLayoutMkLst>
-        </pc:sldLayoutChg>
-        <pc:sldLayoutChg chg="add del mod replId">
-          <pc:chgData name="Man,Hok Yi" userId="S::hm565@drexel.edu::9f585303-93fb-4119-ac7d-19fe102fc7c3" providerId="AD" clId="Web-{EC7CF522-1899-4DE6-8BBA-78E77BB66262}" dt="2024-01-28T20:21:17.486" v="3"/>
-          <pc:sldLayoutMkLst>
-            <pc:docMk/>
-            <pc:sldMasterMk cId="1048785563" sldId="2147483696"/>
-            <pc:sldLayoutMk cId="2932980863" sldId="2147483703"/>
-          </pc:sldLayoutMkLst>
-        </pc:sldLayoutChg>
-        <pc:sldLayoutChg chg="add del mod replId">
-          <pc:chgData name="Man,Hok Yi" userId="S::hm565@drexel.edu::9f585303-93fb-4119-ac7d-19fe102fc7c3" providerId="AD" clId="Web-{EC7CF522-1899-4DE6-8BBA-78E77BB66262}" dt="2024-01-28T20:21:17.486" v="3"/>
-          <pc:sldLayoutMkLst>
-            <pc:docMk/>
-            <pc:sldMasterMk cId="1048785563" sldId="2147483696"/>
-            <pc:sldLayoutMk cId="3450152705" sldId="2147483704"/>
-          </pc:sldLayoutMkLst>
-        </pc:sldLayoutChg>
-        <pc:sldLayoutChg chg="add del mod replId">
-          <pc:chgData name="Man,Hok Yi" userId="S::hm565@drexel.edu::9f585303-93fb-4119-ac7d-19fe102fc7c3" providerId="AD" clId="Web-{EC7CF522-1899-4DE6-8BBA-78E77BB66262}" dt="2024-01-28T20:21:17.486" v="3"/>
-          <pc:sldLayoutMkLst>
-            <pc:docMk/>
-            <pc:sldMasterMk cId="1048785563" sldId="2147483696"/>
-            <pc:sldLayoutMk cId="2497968985" sldId="2147483705"/>
-          </pc:sldLayoutMkLst>
-        </pc:sldLayoutChg>
-        <pc:sldLayoutChg chg="add del mod replId">
-          <pc:chgData name="Man,Hok Yi" userId="S::hm565@drexel.edu::9f585303-93fb-4119-ac7d-19fe102fc7c3" providerId="AD" clId="Web-{EC7CF522-1899-4DE6-8BBA-78E77BB66262}" dt="2024-01-28T20:21:17.486" v="3"/>
-          <pc:sldLayoutMkLst>
-            <pc:docMk/>
-            <pc:sldMasterMk cId="1048785563" sldId="2147483696"/>
-            <pc:sldLayoutMk cId="951975158" sldId="2147483706"/>
-          </pc:sldLayoutMkLst>
-        </pc:sldLayoutChg>
-        <pc:sldLayoutChg chg="add del mod replId">
-          <pc:chgData name="Man,Hok Yi" userId="S::hm565@drexel.edu::9f585303-93fb-4119-ac7d-19fe102fc7c3" providerId="AD" clId="Web-{EC7CF522-1899-4DE6-8BBA-78E77BB66262}" dt="2024-01-28T20:21:17.486" v="3"/>
-          <pc:sldLayoutMkLst>
-            <pc:docMk/>
-            <pc:sldMasterMk cId="1048785563" sldId="2147483696"/>
-            <pc:sldLayoutMk cId="265998803" sldId="2147483707"/>
-          </pc:sldLayoutMkLst>
-        </pc:sldLayoutChg>
-      </pc:sldMasterChg>
-      <pc:sldMasterChg chg="add del addSldLayout delSldLayout modSldLayout">
-        <pc:chgData name="Man,Hok Yi" userId="S::hm565@drexel.edu::9f585303-93fb-4119-ac7d-19fe102fc7c3" providerId="AD" clId="Web-{EC7CF522-1899-4DE6-8BBA-78E77BB66262}" dt="2024-01-28T20:21:20.205" v="4"/>
-        <pc:sldMasterMkLst>
-          <pc:docMk/>
-          <pc:sldMasterMk cId="3677215104" sldId="2147483708"/>
-        </pc:sldMasterMkLst>
-        <pc:sldLayoutChg chg="add del mod replId">
-          <pc:chgData name="Man,Hok Yi" userId="S::hm565@drexel.edu::9f585303-93fb-4119-ac7d-19fe102fc7c3" providerId="AD" clId="Web-{EC7CF522-1899-4DE6-8BBA-78E77BB66262}" dt="2024-01-28T20:21:20.205" v="4"/>
-          <pc:sldLayoutMkLst>
-            <pc:docMk/>
-            <pc:sldMasterMk cId="3677215104" sldId="2147483708"/>
-            <pc:sldLayoutMk cId="4187415784" sldId="2147483709"/>
-          </pc:sldLayoutMkLst>
-        </pc:sldLayoutChg>
-        <pc:sldLayoutChg chg="add del mod replId">
-          <pc:chgData name="Man,Hok Yi" userId="S::hm565@drexel.edu::9f585303-93fb-4119-ac7d-19fe102fc7c3" providerId="AD" clId="Web-{EC7CF522-1899-4DE6-8BBA-78E77BB66262}" dt="2024-01-28T20:21:20.205" v="4"/>
-          <pc:sldLayoutMkLst>
-            <pc:docMk/>
-            <pc:sldMasterMk cId="3677215104" sldId="2147483708"/>
-            <pc:sldLayoutMk cId="906454897" sldId="2147483710"/>
-          </pc:sldLayoutMkLst>
-        </pc:sldLayoutChg>
-        <pc:sldLayoutChg chg="add del mod replId">
-          <pc:chgData name="Man,Hok Yi" userId="S::hm565@drexel.edu::9f585303-93fb-4119-ac7d-19fe102fc7c3" providerId="AD" clId="Web-{EC7CF522-1899-4DE6-8BBA-78E77BB66262}" dt="2024-01-28T20:21:20.205" v="4"/>
-          <pc:sldLayoutMkLst>
-            <pc:docMk/>
-            <pc:sldMasterMk cId="3677215104" sldId="2147483708"/>
-            <pc:sldLayoutMk cId="2440133930" sldId="2147483711"/>
-          </pc:sldLayoutMkLst>
-        </pc:sldLayoutChg>
-        <pc:sldLayoutChg chg="add del mod replId">
-          <pc:chgData name="Man,Hok Yi" userId="S::hm565@drexel.edu::9f585303-93fb-4119-ac7d-19fe102fc7c3" providerId="AD" clId="Web-{EC7CF522-1899-4DE6-8BBA-78E77BB66262}" dt="2024-01-28T20:21:20.205" v="4"/>
-          <pc:sldLayoutMkLst>
-            <pc:docMk/>
-            <pc:sldMasterMk cId="3677215104" sldId="2147483708"/>
-            <pc:sldLayoutMk cId="667976443" sldId="2147483712"/>
-          </pc:sldLayoutMkLst>
-        </pc:sldLayoutChg>
-        <pc:sldLayoutChg chg="add del mod replId">
-          <pc:chgData name="Man,Hok Yi" userId="S::hm565@drexel.edu::9f585303-93fb-4119-ac7d-19fe102fc7c3" providerId="AD" clId="Web-{EC7CF522-1899-4DE6-8BBA-78E77BB66262}" dt="2024-01-28T20:21:20.205" v="4"/>
-          <pc:sldLayoutMkLst>
-            <pc:docMk/>
-            <pc:sldMasterMk cId="3677215104" sldId="2147483708"/>
-            <pc:sldLayoutMk cId="966761727" sldId="2147483713"/>
-          </pc:sldLayoutMkLst>
-        </pc:sldLayoutChg>
-        <pc:sldLayoutChg chg="add del mod replId">
-          <pc:chgData name="Man,Hok Yi" userId="S::hm565@drexel.edu::9f585303-93fb-4119-ac7d-19fe102fc7c3" providerId="AD" clId="Web-{EC7CF522-1899-4DE6-8BBA-78E77BB66262}" dt="2024-01-28T20:21:20.205" v="4"/>
-          <pc:sldLayoutMkLst>
-            <pc:docMk/>
-            <pc:sldMasterMk cId="3677215104" sldId="2147483708"/>
-            <pc:sldLayoutMk cId="166768194" sldId="2147483714"/>
-          </pc:sldLayoutMkLst>
-        </pc:sldLayoutChg>
-        <pc:sldLayoutChg chg="add del mod replId">
-          <pc:chgData name="Man,Hok Yi" userId="S::hm565@drexel.edu::9f585303-93fb-4119-ac7d-19fe102fc7c3" providerId="AD" clId="Web-{EC7CF522-1899-4DE6-8BBA-78E77BB66262}" dt="2024-01-28T20:21:20.205" v="4"/>
-          <pc:sldLayoutMkLst>
-            <pc:docMk/>
-            <pc:sldMasterMk cId="3677215104" sldId="2147483708"/>
-            <pc:sldLayoutMk cId="109472754" sldId="2147483715"/>
-          </pc:sldLayoutMkLst>
-        </pc:sldLayoutChg>
-        <pc:sldLayoutChg chg="add del mod replId">
-          <pc:chgData name="Man,Hok Yi" userId="S::hm565@drexel.edu::9f585303-93fb-4119-ac7d-19fe102fc7c3" providerId="AD" clId="Web-{EC7CF522-1899-4DE6-8BBA-78E77BB66262}" dt="2024-01-28T20:21:20.205" v="4"/>
-          <pc:sldLayoutMkLst>
-            <pc:docMk/>
-            <pc:sldMasterMk cId="3677215104" sldId="2147483708"/>
-            <pc:sldLayoutMk cId="2772069802" sldId="2147483716"/>
-          </pc:sldLayoutMkLst>
-        </pc:sldLayoutChg>
-        <pc:sldLayoutChg chg="add del mod replId">
-          <pc:chgData name="Man,Hok Yi" userId="S::hm565@drexel.edu::9f585303-93fb-4119-ac7d-19fe102fc7c3" providerId="AD" clId="Web-{EC7CF522-1899-4DE6-8BBA-78E77BB66262}" dt="2024-01-28T20:21:20.205" v="4"/>
-          <pc:sldLayoutMkLst>
-            <pc:docMk/>
-            <pc:sldMasterMk cId="3677215104" sldId="2147483708"/>
-            <pc:sldLayoutMk cId="2499571287" sldId="2147483717"/>
-          </pc:sldLayoutMkLst>
-        </pc:sldLayoutChg>
-        <pc:sldLayoutChg chg="add del mod replId">
-          <pc:chgData name="Man,Hok Yi" userId="S::hm565@drexel.edu::9f585303-93fb-4119-ac7d-19fe102fc7c3" providerId="AD" clId="Web-{EC7CF522-1899-4DE6-8BBA-78E77BB66262}" dt="2024-01-28T20:21:20.205" v="4"/>
-          <pc:sldLayoutMkLst>
-            <pc:docMk/>
-            <pc:sldMasterMk cId="3677215104" sldId="2147483708"/>
-            <pc:sldLayoutMk cId="3639857629" sldId="2147483718"/>
-          </pc:sldLayoutMkLst>
-        </pc:sldLayoutChg>
-        <pc:sldLayoutChg chg="add del mod replId">
-          <pc:chgData name="Man,Hok Yi" userId="S::hm565@drexel.edu::9f585303-93fb-4119-ac7d-19fe102fc7c3" providerId="AD" clId="Web-{EC7CF522-1899-4DE6-8BBA-78E77BB66262}" dt="2024-01-28T20:21:20.205" v="4"/>
-          <pc:sldLayoutMkLst>
-            <pc:docMk/>
-            <pc:sldMasterMk cId="3677215104" sldId="2147483708"/>
-            <pc:sldLayoutMk cId="1785216831" sldId="2147483719"/>
-          </pc:sldLayoutMkLst>
-        </pc:sldLayoutChg>
-      </pc:sldMasterChg>
-      <pc:sldMasterChg chg="add del addSldLayout delSldLayout modSldLayout">
-        <pc:chgData name="Man,Hok Yi" userId="S::hm565@drexel.edu::9f585303-93fb-4119-ac7d-19fe102fc7c3" providerId="AD" clId="Web-{EC7CF522-1899-4DE6-8BBA-78E77BB66262}" dt="2024-01-28T20:22:43.833" v="12"/>
-        <pc:sldMasterMkLst>
-          <pc:docMk/>
-          <pc:sldMasterMk cId="895947225" sldId="2147483720"/>
-        </pc:sldMasterMkLst>
-        <pc:sldLayoutChg chg="add del mod replId">
-          <pc:chgData name="Man,Hok Yi" userId="S::hm565@drexel.edu::9f585303-93fb-4119-ac7d-19fe102fc7c3" providerId="AD" clId="Web-{EC7CF522-1899-4DE6-8BBA-78E77BB66262}" dt="2024-01-28T20:22:41.802" v="11"/>
-          <pc:sldLayoutMkLst>
-            <pc:docMk/>
-            <pc:sldMasterMk cId="895947225" sldId="2147483720"/>
-            <pc:sldLayoutMk cId="4042038769" sldId="2147483721"/>
-          </pc:sldLayoutMkLst>
-        </pc:sldLayoutChg>
-        <pc:sldLayoutChg chg="add del mod replId">
-          <pc:chgData name="Man,Hok Yi" userId="S::hm565@drexel.edu::9f585303-93fb-4119-ac7d-19fe102fc7c3" providerId="AD" clId="Web-{EC7CF522-1899-4DE6-8BBA-78E77BB66262}" dt="2024-01-28T20:22:43.833" v="12"/>
-          <pc:sldLayoutMkLst>
-            <pc:docMk/>
-            <pc:sldMasterMk cId="895947225" sldId="2147483720"/>
-            <pc:sldLayoutMk cId="3050760088" sldId="2147483722"/>
-          </pc:sldLayoutMkLst>
-        </pc:sldLayoutChg>
-        <pc:sldLayoutChg chg="add del mod replId">
-          <pc:chgData name="Man,Hok Yi" userId="S::hm565@drexel.edu::9f585303-93fb-4119-ac7d-19fe102fc7c3" providerId="AD" clId="Web-{EC7CF522-1899-4DE6-8BBA-78E77BB66262}" dt="2024-01-28T20:22:41.802" v="11"/>
-          <pc:sldLayoutMkLst>
-            <pc:docMk/>
-            <pc:sldMasterMk cId="895947225" sldId="2147483720"/>
-            <pc:sldLayoutMk cId="3465786081" sldId="2147483723"/>
-          </pc:sldLayoutMkLst>
-        </pc:sldLayoutChg>
-        <pc:sldLayoutChg chg="add del mod replId">
-          <pc:chgData name="Man,Hok Yi" userId="S::hm565@drexel.edu::9f585303-93fb-4119-ac7d-19fe102fc7c3" providerId="AD" clId="Web-{EC7CF522-1899-4DE6-8BBA-78E77BB66262}" dt="2024-01-28T20:22:41.802" v="11"/>
-          <pc:sldLayoutMkLst>
-            <pc:docMk/>
-            <pc:sldMasterMk cId="895947225" sldId="2147483720"/>
-            <pc:sldLayoutMk cId="768994724" sldId="2147483724"/>
-          </pc:sldLayoutMkLst>
-        </pc:sldLayoutChg>
-        <pc:sldLayoutChg chg="add del mod replId">
-          <pc:chgData name="Man,Hok Yi" userId="S::hm565@drexel.edu::9f585303-93fb-4119-ac7d-19fe102fc7c3" providerId="AD" clId="Web-{EC7CF522-1899-4DE6-8BBA-78E77BB66262}" dt="2024-01-28T20:22:41.802" v="11"/>
-          <pc:sldLayoutMkLst>
-            <pc:docMk/>
-            <pc:sldMasterMk cId="895947225" sldId="2147483720"/>
-            <pc:sldLayoutMk cId="4237176183" sldId="2147483725"/>
-          </pc:sldLayoutMkLst>
-        </pc:sldLayoutChg>
-        <pc:sldLayoutChg chg="add del mod replId">
-          <pc:chgData name="Man,Hok Yi" userId="S::hm565@drexel.edu::9f585303-93fb-4119-ac7d-19fe102fc7c3" providerId="AD" clId="Web-{EC7CF522-1899-4DE6-8BBA-78E77BB66262}" dt="2024-01-28T20:22:41.802" v="11"/>
-          <pc:sldLayoutMkLst>
-            <pc:docMk/>
-            <pc:sldMasterMk cId="895947225" sldId="2147483720"/>
-            <pc:sldLayoutMk cId="680566156" sldId="2147483726"/>
-          </pc:sldLayoutMkLst>
-        </pc:sldLayoutChg>
-        <pc:sldLayoutChg chg="add del mod replId">
-          <pc:chgData name="Man,Hok Yi" userId="S::hm565@drexel.edu::9f585303-93fb-4119-ac7d-19fe102fc7c3" providerId="AD" clId="Web-{EC7CF522-1899-4DE6-8BBA-78E77BB66262}" dt="2024-01-28T20:22:41.802" v="11"/>
-          <pc:sldLayoutMkLst>
-            <pc:docMk/>
-            <pc:sldMasterMk cId="895947225" sldId="2147483720"/>
-            <pc:sldLayoutMk cId="3942687309" sldId="2147483727"/>
-          </pc:sldLayoutMkLst>
-        </pc:sldLayoutChg>
-        <pc:sldLayoutChg chg="add del mod replId">
-          <pc:chgData name="Man,Hok Yi" userId="S::hm565@drexel.edu::9f585303-93fb-4119-ac7d-19fe102fc7c3" providerId="AD" clId="Web-{EC7CF522-1899-4DE6-8BBA-78E77BB66262}" dt="2024-01-28T20:22:41.802" v="11"/>
-          <pc:sldLayoutMkLst>
-            <pc:docMk/>
-            <pc:sldMasterMk cId="895947225" sldId="2147483720"/>
-            <pc:sldLayoutMk cId="3292327628" sldId="2147483728"/>
-          </pc:sldLayoutMkLst>
-        </pc:sldLayoutChg>
-        <pc:sldLayoutChg chg="add del mod replId">
-          <pc:chgData name="Man,Hok Yi" userId="S::hm565@drexel.edu::9f585303-93fb-4119-ac7d-19fe102fc7c3" providerId="AD" clId="Web-{EC7CF522-1899-4DE6-8BBA-78E77BB66262}" dt="2024-01-28T20:22:41.802" v="11"/>
-          <pc:sldLayoutMkLst>
-            <pc:docMk/>
-            <pc:sldMasterMk cId="895947225" sldId="2147483720"/>
-            <pc:sldLayoutMk cId="2197982712" sldId="2147483729"/>
-          </pc:sldLayoutMkLst>
-        </pc:sldLayoutChg>
-        <pc:sldLayoutChg chg="add del mod replId">
-          <pc:chgData name="Man,Hok Yi" userId="S::hm565@drexel.edu::9f585303-93fb-4119-ac7d-19fe102fc7c3" providerId="AD" clId="Web-{EC7CF522-1899-4DE6-8BBA-78E77BB66262}" dt="2024-01-28T20:22:41.802" v="11"/>
-          <pc:sldLayoutMkLst>
-            <pc:docMk/>
-            <pc:sldMasterMk cId="895947225" sldId="2147483720"/>
-            <pc:sldLayoutMk cId="319002811" sldId="2147483730"/>
-          </pc:sldLayoutMkLst>
-        </pc:sldLayoutChg>
-        <pc:sldLayoutChg chg="add del mod replId">
-          <pc:chgData name="Man,Hok Yi" userId="S::hm565@drexel.edu::9f585303-93fb-4119-ac7d-19fe102fc7c3" providerId="AD" clId="Web-{EC7CF522-1899-4DE6-8BBA-78E77BB66262}" dt="2024-01-28T20:22:41.802" v="11"/>
-          <pc:sldLayoutMkLst>
-            <pc:docMk/>
-            <pc:sldMasterMk cId="895947225" sldId="2147483720"/>
-            <pc:sldLayoutMk cId="482755963" sldId="2147483731"/>
-          </pc:sldLayoutMkLst>
-        </pc:sldLayoutChg>
-        <pc:sldLayoutChg chg="del">
-          <pc:chgData name="Man,Hok Yi" userId="S::hm565@drexel.edu::9f585303-93fb-4119-ac7d-19fe102fc7c3" providerId="AD" clId="Web-{EC7CF522-1899-4DE6-8BBA-78E77BB66262}" dt="2024-01-28T20:22:43.833" v="12"/>
-          <pc:sldLayoutMkLst>
-            <pc:docMk/>
-            <pc:sldMasterMk cId="895947225" sldId="2147483720"/>
-            <pc:sldLayoutMk cId="204107688" sldId="2147483733"/>
-          </pc:sldLayoutMkLst>
-        </pc:sldLayoutChg>
-        <pc:sldLayoutChg chg="del">
-          <pc:chgData name="Man,Hok Yi" userId="S::hm565@drexel.edu::9f585303-93fb-4119-ac7d-19fe102fc7c3" providerId="AD" clId="Web-{EC7CF522-1899-4DE6-8BBA-78E77BB66262}" dt="2024-01-28T20:22:43.833" v="12"/>
-          <pc:sldLayoutMkLst>
-            <pc:docMk/>
-            <pc:sldMasterMk cId="895947225" sldId="2147483720"/>
-            <pc:sldLayoutMk cId="585797569" sldId="2147483734"/>
-          </pc:sldLayoutMkLst>
-        </pc:sldLayoutChg>
-        <pc:sldLayoutChg chg="del">
-          <pc:chgData name="Man,Hok Yi" userId="S::hm565@drexel.edu::9f585303-93fb-4119-ac7d-19fe102fc7c3" providerId="AD" clId="Web-{EC7CF522-1899-4DE6-8BBA-78E77BB66262}" dt="2024-01-28T20:22:43.833" v="12"/>
-          <pc:sldLayoutMkLst>
-            <pc:docMk/>
-            <pc:sldMasterMk cId="895947225" sldId="2147483720"/>
-            <pc:sldLayoutMk cId="4101235577" sldId="2147483735"/>
-          </pc:sldLayoutMkLst>
-        </pc:sldLayoutChg>
-        <pc:sldLayoutChg chg="del">
-          <pc:chgData name="Man,Hok Yi" userId="S::hm565@drexel.edu::9f585303-93fb-4119-ac7d-19fe102fc7c3" providerId="AD" clId="Web-{EC7CF522-1899-4DE6-8BBA-78E77BB66262}" dt="2024-01-28T20:22:43.833" v="12"/>
-          <pc:sldLayoutMkLst>
-            <pc:docMk/>
-            <pc:sldMasterMk cId="895947225" sldId="2147483720"/>
-            <pc:sldLayoutMk cId="1440995846" sldId="2147483736"/>
-          </pc:sldLayoutMkLst>
-        </pc:sldLayoutChg>
-        <pc:sldLayoutChg chg="del">
-          <pc:chgData name="Man,Hok Yi" userId="S::hm565@drexel.edu::9f585303-93fb-4119-ac7d-19fe102fc7c3" providerId="AD" clId="Web-{EC7CF522-1899-4DE6-8BBA-78E77BB66262}" dt="2024-01-28T20:22:43.833" v="12"/>
-          <pc:sldLayoutMkLst>
-            <pc:docMk/>
-            <pc:sldMasterMk cId="895947225" sldId="2147483720"/>
-            <pc:sldLayoutMk cId="4141475498" sldId="2147483737"/>
-          </pc:sldLayoutMkLst>
-        </pc:sldLayoutChg>
-        <pc:sldLayoutChg chg="del">
-          <pc:chgData name="Man,Hok Yi" userId="S::hm565@drexel.edu::9f585303-93fb-4119-ac7d-19fe102fc7c3" providerId="AD" clId="Web-{EC7CF522-1899-4DE6-8BBA-78E77BB66262}" dt="2024-01-28T20:22:43.833" v="12"/>
-          <pc:sldLayoutMkLst>
-            <pc:docMk/>
-            <pc:sldMasterMk cId="895947225" sldId="2147483720"/>
-            <pc:sldLayoutMk cId="182705060" sldId="2147483738"/>
-          </pc:sldLayoutMkLst>
-        </pc:sldLayoutChg>
-        <pc:sldLayoutChg chg="del">
-          <pc:chgData name="Man,Hok Yi" userId="S::hm565@drexel.edu::9f585303-93fb-4119-ac7d-19fe102fc7c3" providerId="AD" clId="Web-{EC7CF522-1899-4DE6-8BBA-78E77BB66262}" dt="2024-01-28T20:22:43.833" v="12"/>
-          <pc:sldLayoutMkLst>
-            <pc:docMk/>
-            <pc:sldMasterMk cId="895947225" sldId="2147483720"/>
-            <pc:sldLayoutMk cId="1658901705" sldId="2147483739"/>
-          </pc:sldLayoutMkLst>
-        </pc:sldLayoutChg>
-        <pc:sldLayoutChg chg="del">
-          <pc:chgData name="Man,Hok Yi" userId="S::hm565@drexel.edu::9f585303-93fb-4119-ac7d-19fe102fc7c3" providerId="AD" clId="Web-{EC7CF522-1899-4DE6-8BBA-78E77BB66262}" dt="2024-01-28T20:22:43.833" v="12"/>
-          <pc:sldLayoutMkLst>
-            <pc:docMk/>
-            <pc:sldMasterMk cId="895947225" sldId="2147483720"/>
-            <pc:sldLayoutMk cId="4083107141" sldId="2147483740"/>
-          </pc:sldLayoutMkLst>
-        </pc:sldLayoutChg>
-        <pc:sldLayoutChg chg="del">
-          <pc:chgData name="Man,Hok Yi" userId="S::hm565@drexel.edu::9f585303-93fb-4119-ac7d-19fe102fc7c3" providerId="AD" clId="Web-{EC7CF522-1899-4DE6-8BBA-78E77BB66262}" dt="2024-01-28T20:22:43.833" v="12"/>
-          <pc:sldLayoutMkLst>
-            <pc:docMk/>
-            <pc:sldMasterMk cId="895947225" sldId="2147483720"/>
-            <pc:sldLayoutMk cId="2175838096" sldId="2147483741"/>
-          </pc:sldLayoutMkLst>
-        </pc:sldLayoutChg>
-        <pc:sldLayoutChg chg="del">
-          <pc:chgData name="Man,Hok Yi" userId="S::hm565@drexel.edu::9f585303-93fb-4119-ac7d-19fe102fc7c3" providerId="AD" clId="Web-{EC7CF522-1899-4DE6-8BBA-78E77BB66262}" dt="2024-01-28T20:22:43.833" v="12"/>
-          <pc:sldLayoutMkLst>
-            <pc:docMk/>
-            <pc:sldMasterMk cId="895947225" sldId="2147483720"/>
-            <pc:sldLayoutMk cId="3962607223" sldId="2147483742"/>
-          </pc:sldLayoutMkLst>
-        </pc:sldLayoutChg>
-        <pc:sldLayoutChg chg="del">
-          <pc:chgData name="Man,Hok Yi" userId="S::hm565@drexel.edu::9f585303-93fb-4119-ac7d-19fe102fc7c3" providerId="AD" clId="Web-{EC7CF522-1899-4DE6-8BBA-78E77BB66262}" dt="2024-01-28T20:22:43.833" v="12"/>
-          <pc:sldLayoutMkLst>
-            <pc:docMk/>
-            <pc:sldMasterMk cId="895947225" sldId="2147483720"/>
-            <pc:sldLayoutMk cId="36492398" sldId="2147483743"/>
-          </pc:sldLayoutMkLst>
-        </pc:sldLayoutChg>
-      </pc:sldMasterChg>
-      <pc:sldMasterChg chg="add addSldLayout modSldLayout">
-        <pc:chgData name="Man,Hok Yi" userId="S::hm565@drexel.edu::9f585303-93fb-4119-ac7d-19fe102fc7c3" providerId="AD" clId="Web-{EC7CF522-1899-4DE6-8BBA-78E77BB66262}" dt="2024-01-28T20:22:41.802" v="11"/>
-        <pc:sldMasterMkLst>
-          <pc:docMk/>
-          <pc:sldMasterMk cId="866926526" sldId="2147483732"/>
-        </pc:sldMasterMkLst>
-        <pc:sldLayoutChg chg="add mod replId">
-          <pc:chgData name="Man,Hok Yi" userId="S::hm565@drexel.edu::9f585303-93fb-4119-ac7d-19fe102fc7c3" providerId="AD" clId="Web-{EC7CF522-1899-4DE6-8BBA-78E77BB66262}" dt="2024-01-28T20:22:41.802" v="11"/>
-          <pc:sldLayoutMkLst>
-            <pc:docMk/>
-            <pc:sldMasterMk cId="866926526" sldId="2147483732"/>
-            <pc:sldLayoutMk cId="204107688" sldId="2147483733"/>
-          </pc:sldLayoutMkLst>
-        </pc:sldLayoutChg>
-        <pc:sldLayoutChg chg="add mod replId">
-          <pc:chgData name="Man,Hok Yi" userId="S::hm565@drexel.edu::9f585303-93fb-4119-ac7d-19fe102fc7c3" providerId="AD" clId="Web-{EC7CF522-1899-4DE6-8BBA-78E77BB66262}" dt="2024-01-28T20:22:41.802" v="11"/>
-          <pc:sldLayoutMkLst>
-            <pc:docMk/>
-            <pc:sldMasterMk cId="866926526" sldId="2147483732"/>
-            <pc:sldLayoutMk cId="585797569" sldId="2147483734"/>
-          </pc:sldLayoutMkLst>
-        </pc:sldLayoutChg>
-        <pc:sldLayoutChg chg="add mod replId">
-          <pc:chgData name="Man,Hok Yi" userId="S::hm565@drexel.edu::9f585303-93fb-4119-ac7d-19fe102fc7c3" providerId="AD" clId="Web-{EC7CF522-1899-4DE6-8BBA-78E77BB66262}" dt="2024-01-28T20:22:41.802" v="11"/>
-          <pc:sldLayoutMkLst>
-            <pc:docMk/>
-            <pc:sldMasterMk cId="866926526" sldId="2147483732"/>
-            <pc:sldLayoutMk cId="4101235577" sldId="2147483735"/>
-          </pc:sldLayoutMkLst>
-        </pc:sldLayoutChg>
-        <pc:sldLayoutChg chg="add mod replId">
-          <pc:chgData name="Man,Hok Yi" userId="S::hm565@drexel.edu::9f585303-93fb-4119-ac7d-19fe102fc7c3" providerId="AD" clId="Web-{EC7CF522-1899-4DE6-8BBA-78E77BB66262}" dt="2024-01-28T20:22:41.802" v="11"/>
-          <pc:sldLayoutMkLst>
-            <pc:docMk/>
-            <pc:sldMasterMk cId="866926526" sldId="2147483732"/>
-            <pc:sldLayoutMk cId="1440995846" sldId="2147483736"/>
-          </pc:sldLayoutMkLst>
-        </pc:sldLayoutChg>
-        <pc:sldLayoutChg chg="add mod replId">
-          <pc:chgData name="Man,Hok Yi" userId="S::hm565@drexel.edu::9f585303-93fb-4119-ac7d-19fe102fc7c3" providerId="AD" clId="Web-{EC7CF522-1899-4DE6-8BBA-78E77BB66262}" dt="2024-01-28T20:22:41.802" v="11"/>
-          <pc:sldLayoutMkLst>
-            <pc:docMk/>
-            <pc:sldMasterMk cId="866926526" sldId="2147483732"/>
-            <pc:sldLayoutMk cId="4141475498" sldId="2147483737"/>
-          </pc:sldLayoutMkLst>
-        </pc:sldLayoutChg>
-        <pc:sldLayoutChg chg="add mod replId">
-          <pc:chgData name="Man,Hok Yi" userId="S::hm565@drexel.edu::9f585303-93fb-4119-ac7d-19fe102fc7c3" providerId="AD" clId="Web-{EC7CF522-1899-4DE6-8BBA-78E77BB66262}" dt="2024-01-28T20:22:41.802" v="11"/>
-          <pc:sldLayoutMkLst>
-            <pc:docMk/>
-            <pc:sldMasterMk cId="866926526" sldId="2147483732"/>
-            <pc:sldLayoutMk cId="182705060" sldId="2147483738"/>
-          </pc:sldLayoutMkLst>
-        </pc:sldLayoutChg>
-        <pc:sldLayoutChg chg="add mod replId">
-          <pc:chgData name="Man,Hok Yi" userId="S::hm565@drexel.edu::9f585303-93fb-4119-ac7d-19fe102fc7c3" providerId="AD" clId="Web-{EC7CF522-1899-4DE6-8BBA-78E77BB66262}" dt="2024-01-28T20:22:41.802" v="11"/>
-          <pc:sldLayoutMkLst>
-            <pc:docMk/>
-            <pc:sldMasterMk cId="866926526" sldId="2147483732"/>
-            <pc:sldLayoutMk cId="1658901705" sldId="2147483739"/>
-          </pc:sldLayoutMkLst>
-        </pc:sldLayoutChg>
-        <pc:sldLayoutChg chg="add mod replId">
-          <pc:chgData name="Man,Hok Yi" userId="S::hm565@drexel.edu::9f585303-93fb-4119-ac7d-19fe102fc7c3" providerId="AD" clId="Web-{EC7CF522-1899-4DE6-8BBA-78E77BB66262}" dt="2024-01-28T20:22:41.802" v="11"/>
-          <pc:sldLayoutMkLst>
-            <pc:docMk/>
-            <pc:sldMasterMk cId="866926526" sldId="2147483732"/>
-            <pc:sldLayoutMk cId="4083107141" sldId="2147483740"/>
-          </pc:sldLayoutMkLst>
-        </pc:sldLayoutChg>
-        <pc:sldLayoutChg chg="add mod replId">
-          <pc:chgData name="Man,Hok Yi" userId="S::hm565@drexel.edu::9f585303-93fb-4119-ac7d-19fe102fc7c3" providerId="AD" clId="Web-{EC7CF522-1899-4DE6-8BBA-78E77BB66262}" dt="2024-01-28T20:22:41.802" v="11"/>
-          <pc:sldLayoutMkLst>
-            <pc:docMk/>
-            <pc:sldMasterMk cId="866926526" sldId="2147483732"/>
-            <pc:sldLayoutMk cId="2175838096" sldId="2147483741"/>
-          </pc:sldLayoutMkLst>
-        </pc:sldLayoutChg>
-        <pc:sldLayoutChg chg="add mod replId">
-          <pc:chgData name="Man,Hok Yi" userId="S::hm565@drexel.edu::9f585303-93fb-4119-ac7d-19fe102fc7c3" providerId="AD" clId="Web-{EC7CF522-1899-4DE6-8BBA-78E77BB66262}" dt="2024-01-28T20:22:41.802" v="11"/>
-          <pc:sldLayoutMkLst>
-            <pc:docMk/>
-            <pc:sldMasterMk cId="866926526" sldId="2147483732"/>
-            <pc:sldLayoutMk cId="3962607223" sldId="2147483742"/>
-          </pc:sldLayoutMkLst>
-        </pc:sldLayoutChg>
-        <pc:sldLayoutChg chg="add mod replId">
-          <pc:chgData name="Man,Hok Yi" userId="S::hm565@drexel.edu::9f585303-93fb-4119-ac7d-19fe102fc7c3" providerId="AD" clId="Web-{EC7CF522-1899-4DE6-8BBA-78E77BB66262}" dt="2024-01-28T20:22:41.802" v="11"/>
-          <pc:sldLayoutMkLst>
-            <pc:docMk/>
-            <pc:sldMasterMk cId="866926526" sldId="2147483732"/>
-            <pc:sldLayoutMk cId="36492398" sldId="2147483743"/>
-          </pc:sldLayoutMkLst>
-        </pc:sldLayoutChg>
-      </pc:sldMasterChg>
-      <pc:sldMasterChg chg="add del addSldLayout delSldLayout modSldLayout">
-        <pc:chgData name="Man,Hok Yi" userId="S::hm565@drexel.edu::9f585303-93fb-4119-ac7d-19fe102fc7c3" providerId="AD" clId="Web-{EC7CF522-1899-4DE6-8BBA-78E77BB66262}" dt="2024-01-28T20:29:34.051" v="15"/>
-        <pc:sldMasterMkLst>
-          <pc:docMk/>
-          <pc:sldMasterMk cId="1945345341" sldId="2147483744"/>
-        </pc:sldMasterMkLst>
-        <pc:sldLayoutChg chg="add del mod replId">
-          <pc:chgData name="Man,Hok Yi" userId="S::hm565@drexel.edu::9f585303-93fb-4119-ac7d-19fe102fc7c3" providerId="AD" clId="Web-{EC7CF522-1899-4DE6-8BBA-78E77BB66262}" dt="2024-01-28T20:29:34.051" v="15"/>
-          <pc:sldLayoutMkLst>
-            <pc:docMk/>
-            <pc:sldMasterMk cId="1945345341" sldId="2147483744"/>
-            <pc:sldLayoutMk cId="1831276410" sldId="2147483745"/>
-          </pc:sldLayoutMkLst>
-        </pc:sldLayoutChg>
-        <pc:sldLayoutChg chg="add del mod replId">
-          <pc:chgData name="Man,Hok Yi" userId="S::hm565@drexel.edu::9f585303-93fb-4119-ac7d-19fe102fc7c3" providerId="AD" clId="Web-{EC7CF522-1899-4DE6-8BBA-78E77BB66262}" dt="2024-01-28T20:29:34.051" v="15"/>
-          <pc:sldLayoutMkLst>
-            <pc:docMk/>
-            <pc:sldMasterMk cId="1945345341" sldId="2147483744"/>
-            <pc:sldLayoutMk cId="3419992994" sldId="2147483746"/>
-          </pc:sldLayoutMkLst>
-        </pc:sldLayoutChg>
-        <pc:sldLayoutChg chg="add del mod replId">
-          <pc:chgData name="Man,Hok Yi" userId="S::hm565@drexel.edu::9f585303-93fb-4119-ac7d-19fe102fc7c3" providerId="AD" clId="Web-{EC7CF522-1899-4DE6-8BBA-78E77BB66262}" dt="2024-01-28T20:29:34.051" v="15"/>
-          <pc:sldLayoutMkLst>
-            <pc:docMk/>
-            <pc:sldMasterMk cId="1945345341" sldId="2147483744"/>
-            <pc:sldLayoutMk cId="94479811" sldId="2147483747"/>
-          </pc:sldLayoutMkLst>
-        </pc:sldLayoutChg>
-        <pc:sldLayoutChg chg="add del mod replId">
-          <pc:chgData name="Man,Hok Yi" userId="S::hm565@drexel.edu::9f585303-93fb-4119-ac7d-19fe102fc7c3" providerId="AD" clId="Web-{EC7CF522-1899-4DE6-8BBA-78E77BB66262}" dt="2024-01-28T20:29:34.051" v="15"/>
-          <pc:sldLayoutMkLst>
-            <pc:docMk/>
-            <pc:sldMasterMk cId="1945345341" sldId="2147483744"/>
-            <pc:sldLayoutMk cId="3071486914" sldId="2147483748"/>
-          </pc:sldLayoutMkLst>
-        </pc:sldLayoutChg>
-        <pc:sldLayoutChg chg="add del mod replId">
-          <pc:chgData name="Man,Hok Yi" userId="S::hm565@drexel.edu::9f585303-93fb-4119-ac7d-19fe102fc7c3" providerId="AD" clId="Web-{EC7CF522-1899-4DE6-8BBA-78E77BB66262}" dt="2024-01-28T20:29:34.051" v="15"/>
-          <pc:sldLayoutMkLst>
-            <pc:docMk/>
-            <pc:sldMasterMk cId="1945345341" sldId="2147483744"/>
-            <pc:sldLayoutMk cId="3005107780" sldId="2147483749"/>
-          </pc:sldLayoutMkLst>
-        </pc:sldLayoutChg>
-        <pc:sldLayoutChg chg="add del mod replId">
-          <pc:chgData name="Man,Hok Yi" userId="S::hm565@drexel.edu::9f585303-93fb-4119-ac7d-19fe102fc7c3" providerId="AD" clId="Web-{EC7CF522-1899-4DE6-8BBA-78E77BB66262}" dt="2024-01-28T20:29:34.051" v="15"/>
-          <pc:sldLayoutMkLst>
-            <pc:docMk/>
-            <pc:sldMasterMk cId="1945345341" sldId="2147483744"/>
-            <pc:sldLayoutMk cId="119188772" sldId="2147483750"/>
-          </pc:sldLayoutMkLst>
-        </pc:sldLayoutChg>
-        <pc:sldLayoutChg chg="add del mod replId">
-          <pc:chgData name="Man,Hok Yi" userId="S::hm565@drexel.edu::9f585303-93fb-4119-ac7d-19fe102fc7c3" providerId="AD" clId="Web-{EC7CF522-1899-4DE6-8BBA-78E77BB66262}" dt="2024-01-28T20:29:34.051" v="15"/>
-          <pc:sldLayoutMkLst>
-            <pc:docMk/>
-            <pc:sldMasterMk cId="1945345341" sldId="2147483744"/>
-            <pc:sldLayoutMk cId="1410469758" sldId="2147483751"/>
-          </pc:sldLayoutMkLst>
-        </pc:sldLayoutChg>
-        <pc:sldLayoutChg chg="add del mod replId">
-          <pc:chgData name="Man,Hok Yi" userId="S::hm565@drexel.edu::9f585303-93fb-4119-ac7d-19fe102fc7c3" providerId="AD" clId="Web-{EC7CF522-1899-4DE6-8BBA-78E77BB66262}" dt="2024-01-28T20:29:34.051" v="15"/>
-          <pc:sldLayoutMkLst>
-            <pc:docMk/>
-            <pc:sldMasterMk cId="1945345341" sldId="2147483744"/>
-            <pc:sldLayoutMk cId="3029218612" sldId="2147483752"/>
-          </pc:sldLayoutMkLst>
-        </pc:sldLayoutChg>
-        <pc:sldLayoutChg chg="add del mod replId">
-          <pc:chgData name="Man,Hok Yi" userId="S::hm565@drexel.edu::9f585303-93fb-4119-ac7d-19fe102fc7c3" providerId="AD" clId="Web-{EC7CF522-1899-4DE6-8BBA-78E77BB66262}" dt="2024-01-28T20:29:34.051" v="15"/>
-          <pc:sldLayoutMkLst>
-            <pc:docMk/>
-            <pc:sldMasterMk cId="1945345341" sldId="2147483744"/>
-            <pc:sldLayoutMk cId="3761448261" sldId="2147483753"/>
-          </pc:sldLayoutMkLst>
-        </pc:sldLayoutChg>
-        <pc:sldLayoutChg chg="add del mod replId">
-          <pc:chgData name="Man,Hok Yi" userId="S::hm565@drexel.edu::9f585303-93fb-4119-ac7d-19fe102fc7c3" providerId="AD" clId="Web-{EC7CF522-1899-4DE6-8BBA-78E77BB66262}" dt="2024-01-28T20:29:34.051" v="15"/>
-          <pc:sldLayoutMkLst>
-            <pc:docMk/>
-            <pc:sldMasterMk cId="1945345341" sldId="2147483744"/>
-            <pc:sldLayoutMk cId="3647456149" sldId="2147483754"/>
-          </pc:sldLayoutMkLst>
-        </pc:sldLayoutChg>
-        <pc:sldLayoutChg chg="add del mod replId">
-          <pc:chgData name="Man,Hok Yi" userId="S::hm565@drexel.edu::9f585303-93fb-4119-ac7d-19fe102fc7c3" providerId="AD" clId="Web-{EC7CF522-1899-4DE6-8BBA-78E77BB66262}" dt="2024-01-28T20:29:34.051" v="15"/>
-          <pc:sldLayoutMkLst>
-            <pc:docMk/>
-            <pc:sldMasterMk cId="1945345341" sldId="2147483744"/>
-            <pc:sldLayoutMk cId="1551224425" sldId="2147483755"/>
-          </pc:sldLayoutMkLst>
-        </pc:sldLayoutChg>
-      </pc:sldMasterChg>
-      <pc:sldMasterChg chg="add del addSldLayout delSldLayout modSldLayout">
-        <pc:chgData name="Man,Hok Yi" userId="S::hm565@drexel.edu::9f585303-93fb-4119-ac7d-19fe102fc7c3" providerId="AD" clId="Web-{EC7CF522-1899-4DE6-8BBA-78E77BB66262}" dt="2024-01-28T20:29:38.239" v="16"/>
-        <pc:sldMasterMkLst>
-          <pc:docMk/>
-          <pc:sldMasterMk cId="3660346843" sldId="2147483756"/>
-        </pc:sldMasterMkLst>
-        <pc:sldLayoutChg chg="add del mod replId">
-          <pc:chgData name="Man,Hok Yi" userId="S::hm565@drexel.edu::9f585303-93fb-4119-ac7d-19fe102fc7c3" providerId="AD" clId="Web-{EC7CF522-1899-4DE6-8BBA-78E77BB66262}" dt="2024-01-28T20:29:38.239" v="16"/>
-          <pc:sldLayoutMkLst>
-            <pc:docMk/>
-            <pc:sldMasterMk cId="3660346843" sldId="2147483756"/>
-            <pc:sldLayoutMk cId="2153431656" sldId="2147483757"/>
-          </pc:sldLayoutMkLst>
-        </pc:sldLayoutChg>
-        <pc:sldLayoutChg chg="add del mod replId">
-          <pc:chgData name="Man,Hok Yi" userId="S::hm565@drexel.edu::9f585303-93fb-4119-ac7d-19fe102fc7c3" providerId="AD" clId="Web-{EC7CF522-1899-4DE6-8BBA-78E77BB66262}" dt="2024-01-28T20:29:38.239" v="16"/>
-          <pc:sldLayoutMkLst>
-            <pc:docMk/>
-            <pc:sldMasterMk cId="3660346843" sldId="2147483756"/>
-            <pc:sldLayoutMk cId="1040293658" sldId="2147483758"/>
-          </pc:sldLayoutMkLst>
-        </pc:sldLayoutChg>
-        <pc:sldLayoutChg chg="add del mod replId">
-          <pc:chgData name="Man,Hok Yi" userId="S::hm565@drexel.edu::9f585303-93fb-4119-ac7d-19fe102fc7c3" providerId="AD" clId="Web-{EC7CF522-1899-4DE6-8BBA-78E77BB66262}" dt="2024-01-28T20:29:38.239" v="16"/>
-          <pc:sldLayoutMkLst>
-            <pc:docMk/>
-            <pc:sldMasterMk cId="3660346843" sldId="2147483756"/>
-            <pc:sldLayoutMk cId="2020315376" sldId="2147483759"/>
-          </pc:sldLayoutMkLst>
-        </pc:sldLayoutChg>
-        <pc:sldLayoutChg chg="add del mod replId">
-          <pc:chgData name="Man,Hok Yi" userId="S::hm565@drexel.edu::9f585303-93fb-4119-ac7d-19fe102fc7c3" providerId="AD" clId="Web-{EC7CF522-1899-4DE6-8BBA-78E77BB66262}" dt="2024-01-28T20:29:38.239" v="16"/>
-          <pc:sldLayoutMkLst>
-            <pc:docMk/>
-            <pc:sldMasterMk cId="3660346843" sldId="2147483756"/>
-            <pc:sldLayoutMk cId="3844717424" sldId="2147483760"/>
-          </pc:sldLayoutMkLst>
-        </pc:sldLayoutChg>
-        <pc:sldLayoutChg chg="add del mod replId">
-          <pc:chgData name="Man,Hok Yi" userId="S::hm565@drexel.edu::9f585303-93fb-4119-ac7d-19fe102fc7c3" providerId="AD" clId="Web-{EC7CF522-1899-4DE6-8BBA-78E77BB66262}" dt="2024-01-28T20:29:38.239" v="16"/>
-          <pc:sldLayoutMkLst>
-            <pc:docMk/>
-            <pc:sldMasterMk cId="3660346843" sldId="2147483756"/>
-            <pc:sldLayoutMk cId="3282855138" sldId="2147483761"/>
-          </pc:sldLayoutMkLst>
-        </pc:sldLayoutChg>
-        <pc:sldLayoutChg chg="add del mod replId">
-          <pc:chgData name="Man,Hok Yi" userId="S::hm565@drexel.edu::9f585303-93fb-4119-ac7d-19fe102fc7c3" providerId="AD" clId="Web-{EC7CF522-1899-4DE6-8BBA-78E77BB66262}" dt="2024-01-28T20:29:38.239" v="16"/>
-          <pc:sldLayoutMkLst>
-            <pc:docMk/>
-            <pc:sldMasterMk cId="3660346843" sldId="2147483756"/>
-            <pc:sldLayoutMk cId="3806236670" sldId="2147483762"/>
-          </pc:sldLayoutMkLst>
-        </pc:sldLayoutChg>
-        <pc:sldLayoutChg chg="add del mod replId">
-          <pc:chgData name="Man,Hok Yi" userId="S::hm565@drexel.edu::9f585303-93fb-4119-ac7d-19fe102fc7c3" providerId="AD" clId="Web-{EC7CF522-1899-4DE6-8BBA-78E77BB66262}" dt="2024-01-28T20:29:38.239" v="16"/>
-          <pc:sldLayoutMkLst>
-            <pc:docMk/>
-            <pc:sldMasterMk cId="3660346843" sldId="2147483756"/>
-            <pc:sldLayoutMk cId="665389733" sldId="2147483763"/>
-          </pc:sldLayoutMkLst>
-        </pc:sldLayoutChg>
-        <pc:sldLayoutChg chg="add del mod replId">
-          <pc:chgData name="Man,Hok Yi" userId="S::hm565@drexel.edu::9f585303-93fb-4119-ac7d-19fe102fc7c3" providerId="AD" clId="Web-{EC7CF522-1899-4DE6-8BBA-78E77BB66262}" dt="2024-01-28T20:29:38.239" v="16"/>
-          <pc:sldLayoutMkLst>
-            <pc:docMk/>
-            <pc:sldMasterMk cId="3660346843" sldId="2147483756"/>
-            <pc:sldLayoutMk cId="3510660991" sldId="2147483764"/>
-          </pc:sldLayoutMkLst>
-        </pc:sldLayoutChg>
-        <pc:sldLayoutChg chg="add del mod replId">
-          <pc:chgData name="Man,Hok Yi" userId="S::hm565@drexel.edu::9f585303-93fb-4119-ac7d-19fe102fc7c3" providerId="AD" clId="Web-{EC7CF522-1899-4DE6-8BBA-78E77BB66262}" dt="2024-01-28T20:29:38.239" v="16"/>
-          <pc:sldLayoutMkLst>
-            <pc:docMk/>
-            <pc:sldMasterMk cId="3660346843" sldId="2147483756"/>
-            <pc:sldLayoutMk cId="2714072462" sldId="2147483765"/>
-          </pc:sldLayoutMkLst>
-        </pc:sldLayoutChg>
-        <pc:sldLayoutChg chg="add del mod replId">
-          <pc:chgData name="Man,Hok Yi" userId="S::hm565@drexel.edu::9f585303-93fb-4119-ac7d-19fe102fc7c3" providerId="AD" clId="Web-{EC7CF522-1899-4DE6-8BBA-78E77BB66262}" dt="2024-01-28T20:29:38.239" v="16"/>
-          <pc:sldLayoutMkLst>
-            <pc:docMk/>
-            <pc:sldMasterMk cId="3660346843" sldId="2147483756"/>
-            <pc:sldLayoutMk cId="1091773346" sldId="2147483766"/>
-          </pc:sldLayoutMkLst>
-        </pc:sldLayoutChg>
-        <pc:sldLayoutChg chg="add del mod replId">
-          <pc:chgData name="Man,Hok Yi" userId="S::hm565@drexel.edu::9f585303-93fb-4119-ac7d-19fe102fc7c3" providerId="AD" clId="Web-{EC7CF522-1899-4DE6-8BBA-78E77BB66262}" dt="2024-01-28T20:29:38.239" v="16"/>
-          <pc:sldLayoutMkLst>
-            <pc:docMk/>
-            <pc:sldMasterMk cId="3660346843" sldId="2147483756"/>
-            <pc:sldLayoutMk cId="2191637806" sldId="2147483767"/>
-          </pc:sldLayoutMkLst>
-        </pc:sldLayoutChg>
-        <pc:sldLayoutChg chg="add del mod replId">
-          <pc:chgData name="Man,Hok Yi" userId="S::hm565@drexel.edu::9f585303-93fb-4119-ac7d-19fe102fc7c3" providerId="AD" clId="Web-{EC7CF522-1899-4DE6-8BBA-78E77BB66262}" dt="2024-01-28T20:29:38.239" v="16"/>
-          <pc:sldLayoutMkLst>
-            <pc:docMk/>
-            <pc:sldMasterMk cId="3660346843" sldId="2147483756"/>
-            <pc:sldLayoutMk cId="2361187108" sldId="2147483768"/>
-          </pc:sldLayoutMkLst>
-        </pc:sldLayoutChg>
-        <pc:sldLayoutChg chg="add del mod replId">
-          <pc:chgData name="Man,Hok Yi" userId="S::hm565@drexel.edu::9f585303-93fb-4119-ac7d-19fe102fc7c3" providerId="AD" clId="Web-{EC7CF522-1899-4DE6-8BBA-78E77BB66262}" dt="2024-01-28T20:29:38.239" v="16"/>
-          <pc:sldLayoutMkLst>
-            <pc:docMk/>
-            <pc:sldMasterMk cId="3660346843" sldId="2147483756"/>
-            <pc:sldLayoutMk cId="1042740807" sldId="2147483769"/>
-          </pc:sldLayoutMkLst>
-        </pc:sldLayoutChg>
-        <pc:sldLayoutChg chg="add del mod replId">
-          <pc:chgData name="Man,Hok Yi" userId="S::hm565@drexel.edu::9f585303-93fb-4119-ac7d-19fe102fc7c3" providerId="AD" clId="Web-{EC7CF522-1899-4DE6-8BBA-78E77BB66262}" dt="2024-01-28T20:29:38.239" v="16"/>
-          <pc:sldLayoutMkLst>
-            <pc:docMk/>
-            <pc:sldMasterMk cId="3660346843" sldId="2147483756"/>
-            <pc:sldLayoutMk cId="1257893176" sldId="2147483770"/>
-          </pc:sldLayoutMkLst>
-        </pc:sldLayoutChg>
-        <pc:sldLayoutChg chg="add del mod replId">
-          <pc:chgData name="Man,Hok Yi" userId="S::hm565@drexel.edu::9f585303-93fb-4119-ac7d-19fe102fc7c3" providerId="AD" clId="Web-{EC7CF522-1899-4DE6-8BBA-78E77BB66262}" dt="2024-01-28T20:29:38.239" v="16"/>
-          <pc:sldLayoutMkLst>
-            <pc:docMk/>
-            <pc:sldMasterMk cId="3660346843" sldId="2147483756"/>
-            <pc:sldLayoutMk cId="2180478724" sldId="2147483771"/>
-          </pc:sldLayoutMkLst>
-        </pc:sldLayoutChg>
-        <pc:sldLayoutChg chg="add del mod replId">
-          <pc:chgData name="Man,Hok Yi" userId="S::hm565@drexel.edu::9f585303-93fb-4119-ac7d-19fe102fc7c3" providerId="AD" clId="Web-{EC7CF522-1899-4DE6-8BBA-78E77BB66262}" dt="2024-01-28T20:29:38.239" v="16"/>
-          <pc:sldLayoutMkLst>
-            <pc:docMk/>
-            <pc:sldMasterMk cId="3660346843" sldId="2147483756"/>
-            <pc:sldLayoutMk cId="2087279842" sldId="2147483772"/>
-          </pc:sldLayoutMkLst>
-        </pc:sldLayoutChg>
-        <pc:sldLayoutChg chg="add del mod replId">
-          <pc:chgData name="Man,Hok Yi" userId="S::hm565@drexel.edu::9f585303-93fb-4119-ac7d-19fe102fc7c3" providerId="AD" clId="Web-{EC7CF522-1899-4DE6-8BBA-78E77BB66262}" dt="2024-01-28T20:29:38.239" v="16"/>
-          <pc:sldLayoutMkLst>
-            <pc:docMk/>
-            <pc:sldMasterMk cId="3660346843" sldId="2147483756"/>
-            <pc:sldLayoutMk cId="330430196" sldId="2147483773"/>
-          </pc:sldLayoutMkLst>
-        </pc:sldLayoutChg>
-      </pc:sldMasterChg>
-      <pc:sldMasterChg chg="add del addSldLayout delSldLayout modSldLayout">
-        <pc:chgData name="Man,Hok Yi" userId="S::hm565@drexel.edu::9f585303-93fb-4119-ac7d-19fe102fc7c3" providerId="AD" clId="Web-{EC7CF522-1899-4DE6-8BBA-78E77BB66262}" dt="2024-01-28T20:30:34.022" v="20"/>
-        <pc:sldMasterMkLst>
-          <pc:docMk/>
-          <pc:sldMasterMk cId="2491382776" sldId="2147483774"/>
-        </pc:sldMasterMkLst>
-        <pc:sldLayoutChg chg="add del mod replId">
-          <pc:chgData name="Man,Hok Yi" userId="S::hm565@drexel.edu::9f585303-93fb-4119-ac7d-19fe102fc7c3" providerId="AD" clId="Web-{EC7CF522-1899-4DE6-8BBA-78E77BB66262}" dt="2024-01-28T20:30:34.022" v="20"/>
-          <pc:sldLayoutMkLst>
-            <pc:docMk/>
-            <pc:sldMasterMk cId="2491382776" sldId="2147483774"/>
-            <pc:sldLayoutMk cId="3972048623" sldId="2147483775"/>
-          </pc:sldLayoutMkLst>
-        </pc:sldLayoutChg>
-        <pc:sldLayoutChg chg="add del mod replId">
-          <pc:chgData name="Man,Hok Yi" userId="S::hm565@drexel.edu::9f585303-93fb-4119-ac7d-19fe102fc7c3" providerId="AD" clId="Web-{EC7CF522-1899-4DE6-8BBA-78E77BB66262}" dt="2024-01-28T20:30:34.022" v="20"/>
-          <pc:sldLayoutMkLst>
-            <pc:docMk/>
-            <pc:sldMasterMk cId="2491382776" sldId="2147483774"/>
-            <pc:sldLayoutMk cId="3118736556" sldId="2147483776"/>
-          </pc:sldLayoutMkLst>
-        </pc:sldLayoutChg>
-        <pc:sldLayoutChg chg="add del mod replId">
-          <pc:chgData name="Man,Hok Yi" userId="S::hm565@drexel.edu::9f585303-93fb-4119-ac7d-19fe102fc7c3" providerId="AD" clId="Web-{EC7CF522-1899-4DE6-8BBA-78E77BB66262}" dt="2024-01-28T20:30:34.022" v="20"/>
-          <pc:sldLayoutMkLst>
-            <pc:docMk/>
-            <pc:sldMasterMk cId="2491382776" sldId="2147483774"/>
-            <pc:sldLayoutMk cId="764522171" sldId="2147483777"/>
-          </pc:sldLayoutMkLst>
-        </pc:sldLayoutChg>
-        <pc:sldLayoutChg chg="add del mod replId">
-          <pc:chgData name="Man,Hok Yi" userId="S::hm565@drexel.edu::9f585303-93fb-4119-ac7d-19fe102fc7c3" providerId="AD" clId="Web-{EC7CF522-1899-4DE6-8BBA-78E77BB66262}" dt="2024-01-28T20:30:34.022" v="20"/>
-          <pc:sldLayoutMkLst>
-            <pc:docMk/>
-            <pc:sldMasterMk cId="2491382776" sldId="2147483774"/>
-            <pc:sldLayoutMk cId="4180166085" sldId="2147483778"/>
-          </pc:sldLayoutMkLst>
-        </pc:sldLayoutChg>
-        <pc:sldLayoutChg chg="add del mod replId">
-          <pc:chgData name="Man,Hok Yi" userId="S::hm565@drexel.edu::9f585303-93fb-4119-ac7d-19fe102fc7c3" providerId="AD" clId="Web-{EC7CF522-1899-4DE6-8BBA-78E77BB66262}" dt="2024-01-28T20:30:34.022" v="20"/>
-          <pc:sldLayoutMkLst>
-            <pc:docMk/>
-            <pc:sldMasterMk cId="2491382776" sldId="2147483774"/>
-            <pc:sldLayoutMk cId="1634638065" sldId="2147483779"/>
-          </pc:sldLayoutMkLst>
-        </pc:sldLayoutChg>
-        <pc:sldLayoutChg chg="add del mod replId">
-          <pc:chgData name="Man,Hok Yi" userId="S::hm565@drexel.edu::9f585303-93fb-4119-ac7d-19fe102fc7c3" providerId="AD" clId="Web-{EC7CF522-1899-4DE6-8BBA-78E77BB66262}" dt="2024-01-28T20:30:34.022" v="20"/>
-          <pc:sldLayoutMkLst>
-            <pc:docMk/>
-            <pc:sldMasterMk cId="2491382776" sldId="2147483774"/>
-            <pc:sldLayoutMk cId="1768772095" sldId="2147483780"/>
-          </pc:sldLayoutMkLst>
-        </pc:sldLayoutChg>
-        <pc:sldLayoutChg chg="add del mod replId">
-          <pc:chgData name="Man,Hok Yi" userId="S::hm565@drexel.edu::9f585303-93fb-4119-ac7d-19fe102fc7c3" providerId="AD" clId="Web-{EC7CF522-1899-4DE6-8BBA-78E77BB66262}" dt="2024-01-28T20:30:34.022" v="20"/>
-          <pc:sldLayoutMkLst>
-            <pc:docMk/>
-            <pc:sldMasterMk cId="2491382776" sldId="2147483774"/>
-            <pc:sldLayoutMk cId="250287601" sldId="2147483781"/>
-          </pc:sldLayoutMkLst>
-        </pc:sldLayoutChg>
-        <pc:sldLayoutChg chg="add del mod replId">
-          <pc:chgData name="Man,Hok Yi" userId="S::hm565@drexel.edu::9f585303-93fb-4119-ac7d-19fe102fc7c3" providerId="AD" clId="Web-{EC7CF522-1899-4DE6-8BBA-78E77BB66262}" dt="2024-01-28T20:30:34.022" v="20"/>
-          <pc:sldLayoutMkLst>
-            <pc:docMk/>
-            <pc:sldMasterMk cId="2491382776" sldId="2147483774"/>
-            <pc:sldLayoutMk cId="1361010319" sldId="2147483782"/>
-          </pc:sldLayoutMkLst>
-        </pc:sldLayoutChg>
-        <pc:sldLayoutChg chg="add del mod replId">
-          <pc:chgData name="Man,Hok Yi" userId="S::hm565@drexel.edu::9f585303-93fb-4119-ac7d-19fe102fc7c3" providerId="AD" clId="Web-{EC7CF522-1899-4DE6-8BBA-78E77BB66262}" dt="2024-01-28T20:30:34.022" v="20"/>
-          <pc:sldLayoutMkLst>
-            <pc:docMk/>
-            <pc:sldMasterMk cId="2491382776" sldId="2147483774"/>
-            <pc:sldLayoutMk cId="559495254" sldId="2147483783"/>
-          </pc:sldLayoutMkLst>
-        </pc:sldLayoutChg>
-        <pc:sldLayoutChg chg="add del mod replId">
-          <pc:chgData name="Man,Hok Yi" userId="S::hm565@drexel.edu::9f585303-93fb-4119-ac7d-19fe102fc7c3" providerId="AD" clId="Web-{EC7CF522-1899-4DE6-8BBA-78E77BB66262}" dt="2024-01-28T20:30:34.022" v="20"/>
-          <pc:sldLayoutMkLst>
-            <pc:docMk/>
-            <pc:sldMasterMk cId="2491382776" sldId="2147483774"/>
-            <pc:sldLayoutMk cId="3159603912" sldId="2147483784"/>
-          </pc:sldLayoutMkLst>
-        </pc:sldLayoutChg>
-        <pc:sldLayoutChg chg="add del mod replId">
-          <pc:chgData name="Man,Hok Yi" userId="S::hm565@drexel.edu::9f585303-93fb-4119-ac7d-19fe102fc7c3" providerId="AD" clId="Web-{EC7CF522-1899-4DE6-8BBA-78E77BB66262}" dt="2024-01-28T20:30:34.022" v="20"/>
-          <pc:sldLayoutMkLst>
-            <pc:docMk/>
-            <pc:sldMasterMk cId="2491382776" sldId="2147483774"/>
-            <pc:sldLayoutMk cId="608798205" sldId="2147483785"/>
-          </pc:sldLayoutMkLst>
-        </pc:sldLayoutChg>
-      </pc:sldMasterChg>
-      <pc:sldMasterChg chg="add del addSldLayout delSldLayout modSldLayout">
-        <pc:chgData name="Man,Hok Yi" userId="S::hm565@drexel.edu::9f585303-93fb-4119-ac7d-19fe102fc7c3" providerId="AD" clId="Web-{EC7CF522-1899-4DE6-8BBA-78E77BB66262}" dt="2024-01-28T20:30:47.913" v="21"/>
-        <pc:sldMasterMkLst>
-          <pc:docMk/>
-          <pc:sldMasterMk cId="668853488" sldId="2147483786"/>
-        </pc:sldMasterMkLst>
-        <pc:sldLayoutChg chg="add del mod replId">
-          <pc:chgData name="Man,Hok Yi" userId="S::hm565@drexel.edu::9f585303-93fb-4119-ac7d-19fe102fc7c3" providerId="AD" clId="Web-{EC7CF522-1899-4DE6-8BBA-78E77BB66262}" dt="2024-01-28T20:30:47.913" v="21"/>
-          <pc:sldLayoutMkLst>
-            <pc:docMk/>
-            <pc:sldMasterMk cId="668853488" sldId="2147483786"/>
-            <pc:sldLayoutMk cId="534694546" sldId="2147483787"/>
-          </pc:sldLayoutMkLst>
-        </pc:sldLayoutChg>
-        <pc:sldLayoutChg chg="add del mod replId">
-          <pc:chgData name="Man,Hok Yi" userId="S::hm565@drexel.edu::9f585303-93fb-4119-ac7d-19fe102fc7c3" providerId="AD" clId="Web-{EC7CF522-1899-4DE6-8BBA-78E77BB66262}" dt="2024-01-28T20:30:47.913" v="21"/>
-          <pc:sldLayoutMkLst>
-            <pc:docMk/>
-            <pc:sldMasterMk cId="668853488" sldId="2147483786"/>
-            <pc:sldLayoutMk cId="2940853435" sldId="2147483788"/>
-          </pc:sldLayoutMkLst>
-        </pc:sldLayoutChg>
-        <pc:sldLayoutChg chg="add del mod replId">
-          <pc:chgData name="Man,Hok Yi" userId="S::hm565@drexel.edu::9f585303-93fb-4119-ac7d-19fe102fc7c3" providerId="AD" clId="Web-{EC7CF522-1899-4DE6-8BBA-78E77BB66262}" dt="2024-01-28T20:30:47.913" v="21"/>
-          <pc:sldLayoutMkLst>
-            <pc:docMk/>
-            <pc:sldMasterMk cId="668853488" sldId="2147483786"/>
-            <pc:sldLayoutMk cId="724175771" sldId="2147483789"/>
-          </pc:sldLayoutMkLst>
-        </pc:sldLayoutChg>
-        <pc:sldLayoutChg chg="add del mod replId">
-          <pc:chgData name="Man,Hok Yi" userId="S::hm565@drexel.edu::9f585303-93fb-4119-ac7d-19fe102fc7c3" providerId="AD" clId="Web-{EC7CF522-1899-4DE6-8BBA-78E77BB66262}" dt="2024-01-28T20:30:47.913" v="21"/>
-          <pc:sldLayoutMkLst>
-            <pc:docMk/>
-            <pc:sldMasterMk cId="668853488" sldId="2147483786"/>
-            <pc:sldLayoutMk cId="821280399" sldId="2147483790"/>
-          </pc:sldLayoutMkLst>
-        </pc:sldLayoutChg>
-        <pc:sldLayoutChg chg="add del mod replId">
-          <pc:chgData name="Man,Hok Yi" userId="S::hm565@drexel.edu::9f585303-93fb-4119-ac7d-19fe102fc7c3" providerId="AD" clId="Web-{EC7CF522-1899-4DE6-8BBA-78E77BB66262}" dt="2024-01-28T20:30:47.913" v="21"/>
-          <pc:sldLayoutMkLst>
-            <pc:docMk/>
-            <pc:sldMasterMk cId="668853488" sldId="2147483786"/>
-            <pc:sldLayoutMk cId="3570843811" sldId="2147483791"/>
-          </pc:sldLayoutMkLst>
-        </pc:sldLayoutChg>
-        <pc:sldLayoutChg chg="add del mod replId">
-          <pc:chgData name="Man,Hok Yi" userId="S::hm565@drexel.edu::9f585303-93fb-4119-ac7d-19fe102fc7c3" providerId="AD" clId="Web-{EC7CF522-1899-4DE6-8BBA-78E77BB66262}" dt="2024-01-28T20:30:47.913" v="21"/>
-          <pc:sldLayoutMkLst>
-            <pc:docMk/>
-            <pc:sldMasterMk cId="668853488" sldId="2147483786"/>
-            <pc:sldLayoutMk cId="3623549600" sldId="2147483792"/>
-          </pc:sldLayoutMkLst>
-        </pc:sldLayoutChg>
-        <pc:sldLayoutChg chg="add del mod replId">
-          <pc:chgData name="Man,Hok Yi" userId="S::hm565@drexel.edu::9f585303-93fb-4119-ac7d-19fe102fc7c3" providerId="AD" clId="Web-{EC7CF522-1899-4DE6-8BBA-78E77BB66262}" dt="2024-01-28T20:30:47.913" v="21"/>
-          <pc:sldLayoutMkLst>
-            <pc:docMk/>
-            <pc:sldMasterMk cId="668853488" sldId="2147483786"/>
-            <pc:sldLayoutMk cId="1756359835" sldId="2147483793"/>
-          </pc:sldLayoutMkLst>
-        </pc:sldLayoutChg>
-        <pc:sldLayoutChg chg="add del mod replId">
-          <pc:chgData name="Man,Hok Yi" userId="S::hm565@drexel.edu::9f585303-93fb-4119-ac7d-19fe102fc7c3" providerId="AD" clId="Web-{EC7CF522-1899-4DE6-8BBA-78E77BB66262}" dt="2024-01-28T20:30:47.913" v="21"/>
-          <pc:sldLayoutMkLst>
-            <pc:docMk/>
-            <pc:sldMasterMk cId="668853488" sldId="2147483786"/>
-            <pc:sldLayoutMk cId="359977311" sldId="2147483794"/>
-          </pc:sldLayoutMkLst>
-        </pc:sldLayoutChg>
-        <pc:sldLayoutChg chg="add del mod replId">
-          <pc:chgData name="Man,Hok Yi" userId="S::hm565@drexel.edu::9f585303-93fb-4119-ac7d-19fe102fc7c3" providerId="AD" clId="Web-{EC7CF522-1899-4DE6-8BBA-78E77BB66262}" dt="2024-01-28T20:30:47.913" v="21"/>
-          <pc:sldLayoutMkLst>
-            <pc:docMk/>
-            <pc:sldMasterMk cId="668853488" sldId="2147483786"/>
-            <pc:sldLayoutMk cId="2795444512" sldId="2147483795"/>
-          </pc:sldLayoutMkLst>
-        </pc:sldLayoutChg>
-        <pc:sldLayoutChg chg="add del mod replId">
-          <pc:chgData name="Man,Hok Yi" userId="S::hm565@drexel.edu::9f585303-93fb-4119-ac7d-19fe102fc7c3" providerId="AD" clId="Web-{EC7CF522-1899-4DE6-8BBA-78E77BB66262}" dt="2024-01-28T20:30:47.913" v="21"/>
-          <pc:sldLayoutMkLst>
-            <pc:docMk/>
-            <pc:sldMasterMk cId="668853488" sldId="2147483786"/>
-            <pc:sldLayoutMk cId="4022065447" sldId="2147483796"/>
-          </pc:sldLayoutMkLst>
-        </pc:sldLayoutChg>
-        <pc:sldLayoutChg chg="add del mod replId">
-          <pc:chgData name="Man,Hok Yi" userId="S::hm565@drexel.edu::9f585303-93fb-4119-ac7d-19fe102fc7c3" providerId="AD" clId="Web-{EC7CF522-1899-4DE6-8BBA-78E77BB66262}" dt="2024-01-28T20:30:47.913" v="21"/>
-          <pc:sldLayoutMkLst>
-            <pc:docMk/>
-            <pc:sldMasterMk cId="668853488" sldId="2147483786"/>
-            <pc:sldLayoutMk cId="1232124177" sldId="2147483797"/>
-          </pc:sldLayoutMkLst>
-        </pc:sldLayoutChg>
-      </pc:sldMasterChg>
-      <pc:sldMasterChg chg="add del addSldLayout delSldLayout modSldLayout">
-        <pc:chgData name="Man,Hok Yi" userId="S::hm565@drexel.edu::9f585303-93fb-4119-ac7d-19fe102fc7c3" providerId="AD" clId="Web-{EC7CF522-1899-4DE6-8BBA-78E77BB66262}" dt="2024-01-28T20:30:52.711" v="22"/>
-        <pc:sldMasterMkLst>
-          <pc:docMk/>
-          <pc:sldMasterMk cId="1286036555" sldId="2147483798"/>
-        </pc:sldMasterMkLst>
-        <pc:sldLayoutChg chg="add del mod replId">
-          <pc:chgData name="Man,Hok Yi" userId="S::hm565@drexel.edu::9f585303-93fb-4119-ac7d-19fe102fc7c3" providerId="AD" clId="Web-{EC7CF522-1899-4DE6-8BBA-78E77BB66262}" dt="2024-01-28T20:30:52.711" v="22"/>
-          <pc:sldLayoutMkLst>
-            <pc:docMk/>
-            <pc:sldMasterMk cId="1286036555" sldId="2147483798"/>
-            <pc:sldLayoutMk cId="1671104809" sldId="2147483799"/>
-          </pc:sldLayoutMkLst>
-        </pc:sldLayoutChg>
-        <pc:sldLayoutChg chg="add del mod replId">
-          <pc:chgData name="Man,Hok Yi" userId="S::hm565@drexel.edu::9f585303-93fb-4119-ac7d-19fe102fc7c3" providerId="AD" clId="Web-{EC7CF522-1899-4DE6-8BBA-78E77BB66262}" dt="2024-01-28T20:30:52.711" v="22"/>
-          <pc:sldLayoutMkLst>
-            <pc:docMk/>
-            <pc:sldMasterMk cId="1286036555" sldId="2147483798"/>
-            <pc:sldLayoutMk cId="4237614040" sldId="2147483800"/>
-          </pc:sldLayoutMkLst>
-        </pc:sldLayoutChg>
-        <pc:sldLayoutChg chg="add del mod replId">
-          <pc:chgData name="Man,Hok Yi" userId="S::hm565@drexel.edu::9f585303-93fb-4119-ac7d-19fe102fc7c3" providerId="AD" clId="Web-{EC7CF522-1899-4DE6-8BBA-78E77BB66262}" dt="2024-01-28T20:30:52.711" v="22"/>
-          <pc:sldLayoutMkLst>
-            <pc:docMk/>
-            <pc:sldMasterMk cId="1286036555" sldId="2147483798"/>
-            <pc:sldLayoutMk cId="1773493017" sldId="2147483801"/>
-          </pc:sldLayoutMkLst>
-        </pc:sldLayoutChg>
-        <pc:sldLayoutChg chg="add del mod replId">
-          <pc:chgData name="Man,Hok Yi" userId="S::hm565@drexel.edu::9f585303-93fb-4119-ac7d-19fe102fc7c3" providerId="AD" clId="Web-{EC7CF522-1899-4DE6-8BBA-78E77BB66262}" dt="2024-01-28T20:30:52.711" v="22"/>
-          <pc:sldLayoutMkLst>
-            <pc:docMk/>
-            <pc:sldMasterMk cId="1286036555" sldId="2147483798"/>
-            <pc:sldLayoutMk cId="3844891223" sldId="2147483802"/>
-          </pc:sldLayoutMkLst>
-        </pc:sldLayoutChg>
-        <pc:sldLayoutChg chg="add del mod replId">
-          <pc:chgData name="Man,Hok Yi" userId="S::hm565@drexel.edu::9f585303-93fb-4119-ac7d-19fe102fc7c3" providerId="AD" clId="Web-{EC7CF522-1899-4DE6-8BBA-78E77BB66262}" dt="2024-01-28T20:30:52.711" v="22"/>
-          <pc:sldLayoutMkLst>
-            <pc:docMk/>
-            <pc:sldMasterMk cId="1286036555" sldId="2147483798"/>
-            <pc:sldLayoutMk cId="312694247" sldId="2147483803"/>
-          </pc:sldLayoutMkLst>
-        </pc:sldLayoutChg>
-        <pc:sldLayoutChg chg="add del mod replId">
-          <pc:chgData name="Man,Hok Yi" userId="S::hm565@drexel.edu::9f585303-93fb-4119-ac7d-19fe102fc7c3" providerId="AD" clId="Web-{EC7CF522-1899-4DE6-8BBA-78E77BB66262}" dt="2024-01-28T20:30:52.711" v="22"/>
-          <pc:sldLayoutMkLst>
-            <pc:docMk/>
-            <pc:sldMasterMk cId="1286036555" sldId="2147483798"/>
-            <pc:sldLayoutMk cId="2525062486" sldId="2147483804"/>
-          </pc:sldLayoutMkLst>
-        </pc:sldLayoutChg>
-        <pc:sldLayoutChg chg="add del mod replId">
-          <pc:chgData name="Man,Hok Yi" userId="S::hm565@drexel.edu::9f585303-93fb-4119-ac7d-19fe102fc7c3" providerId="AD" clId="Web-{EC7CF522-1899-4DE6-8BBA-78E77BB66262}" dt="2024-01-28T20:30:52.711" v="22"/>
-          <pc:sldLayoutMkLst>
-            <pc:docMk/>
-            <pc:sldMasterMk cId="1286036555" sldId="2147483798"/>
-            <pc:sldLayoutMk cId="809946568" sldId="2147483805"/>
-          </pc:sldLayoutMkLst>
-        </pc:sldLayoutChg>
-        <pc:sldLayoutChg chg="add del mod replId">
-          <pc:chgData name="Man,Hok Yi" userId="S::hm565@drexel.edu::9f585303-93fb-4119-ac7d-19fe102fc7c3" providerId="AD" clId="Web-{EC7CF522-1899-4DE6-8BBA-78E77BB66262}" dt="2024-01-28T20:30:52.711" v="22"/>
-          <pc:sldLayoutMkLst>
-            <pc:docMk/>
-            <pc:sldMasterMk cId="1286036555" sldId="2147483798"/>
-            <pc:sldLayoutMk cId="324766310" sldId="2147483806"/>
-          </pc:sldLayoutMkLst>
-        </pc:sldLayoutChg>
-        <pc:sldLayoutChg chg="add del mod replId">
-          <pc:chgData name="Man,Hok Yi" userId="S::hm565@drexel.edu::9f585303-93fb-4119-ac7d-19fe102fc7c3" providerId="AD" clId="Web-{EC7CF522-1899-4DE6-8BBA-78E77BB66262}" dt="2024-01-28T20:30:52.711" v="22"/>
-          <pc:sldLayoutMkLst>
-            <pc:docMk/>
-            <pc:sldMasterMk cId="1286036555" sldId="2147483798"/>
-            <pc:sldLayoutMk cId="2575191631" sldId="2147483807"/>
-          </pc:sldLayoutMkLst>
-        </pc:sldLayoutChg>
-        <pc:sldLayoutChg chg="add del mod replId">
-          <pc:chgData name="Man,Hok Yi" userId="S::hm565@drexel.edu::9f585303-93fb-4119-ac7d-19fe102fc7c3" providerId="AD" clId="Web-{EC7CF522-1899-4DE6-8BBA-78E77BB66262}" dt="2024-01-28T20:30:52.711" v="22"/>
-          <pc:sldLayoutMkLst>
-            <pc:docMk/>
-            <pc:sldMasterMk cId="1286036555" sldId="2147483798"/>
-            <pc:sldLayoutMk cId="3316667660" sldId="2147483808"/>
-          </pc:sldLayoutMkLst>
-        </pc:sldLayoutChg>
-        <pc:sldLayoutChg chg="add del mod replId">
-          <pc:chgData name="Man,Hok Yi" userId="S::hm565@drexel.edu::9f585303-93fb-4119-ac7d-19fe102fc7c3" providerId="AD" clId="Web-{EC7CF522-1899-4DE6-8BBA-78E77BB66262}" dt="2024-01-28T20:30:52.711" v="22"/>
-          <pc:sldLayoutMkLst>
-            <pc:docMk/>
-            <pc:sldMasterMk cId="1286036555" sldId="2147483798"/>
-            <pc:sldLayoutMk cId="2819256552" sldId="2147483809"/>
-          </pc:sldLayoutMkLst>
-        </pc:sldLayoutChg>
-      </pc:sldMasterChg>
-      <pc:sldMasterChg chg="add del addSldLayout delSldLayout modSldLayout">
-        <pc:chgData name="Man,Hok Yi" userId="S::hm565@drexel.edu::9f585303-93fb-4119-ac7d-19fe102fc7c3" providerId="AD" clId="Web-{EC7CF522-1899-4DE6-8BBA-78E77BB66262}" dt="2024-01-28T20:30:57.476" v="23"/>
-        <pc:sldMasterMkLst>
-          <pc:docMk/>
-          <pc:sldMasterMk cId="4266575944" sldId="2147483810"/>
-        </pc:sldMasterMkLst>
-        <pc:sldLayoutChg chg="add del mod replId">
-          <pc:chgData name="Man,Hok Yi" userId="S::hm565@drexel.edu::9f585303-93fb-4119-ac7d-19fe102fc7c3" providerId="AD" clId="Web-{EC7CF522-1899-4DE6-8BBA-78E77BB66262}" dt="2024-01-28T20:30:57.476" v="23"/>
-          <pc:sldLayoutMkLst>
-            <pc:docMk/>
-            <pc:sldMasterMk cId="4266575944" sldId="2147483810"/>
-            <pc:sldLayoutMk cId="4266711548" sldId="2147483811"/>
-          </pc:sldLayoutMkLst>
-        </pc:sldLayoutChg>
-        <pc:sldLayoutChg chg="add del mod replId">
-          <pc:chgData name="Man,Hok Yi" userId="S::hm565@drexel.edu::9f585303-93fb-4119-ac7d-19fe102fc7c3" providerId="AD" clId="Web-{EC7CF522-1899-4DE6-8BBA-78E77BB66262}" dt="2024-01-28T20:30:57.476" v="23"/>
-          <pc:sldLayoutMkLst>
-            <pc:docMk/>
-            <pc:sldMasterMk cId="4266575944" sldId="2147483810"/>
-            <pc:sldLayoutMk cId="2509885847" sldId="2147483812"/>
-          </pc:sldLayoutMkLst>
-        </pc:sldLayoutChg>
-        <pc:sldLayoutChg chg="add del mod replId">
-          <pc:chgData name="Man,Hok Yi" userId="S::hm565@drexel.edu::9f585303-93fb-4119-ac7d-19fe102fc7c3" providerId="AD" clId="Web-{EC7CF522-1899-4DE6-8BBA-78E77BB66262}" dt="2024-01-28T20:30:57.476" v="23"/>
-          <pc:sldLayoutMkLst>
-            <pc:docMk/>
-            <pc:sldMasterMk cId="4266575944" sldId="2147483810"/>
-            <pc:sldLayoutMk cId="528798089" sldId="2147483813"/>
-          </pc:sldLayoutMkLst>
-        </pc:sldLayoutChg>
-        <pc:sldLayoutChg chg="add del mod replId">
-          <pc:chgData name="Man,Hok Yi" userId="S::hm565@drexel.edu::9f585303-93fb-4119-ac7d-19fe102fc7c3" providerId="AD" clId="Web-{EC7CF522-1899-4DE6-8BBA-78E77BB66262}" dt="2024-01-28T20:30:57.476" v="23"/>
-          <pc:sldLayoutMkLst>
-            <pc:docMk/>
-            <pc:sldMasterMk cId="4266575944" sldId="2147483810"/>
-            <pc:sldLayoutMk cId="1048168941" sldId="2147483814"/>
-          </pc:sldLayoutMkLst>
-        </pc:sldLayoutChg>
-        <pc:sldLayoutChg chg="add del mod replId">
-          <pc:chgData name="Man,Hok Yi" userId="S::hm565@drexel.edu::9f585303-93fb-4119-ac7d-19fe102fc7c3" providerId="AD" clId="Web-{EC7CF522-1899-4DE6-8BBA-78E77BB66262}" dt="2024-01-28T20:30:57.476" v="23"/>
-          <pc:sldLayoutMkLst>
-            <pc:docMk/>
-            <pc:sldMasterMk cId="4266575944" sldId="2147483810"/>
-            <pc:sldLayoutMk cId="947713062" sldId="2147483815"/>
-          </pc:sldLayoutMkLst>
-        </pc:sldLayoutChg>
-        <pc:sldLayoutChg chg="add del mod replId">
-          <pc:chgData name="Man,Hok Yi" userId="S::hm565@drexel.edu::9f585303-93fb-4119-ac7d-19fe102fc7c3" providerId="AD" clId="Web-{EC7CF522-1899-4DE6-8BBA-78E77BB66262}" dt="2024-01-28T20:30:57.476" v="23"/>
-          <pc:sldLayoutMkLst>
-            <pc:docMk/>
-            <pc:sldMasterMk cId="4266575944" sldId="2147483810"/>
-            <pc:sldLayoutMk cId="2081256764" sldId="2147483816"/>
-          </pc:sldLayoutMkLst>
-        </pc:sldLayoutChg>
-        <pc:sldLayoutChg chg="add del mod replId">
-          <pc:chgData name="Man,Hok Yi" userId="S::hm565@drexel.edu::9f585303-93fb-4119-ac7d-19fe102fc7c3" providerId="AD" clId="Web-{EC7CF522-1899-4DE6-8BBA-78E77BB66262}" dt="2024-01-28T20:30:57.476" v="23"/>
-          <pc:sldLayoutMkLst>
-            <pc:docMk/>
-            <pc:sldMasterMk cId="4266575944" sldId="2147483810"/>
-            <pc:sldLayoutMk cId="1641116996" sldId="2147483817"/>
-          </pc:sldLayoutMkLst>
-        </pc:sldLayoutChg>
-        <pc:sldLayoutChg chg="add del mod replId">
-          <pc:chgData name="Man,Hok Yi" userId="S::hm565@drexel.edu::9f585303-93fb-4119-ac7d-19fe102fc7c3" providerId="AD" clId="Web-{EC7CF522-1899-4DE6-8BBA-78E77BB66262}" dt="2024-01-28T20:30:57.476" v="23"/>
-          <pc:sldLayoutMkLst>
-            <pc:docMk/>
-            <pc:sldMasterMk cId="4266575944" sldId="2147483810"/>
-            <pc:sldLayoutMk cId="1333516284" sldId="2147483818"/>
-          </pc:sldLayoutMkLst>
-        </pc:sldLayoutChg>
-        <pc:sldLayoutChg chg="add del mod replId">
-          <pc:chgData name="Man,Hok Yi" userId="S::hm565@drexel.edu::9f585303-93fb-4119-ac7d-19fe102fc7c3" providerId="AD" clId="Web-{EC7CF522-1899-4DE6-8BBA-78E77BB66262}" dt="2024-01-28T20:30:57.476" v="23"/>
-          <pc:sldLayoutMkLst>
-            <pc:docMk/>
-            <pc:sldMasterMk cId="4266575944" sldId="2147483810"/>
-            <pc:sldLayoutMk cId="2421885265" sldId="2147483819"/>
-          </pc:sldLayoutMkLst>
-        </pc:sldLayoutChg>
-        <pc:sldLayoutChg chg="add del mod replId">
-          <pc:chgData name="Man,Hok Yi" userId="S::hm565@drexel.edu::9f585303-93fb-4119-ac7d-19fe102fc7c3" providerId="AD" clId="Web-{EC7CF522-1899-4DE6-8BBA-78E77BB66262}" dt="2024-01-28T20:30:57.476" v="23"/>
-          <pc:sldLayoutMkLst>
-            <pc:docMk/>
-            <pc:sldMasterMk cId="4266575944" sldId="2147483810"/>
-            <pc:sldLayoutMk cId="4179378229" sldId="2147483820"/>
-          </pc:sldLayoutMkLst>
-        </pc:sldLayoutChg>
-        <pc:sldLayoutChg chg="add del mod replId">
-          <pc:chgData name="Man,Hok Yi" userId="S::hm565@drexel.edu::9f585303-93fb-4119-ac7d-19fe102fc7c3" providerId="AD" clId="Web-{EC7CF522-1899-4DE6-8BBA-78E77BB66262}" dt="2024-01-28T20:30:57.476" v="23"/>
-          <pc:sldLayoutMkLst>
-            <pc:docMk/>
-            <pc:sldMasterMk cId="4266575944" sldId="2147483810"/>
-            <pc:sldLayoutMk cId="3020832214" sldId="2147483821"/>
-          </pc:sldLayoutMkLst>
-        </pc:sldLayoutChg>
-      </pc:sldMasterChg>
-      <pc:sldMasterChg chg="add del addSldLayout delSldLayout modSldLayout">
-        <pc:chgData name="Man,Hok Yi" userId="S::hm565@drexel.edu::9f585303-93fb-4119-ac7d-19fe102fc7c3" providerId="AD" clId="Web-{EC7CF522-1899-4DE6-8BBA-78E77BB66262}" dt="2024-01-28T20:30:59.695" v="24"/>
-        <pc:sldMasterMkLst>
-          <pc:docMk/>
-          <pc:sldMasterMk cId="3061927233" sldId="2147483822"/>
-        </pc:sldMasterMkLst>
-        <pc:sldLayoutChg chg="add del mod replId">
-          <pc:chgData name="Man,Hok Yi" userId="S::hm565@drexel.edu::9f585303-93fb-4119-ac7d-19fe102fc7c3" providerId="AD" clId="Web-{EC7CF522-1899-4DE6-8BBA-78E77BB66262}" dt="2024-01-28T20:30:59.695" v="24"/>
-          <pc:sldLayoutMkLst>
-            <pc:docMk/>
-            <pc:sldMasterMk cId="3061927233" sldId="2147483822"/>
-            <pc:sldLayoutMk cId="162597122" sldId="2147483823"/>
-          </pc:sldLayoutMkLst>
-        </pc:sldLayoutChg>
-        <pc:sldLayoutChg chg="add del mod replId">
-          <pc:chgData name="Man,Hok Yi" userId="S::hm565@drexel.edu::9f585303-93fb-4119-ac7d-19fe102fc7c3" providerId="AD" clId="Web-{EC7CF522-1899-4DE6-8BBA-78E77BB66262}" dt="2024-01-28T20:30:59.695" v="24"/>
-          <pc:sldLayoutMkLst>
-            <pc:docMk/>
-            <pc:sldMasterMk cId="3061927233" sldId="2147483822"/>
-            <pc:sldLayoutMk cId="2130764869" sldId="2147483824"/>
-          </pc:sldLayoutMkLst>
-        </pc:sldLayoutChg>
-        <pc:sldLayoutChg chg="add del mod replId">
-          <pc:chgData name="Man,Hok Yi" userId="S::hm565@drexel.edu::9f585303-93fb-4119-ac7d-19fe102fc7c3" providerId="AD" clId="Web-{EC7CF522-1899-4DE6-8BBA-78E77BB66262}" dt="2024-01-28T20:30:59.695" v="24"/>
-          <pc:sldLayoutMkLst>
-            <pc:docMk/>
-            <pc:sldMasterMk cId="3061927233" sldId="2147483822"/>
-            <pc:sldLayoutMk cId="3929518048" sldId="2147483825"/>
-          </pc:sldLayoutMkLst>
-        </pc:sldLayoutChg>
-        <pc:sldLayoutChg chg="add del mod replId">
-          <pc:chgData name="Man,Hok Yi" userId="S::hm565@drexel.edu::9f585303-93fb-4119-ac7d-19fe102fc7c3" providerId="AD" clId="Web-{EC7CF522-1899-4DE6-8BBA-78E77BB66262}" dt="2024-01-28T20:30:59.695" v="24"/>
-          <pc:sldLayoutMkLst>
-            <pc:docMk/>
-            <pc:sldMasterMk cId="3061927233" sldId="2147483822"/>
-            <pc:sldLayoutMk cId="309672641" sldId="2147483826"/>
-          </pc:sldLayoutMkLst>
-        </pc:sldLayoutChg>
-        <pc:sldLayoutChg chg="add del mod replId">
-          <pc:chgData name="Man,Hok Yi" userId="S::hm565@drexel.edu::9f585303-93fb-4119-ac7d-19fe102fc7c3" providerId="AD" clId="Web-{EC7CF522-1899-4DE6-8BBA-78E77BB66262}" dt="2024-01-28T20:30:59.695" v="24"/>
-          <pc:sldLayoutMkLst>
-            <pc:docMk/>
-            <pc:sldMasterMk cId="3061927233" sldId="2147483822"/>
-            <pc:sldLayoutMk cId="911087403" sldId="2147483827"/>
-          </pc:sldLayoutMkLst>
-        </pc:sldLayoutChg>
-        <pc:sldLayoutChg chg="add del mod replId">
-          <pc:chgData name="Man,Hok Yi" userId="S::hm565@drexel.edu::9f585303-93fb-4119-ac7d-19fe102fc7c3" providerId="AD" clId="Web-{EC7CF522-1899-4DE6-8BBA-78E77BB66262}" dt="2024-01-28T20:30:59.695" v="24"/>
-          <pc:sldLayoutMkLst>
-            <pc:docMk/>
-            <pc:sldMasterMk cId="3061927233" sldId="2147483822"/>
-            <pc:sldLayoutMk cId="419327475" sldId="2147483828"/>
-          </pc:sldLayoutMkLst>
-        </pc:sldLayoutChg>
-        <pc:sldLayoutChg chg="add del mod replId">
-          <pc:chgData name="Man,Hok Yi" userId="S::hm565@drexel.edu::9f585303-93fb-4119-ac7d-19fe102fc7c3" providerId="AD" clId="Web-{EC7CF522-1899-4DE6-8BBA-78E77BB66262}" dt="2024-01-28T20:30:59.695" v="24"/>
-          <pc:sldLayoutMkLst>
-            <pc:docMk/>
-            <pc:sldMasterMk cId="3061927233" sldId="2147483822"/>
-            <pc:sldLayoutMk cId="989974673" sldId="2147483829"/>
-          </pc:sldLayoutMkLst>
-        </pc:sldLayoutChg>
-        <pc:sldLayoutChg chg="add del mod replId">
-          <pc:chgData name="Man,Hok Yi" userId="S::hm565@drexel.edu::9f585303-93fb-4119-ac7d-19fe102fc7c3" providerId="AD" clId="Web-{EC7CF522-1899-4DE6-8BBA-78E77BB66262}" dt="2024-01-28T20:30:59.695" v="24"/>
-          <pc:sldLayoutMkLst>
-            <pc:docMk/>
-            <pc:sldMasterMk cId="3061927233" sldId="2147483822"/>
-            <pc:sldLayoutMk cId="2355102820" sldId="2147483830"/>
-          </pc:sldLayoutMkLst>
-        </pc:sldLayoutChg>
-        <pc:sldLayoutChg chg="add del mod replId">
-          <pc:chgData name="Man,Hok Yi" userId="S::hm565@drexel.edu::9f585303-93fb-4119-ac7d-19fe102fc7c3" providerId="AD" clId="Web-{EC7CF522-1899-4DE6-8BBA-78E77BB66262}" dt="2024-01-28T20:30:59.695" v="24"/>
-          <pc:sldLayoutMkLst>
-            <pc:docMk/>
-            <pc:sldMasterMk cId="3061927233" sldId="2147483822"/>
-            <pc:sldLayoutMk cId="1905618192" sldId="2147483831"/>
-          </pc:sldLayoutMkLst>
-        </pc:sldLayoutChg>
-        <pc:sldLayoutChg chg="add del mod replId">
-          <pc:chgData name="Man,Hok Yi" userId="S::hm565@drexel.edu::9f585303-93fb-4119-ac7d-19fe102fc7c3" providerId="AD" clId="Web-{EC7CF522-1899-4DE6-8BBA-78E77BB66262}" dt="2024-01-28T20:30:59.695" v="24"/>
-          <pc:sldLayoutMkLst>
-            <pc:docMk/>
-            <pc:sldMasterMk cId="3061927233" sldId="2147483822"/>
-            <pc:sldLayoutMk cId="837053697" sldId="2147483832"/>
-          </pc:sldLayoutMkLst>
-        </pc:sldLayoutChg>
-        <pc:sldLayoutChg chg="add del mod replId">
-          <pc:chgData name="Man,Hok Yi" userId="S::hm565@drexel.edu::9f585303-93fb-4119-ac7d-19fe102fc7c3" providerId="AD" clId="Web-{EC7CF522-1899-4DE6-8BBA-78E77BB66262}" dt="2024-01-28T20:30:59.695" v="24"/>
-          <pc:sldLayoutMkLst>
-            <pc:docMk/>
-            <pc:sldMasterMk cId="3061927233" sldId="2147483822"/>
-            <pc:sldLayoutMk cId="1584840574" sldId="2147483833"/>
-          </pc:sldLayoutMkLst>
-        </pc:sldLayoutChg>
-      </pc:sldMasterChg>
-      <pc:sldMasterChg chg="add del addSldLayout delSldLayout modSldLayout">
-        <pc:chgData name="Man,Hok Yi" userId="S::hm565@drexel.edu::9f585303-93fb-4119-ac7d-19fe102fc7c3" providerId="AD" clId="Web-{EC7CF522-1899-4DE6-8BBA-78E77BB66262}" dt="2024-01-28T20:32:21.308" v="28"/>
-        <pc:sldMasterMkLst>
-          <pc:docMk/>
-          <pc:sldMasterMk cId="4292232986" sldId="2147483834"/>
-        </pc:sldMasterMkLst>
-        <pc:sldLayoutChg chg="add del mod replId">
-          <pc:chgData name="Man,Hok Yi" userId="S::hm565@drexel.edu::9f585303-93fb-4119-ac7d-19fe102fc7c3" providerId="AD" clId="Web-{EC7CF522-1899-4DE6-8BBA-78E77BB66262}" dt="2024-01-28T20:32:21.308" v="28"/>
-          <pc:sldLayoutMkLst>
-            <pc:docMk/>
-            <pc:sldMasterMk cId="4292232986" sldId="2147483834"/>
-            <pc:sldLayoutMk cId="4052329620" sldId="2147483835"/>
-          </pc:sldLayoutMkLst>
-        </pc:sldLayoutChg>
-        <pc:sldLayoutChg chg="add del mod replId">
-          <pc:chgData name="Man,Hok Yi" userId="S::hm565@drexel.edu::9f585303-93fb-4119-ac7d-19fe102fc7c3" providerId="AD" clId="Web-{EC7CF522-1899-4DE6-8BBA-78E77BB66262}" dt="2024-01-28T20:32:21.308" v="28"/>
-          <pc:sldLayoutMkLst>
-            <pc:docMk/>
-            <pc:sldMasterMk cId="4292232986" sldId="2147483834"/>
-            <pc:sldLayoutMk cId="1007698890" sldId="2147483836"/>
-          </pc:sldLayoutMkLst>
-        </pc:sldLayoutChg>
-        <pc:sldLayoutChg chg="add del mod replId">
-          <pc:chgData name="Man,Hok Yi" userId="S::hm565@drexel.edu::9f585303-93fb-4119-ac7d-19fe102fc7c3" providerId="AD" clId="Web-{EC7CF522-1899-4DE6-8BBA-78E77BB66262}" dt="2024-01-28T20:32:21.308" v="28"/>
-          <pc:sldLayoutMkLst>
-            <pc:docMk/>
-            <pc:sldMasterMk cId="4292232986" sldId="2147483834"/>
-            <pc:sldLayoutMk cId="3273329253" sldId="2147483837"/>
-          </pc:sldLayoutMkLst>
-        </pc:sldLayoutChg>
-        <pc:sldLayoutChg chg="add del mod replId">
-          <pc:chgData name="Man,Hok Yi" userId="S::hm565@drexel.edu::9f585303-93fb-4119-ac7d-19fe102fc7c3" providerId="AD" clId="Web-{EC7CF522-1899-4DE6-8BBA-78E77BB66262}" dt="2024-01-28T20:32:21.308" v="28"/>
-          <pc:sldLayoutMkLst>
-            <pc:docMk/>
-            <pc:sldMasterMk cId="4292232986" sldId="2147483834"/>
-            <pc:sldLayoutMk cId="463340917" sldId="2147483838"/>
-          </pc:sldLayoutMkLst>
-        </pc:sldLayoutChg>
-        <pc:sldLayoutChg chg="add del mod replId">
-          <pc:chgData name="Man,Hok Yi" userId="S::hm565@drexel.edu::9f585303-93fb-4119-ac7d-19fe102fc7c3" providerId="AD" clId="Web-{EC7CF522-1899-4DE6-8BBA-78E77BB66262}" dt="2024-01-28T20:32:21.308" v="28"/>
-          <pc:sldLayoutMkLst>
-            <pc:docMk/>
-            <pc:sldMasterMk cId="4292232986" sldId="2147483834"/>
-            <pc:sldLayoutMk cId="3538285534" sldId="2147483839"/>
-          </pc:sldLayoutMkLst>
-        </pc:sldLayoutChg>
-        <pc:sldLayoutChg chg="add del mod replId">
-          <pc:chgData name="Man,Hok Yi" userId="S::hm565@drexel.edu::9f585303-93fb-4119-ac7d-19fe102fc7c3" providerId="AD" clId="Web-{EC7CF522-1899-4DE6-8BBA-78E77BB66262}" dt="2024-01-28T20:32:21.308" v="28"/>
-          <pc:sldLayoutMkLst>
-            <pc:docMk/>
-            <pc:sldMasterMk cId="4292232986" sldId="2147483834"/>
-            <pc:sldLayoutMk cId="2120011283" sldId="2147483840"/>
-          </pc:sldLayoutMkLst>
-        </pc:sldLayoutChg>
-        <pc:sldLayoutChg chg="add del mod replId">
-          <pc:chgData name="Man,Hok Yi" userId="S::hm565@drexel.edu::9f585303-93fb-4119-ac7d-19fe102fc7c3" providerId="AD" clId="Web-{EC7CF522-1899-4DE6-8BBA-78E77BB66262}" dt="2024-01-28T20:32:21.308" v="28"/>
-          <pc:sldLayoutMkLst>
-            <pc:docMk/>
-            <pc:sldMasterMk cId="4292232986" sldId="2147483834"/>
-            <pc:sldLayoutMk cId="939640136" sldId="2147483841"/>
-          </pc:sldLayoutMkLst>
-        </pc:sldLayoutChg>
-        <pc:sldLayoutChg chg="add del mod replId">
-          <pc:chgData name="Man,Hok Yi" userId="S::hm565@drexel.edu::9f585303-93fb-4119-ac7d-19fe102fc7c3" providerId="AD" clId="Web-{EC7CF522-1899-4DE6-8BBA-78E77BB66262}" dt="2024-01-28T20:32:21.308" v="28"/>
-          <pc:sldLayoutMkLst>
-            <pc:docMk/>
-            <pc:sldMasterMk cId="4292232986" sldId="2147483834"/>
-            <pc:sldLayoutMk cId="1557694564" sldId="2147483842"/>
-          </pc:sldLayoutMkLst>
-        </pc:sldLayoutChg>
-        <pc:sldLayoutChg chg="add del mod replId">
-          <pc:chgData name="Man,Hok Yi" userId="S::hm565@drexel.edu::9f585303-93fb-4119-ac7d-19fe102fc7c3" providerId="AD" clId="Web-{EC7CF522-1899-4DE6-8BBA-78E77BB66262}" dt="2024-01-28T20:32:21.308" v="28"/>
-          <pc:sldLayoutMkLst>
-            <pc:docMk/>
-            <pc:sldMasterMk cId="4292232986" sldId="2147483834"/>
-            <pc:sldLayoutMk cId="587558261" sldId="2147483843"/>
-          </pc:sldLayoutMkLst>
-        </pc:sldLayoutChg>
-        <pc:sldLayoutChg chg="add del mod replId">
-          <pc:chgData name="Man,Hok Yi" userId="S::hm565@drexel.edu::9f585303-93fb-4119-ac7d-19fe102fc7c3" providerId="AD" clId="Web-{EC7CF522-1899-4DE6-8BBA-78E77BB66262}" dt="2024-01-28T20:32:21.308" v="28"/>
-          <pc:sldLayoutMkLst>
-            <pc:docMk/>
-            <pc:sldMasterMk cId="4292232986" sldId="2147483834"/>
-            <pc:sldLayoutMk cId="3952035828" sldId="2147483844"/>
-          </pc:sldLayoutMkLst>
-        </pc:sldLayoutChg>
-        <pc:sldLayoutChg chg="add del mod replId">
-          <pc:chgData name="Man,Hok Yi" userId="S::hm565@drexel.edu::9f585303-93fb-4119-ac7d-19fe102fc7c3" providerId="AD" clId="Web-{EC7CF522-1899-4DE6-8BBA-78E77BB66262}" dt="2024-01-28T20:32:21.308" v="28"/>
-          <pc:sldLayoutMkLst>
-            <pc:docMk/>
-            <pc:sldMasterMk cId="4292232986" sldId="2147483834"/>
-            <pc:sldLayoutMk cId="1398377149" sldId="2147483845"/>
-          </pc:sldLayoutMkLst>
-        </pc:sldLayoutChg>
-      </pc:sldMasterChg>
-      <pc:sldMasterChg chg="add del addSldLayout delSldLayout modSldLayout">
-        <pc:chgData name="Man,Hok Yi" userId="S::hm565@drexel.edu::9f585303-93fb-4119-ac7d-19fe102fc7c3" providerId="AD" clId="Web-{EC7CF522-1899-4DE6-8BBA-78E77BB66262}" dt="2024-01-28T20:32:56.059" v="29"/>
-        <pc:sldMasterMkLst>
-          <pc:docMk/>
-          <pc:sldMasterMk cId="4017588633" sldId="2147483846"/>
-        </pc:sldMasterMkLst>
-        <pc:sldLayoutChg chg="add del mod replId">
-          <pc:chgData name="Man,Hok Yi" userId="S::hm565@drexel.edu::9f585303-93fb-4119-ac7d-19fe102fc7c3" providerId="AD" clId="Web-{EC7CF522-1899-4DE6-8BBA-78E77BB66262}" dt="2024-01-28T20:32:56.059" v="29"/>
-          <pc:sldLayoutMkLst>
-            <pc:docMk/>
-            <pc:sldMasterMk cId="4017588633" sldId="2147483846"/>
-            <pc:sldLayoutMk cId="752402342" sldId="2147483847"/>
-          </pc:sldLayoutMkLst>
-        </pc:sldLayoutChg>
-        <pc:sldLayoutChg chg="add del mod replId">
-          <pc:chgData name="Man,Hok Yi" userId="S::hm565@drexel.edu::9f585303-93fb-4119-ac7d-19fe102fc7c3" providerId="AD" clId="Web-{EC7CF522-1899-4DE6-8BBA-78E77BB66262}" dt="2024-01-28T20:32:56.059" v="29"/>
-          <pc:sldLayoutMkLst>
-            <pc:docMk/>
-            <pc:sldMasterMk cId="4017588633" sldId="2147483846"/>
-            <pc:sldLayoutMk cId="3442206639" sldId="2147483848"/>
-          </pc:sldLayoutMkLst>
-        </pc:sldLayoutChg>
-        <pc:sldLayoutChg chg="add del mod replId">
-          <pc:chgData name="Man,Hok Yi" userId="S::hm565@drexel.edu::9f585303-93fb-4119-ac7d-19fe102fc7c3" providerId="AD" clId="Web-{EC7CF522-1899-4DE6-8BBA-78E77BB66262}" dt="2024-01-28T20:32:56.059" v="29"/>
-          <pc:sldLayoutMkLst>
-            <pc:docMk/>
-            <pc:sldMasterMk cId="4017588633" sldId="2147483846"/>
-            <pc:sldLayoutMk cId="1649989789" sldId="2147483849"/>
-          </pc:sldLayoutMkLst>
-        </pc:sldLayoutChg>
-        <pc:sldLayoutChg chg="add del mod replId">
-          <pc:chgData name="Man,Hok Yi" userId="S::hm565@drexel.edu::9f585303-93fb-4119-ac7d-19fe102fc7c3" providerId="AD" clId="Web-{EC7CF522-1899-4DE6-8BBA-78E77BB66262}" dt="2024-01-28T20:32:56.059" v="29"/>
-          <pc:sldLayoutMkLst>
-            <pc:docMk/>
-            <pc:sldMasterMk cId="4017588633" sldId="2147483846"/>
-            <pc:sldLayoutMk cId="1361235459" sldId="2147483850"/>
-          </pc:sldLayoutMkLst>
-        </pc:sldLayoutChg>
-        <pc:sldLayoutChg chg="add del mod replId">
-          <pc:chgData name="Man,Hok Yi" userId="S::hm565@drexel.edu::9f585303-93fb-4119-ac7d-19fe102fc7c3" providerId="AD" clId="Web-{EC7CF522-1899-4DE6-8BBA-78E77BB66262}" dt="2024-01-28T20:32:56.059" v="29"/>
-          <pc:sldLayoutMkLst>
-            <pc:docMk/>
-            <pc:sldMasterMk cId="4017588633" sldId="2147483846"/>
-            <pc:sldLayoutMk cId="1556862510" sldId="2147483851"/>
-          </pc:sldLayoutMkLst>
-        </pc:sldLayoutChg>
-        <pc:sldLayoutChg chg="add del mod replId">
-          <pc:chgData name="Man,Hok Yi" userId="S::hm565@drexel.edu::9f585303-93fb-4119-ac7d-19fe102fc7c3" providerId="AD" clId="Web-{EC7CF522-1899-4DE6-8BBA-78E77BB66262}" dt="2024-01-28T20:32:56.059" v="29"/>
-          <pc:sldLayoutMkLst>
-            <pc:docMk/>
-            <pc:sldMasterMk cId="4017588633" sldId="2147483846"/>
-            <pc:sldLayoutMk cId="1343737143" sldId="2147483852"/>
-          </pc:sldLayoutMkLst>
-        </pc:sldLayoutChg>
-        <pc:sldLayoutChg chg="add del mod replId">
-          <pc:chgData name="Man,Hok Yi" userId="S::hm565@drexel.edu::9f585303-93fb-4119-ac7d-19fe102fc7c3" providerId="AD" clId="Web-{EC7CF522-1899-4DE6-8BBA-78E77BB66262}" dt="2024-01-28T20:32:56.059" v="29"/>
-          <pc:sldLayoutMkLst>
-            <pc:docMk/>
-            <pc:sldMasterMk cId="4017588633" sldId="2147483846"/>
-            <pc:sldLayoutMk cId="2671012402" sldId="2147483853"/>
-          </pc:sldLayoutMkLst>
-        </pc:sldLayoutChg>
-        <pc:sldLayoutChg chg="add del mod replId">
-          <pc:chgData name="Man,Hok Yi" userId="S::hm565@drexel.edu::9f585303-93fb-4119-ac7d-19fe102fc7c3" providerId="AD" clId="Web-{EC7CF522-1899-4DE6-8BBA-78E77BB66262}" dt="2024-01-28T20:32:56.059" v="29"/>
-          <pc:sldLayoutMkLst>
-            <pc:docMk/>
-            <pc:sldMasterMk cId="4017588633" sldId="2147483846"/>
-            <pc:sldLayoutMk cId="835535173" sldId="2147483854"/>
-          </pc:sldLayoutMkLst>
-        </pc:sldLayoutChg>
-        <pc:sldLayoutChg chg="add del mod replId">
-          <pc:chgData name="Man,Hok Yi" userId="S::hm565@drexel.edu::9f585303-93fb-4119-ac7d-19fe102fc7c3" providerId="AD" clId="Web-{EC7CF522-1899-4DE6-8BBA-78E77BB66262}" dt="2024-01-28T20:32:56.059" v="29"/>
-          <pc:sldLayoutMkLst>
-            <pc:docMk/>
-            <pc:sldMasterMk cId="4017588633" sldId="2147483846"/>
-            <pc:sldLayoutMk cId="3059914986" sldId="2147483855"/>
-          </pc:sldLayoutMkLst>
-        </pc:sldLayoutChg>
-        <pc:sldLayoutChg chg="add del mod replId">
-          <pc:chgData name="Man,Hok Yi" userId="S::hm565@drexel.edu::9f585303-93fb-4119-ac7d-19fe102fc7c3" providerId="AD" clId="Web-{EC7CF522-1899-4DE6-8BBA-78E77BB66262}" dt="2024-01-28T20:32:56.059" v="29"/>
-          <pc:sldLayoutMkLst>
-            <pc:docMk/>
-            <pc:sldMasterMk cId="4017588633" sldId="2147483846"/>
-            <pc:sldLayoutMk cId="1028865766" sldId="2147483856"/>
-          </pc:sldLayoutMkLst>
-        </pc:sldLayoutChg>
-        <pc:sldLayoutChg chg="add del mod replId">
-          <pc:chgData name="Man,Hok Yi" userId="S::hm565@drexel.edu::9f585303-93fb-4119-ac7d-19fe102fc7c3" providerId="AD" clId="Web-{EC7CF522-1899-4DE6-8BBA-78E77BB66262}" dt="2024-01-28T20:32:56.059" v="29"/>
-          <pc:sldLayoutMkLst>
-            <pc:docMk/>
-            <pc:sldMasterMk cId="4017588633" sldId="2147483846"/>
-            <pc:sldLayoutMk cId="3776523152" sldId="2147483857"/>
-          </pc:sldLayoutMkLst>
-        </pc:sldLayoutChg>
-        <pc:sldLayoutChg chg="add del mod replId">
-          <pc:chgData name="Man,Hok Yi" userId="S::hm565@drexel.edu::9f585303-93fb-4119-ac7d-19fe102fc7c3" providerId="AD" clId="Web-{EC7CF522-1899-4DE6-8BBA-78E77BB66262}" dt="2024-01-28T20:32:56.059" v="29"/>
-          <pc:sldLayoutMkLst>
-            <pc:docMk/>
-            <pc:sldMasterMk cId="4017588633" sldId="2147483846"/>
-            <pc:sldLayoutMk cId="157102316" sldId="2147483858"/>
-          </pc:sldLayoutMkLst>
-        </pc:sldLayoutChg>
-        <pc:sldLayoutChg chg="add del mod replId">
-          <pc:chgData name="Man,Hok Yi" userId="S::hm565@drexel.edu::9f585303-93fb-4119-ac7d-19fe102fc7c3" providerId="AD" clId="Web-{EC7CF522-1899-4DE6-8BBA-78E77BB66262}" dt="2024-01-28T20:32:56.059" v="29"/>
-          <pc:sldLayoutMkLst>
-            <pc:docMk/>
-            <pc:sldMasterMk cId="4017588633" sldId="2147483846"/>
-            <pc:sldLayoutMk cId="2307210156" sldId="2147483859"/>
-          </pc:sldLayoutMkLst>
-        </pc:sldLayoutChg>
-        <pc:sldLayoutChg chg="add del mod replId">
-          <pc:chgData name="Man,Hok Yi" userId="S::hm565@drexel.edu::9f585303-93fb-4119-ac7d-19fe102fc7c3" providerId="AD" clId="Web-{EC7CF522-1899-4DE6-8BBA-78E77BB66262}" dt="2024-01-28T20:32:56.059" v="29"/>
-          <pc:sldLayoutMkLst>
-            <pc:docMk/>
-            <pc:sldMasterMk cId="4017588633" sldId="2147483846"/>
-            <pc:sldLayoutMk cId="888733888" sldId="2147483860"/>
-          </pc:sldLayoutMkLst>
-        </pc:sldLayoutChg>
-        <pc:sldLayoutChg chg="add del mod replId">
-          <pc:chgData name="Man,Hok Yi" userId="S::hm565@drexel.edu::9f585303-93fb-4119-ac7d-19fe102fc7c3" providerId="AD" clId="Web-{EC7CF522-1899-4DE6-8BBA-78E77BB66262}" dt="2024-01-28T20:32:56.059" v="29"/>
-          <pc:sldLayoutMkLst>
-            <pc:docMk/>
-            <pc:sldMasterMk cId="4017588633" sldId="2147483846"/>
-            <pc:sldLayoutMk cId="162246886" sldId="2147483861"/>
-          </pc:sldLayoutMkLst>
-        </pc:sldLayoutChg>
-        <pc:sldLayoutChg chg="add del mod replId">
-          <pc:chgData name="Man,Hok Yi" userId="S::hm565@drexel.edu::9f585303-93fb-4119-ac7d-19fe102fc7c3" providerId="AD" clId="Web-{EC7CF522-1899-4DE6-8BBA-78E77BB66262}" dt="2024-01-28T20:32:56.059" v="29"/>
-          <pc:sldLayoutMkLst>
-            <pc:docMk/>
-            <pc:sldMasterMk cId="4017588633" sldId="2147483846"/>
-            <pc:sldLayoutMk cId="1418038409" sldId="2147483862"/>
-          </pc:sldLayoutMkLst>
-        </pc:sldLayoutChg>
-        <pc:sldLayoutChg chg="add del mod replId">
-          <pc:chgData name="Man,Hok Yi" userId="S::hm565@drexel.edu::9f585303-93fb-4119-ac7d-19fe102fc7c3" providerId="AD" clId="Web-{EC7CF522-1899-4DE6-8BBA-78E77BB66262}" dt="2024-01-28T20:32:56.059" v="29"/>
-          <pc:sldLayoutMkLst>
-            <pc:docMk/>
-            <pc:sldMasterMk cId="4017588633" sldId="2147483846"/>
-            <pc:sldLayoutMk cId="4246551848" sldId="2147483863"/>
-          </pc:sldLayoutMkLst>
-        </pc:sldLayoutChg>
-      </pc:sldMasterChg>
-      <pc:sldMasterChg chg="add addSldLayout modSldLayout">
-        <pc:chgData name="Man,Hok Yi" userId="S::hm565@drexel.edu::9f585303-93fb-4119-ac7d-19fe102fc7c3" providerId="AD" clId="Web-{EC7CF522-1899-4DE6-8BBA-78E77BB66262}" dt="2024-01-28T20:32:56.059" v="29"/>
-        <pc:sldMasterMkLst>
-          <pc:docMk/>
-          <pc:sldMasterMk cId="1998886237" sldId="2147483864"/>
-        </pc:sldMasterMkLst>
-        <pc:sldLayoutChg chg="add mod replId">
-          <pc:chgData name="Man,Hok Yi" userId="S::hm565@drexel.edu::9f585303-93fb-4119-ac7d-19fe102fc7c3" providerId="AD" clId="Web-{EC7CF522-1899-4DE6-8BBA-78E77BB66262}" dt="2024-01-28T20:32:56.059" v="29"/>
-          <pc:sldLayoutMkLst>
-            <pc:docMk/>
-            <pc:sldMasterMk cId="1998886237" sldId="2147483864"/>
-            <pc:sldLayoutMk cId="3325765472" sldId="2147483865"/>
-          </pc:sldLayoutMkLst>
-        </pc:sldLayoutChg>
-        <pc:sldLayoutChg chg="add mod replId">
-          <pc:chgData name="Man,Hok Yi" userId="S::hm565@drexel.edu::9f585303-93fb-4119-ac7d-19fe102fc7c3" providerId="AD" clId="Web-{EC7CF522-1899-4DE6-8BBA-78E77BB66262}" dt="2024-01-28T20:32:56.059" v="29"/>
-          <pc:sldLayoutMkLst>
-            <pc:docMk/>
-            <pc:sldMasterMk cId="1998886237" sldId="2147483864"/>
-            <pc:sldLayoutMk cId="2811514625" sldId="2147483866"/>
-          </pc:sldLayoutMkLst>
-        </pc:sldLayoutChg>
-        <pc:sldLayoutChg chg="add mod replId">
-          <pc:chgData name="Man,Hok Yi" userId="S::hm565@drexel.edu::9f585303-93fb-4119-ac7d-19fe102fc7c3" providerId="AD" clId="Web-{EC7CF522-1899-4DE6-8BBA-78E77BB66262}" dt="2024-01-28T20:32:56.059" v="29"/>
-          <pc:sldLayoutMkLst>
-            <pc:docMk/>
-            <pc:sldMasterMk cId="1998886237" sldId="2147483864"/>
-            <pc:sldLayoutMk cId="1322204658" sldId="2147483867"/>
-          </pc:sldLayoutMkLst>
-        </pc:sldLayoutChg>
-        <pc:sldLayoutChg chg="add mod replId">
-          <pc:chgData name="Man,Hok Yi" userId="S::hm565@drexel.edu::9f585303-93fb-4119-ac7d-19fe102fc7c3" providerId="AD" clId="Web-{EC7CF522-1899-4DE6-8BBA-78E77BB66262}" dt="2024-01-28T20:32:56.059" v="29"/>
-          <pc:sldLayoutMkLst>
-            <pc:docMk/>
-            <pc:sldMasterMk cId="1998886237" sldId="2147483864"/>
-            <pc:sldLayoutMk cId="796667386" sldId="2147483868"/>
-          </pc:sldLayoutMkLst>
-        </pc:sldLayoutChg>
-        <pc:sldLayoutChg chg="add mod replId">
-          <pc:chgData name="Man,Hok Yi" userId="S::hm565@drexel.edu::9f585303-93fb-4119-ac7d-19fe102fc7c3" providerId="AD" clId="Web-{EC7CF522-1899-4DE6-8BBA-78E77BB66262}" dt="2024-01-28T20:32:56.059" v="29"/>
-          <pc:sldLayoutMkLst>
-            <pc:docMk/>
-            <pc:sldMasterMk cId="1998886237" sldId="2147483864"/>
-            <pc:sldLayoutMk cId="2145259772" sldId="2147483869"/>
-          </pc:sldLayoutMkLst>
-        </pc:sldLayoutChg>
-        <pc:sldLayoutChg chg="add mod replId">
-          <pc:chgData name="Man,Hok Yi" userId="S::hm565@drexel.edu::9f585303-93fb-4119-ac7d-19fe102fc7c3" providerId="AD" clId="Web-{EC7CF522-1899-4DE6-8BBA-78E77BB66262}" dt="2024-01-28T20:32:56.059" v="29"/>
-          <pc:sldLayoutMkLst>
-            <pc:docMk/>
-            <pc:sldMasterMk cId="1998886237" sldId="2147483864"/>
-            <pc:sldLayoutMk cId="1301326654" sldId="2147483870"/>
-          </pc:sldLayoutMkLst>
-        </pc:sldLayoutChg>
-        <pc:sldLayoutChg chg="add mod replId">
-          <pc:chgData name="Man,Hok Yi" userId="S::hm565@drexel.edu::9f585303-93fb-4119-ac7d-19fe102fc7c3" providerId="AD" clId="Web-{EC7CF522-1899-4DE6-8BBA-78E77BB66262}" dt="2024-01-28T20:32:56.059" v="29"/>
-          <pc:sldLayoutMkLst>
-            <pc:docMk/>
-            <pc:sldMasterMk cId="1998886237" sldId="2147483864"/>
-            <pc:sldLayoutMk cId="874670734" sldId="2147483871"/>
-          </pc:sldLayoutMkLst>
-        </pc:sldLayoutChg>
-        <pc:sldLayoutChg chg="add mod replId">
-          <pc:chgData name="Man,Hok Yi" userId="S::hm565@drexel.edu::9f585303-93fb-4119-ac7d-19fe102fc7c3" providerId="AD" clId="Web-{EC7CF522-1899-4DE6-8BBA-78E77BB66262}" dt="2024-01-28T20:32:56.059" v="29"/>
-          <pc:sldLayoutMkLst>
-            <pc:docMk/>
-            <pc:sldMasterMk cId="1998886237" sldId="2147483864"/>
-            <pc:sldLayoutMk cId="3323268577" sldId="2147483872"/>
-          </pc:sldLayoutMkLst>
-        </pc:sldLayoutChg>
-        <pc:sldLayoutChg chg="add mod replId">
-          <pc:chgData name="Man,Hok Yi" userId="S::hm565@drexel.edu::9f585303-93fb-4119-ac7d-19fe102fc7c3" providerId="AD" clId="Web-{EC7CF522-1899-4DE6-8BBA-78E77BB66262}" dt="2024-01-28T20:32:56.059" v="29"/>
-          <pc:sldLayoutMkLst>
-            <pc:docMk/>
-            <pc:sldMasterMk cId="1998886237" sldId="2147483864"/>
-            <pc:sldLayoutMk cId="802379115" sldId="2147483873"/>
-          </pc:sldLayoutMkLst>
-        </pc:sldLayoutChg>
-        <pc:sldLayoutChg chg="add mod replId">
-          <pc:chgData name="Man,Hok Yi" userId="S::hm565@drexel.edu::9f585303-93fb-4119-ac7d-19fe102fc7c3" providerId="AD" clId="Web-{EC7CF522-1899-4DE6-8BBA-78E77BB66262}" dt="2024-01-28T20:32:56.059" v="29"/>
-          <pc:sldLayoutMkLst>
-            <pc:docMk/>
-            <pc:sldMasterMk cId="1998886237" sldId="2147483864"/>
-            <pc:sldLayoutMk cId="2880369399" sldId="2147483874"/>
-          </pc:sldLayoutMkLst>
-        </pc:sldLayoutChg>
-        <pc:sldLayoutChg chg="add mod replId">
-          <pc:chgData name="Man,Hok Yi" userId="S::hm565@drexel.edu::9f585303-93fb-4119-ac7d-19fe102fc7c3" providerId="AD" clId="Web-{EC7CF522-1899-4DE6-8BBA-78E77BB66262}" dt="2024-01-28T20:32:56.059" v="29"/>
-          <pc:sldLayoutMkLst>
-            <pc:docMk/>
-            <pc:sldMasterMk cId="1998886237" sldId="2147483864"/>
-            <pc:sldLayoutMk cId="3537551270" sldId="2147483875"/>
-          </pc:sldLayoutMkLst>
-        </pc:sldLayoutChg>
-      </pc:sldMasterChg>
-    </pc:docChg>
-  </pc:docChgLst>
-  <pc:docChgLst>
-    <pc:chgData name="Man,Hok Yi" userId="S::hm565@drexel.edu::9f585303-93fb-4119-ac7d-19fe102fc7c3" providerId="AD" clId="Web-{51C13FED-4A9C-4B7E-A3E3-F9D48F3AA5FF}"/>
-    <pc:docChg chg="modSld">
-      <pc:chgData name="Man,Hok Yi" userId="S::hm565@drexel.edu::9f585303-93fb-4119-ac7d-19fe102fc7c3" providerId="AD" clId="Web-{51C13FED-4A9C-4B7E-A3E3-F9D48F3AA5FF}" dt="2024-01-31T23:46:59.562" v="69"/>
-      <pc:docMkLst>
-        <pc:docMk/>
-      </pc:docMkLst>
-      <pc:sldChg chg="addSp delSp modSp mod setBg">
-        <pc:chgData name="Man,Hok Yi" userId="S::hm565@drexel.edu::9f585303-93fb-4119-ac7d-19fe102fc7c3" providerId="AD" clId="Web-{51C13FED-4A9C-4B7E-A3E3-F9D48F3AA5FF}" dt="2024-01-31T23:46:59.562" v="69"/>
-        <pc:sldMkLst>
-          <pc:docMk/>
-          <pc:sldMk cId="1618508130" sldId="271"/>
-        </pc:sldMkLst>
-        <pc:spChg chg="mod">
-          <ac:chgData name="Man,Hok Yi" userId="S::hm565@drexel.edu::9f585303-93fb-4119-ac7d-19fe102fc7c3" providerId="AD" clId="Web-{51C13FED-4A9C-4B7E-A3E3-F9D48F3AA5FF}" dt="2024-01-31T23:46:59.562" v="69"/>
-          <ac:spMkLst>
-            <pc:docMk/>
-            <pc:sldMk cId="1618508130" sldId="271"/>
-            <ac:spMk id="2" creationId="{87C5216F-85A8-A1FC-2B4A-703F53186D47}"/>
-          </ac:spMkLst>
-        </pc:spChg>
-        <pc:spChg chg="mod ord">
-          <ac:chgData name="Man,Hok Yi" userId="S::hm565@drexel.edu::9f585303-93fb-4119-ac7d-19fe102fc7c3" providerId="AD" clId="Web-{51C13FED-4A9C-4B7E-A3E3-F9D48F3AA5FF}" dt="2024-01-31T23:46:59.562" v="69"/>
-          <ac:spMkLst>
-            <pc:docMk/>
-            <pc:sldMk cId="1618508130" sldId="271"/>
-            <ac:spMk id="3" creationId="{FA848C48-4BAD-F6C8-C061-4A535CAB7C0E}"/>
-          </ac:spMkLst>
-        </pc:spChg>
-        <pc:spChg chg="add del">
-          <ac:chgData name="Man,Hok Yi" userId="S::hm565@drexel.edu::9f585303-93fb-4119-ac7d-19fe102fc7c3" providerId="AD" clId="Web-{51C13FED-4A9C-4B7E-A3E3-F9D48F3AA5FF}" dt="2024-01-31T23:46:59.562" v="68"/>
-          <ac:spMkLst>
-            <pc:docMk/>
-            <pc:sldMk cId="1618508130" sldId="271"/>
-            <ac:spMk id="10" creationId="{E53F4E5A-C9EE-4859-B46B-F018F7D73A03}"/>
-          </ac:spMkLst>
-        </pc:spChg>
-        <pc:picChg chg="add del mod">
-          <ac:chgData name="Man,Hok Yi" userId="S::hm565@drexel.edu::9f585303-93fb-4119-ac7d-19fe102fc7c3" providerId="AD" clId="Web-{51C13FED-4A9C-4B7E-A3E3-F9D48F3AA5FF}" dt="2024-01-31T23:45:37.451" v="54"/>
-          <ac:picMkLst>
-            <pc:docMk/>
-            <pc:sldMk cId="1618508130" sldId="271"/>
-            <ac:picMk id="4" creationId="{EF4B1F89-CBFF-FEF0-2BE0-A151D33A26DC}"/>
-          </ac:picMkLst>
-        </pc:picChg>
-        <pc:picChg chg="add mod">
-          <ac:chgData name="Man,Hok Yi" userId="S::hm565@drexel.edu::9f585303-93fb-4119-ac7d-19fe102fc7c3" providerId="AD" clId="Web-{51C13FED-4A9C-4B7E-A3E3-F9D48F3AA5FF}" dt="2024-01-31T23:46:59.562" v="69"/>
-          <ac:picMkLst>
-            <pc:docMk/>
-            <pc:sldMk cId="1618508130" sldId="271"/>
-            <ac:picMk id="5" creationId="{B63C36E3-BC94-EA82-9082-C31294F2F7AA}"/>
-          </ac:picMkLst>
-        </pc:picChg>
-        <pc:cxnChg chg="add del">
-          <ac:chgData name="Man,Hok Yi" userId="S::hm565@drexel.edu::9f585303-93fb-4119-ac7d-19fe102fc7c3" providerId="AD" clId="Web-{51C13FED-4A9C-4B7E-A3E3-F9D48F3AA5FF}" dt="2024-01-31T23:46:59.562" v="68"/>
-          <ac:cxnSpMkLst>
-            <pc:docMk/>
-            <pc:sldMk cId="1618508130" sldId="271"/>
-            <ac:cxnSpMk id="12" creationId="{041A955B-D579-48FD-A51C-51B0C0B69F9A}"/>
-          </ac:cxnSpMkLst>
-        </pc:cxnChg>
-      </pc:sldChg>
-      <pc:sldChg chg="addSp delSp modSp mod setBg">
-        <pc:chgData name="Man,Hok Yi" userId="S::hm565@drexel.edu::9f585303-93fb-4119-ac7d-19fe102fc7c3" providerId="AD" clId="Web-{51C13FED-4A9C-4B7E-A3E3-F9D48F3AA5FF}" dt="2024-01-31T23:46:36.749" v="62"/>
-        <pc:sldMkLst>
-          <pc:docMk/>
-          <pc:sldMk cId="843631567" sldId="275"/>
-        </pc:sldMkLst>
-        <pc:spChg chg="mod">
-          <ac:chgData name="Man,Hok Yi" userId="S::hm565@drexel.edu::9f585303-93fb-4119-ac7d-19fe102fc7c3" providerId="AD" clId="Web-{51C13FED-4A9C-4B7E-A3E3-F9D48F3AA5FF}" dt="2024-01-31T23:46:36.749" v="62"/>
-          <ac:spMkLst>
-            <pc:docMk/>
-            <pc:sldMk cId="843631567" sldId="275"/>
-            <ac:spMk id="2" creationId="{62AFF05C-D619-7B68-7D08-F6AEF9B7DBF6}"/>
-          </ac:spMkLst>
-        </pc:spChg>
-        <pc:spChg chg="mod ord">
-          <ac:chgData name="Man,Hok Yi" userId="S::hm565@drexel.edu::9f585303-93fb-4119-ac7d-19fe102fc7c3" providerId="AD" clId="Web-{51C13FED-4A9C-4B7E-A3E3-F9D48F3AA5FF}" dt="2024-01-31T23:46:36.749" v="62"/>
-          <ac:spMkLst>
-            <pc:docMk/>
-            <pc:sldMk cId="843631567" sldId="275"/>
-            <ac:spMk id="3" creationId="{DE50A7E3-244A-A3A4-80EB-91035C84B2C4}"/>
-          </ac:spMkLst>
-        </pc:spChg>
-        <pc:spChg chg="add">
-          <ac:chgData name="Man,Hok Yi" userId="S::hm565@drexel.edu::9f585303-93fb-4119-ac7d-19fe102fc7c3" providerId="AD" clId="Web-{51C13FED-4A9C-4B7E-A3E3-F9D48F3AA5FF}" dt="2024-01-31T23:46:36.749" v="62"/>
-          <ac:spMkLst>
-            <pc:docMk/>
-            <pc:sldMk cId="843631567" sldId="275"/>
-            <ac:spMk id="11" creationId="{E2A53059-D7B9-4249-ACFA-426AA0C68351}"/>
-          </ac:spMkLst>
-        </pc:spChg>
-        <pc:spChg chg="add">
-          <ac:chgData name="Man,Hok Yi" userId="S::hm565@drexel.edu::9f585303-93fb-4119-ac7d-19fe102fc7c3" providerId="AD" clId="Web-{51C13FED-4A9C-4B7E-A3E3-F9D48F3AA5FF}" dt="2024-01-31T23:46:36.749" v="62"/>
-          <ac:spMkLst>
-            <pc:docMk/>
-            <pc:sldMk cId="843631567" sldId="275"/>
-            <ac:spMk id="13" creationId="{F230AD75-6717-4566-9CA9-25308C0596EE}"/>
-          </ac:spMkLst>
-        </pc:spChg>
-        <pc:picChg chg="add mod ord">
-          <ac:chgData name="Man,Hok Yi" userId="S::hm565@drexel.edu::9f585303-93fb-4119-ac7d-19fe102fc7c3" providerId="AD" clId="Web-{51C13FED-4A9C-4B7E-A3E3-F9D48F3AA5FF}" dt="2024-01-31T23:46:36.749" v="62"/>
-          <ac:picMkLst>
-            <pc:docMk/>
-            <pc:sldMk cId="843631567" sldId="275"/>
-            <ac:picMk id="4" creationId="{A220F9E1-23C8-3C12-A4A1-27D87CE35441}"/>
-          </ac:picMkLst>
-        </pc:picChg>
-        <pc:picChg chg="add del mod">
-          <ac:chgData name="Man,Hok Yi" userId="S::hm565@drexel.edu::9f585303-93fb-4119-ac7d-19fe102fc7c3" providerId="AD" clId="Web-{51C13FED-4A9C-4B7E-A3E3-F9D48F3AA5FF}" dt="2024-01-31T23:45:57.357" v="58"/>
-          <ac:picMkLst>
-            <pc:docMk/>
-            <pc:sldMk cId="843631567" sldId="275"/>
-            <ac:picMk id="5" creationId="{ED543938-279C-8CB3-BCCF-493BB1885820}"/>
-          </ac:picMkLst>
-        </pc:picChg>
-        <pc:picChg chg="add mod">
-          <ac:chgData name="Man,Hok Yi" userId="S::hm565@drexel.edu::9f585303-93fb-4119-ac7d-19fe102fc7c3" providerId="AD" clId="Web-{51C13FED-4A9C-4B7E-A3E3-F9D48F3AA5FF}" dt="2024-01-31T23:46:36.749" v="62"/>
-          <ac:picMkLst>
-            <pc:docMk/>
-            <pc:sldMk cId="843631567" sldId="275"/>
-            <ac:picMk id="6" creationId="{754529E4-4D8B-2CCA-F579-4A97C4573CB5}"/>
-          </ac:picMkLst>
-        </pc:picChg>
-      </pc:sldChg>
-    </pc:docChg>
-  </pc:docChgLst>
-  <pc:docChgLst>
-    <pc:chgData name="Patani,Cimi" userId="S::ccp63@drexel.edu::72ab453c-a6a7-41f9-8e1f-ad511f61c8ba" providerId="AD" clId="Web-{26C9C0A2-9346-438F-857F-1F5E2B469205}"/>
-    <pc:docChg chg="addSld modSld">
-      <pc:chgData name="Patani,Cimi" userId="S::ccp63@drexel.edu::72ab453c-a6a7-41f9-8e1f-ad511f61c8ba" providerId="AD" clId="Web-{26C9C0A2-9346-438F-857F-1F5E2B469205}" dt="2024-01-30T02:36:31.742" v="1004" actId="20577"/>
-      <pc:docMkLst>
-        <pc:docMk/>
-      </pc:docMkLst>
-      <pc:sldChg chg="addSp delSp modSp">
-        <pc:chgData name="Patani,Cimi" userId="S::ccp63@drexel.edu::72ab453c-a6a7-41f9-8e1f-ad511f61c8ba" providerId="AD" clId="Web-{26C9C0A2-9346-438F-857F-1F5E2B469205}" dt="2024-01-30T02:06:54.611" v="272"/>
-        <pc:sldMkLst>
-          <pc:docMk/>
-          <pc:sldMk cId="183389205" sldId="272"/>
-        </pc:sldMkLst>
-        <pc:spChg chg="add del mod">
-          <ac:chgData name="Patani,Cimi" userId="S::ccp63@drexel.edu::72ab453c-a6a7-41f9-8e1f-ad511f61c8ba" providerId="AD" clId="Web-{26C9C0A2-9346-438F-857F-1F5E2B469205}" dt="2024-01-30T02:06:54.611" v="272"/>
-          <ac:spMkLst>
-            <pc:docMk/>
-            <pc:sldMk cId="183389205" sldId="272"/>
-            <ac:spMk id="2" creationId="{CFD84EF7-7B5D-43DE-BF33-DF8C911107E5}"/>
-          </ac:spMkLst>
-        </pc:spChg>
-        <pc:spChg chg="mod">
-          <ac:chgData name="Patani,Cimi" userId="S::ccp63@drexel.edu::72ab453c-a6a7-41f9-8e1f-ad511f61c8ba" providerId="AD" clId="Web-{26C9C0A2-9346-438F-857F-1F5E2B469205}" dt="2024-01-30T01:59:11.789" v="28" actId="1076"/>
-          <ac:spMkLst>
-            <pc:docMk/>
-            <pc:sldMk cId="183389205" sldId="272"/>
-            <ac:spMk id="5" creationId="{C2E266E3-2DE8-4FBA-6CF3-9DD90267DA14}"/>
-          </ac:spMkLst>
-        </pc:spChg>
-      </pc:sldChg>
-      <pc:sldChg chg="modSp">
-        <pc:chgData name="Patani,Cimi" userId="S::ccp63@drexel.edu::72ab453c-a6a7-41f9-8e1f-ad511f61c8ba" providerId="AD" clId="Web-{26C9C0A2-9346-438F-857F-1F5E2B469205}" dt="2024-01-30T02:05:47.873" v="259" actId="14100"/>
-        <pc:sldMkLst>
-          <pc:docMk/>
-          <pc:sldMk cId="4026688930" sldId="273"/>
-        </pc:sldMkLst>
-        <pc:spChg chg="mod">
-          <ac:chgData name="Patani,Cimi" userId="S::ccp63@drexel.edu::72ab453c-a6a7-41f9-8e1f-ad511f61c8ba" providerId="AD" clId="Web-{26C9C0A2-9346-438F-857F-1F5E2B469205}" dt="2024-01-30T02:05:47.873" v="259" actId="14100"/>
-          <ac:spMkLst>
-            <pc:docMk/>
-            <pc:sldMk cId="4026688930" sldId="273"/>
-            <ac:spMk id="11" creationId="{95EBCF41-38EB-A653-7DD4-C6E62D389F58}"/>
-          </ac:spMkLst>
-        </pc:spChg>
-        <pc:spChg chg="mod">
-          <ac:chgData name="Patani,Cimi" userId="S::ccp63@drexel.edu::72ab453c-a6a7-41f9-8e1f-ad511f61c8ba" providerId="AD" clId="Web-{26C9C0A2-9346-438F-857F-1F5E2B469205}" dt="2024-01-30T02:02:59.676" v="198" actId="1076"/>
-          <ac:spMkLst>
-            <pc:docMk/>
-            <pc:sldMk cId="4026688930" sldId="273"/>
-            <ac:spMk id="13" creationId="{5819437C-2E5E-00CE-C513-EF301ED3E30E}"/>
-          </ac:spMkLst>
-        </pc:spChg>
-        <pc:cxnChg chg="mod">
-          <ac:chgData name="Patani,Cimi" userId="S::ccp63@drexel.edu::72ab453c-a6a7-41f9-8e1f-ad511f61c8ba" providerId="AD" clId="Web-{26C9C0A2-9346-438F-857F-1F5E2B469205}" dt="2024-01-30T02:03:08.880" v="199" actId="14100"/>
-          <ac:cxnSpMkLst>
-            <pc:docMk/>
-            <pc:sldMk cId="4026688930" sldId="273"/>
-            <ac:cxnSpMk id="12" creationId="{3AE67F87-F52A-A951-B0BB-4F7016B6472A}"/>
-          </ac:cxnSpMkLst>
-        </pc:cxnChg>
-      </pc:sldChg>
-      <pc:sldChg chg="addSp delSp modSp">
-        <pc:chgData name="Patani,Cimi" userId="S::ccp63@drexel.edu::72ab453c-a6a7-41f9-8e1f-ad511f61c8ba" providerId="AD" clId="Web-{26C9C0A2-9346-438F-857F-1F5E2B469205}" dt="2024-01-30T02:33:51.254" v="970" actId="14100"/>
-        <pc:sldMkLst>
-          <pc:docMk/>
-          <pc:sldMk cId="3290096582" sldId="274"/>
-        </pc:sldMkLst>
-        <pc:spChg chg="add mod">
-          <ac:chgData name="Patani,Cimi" userId="S::ccp63@drexel.edu::72ab453c-a6a7-41f9-8e1f-ad511f61c8ba" providerId="AD" clId="Web-{26C9C0A2-9346-438F-857F-1F5E2B469205}" dt="2024-01-30T02:08:10.897" v="317" actId="20577"/>
-          <ac:spMkLst>
-            <pc:docMk/>
-            <pc:sldMk cId="3290096582" sldId="274"/>
-            <ac:spMk id="2" creationId="{4E770634-BBF3-0FCD-D0F5-15386B50F2E8}"/>
-          </ac:spMkLst>
-        </pc:spChg>
-        <pc:spChg chg="add mod">
-          <ac:chgData name="Patani,Cimi" userId="S::ccp63@drexel.edu::72ab453c-a6a7-41f9-8e1f-ad511f61c8ba" providerId="AD" clId="Web-{26C9C0A2-9346-438F-857F-1F5E2B469205}" dt="2024-01-30T02:12:02.269" v="351" actId="1076"/>
-          <ac:spMkLst>
-            <pc:docMk/>
-            <pc:sldMk cId="3290096582" sldId="274"/>
-            <ac:spMk id="3" creationId="{DD34109C-B412-E70C-6227-3957B308DB0A}"/>
-          </ac:spMkLst>
-        </pc:spChg>
-        <pc:spChg chg="mod">
-          <ac:chgData name="Patani,Cimi" userId="S::ccp63@drexel.edu::72ab453c-a6a7-41f9-8e1f-ad511f61c8ba" providerId="AD" clId="Web-{26C9C0A2-9346-438F-857F-1F5E2B469205}" dt="2024-01-30T02:07:13.284" v="278" actId="1076"/>
-          <ac:spMkLst>
-            <pc:docMk/>
-            <pc:sldMk cId="3290096582" sldId="274"/>
-            <ac:spMk id="4" creationId="{3E8EA5F1-AE97-00F7-DC9C-B5CA6BBDDE47}"/>
-          </ac:spMkLst>
-        </pc:spChg>
-        <pc:spChg chg="add mod">
-          <ac:chgData name="Patani,Cimi" userId="S::ccp63@drexel.edu::72ab453c-a6a7-41f9-8e1f-ad511f61c8ba" providerId="AD" clId="Web-{26C9C0A2-9346-438F-857F-1F5E2B469205}" dt="2024-01-30T02:25:44.084" v="860" actId="20577"/>
-          <ac:spMkLst>
-            <pc:docMk/>
-            <pc:sldMk cId="3290096582" sldId="274"/>
-            <ac:spMk id="5" creationId="{919C8E03-655C-D0BF-9252-4A4D289191C9}"/>
-          </ac:spMkLst>
-        </pc:spChg>
-        <pc:spChg chg="del mod">
-          <ac:chgData name="Patani,Cimi" userId="S::ccp63@drexel.edu::72ab453c-a6a7-41f9-8e1f-ad511f61c8ba" providerId="AD" clId="Web-{26C9C0A2-9346-438F-857F-1F5E2B469205}" dt="2024-01-30T02:05:37.998" v="255"/>
-          <ac:spMkLst>
-            <pc:docMk/>
-            <pc:sldMk cId="3290096582" sldId="274"/>
-            <ac:spMk id="5" creationId="{E2C9ED44-5896-60A4-7360-210A35F2CEA7}"/>
-          </ac:spMkLst>
-        </pc:spChg>
-        <pc:spChg chg="add mod">
-          <ac:chgData name="Patani,Cimi" userId="S::ccp63@drexel.edu::72ab453c-a6a7-41f9-8e1f-ad511f61c8ba" providerId="AD" clId="Web-{26C9C0A2-9346-438F-857F-1F5E2B469205}" dt="2024-01-30T02:33:51.254" v="970" actId="14100"/>
-          <ac:spMkLst>
-            <pc:docMk/>
-            <pc:sldMk cId="3290096582" sldId="274"/>
-            <ac:spMk id="6" creationId="{10C083B5-FF66-866D-6A2B-98FF638B5703}"/>
-          </ac:spMkLst>
-        </pc:spChg>
-      </pc:sldChg>
-      <pc:sldChg chg="addSp delSp modSp new">
-        <pc:chgData name="Patani,Cimi" userId="S::ccp63@drexel.edu::72ab453c-a6a7-41f9-8e1f-ad511f61c8ba" providerId="AD" clId="Web-{26C9C0A2-9346-438F-857F-1F5E2B469205}" dt="2024-01-30T02:36:31.742" v="1004" actId="20577"/>
-        <pc:sldMkLst>
-          <pc:docMk/>
-          <pc:sldMk cId="4157545518" sldId="302"/>
-        </pc:sldMkLst>
-        <pc:spChg chg="del mod">
-          <ac:chgData name="Patani,Cimi" userId="S::ccp63@drexel.edu::72ab453c-a6a7-41f9-8e1f-ad511f61c8ba" providerId="AD" clId="Web-{26C9C0A2-9346-438F-857F-1F5E2B469205}" dt="2024-01-30T02:35:45.319" v="973"/>
-          <ac:spMkLst>
-            <pc:docMk/>
-            <pc:sldMk cId="4157545518" sldId="302"/>
-            <ac:spMk id="2" creationId="{A1F9461B-D4BA-7259-78F7-E03D1E673FCC}"/>
-          </ac:spMkLst>
-        </pc:spChg>
-        <pc:spChg chg="del mod">
-          <ac:chgData name="Patani,Cimi" userId="S::ccp63@drexel.edu::72ab453c-a6a7-41f9-8e1f-ad511f61c8ba" providerId="AD" clId="Web-{26C9C0A2-9346-438F-857F-1F5E2B469205}" dt="2024-01-30T02:35:57.148" v="975"/>
-          <ac:spMkLst>
-            <pc:docMk/>
-            <pc:sldMk cId="4157545518" sldId="302"/>
-            <ac:spMk id="3" creationId="{BF201D88-2932-0122-BCB3-6E1F2F6DCA58}"/>
-          </ac:spMkLst>
-        </pc:spChg>
-        <pc:spChg chg="add mod">
-          <ac:chgData name="Patani,Cimi" userId="S::ccp63@drexel.edu::72ab453c-a6a7-41f9-8e1f-ad511f61c8ba" providerId="AD" clId="Web-{26C9C0A2-9346-438F-857F-1F5E2B469205}" dt="2024-01-30T02:36:14.117" v="997" actId="20577"/>
-          <ac:spMkLst>
-            <pc:docMk/>
-            <pc:sldMk cId="4157545518" sldId="302"/>
-            <ac:spMk id="4" creationId="{BEC49B2F-1232-8103-5650-BB938A28CA09}"/>
-          </ac:spMkLst>
-        </pc:spChg>
-        <pc:spChg chg="add mod">
-          <ac:chgData name="Patani,Cimi" userId="S::ccp63@drexel.edu::72ab453c-a6a7-41f9-8e1f-ad511f61c8ba" providerId="AD" clId="Web-{26C9C0A2-9346-438F-857F-1F5E2B469205}" dt="2024-01-30T02:36:31.742" v="1004" actId="20577"/>
-          <ac:spMkLst>
-            <pc:docMk/>
-            <pc:sldMk cId="4157545518" sldId="302"/>
-            <ac:spMk id="5" creationId="{367D6A4B-F293-FEBB-2A1F-00A0EF9FFC50}"/>
-          </ac:spMkLst>
-        </pc:spChg>
-      </pc:sldChg>
-    </pc:docChg>
-  </pc:docChgLst>
-  <pc:docChgLst>
-    <pc:chgData name="Patani,Cimi" userId="S::ccp63@drexel.edu::72ab453c-a6a7-41f9-8e1f-ad511f61c8ba" providerId="AD" clId="Web-{377F42A3-CE0B-4FF9-B854-FDC75837E972}"/>
-    <pc:docChg chg="addSld delSld modSld sldOrd">
-      <pc:chgData name="Patani,Cimi" userId="S::ccp63@drexel.edu::72ab453c-a6a7-41f9-8e1f-ad511f61c8ba" providerId="AD" clId="Web-{377F42A3-CE0B-4FF9-B854-FDC75837E972}" dt="2024-02-01T02:09:59.337" v="169" actId="14100"/>
-      <pc:docMkLst>
-        <pc:docMk/>
-      </pc:docMkLst>
-      <pc:sldChg chg="modSp">
-        <pc:chgData name="Patani,Cimi" userId="S::ccp63@drexel.edu::72ab453c-a6a7-41f9-8e1f-ad511f61c8ba" providerId="AD" clId="Web-{377F42A3-CE0B-4FF9-B854-FDC75837E972}" dt="2024-02-01T01:16:20.154" v="0" actId="20577"/>
-        <pc:sldMkLst>
-          <pc:docMk/>
-          <pc:sldMk cId="4026688930" sldId="273"/>
-        </pc:sldMkLst>
-        <pc:spChg chg="mod">
-          <ac:chgData name="Patani,Cimi" userId="S::ccp63@drexel.edu::72ab453c-a6a7-41f9-8e1f-ad511f61c8ba" providerId="AD" clId="Web-{377F42A3-CE0B-4FF9-B854-FDC75837E972}" dt="2024-02-01T01:16:20.154" v="0" actId="20577"/>
-          <ac:spMkLst>
-            <pc:docMk/>
-            <pc:sldMk cId="4026688930" sldId="273"/>
-            <ac:spMk id="24" creationId="{51310386-6B61-49C6-F98B-B3D35EC966DA}"/>
-          </ac:spMkLst>
-        </pc:spChg>
-      </pc:sldChg>
-      <pc:sldChg chg="delSp modSp">
-        <pc:chgData name="Patani,Cimi" userId="S::ccp63@drexel.edu::72ab453c-a6a7-41f9-8e1f-ad511f61c8ba" providerId="AD" clId="Web-{377F42A3-CE0B-4FF9-B854-FDC75837E972}" dt="2024-02-01T01:50:49.034" v="69" actId="20577"/>
-        <pc:sldMkLst>
-          <pc:docMk/>
-          <pc:sldMk cId="3290096582" sldId="274"/>
-        </pc:sldMkLst>
-        <pc:spChg chg="del mod">
-          <ac:chgData name="Patani,Cimi" userId="S::ccp63@drexel.edu::72ab453c-a6a7-41f9-8e1f-ad511f61c8ba" providerId="AD" clId="Web-{377F42A3-CE0B-4FF9-B854-FDC75837E972}" dt="2024-02-01T01:43:02.708" v="26"/>
-          <ac:spMkLst>
-            <pc:docMk/>
-            <pc:sldMk cId="3290096582" sldId="274"/>
-            <ac:spMk id="3" creationId="{DD34109C-B412-E70C-6227-3957B308DB0A}"/>
-          </ac:spMkLst>
-        </pc:spChg>
-        <pc:spChg chg="mod">
-          <ac:chgData name="Patani,Cimi" userId="S::ccp63@drexel.edu::72ab453c-a6a7-41f9-8e1f-ad511f61c8ba" providerId="AD" clId="Web-{377F42A3-CE0B-4FF9-B854-FDC75837E972}" dt="2024-02-01T01:50:49.034" v="69" actId="20577"/>
-          <ac:spMkLst>
-            <pc:docMk/>
-            <pc:sldMk cId="3290096582" sldId="274"/>
-            <ac:spMk id="6" creationId="{10C083B5-FF66-866D-6A2B-98FF638B5703}"/>
-          </ac:spMkLst>
-        </pc:spChg>
-      </pc:sldChg>
-      <pc:sldChg chg="ord">
-        <pc:chgData name="Patani,Cimi" userId="S::ccp63@drexel.edu::72ab453c-a6a7-41f9-8e1f-ad511f61c8ba" providerId="AD" clId="Web-{377F42A3-CE0B-4FF9-B854-FDC75837E972}" dt="2024-02-01T01:41:10.329" v="14"/>
-        <pc:sldMkLst>
-          <pc:docMk/>
-          <pc:sldMk cId="2568676513" sldId="305"/>
-        </pc:sldMkLst>
-      </pc:sldChg>
-      <pc:sldChg chg="addSp delSp modSp new mod setBg">
-        <pc:chgData name="Patani,Cimi" userId="S::ccp63@drexel.edu::72ab453c-a6a7-41f9-8e1f-ad511f61c8ba" providerId="AD" clId="Web-{377F42A3-CE0B-4FF9-B854-FDC75837E972}" dt="2024-02-01T01:53:30.382" v="101" actId="20577"/>
-        <pc:sldMkLst>
-          <pc:docMk/>
-          <pc:sldMk cId="3435613578" sldId="310"/>
-        </pc:sldMkLst>
-        <pc:spChg chg="del">
-          <ac:chgData name="Patani,Cimi" userId="S::ccp63@drexel.edu::72ab453c-a6a7-41f9-8e1f-ad511f61c8ba" providerId="AD" clId="Web-{377F42A3-CE0B-4FF9-B854-FDC75837E972}" dt="2024-02-01T01:41:50.878" v="21"/>
-          <ac:spMkLst>
-            <pc:docMk/>
-            <pc:sldMk cId="3435613578" sldId="310"/>
-            <ac:spMk id="2" creationId="{D78D97E4-90C6-FB7A-2B96-EC02E9299BD3}"/>
-          </ac:spMkLst>
-        </pc:spChg>
-        <pc:spChg chg="del">
-          <ac:chgData name="Patani,Cimi" userId="S::ccp63@drexel.edu::72ab453c-a6a7-41f9-8e1f-ad511f61c8ba" providerId="AD" clId="Web-{377F42A3-CE0B-4FF9-B854-FDC75837E972}" dt="2024-02-01T01:41:37.799" v="17"/>
-          <ac:spMkLst>
-            <pc:docMk/>
-            <pc:sldMk cId="3435613578" sldId="310"/>
-            <ac:spMk id="3" creationId="{9D8121E0-75C2-A8D3-EE8C-DB9F54DD15BC}"/>
-          </ac:spMkLst>
-        </pc:spChg>
-        <pc:spChg chg="add mod">
-          <ac:chgData name="Patani,Cimi" userId="S::ccp63@drexel.edu::72ab453c-a6a7-41f9-8e1f-ad511f61c8ba" providerId="AD" clId="Web-{377F42A3-CE0B-4FF9-B854-FDC75837E972}" dt="2024-02-01T01:53:30.382" v="101" actId="20577"/>
-          <ac:spMkLst>
-            <pc:docMk/>
-            <pc:sldMk cId="3435613578" sldId="310"/>
-            <ac:spMk id="5" creationId="{498CB228-8AD6-7E96-7E4E-658774BC001E}"/>
-          </ac:spMkLst>
-        </pc:spChg>
-        <pc:spChg chg="add">
-          <ac:chgData name="Patani,Cimi" userId="S::ccp63@drexel.edu::72ab453c-a6a7-41f9-8e1f-ad511f61c8ba" providerId="AD" clId="Web-{377F42A3-CE0B-4FF9-B854-FDC75837E972}" dt="2024-02-01T01:41:50.878" v="21"/>
-          <ac:spMkLst>
-            <pc:docMk/>
-            <pc:sldMk cId="3435613578" sldId="310"/>
-            <ac:spMk id="9" creationId="{21FFDA05-9640-4040-B33E-D46FD04434DB}"/>
-          </ac:spMkLst>
-        </pc:spChg>
-        <pc:picChg chg="add mod ord modCrop">
-          <ac:chgData name="Patani,Cimi" userId="S::ccp63@drexel.edu::72ab453c-a6a7-41f9-8e1f-ad511f61c8ba" providerId="AD" clId="Web-{377F42A3-CE0B-4FF9-B854-FDC75837E972}" dt="2024-02-01T01:43:02.333" v="25"/>
-          <ac:picMkLst>
-            <pc:docMk/>
-            <pc:sldMk cId="3435613578" sldId="310"/>
-            <ac:picMk id="4" creationId="{94B73619-AAF3-A325-7B78-B40864755120}"/>
-          </ac:picMkLst>
-        </pc:picChg>
-      </pc:sldChg>
-      <pc:sldChg chg="addSp delSp modSp new del ord">
-        <pc:chgData name="Patani,Cimi" userId="S::ccp63@drexel.edu::72ab453c-a6a7-41f9-8e1f-ad511f61c8ba" providerId="AD" clId="Web-{377F42A3-CE0B-4FF9-B854-FDC75837E972}" dt="2024-02-01T01:49:55.376" v="55"/>
-        <pc:sldMkLst>
-          <pc:docMk/>
-          <pc:sldMk cId="1240991061" sldId="311"/>
-        </pc:sldMkLst>
-        <pc:spChg chg="del">
-          <ac:chgData name="Patani,Cimi" userId="S::ccp63@drexel.edu::72ab453c-a6a7-41f9-8e1f-ad511f61c8ba" providerId="AD" clId="Web-{377F42A3-CE0B-4FF9-B854-FDC75837E972}" dt="2024-02-01T01:44:04.350" v="27"/>
-          <ac:spMkLst>
-            <pc:docMk/>
-            <pc:sldMk cId="1240991061" sldId="311"/>
-            <ac:spMk id="3" creationId="{53003C9C-ACEE-4BE4-127A-7B1F87288A33}"/>
-          </ac:spMkLst>
-        </pc:spChg>
-        <pc:spChg chg="add mod">
-          <ac:chgData name="Patani,Cimi" userId="S::ccp63@drexel.edu::72ab453c-a6a7-41f9-8e1f-ad511f61c8ba" providerId="AD" clId="Web-{377F42A3-CE0B-4FF9-B854-FDC75837E972}" dt="2024-02-01T01:44:11.382" v="29"/>
-          <ac:spMkLst>
-            <pc:docMk/>
-            <pc:sldMk cId="1240991061" sldId="311"/>
-            <ac:spMk id="6" creationId="{95FE98EC-6986-E4F1-BCFE-113D86D4B673}"/>
-          </ac:spMkLst>
-        </pc:spChg>
-        <pc:picChg chg="add del mod ord">
-          <ac:chgData name="Patani,Cimi" userId="S::ccp63@drexel.edu::72ab453c-a6a7-41f9-8e1f-ad511f61c8ba" providerId="AD" clId="Web-{377F42A3-CE0B-4FF9-B854-FDC75837E972}" dt="2024-02-01T01:44:11.382" v="29"/>
-          <ac:picMkLst>
-            <pc:docMk/>
-            <pc:sldMk cId="1240991061" sldId="311"/>
-            <ac:picMk id="4" creationId="{D963CE45-A51F-0E35-3035-5899B3912D6F}"/>
-          </ac:picMkLst>
-        </pc:picChg>
-      </pc:sldChg>
-      <pc:sldChg chg="addSp delSp modSp add mod replId setBg">
-        <pc:chgData name="Patani,Cimi" userId="S::ccp63@drexel.edu::72ab453c-a6a7-41f9-8e1f-ad511f61c8ba" providerId="AD" clId="Web-{377F42A3-CE0B-4FF9-B854-FDC75837E972}" dt="2024-02-01T02:09:59.337" v="169" actId="14100"/>
-        <pc:sldMkLst>
-          <pc:docMk/>
-          <pc:sldMk cId="3529123526" sldId="312"/>
-        </pc:sldMkLst>
-        <pc:spChg chg="add mod">
-          <ac:chgData name="Patani,Cimi" userId="S::ccp63@drexel.edu::72ab453c-a6a7-41f9-8e1f-ad511f61c8ba" providerId="AD" clId="Web-{377F42A3-CE0B-4FF9-B854-FDC75837E972}" dt="2024-02-01T01:57:40.859" v="117" actId="1076"/>
-          <ac:spMkLst>
-            <pc:docMk/>
-            <pc:sldMk cId="3529123526" sldId="312"/>
-            <ac:spMk id="6" creationId="{382335F1-D362-78CE-37BF-C85F933DDA69}"/>
-          </ac:spMkLst>
-        </pc:spChg>
-        <pc:spChg chg="add del mod">
-          <ac:chgData name="Patani,Cimi" userId="S::ccp63@drexel.edu::72ab453c-a6a7-41f9-8e1f-ad511f61c8ba" providerId="AD" clId="Web-{377F42A3-CE0B-4FF9-B854-FDC75837E972}" dt="2024-02-01T02:04:37.637" v="131"/>
-          <ac:spMkLst>
-            <pc:docMk/>
-            <pc:sldMk cId="3529123526" sldId="312"/>
-            <ac:spMk id="11" creationId="{E2132422-F480-8DF6-A05A-CEB0FB98F835}"/>
-          </ac:spMkLst>
-        </pc:spChg>
-        <pc:picChg chg="add del mod">
-          <ac:chgData name="Patani,Cimi" userId="S::ccp63@drexel.edu::72ab453c-a6a7-41f9-8e1f-ad511f61c8ba" providerId="AD" clId="Web-{377F42A3-CE0B-4FF9-B854-FDC75837E972}" dt="2024-02-01T02:06:55.488" v="141"/>
-          <ac:picMkLst>
-            <pc:docMk/>
-            <pc:sldMk cId="3529123526" sldId="312"/>
-            <ac:picMk id="4" creationId="{BE685EC6-8D6D-A245-C64C-13EFF67195EC}"/>
-          </ac:picMkLst>
-        </pc:picChg>
-        <pc:picChg chg="add mod">
-          <ac:chgData name="Patani,Cimi" userId="S::ccp63@drexel.edu::72ab453c-a6a7-41f9-8e1f-ad511f61c8ba" providerId="AD" clId="Web-{377F42A3-CE0B-4FF9-B854-FDC75837E972}" dt="2024-02-01T01:57:18.906" v="114" actId="1076"/>
-          <ac:picMkLst>
-            <pc:docMk/>
-            <pc:sldMk cId="3529123526" sldId="312"/>
-            <ac:picMk id="5" creationId="{C93775E0-F8DC-A5B9-C658-FEE39FF7D60C}"/>
-          </ac:picMkLst>
-        </pc:picChg>
-        <pc:picChg chg="add del mod">
-          <ac:chgData name="Patani,Cimi" userId="S::ccp63@drexel.edu::72ab453c-a6a7-41f9-8e1f-ad511f61c8ba" providerId="AD" clId="Web-{377F42A3-CE0B-4FF9-B854-FDC75837E972}" dt="2024-02-01T01:56:49.514" v="110"/>
-          <ac:picMkLst>
-            <pc:docMk/>
-            <pc:sldMk cId="3529123526" sldId="312"/>
-            <ac:picMk id="7" creationId="{914A6796-F449-49A4-F059-CF2337FB7228}"/>
-          </ac:picMkLst>
-        </pc:picChg>
-        <pc:picChg chg="add mod">
-          <ac:chgData name="Patani,Cimi" userId="S::ccp63@drexel.edu::72ab453c-a6a7-41f9-8e1f-ad511f61c8ba" providerId="AD" clId="Web-{377F42A3-CE0B-4FF9-B854-FDC75837E972}" dt="2024-02-01T01:58:04.735" v="122" actId="1076"/>
-          <ac:picMkLst>
-            <pc:docMk/>
-            <pc:sldMk cId="3529123526" sldId="312"/>
-            <ac:picMk id="8" creationId="{556E2BF4-5286-D9E7-B819-4912F36D53FC}"/>
-          </ac:picMkLst>
-        </pc:picChg>
-        <pc:picChg chg="add mod modCrop">
-          <ac:chgData name="Patani,Cimi" userId="S::ccp63@drexel.edu::72ab453c-a6a7-41f9-8e1f-ad511f61c8ba" providerId="AD" clId="Web-{377F42A3-CE0B-4FF9-B854-FDC75837E972}" dt="2024-02-01T02:08:56.585" v="159" actId="1076"/>
-          <ac:picMkLst>
-            <pc:docMk/>
-            <pc:sldMk cId="3529123526" sldId="312"/>
-            <ac:picMk id="12" creationId="{D31ADC69-F6BF-9A25-D4FE-4D367A8291F5}"/>
-          </ac:picMkLst>
-        </pc:picChg>
-        <pc:cxnChg chg="add mod">
-          <ac:chgData name="Patani,Cimi" userId="S::ccp63@drexel.edu::72ab453c-a6a7-41f9-8e1f-ad511f61c8ba" providerId="AD" clId="Web-{377F42A3-CE0B-4FF9-B854-FDC75837E972}" dt="2024-02-01T01:57:28.140" v="116" actId="1076"/>
-          <ac:cxnSpMkLst>
-            <pc:docMk/>
-            <pc:sldMk cId="3529123526" sldId="312"/>
-            <ac:cxnSpMk id="2" creationId="{2E8948CD-0835-7583-5005-07B3EEA52C52}"/>
-          </ac:cxnSpMkLst>
-        </pc:cxnChg>
-        <pc:cxnChg chg="add mod">
-          <ac:chgData name="Patani,Cimi" userId="S::ccp63@drexel.edu::72ab453c-a6a7-41f9-8e1f-ad511f61c8ba" providerId="AD" clId="Web-{377F42A3-CE0B-4FF9-B854-FDC75837E972}" dt="2024-02-01T01:57:24.421" v="115" actId="1076"/>
-          <ac:cxnSpMkLst>
-            <pc:docMk/>
-            <pc:sldMk cId="3529123526" sldId="312"/>
-            <ac:cxnSpMk id="3" creationId="{2CC80F31-4E7A-BB67-E551-E53872E7F8D8}"/>
-          </ac:cxnSpMkLst>
-        </pc:cxnChg>
-        <pc:cxnChg chg="add mod">
-          <ac:chgData name="Patani,Cimi" userId="S::ccp63@drexel.edu::72ab453c-a6a7-41f9-8e1f-ad511f61c8ba" providerId="AD" clId="Web-{377F42A3-CE0B-4FF9-B854-FDC75837E972}" dt="2024-02-01T01:58:53.268" v="126" actId="1076"/>
-          <ac:cxnSpMkLst>
-            <pc:docMk/>
-            <pc:sldMk cId="3529123526" sldId="312"/>
-            <ac:cxnSpMk id="10" creationId="{1B37CC87-874E-92B1-8914-1037CC8666DB}"/>
-          </ac:cxnSpMkLst>
-        </pc:cxnChg>
-        <pc:cxnChg chg="add mod">
-          <ac:chgData name="Patani,Cimi" userId="S::ccp63@drexel.edu::72ab453c-a6a7-41f9-8e1f-ad511f61c8ba" providerId="AD" clId="Web-{377F42A3-CE0B-4FF9-B854-FDC75837E972}" dt="2024-02-01T02:09:32.039" v="165" actId="14100"/>
-          <ac:cxnSpMkLst>
-            <pc:docMk/>
-            <pc:sldMk cId="3529123526" sldId="312"/>
-            <ac:cxnSpMk id="13" creationId="{20CE4147-2FDA-B451-27C3-7F2269BDCC9C}"/>
-          </ac:cxnSpMkLst>
-        </pc:cxnChg>
-        <pc:cxnChg chg="add mod">
-          <ac:chgData name="Patani,Cimi" userId="S::ccp63@drexel.edu::72ab453c-a6a7-41f9-8e1f-ad511f61c8ba" providerId="AD" clId="Web-{377F42A3-CE0B-4FF9-B854-FDC75837E972}" dt="2024-02-01T02:09:59.337" v="169" actId="14100"/>
-          <ac:cxnSpMkLst>
-            <pc:docMk/>
-            <pc:sldMk cId="3529123526" sldId="312"/>
-            <ac:cxnSpMk id="14" creationId="{BFC40211-44C5-518D-8A26-8AC65F2C143A}"/>
-          </ac:cxnSpMkLst>
-        </pc:cxnChg>
-      </pc:sldChg>
-    </pc:docChg>
-  </pc:docChgLst>
-  <pc:docChgLst>
-    <pc:chgData name="Man,Hok Yi" userId="S::hm565@drexel.edu::9f585303-93fb-4119-ac7d-19fe102fc7c3" providerId="AD" clId="Web-{A28265C3-3561-46B9-9D08-9CC205C161EA}"/>
-    <pc:docChg chg="modSld">
-      <pc:chgData name="Man,Hok Yi" userId="S::hm565@drexel.edu::9f585303-93fb-4119-ac7d-19fe102fc7c3" providerId="AD" clId="Web-{A28265C3-3561-46B9-9D08-9CC205C161EA}" dt="2024-01-28T21:43:22.086" v="15"/>
-      <pc:docMkLst>
-        <pc:docMk/>
-      </pc:docMkLst>
-      <pc:sldChg chg="modSp">
-        <pc:chgData name="Man,Hok Yi" userId="S::hm565@drexel.edu::9f585303-93fb-4119-ac7d-19fe102fc7c3" providerId="AD" clId="Web-{A28265C3-3561-46B9-9D08-9CC205C161EA}" dt="2024-01-28T21:00:52.521" v="6" actId="20577"/>
-        <pc:sldMkLst>
-          <pc:docMk/>
-          <pc:sldMk cId="843631567" sldId="275"/>
-        </pc:sldMkLst>
-        <pc:spChg chg="mod">
-          <ac:chgData name="Man,Hok Yi" userId="S::hm565@drexel.edu::9f585303-93fb-4119-ac7d-19fe102fc7c3" providerId="AD" clId="Web-{A28265C3-3561-46B9-9D08-9CC205C161EA}" dt="2024-01-28T21:00:52.521" v="6" actId="20577"/>
-          <ac:spMkLst>
-            <pc:docMk/>
-            <pc:sldMk cId="843631567" sldId="275"/>
-            <ac:spMk id="3" creationId="{DE50A7E3-244A-A3A4-80EB-91035C84B2C4}"/>
-          </ac:spMkLst>
-        </pc:spChg>
-      </pc:sldChg>
-      <pc:sldChg chg="modSp">
-        <pc:chgData name="Man,Hok Yi" userId="S::hm565@drexel.edu::9f585303-93fb-4119-ac7d-19fe102fc7c3" providerId="AD" clId="Web-{A28265C3-3561-46B9-9D08-9CC205C161EA}" dt="2024-01-28T21:15:43.028" v="10" actId="20577"/>
-        <pc:sldMkLst>
-          <pc:docMk/>
-          <pc:sldMk cId="1681687425" sldId="278"/>
-        </pc:sldMkLst>
-        <pc:spChg chg="mod">
-          <ac:chgData name="Man,Hok Yi" userId="S::hm565@drexel.edu::9f585303-93fb-4119-ac7d-19fe102fc7c3" providerId="AD" clId="Web-{A28265C3-3561-46B9-9D08-9CC205C161EA}" dt="2024-01-28T21:15:43.028" v="10" actId="20577"/>
-          <ac:spMkLst>
-            <pc:docMk/>
-            <pc:sldMk cId="1681687425" sldId="278"/>
-            <ac:spMk id="3" creationId="{28FB20A6-FD5C-77F7-D018-CA35CE017F04}"/>
-          </ac:spMkLst>
-        </pc:spChg>
-      </pc:sldChg>
-      <pc:sldChg chg="modSp">
-        <pc:chgData name="Man,Hok Yi" userId="S::hm565@drexel.edu::9f585303-93fb-4119-ac7d-19fe102fc7c3" providerId="AD" clId="Web-{A28265C3-3561-46B9-9D08-9CC205C161EA}" dt="2024-01-28T21:21:14.067" v="12" actId="20577"/>
-        <pc:sldMkLst>
-          <pc:docMk/>
-          <pc:sldMk cId="1401473754" sldId="280"/>
-        </pc:sldMkLst>
-        <pc:spChg chg="mod">
-          <ac:chgData name="Man,Hok Yi" userId="S::hm565@drexel.edu::9f585303-93fb-4119-ac7d-19fe102fc7c3" providerId="AD" clId="Web-{A28265C3-3561-46B9-9D08-9CC205C161EA}" dt="2024-01-28T21:21:14.067" v="12" actId="20577"/>
-          <ac:spMkLst>
-            <pc:docMk/>
-            <pc:sldMk cId="1401473754" sldId="280"/>
-            <ac:spMk id="3" creationId="{6A8E3416-FE51-1A6B-296C-E9E5FE8645B8}"/>
-          </ac:spMkLst>
-        </pc:spChg>
-      </pc:sldChg>
-      <pc:sldChg chg="addSp delSp modSp">
-        <pc:chgData name="Man,Hok Yi" userId="S::hm565@drexel.edu::9f585303-93fb-4119-ac7d-19fe102fc7c3" providerId="AD" clId="Web-{A28265C3-3561-46B9-9D08-9CC205C161EA}" dt="2024-01-28T21:43:22.086" v="15"/>
-        <pc:sldMkLst>
-          <pc:docMk/>
-          <pc:sldMk cId="862902737" sldId="286"/>
-        </pc:sldMkLst>
-        <pc:spChg chg="del">
-          <ac:chgData name="Man,Hok Yi" userId="S::hm565@drexel.edu::9f585303-93fb-4119-ac7d-19fe102fc7c3" providerId="AD" clId="Web-{A28265C3-3561-46B9-9D08-9CC205C161EA}" dt="2024-01-28T21:43:08.289" v="13"/>
-          <ac:spMkLst>
-            <pc:docMk/>
-            <pc:sldMk cId="862902737" sldId="286"/>
-            <ac:spMk id="3" creationId="{B3C520E0-CD44-8DCB-A3C2-A7A225BC8F70}"/>
-          </ac:spMkLst>
-        </pc:spChg>
-        <pc:picChg chg="add mod ord">
-          <ac:chgData name="Man,Hok Yi" userId="S::hm565@drexel.edu::9f585303-93fb-4119-ac7d-19fe102fc7c3" providerId="AD" clId="Web-{A28265C3-3561-46B9-9D08-9CC205C161EA}" dt="2024-01-28T21:43:22.086" v="15"/>
-          <ac:picMkLst>
-            <pc:docMk/>
-            <pc:sldMk cId="862902737" sldId="286"/>
-            <ac:picMk id="4" creationId="{3C4306C1-2F32-B0B5-4FB6-8D705B268B4B}"/>
-          </ac:picMkLst>
-        </pc:picChg>
-      </pc:sldChg>
-    </pc:docChg>
-  </pc:docChgLst>
-</pc:chgInfo>
 </file>
 
 <file path=ppt/diagrams/colors1.xml><?xml version="1.0" encoding="utf-8"?>
@@ -34614,12 +26099,6 @@
 </file>
 
 <file path=customXml/item1.xml><?xml version="1.0" encoding="utf-8"?>
-<p:properties xmlns:p="http://schemas.microsoft.com/office/2006/metadata/properties" xmlns:xsi="http://www.w3.org/2001/XMLSchema-instance" xmlns:pc="http://schemas.microsoft.com/office/infopath/2007/PartnerControls">
-  <documentManagement/>
-</p:properties>
-</file>
-
-<file path=customXml/item2.xml><?xml version="1.0" encoding="utf-8"?>
 <?mso-contentType ?>
 <FormTemplates xmlns="http://schemas.microsoft.com/sharepoint/v3/contenttype/forms">
   <Display>DocumentLibraryForm</Display>
@@ -34628,7 +26107,7 @@
 </FormTemplates>
 </file>
 
-<file path=customXml/item3.xml><?xml version="1.0" encoding="utf-8"?>
+<file path=customXml/item2.xml><?xml version="1.0" encoding="utf-8"?>
 <ct:contentTypeSchema xmlns:ct="http://schemas.microsoft.com/office/2006/metadata/contentType" xmlns:ma="http://schemas.microsoft.com/office/2006/metadata/properties/metaAttributes" ct:_="" ma:_="" ma:contentTypeName="Document" ma:contentTypeID="0x01010029D0541F4CDE7546BA62AF3364622BFC" ma:contentTypeVersion="4" ma:contentTypeDescription="Create a new document." ma:contentTypeScope="" ma:versionID="819f5d464d39bcc8aa18a995a1bfa735">
   <xsd:schema xmlns:xsd="http://www.w3.org/2001/XMLSchema" xmlns:xs="http://www.w3.org/2001/XMLSchema" xmlns:p="http://schemas.microsoft.com/office/2006/metadata/properties" xmlns:ns2="ee5b1a5a-f929-4855-b0fb-f48d78c84d01" targetNamespace="http://schemas.microsoft.com/office/2006/metadata/properties" ma:root="true" ma:fieldsID="87b3fe0f278518d164546a7db98ecad0" ns2:_="">
     <xsd:import namespace="ee5b1a5a-f929-4855-b0fb-f48d78c84d01"/>
@@ -34772,23 +26251,13 @@
 </ct:contentTypeSchema>
 </file>
 
-<file path=customXml/itemProps1.xml><?xml version="1.0" encoding="utf-8"?>
-<ds:datastoreItem xmlns:ds="http://schemas.openxmlformats.org/officeDocument/2006/customXml" ds:itemID="{FD9FABF5-6511-49BB-9308-A0ED0CDD57EB}">
-  <ds:schemaRefs>
-    <ds:schemaRef ds:uri="ee5b1a5a-f929-4855-b0fb-f48d78c84d01"/>
-    <ds:schemaRef ds:uri="http://purl.org/dc/dcmitype/"/>
-    <ds:schemaRef ds:uri="http://purl.org/dc/elements/1.1/"/>
-    <ds:schemaRef ds:uri="http://purl.org/dc/terms/"/>
-    <ds:schemaRef ds:uri="http://schemas.microsoft.com/office/2006/documentManagement/types"/>
-    <ds:schemaRef ds:uri="http://schemas.microsoft.com/office/2006/metadata/properties"/>
-    <ds:schemaRef ds:uri="http://schemas.microsoft.com/office/infopath/2007/PartnerControls"/>
-    <ds:schemaRef ds:uri="http://schemas.openxmlformats.org/package/2006/metadata/core-properties"/>
-    <ds:schemaRef ds:uri="http://www.w3.org/XML/1998/namespace"/>
-  </ds:schemaRefs>
-</ds:datastoreItem>
+<file path=customXml/item3.xml><?xml version="1.0" encoding="utf-8"?>
+<p:properties xmlns:p="http://schemas.microsoft.com/office/2006/metadata/properties" xmlns:xsi="http://www.w3.org/2001/XMLSchema-instance" xmlns:pc="http://schemas.microsoft.com/office/infopath/2007/PartnerControls">
+  <documentManagement/>
+</p:properties>
 </file>
 
-<file path=customXml/itemProps2.xml><?xml version="1.0" encoding="utf-8"?>
+<file path=customXml/itemProps1.xml><?xml version="1.0" encoding="utf-8"?>
 <ds:datastoreItem xmlns:ds="http://schemas.openxmlformats.org/officeDocument/2006/customXml" ds:itemID="{A39F2FBB-3B13-4D1F-B9F5-CD3593210063}">
   <ds:schemaRefs>
     <ds:schemaRef ds:uri="http://schemas.microsoft.com/sharepoint/v3/contenttype/forms"/>
@@ -34796,7 +26265,7 @@
 </ds:datastoreItem>
 </file>
 
-<file path=customXml/itemProps3.xml><?xml version="1.0" encoding="utf-8"?>
+<file path=customXml/itemProps2.xml><?xml version="1.0" encoding="utf-8"?>
 <ds:datastoreItem xmlns:ds="http://schemas.openxmlformats.org/officeDocument/2006/customXml" ds:itemID="{E919682F-F86F-431A-ABA1-E1A389D532FE}">
   <ds:schemaRefs>
     <ds:schemaRef ds:uri="ee5b1a5a-f929-4855-b0fb-f48d78c84d01"/>
@@ -34812,4 +26281,20 @@
     <ds:schemaRef ds:uri="http://www.w3.org/2001/XMLSchema"/>
   </ds:schemaRefs>
 </ds:datastoreItem>
+</file>
+
+<file path=customXml/itemProps3.xml><?xml version="1.0" encoding="utf-8"?>
+<ds:datastoreItem xmlns:ds="http://schemas.openxmlformats.org/officeDocument/2006/customXml" ds:itemID="{FD9FABF5-6511-49BB-9308-A0ED0CDD57EB}">
+  <ds:schemaRefs>
+    <ds:schemaRef ds:uri="ee5b1a5a-f929-4855-b0fb-f48d78c84d01"/>
+    <ds:schemaRef ds:uri="http://purl.org/dc/dcmitype/"/>
+    <ds:schemaRef ds:uri="http://purl.org/dc/elements/1.1/"/>
+    <ds:schemaRef ds:uri="http://purl.org/dc/terms/"/>
+    <ds:schemaRef ds:uri="http://schemas.microsoft.com/office/2006/documentManagement/types"/>
+    <ds:schemaRef ds:uri="http://schemas.microsoft.com/office/2006/metadata/properties"/>
+    <ds:schemaRef ds:uri="http://schemas.microsoft.com/office/infopath/2007/PartnerControls"/>
+    <ds:schemaRef ds:uri="http://schemas.openxmlformats.org/package/2006/metadata/core-properties"/>
+    <ds:schemaRef ds:uri="http://www.w3.org/XML/1998/namespace"/>
+  </ds:schemaRefs>
+</ds:datastoreItem>
 </file>